--- a/Iteration 3 PowerPoint/Team 3 Iteration 3.pptx
+++ b/Iteration 3 PowerPoint/Team 3 Iteration 3.pptx
@@ -15,11 +15,11 @@
     <p:sldId id="274" r:id="rId3"/>
     <p:sldId id="256" r:id="rId4"/>
     <p:sldId id="260" r:id="rId5"/>
-    <p:sldId id="277" r:id="rId6"/>
-    <p:sldId id="273" r:id="rId7"/>
-    <p:sldId id="278" r:id="rId8"/>
-    <p:sldId id="275" r:id="rId9"/>
-    <p:sldId id="276" r:id="rId10"/>
+    <p:sldId id="275" r:id="rId6"/>
+    <p:sldId id="276" r:id="rId7"/>
+    <p:sldId id="277" r:id="rId8"/>
+    <p:sldId id="273" r:id="rId9"/>
+    <p:sldId id="278" r:id="rId10"/>
     <p:sldId id="257" r:id="rId11"/>
   </p:sldIdLst>
   <p:sldSz cx="9144000" cy="6858000" type="screen4x3"/>
@@ -3879,7 +3879,6 @@
               <a:rPr lang="en-US" dirty="0" smtClean="0"/>
               <a:t>?</a:t>
             </a:r>
-            <a:endParaRPr lang="en-US" dirty="0" smtClean="0"/>
           </a:p>
         </p:txBody>
       </p:sp>
@@ -4026,7 +4025,6 @@
               <a:rPr lang="en-US" dirty="0"/>
               <a:t>Code Walk Through</a:t>
             </a:r>
-            <a:endParaRPr lang="en-US" dirty="0"/>
           </a:p>
           <a:p>
             <a:r>
@@ -4045,7 +4043,6 @@
               <a:rPr lang="en-US" dirty="0" smtClean="0"/>
               <a:t>Final Presentation</a:t>
             </a:r>
-            <a:endParaRPr lang="en-US" dirty="0" smtClean="0"/>
           </a:p>
           <a:p>
             <a:endParaRPr lang="en-US" dirty="0"/>
@@ -14901,11 +14898,7 @@
           <a:p>
             <a:r>
               <a:rPr lang="en-US" dirty="0" smtClean="0"/>
-              <a:t>Increment </a:t>
-            </a:r>
-            <a:r>
-              <a:rPr lang="en-US" dirty="0" smtClean="0"/>
-              <a:t>3Deliverables</a:t>
+              <a:t>Increment 3Deliverables</a:t>
             </a:r>
             <a:endParaRPr lang="en-US" dirty="0"/>
           </a:p>
@@ -14930,23 +14923,17 @@
               <a:rPr lang="en-US" dirty="0" smtClean="0"/>
               <a:t>Review Feedback from Iteration 2</a:t>
             </a:r>
-            <a:endParaRPr lang="en-US" dirty="0" smtClean="0"/>
           </a:p>
           <a:p>
             <a:r>
               <a:rPr lang="en-US" dirty="0" smtClean="0"/>
               <a:t>Implement Feedback from Iteration 2</a:t>
             </a:r>
-            <a:endParaRPr lang="en-US" dirty="0" smtClean="0"/>
           </a:p>
           <a:p>
             <a:r>
               <a:rPr lang="en-US" dirty="0" smtClean="0"/>
-              <a:t>Sprint </a:t>
-            </a:r>
-            <a:r>
-              <a:rPr lang="en-US" dirty="0" smtClean="0"/>
-              <a:t>Creation</a:t>
+              <a:t>Sprint Creation</a:t>
             </a:r>
           </a:p>
           <a:p>
@@ -15044,6 +15031,3795 @@
           <a:p>
             <a:r>
               <a:rPr lang="en-US" dirty="0" smtClean="0"/>
+              <a:t>Joel Test</a:t>
+            </a:r>
+            <a:endParaRPr lang="en-US" dirty="0"/>
+          </a:p>
+        </p:txBody>
+      </p:sp>
+      <p:sp>
+        <p:nvSpPr>
+          <p:cNvPr id="4" name="Slide Number Placeholder 3"/>
+          <p:cNvSpPr>
+            <a:spLocks noGrp="1"/>
+          </p:cNvSpPr>
+          <p:nvPr>
+            <p:ph type="sldNum" sz="quarter" idx="12"/>
+          </p:nvPr>
+        </p:nvSpPr>
+        <p:spPr/>
+        <p:txBody>
+          <a:bodyPr/>
+          <a:lstStyle/>
+          <a:p>
+            <a:fld id="{47DBC36D-8629-4A26-B3EA-358F99E6BE49}" type="slidenum">
+              <a:rPr lang="en-US" smtClean="0"/>
+              <a:t>5</a:t>
+            </a:fld>
+            <a:endParaRPr lang="en-US"/>
+          </a:p>
+        </p:txBody>
+      </p:sp>
+      <p:graphicFrame>
+        <p:nvGraphicFramePr>
+          <p:cNvPr id="7" name="Content Placeholder 6"/>
+          <p:cNvGraphicFramePr>
+            <a:graphicFrameLocks noGrp="1"/>
+          </p:cNvGraphicFramePr>
+          <p:nvPr>
+            <p:ph idx="1"/>
+            <p:extLst>
+              <p:ext uri="{D42A27DB-BD31-4B8C-83A1-F6EECF244321}">
+                <p14:modId xmlns:p14="http://schemas.microsoft.com/office/powerpoint/2010/main" val="2868765135"/>
+              </p:ext>
+            </p:extLst>
+          </p:nvPr>
+        </p:nvGraphicFramePr>
+        <p:xfrm>
+          <a:off x="152400" y="1600201"/>
+          <a:ext cx="8077199" cy="4800598"/>
+        </p:xfrm>
+        <a:graphic>
+          <a:graphicData uri="http://schemas.openxmlformats.org/drawingml/2006/table">
+            <a:tbl>
+              <a:tblPr>
+                <a:tableStyleId>{5C22544A-7EE6-4342-B048-85BDC9FD1C3A}</a:tableStyleId>
+              </a:tblPr>
+              <a:tblGrid>
+                <a:gridCol w="780484"/>
+                <a:gridCol w="4845508"/>
+                <a:gridCol w="817069"/>
+                <a:gridCol w="817069"/>
+                <a:gridCol w="817069"/>
+              </a:tblGrid>
+              <a:tr h="348374">
+                <a:tc gridSpan="2">
+                  <a:txBody>
+                    <a:bodyPr/>
+                    <a:lstStyle/>
+                    <a:p>
+                      <a:pPr algn="ctr" fontAlgn="b"/>
+                      <a:r>
+                        <a:rPr lang="en-US" sz="1100" u="none" strike="noStrike">
+                          <a:effectLst/>
+                        </a:rPr>
+                        <a:t>The Joel Test</a:t>
+                      </a:r>
+                      <a:endParaRPr lang="en-US" sz="1100" b="0" i="0" u="none" strike="noStrike">
+                        <a:solidFill>
+                          <a:srgbClr val="000000"/>
+                        </a:solidFill>
+                        <a:effectLst/>
+                        <a:latin typeface="Calibri"/>
+                      </a:endParaRPr>
+                    </a:p>
+                  </a:txBody>
+                  <a:tcPr marL="9525" marR="9525" marT="9525" marB="0" anchor="b"/>
+                </a:tc>
+                <a:tc hMerge="1">
+                  <a:txBody>
+                    <a:bodyPr/>
+                    <a:lstStyle/>
+                    <a:p>
+                      <a:endParaRPr lang="en-US"/>
+                    </a:p>
+                  </a:txBody>
+                  <a:tcPr/>
+                </a:tc>
+                <a:tc>
+                  <a:txBody>
+                    <a:bodyPr/>
+                    <a:lstStyle/>
+                    <a:p>
+                      <a:pPr algn="l" fontAlgn="b"/>
+                      <a:r>
+                        <a:rPr lang="en-US" sz="1100" u="none" strike="noStrike">
+                          <a:effectLst/>
+                        </a:rPr>
+                        <a:t>Iteration 1</a:t>
+                      </a:r>
+                      <a:endParaRPr lang="en-US" sz="1100" b="0" i="0" u="none" strike="noStrike">
+                        <a:solidFill>
+                          <a:srgbClr val="000000"/>
+                        </a:solidFill>
+                        <a:effectLst/>
+                        <a:latin typeface="Calibri"/>
+                      </a:endParaRPr>
+                    </a:p>
+                  </a:txBody>
+                  <a:tcPr marL="9525" marR="9525" marT="9525" marB="0" anchor="b"/>
+                </a:tc>
+                <a:tc>
+                  <a:txBody>
+                    <a:bodyPr/>
+                    <a:lstStyle/>
+                    <a:p>
+                      <a:pPr algn="l" fontAlgn="b"/>
+                      <a:r>
+                        <a:rPr lang="en-US" sz="1100" u="none" strike="noStrike">
+                          <a:effectLst/>
+                        </a:rPr>
+                        <a:t>Iteration 2</a:t>
+                      </a:r>
+                      <a:endParaRPr lang="en-US" sz="1100" b="0" i="0" u="none" strike="noStrike">
+                        <a:solidFill>
+                          <a:srgbClr val="000000"/>
+                        </a:solidFill>
+                        <a:effectLst/>
+                        <a:latin typeface="Calibri"/>
+                      </a:endParaRPr>
+                    </a:p>
+                  </a:txBody>
+                  <a:tcPr marL="9525" marR="9525" marT="9525" marB="0" anchor="b"/>
+                </a:tc>
+                <a:tc>
+                  <a:txBody>
+                    <a:bodyPr/>
+                    <a:lstStyle/>
+                    <a:p>
+                      <a:pPr algn="l" fontAlgn="b"/>
+                      <a:r>
+                        <a:rPr lang="en-US" sz="1100" u="none" strike="noStrike">
+                          <a:effectLst/>
+                        </a:rPr>
+                        <a:t>Iteration 3</a:t>
+                      </a:r>
+                      <a:endParaRPr lang="en-US" sz="1100" b="0" i="0" u="none" strike="noStrike">
+                        <a:solidFill>
+                          <a:srgbClr val="000000"/>
+                        </a:solidFill>
+                        <a:effectLst/>
+                        <a:latin typeface="Calibri"/>
+                      </a:endParaRPr>
+                    </a:p>
+                  </a:txBody>
+                  <a:tcPr marL="9525" marR="9525" marT="9525" marB="0" anchor="b"/>
+                </a:tc>
+              </a:tr>
+              <a:tr h="348374">
+                <a:tc>
+                  <a:txBody>
+                    <a:bodyPr/>
+                    <a:lstStyle/>
+                    <a:p>
+                      <a:pPr algn="r" fontAlgn="b"/>
+                      <a:r>
+                        <a:rPr lang="en-US" sz="1100" u="none" strike="noStrike">
+                          <a:effectLst/>
+                        </a:rPr>
+                        <a:t>1</a:t>
+                      </a:r>
+                      <a:endParaRPr lang="en-US" sz="1100" b="0" i="0" u="none" strike="noStrike">
+                        <a:solidFill>
+                          <a:srgbClr val="000000"/>
+                        </a:solidFill>
+                        <a:effectLst/>
+                        <a:latin typeface="Calibri"/>
+                      </a:endParaRPr>
+                    </a:p>
+                  </a:txBody>
+                  <a:tcPr marL="9525" marR="9525" marT="9525" marB="0" anchor="b"/>
+                </a:tc>
+                <a:tc>
+                  <a:txBody>
+                    <a:bodyPr/>
+                    <a:lstStyle/>
+                    <a:p>
+                      <a:pPr algn="l" fontAlgn="b"/>
+                      <a:r>
+                        <a:rPr lang="en-US" sz="1100" u="none" strike="noStrike">
+                          <a:effectLst/>
+                        </a:rPr>
+                        <a:t>Do you use source control?</a:t>
+                      </a:r>
+                      <a:endParaRPr lang="en-US" sz="1100" b="0" i="0" u="none" strike="noStrike">
+                        <a:solidFill>
+                          <a:srgbClr val="000000"/>
+                        </a:solidFill>
+                        <a:effectLst/>
+                        <a:latin typeface="Calibri"/>
+                      </a:endParaRPr>
+                    </a:p>
+                  </a:txBody>
+                  <a:tcPr marL="9525" marR="9525" marT="9525" marB="0" anchor="b"/>
+                </a:tc>
+                <a:tc>
+                  <a:txBody>
+                    <a:bodyPr/>
+                    <a:lstStyle/>
+                    <a:p>
+                      <a:pPr algn="r" fontAlgn="b"/>
+                      <a:r>
+                        <a:rPr lang="en-US" sz="1100" u="none" strike="noStrike">
+                          <a:effectLst/>
+                        </a:rPr>
+                        <a:t>1</a:t>
+                      </a:r>
+                      <a:endParaRPr lang="en-US" sz="1100" b="0" i="0" u="none" strike="noStrike">
+                        <a:solidFill>
+                          <a:srgbClr val="000000"/>
+                        </a:solidFill>
+                        <a:effectLst/>
+                        <a:latin typeface="Calibri"/>
+                      </a:endParaRPr>
+                    </a:p>
+                  </a:txBody>
+                  <a:tcPr marL="9525" marR="9525" marT="9525" marB="0" anchor="b"/>
+                </a:tc>
+                <a:tc>
+                  <a:txBody>
+                    <a:bodyPr/>
+                    <a:lstStyle/>
+                    <a:p>
+                      <a:pPr algn="r" fontAlgn="b"/>
+                      <a:r>
+                        <a:rPr lang="en-US" sz="1100" u="none" strike="noStrike">
+                          <a:effectLst/>
+                        </a:rPr>
+                        <a:t>1</a:t>
+                      </a:r>
+                      <a:endParaRPr lang="en-US" sz="1100" b="0" i="0" u="none" strike="noStrike">
+                        <a:solidFill>
+                          <a:srgbClr val="000000"/>
+                        </a:solidFill>
+                        <a:effectLst/>
+                        <a:latin typeface="Calibri"/>
+                      </a:endParaRPr>
+                    </a:p>
+                  </a:txBody>
+                  <a:tcPr marL="9525" marR="9525" marT="9525" marB="0" anchor="b"/>
+                </a:tc>
+                <a:tc>
+                  <a:txBody>
+                    <a:bodyPr/>
+                    <a:lstStyle/>
+                    <a:p>
+                      <a:pPr algn="r" fontAlgn="b"/>
+                      <a:r>
+                        <a:rPr lang="en-US" sz="1100" u="none" strike="noStrike">
+                          <a:effectLst/>
+                        </a:rPr>
+                        <a:t>1</a:t>
+                      </a:r>
+                      <a:endParaRPr lang="en-US" sz="1100" b="1" i="0" u="none" strike="noStrike">
+                        <a:solidFill>
+                          <a:srgbClr val="000000"/>
+                        </a:solidFill>
+                        <a:effectLst/>
+                        <a:latin typeface="Calibri"/>
+                      </a:endParaRPr>
+                    </a:p>
+                  </a:txBody>
+                  <a:tcPr marL="9525" marR="9525" marT="9525" marB="0" anchor="b"/>
+                </a:tc>
+              </a:tr>
+              <a:tr h="335601">
+                <a:tc>
+                  <a:txBody>
+                    <a:bodyPr/>
+                    <a:lstStyle/>
+                    <a:p>
+                      <a:pPr algn="r" fontAlgn="b"/>
+                      <a:r>
+                        <a:rPr lang="en-US" sz="1100" u="none" strike="noStrike">
+                          <a:effectLst/>
+                        </a:rPr>
+                        <a:t>2</a:t>
+                      </a:r>
+                      <a:endParaRPr lang="en-US" sz="1100" b="0" i="0" u="none" strike="noStrike">
+                        <a:solidFill>
+                          <a:srgbClr val="000000"/>
+                        </a:solidFill>
+                        <a:effectLst/>
+                        <a:latin typeface="Calibri"/>
+                      </a:endParaRPr>
+                    </a:p>
+                  </a:txBody>
+                  <a:tcPr marL="9525" marR="9525" marT="9525" marB="0" anchor="b"/>
+                </a:tc>
+                <a:tc>
+                  <a:txBody>
+                    <a:bodyPr/>
+                    <a:lstStyle/>
+                    <a:p>
+                      <a:pPr algn="l" fontAlgn="b"/>
+                      <a:r>
+                        <a:rPr lang="en-US" sz="1100" u="none" strike="noStrike">
+                          <a:effectLst/>
+                        </a:rPr>
+                        <a:t>Can you make a build in one step?</a:t>
+                      </a:r>
+                      <a:endParaRPr lang="en-US" sz="1100" b="0" i="0" u="none" strike="noStrike">
+                        <a:solidFill>
+                          <a:srgbClr val="000000"/>
+                        </a:solidFill>
+                        <a:effectLst/>
+                        <a:latin typeface="Calibri"/>
+                      </a:endParaRPr>
+                    </a:p>
+                  </a:txBody>
+                  <a:tcPr marL="9525" marR="9525" marT="9525" marB="0" anchor="b"/>
+                </a:tc>
+                <a:tc>
+                  <a:txBody>
+                    <a:bodyPr/>
+                    <a:lstStyle/>
+                    <a:p>
+                      <a:pPr algn="r" fontAlgn="b"/>
+                      <a:r>
+                        <a:rPr lang="en-US" sz="1100" u="none" strike="noStrike">
+                          <a:effectLst/>
+                        </a:rPr>
+                        <a:t>1</a:t>
+                      </a:r>
+                      <a:endParaRPr lang="en-US" sz="1100" b="0" i="0" u="none" strike="noStrike">
+                        <a:solidFill>
+                          <a:srgbClr val="000000"/>
+                        </a:solidFill>
+                        <a:effectLst/>
+                        <a:latin typeface="Calibri"/>
+                      </a:endParaRPr>
+                    </a:p>
+                  </a:txBody>
+                  <a:tcPr marL="9525" marR="9525" marT="9525" marB="0" anchor="b"/>
+                </a:tc>
+                <a:tc>
+                  <a:txBody>
+                    <a:bodyPr/>
+                    <a:lstStyle/>
+                    <a:p>
+                      <a:pPr algn="r" fontAlgn="b"/>
+                      <a:r>
+                        <a:rPr lang="en-US" sz="1100" u="none" strike="noStrike">
+                          <a:effectLst/>
+                        </a:rPr>
+                        <a:t>1</a:t>
+                      </a:r>
+                      <a:endParaRPr lang="en-US" sz="1100" b="0" i="0" u="none" strike="noStrike">
+                        <a:solidFill>
+                          <a:srgbClr val="000000"/>
+                        </a:solidFill>
+                        <a:effectLst/>
+                        <a:latin typeface="Calibri"/>
+                      </a:endParaRPr>
+                    </a:p>
+                  </a:txBody>
+                  <a:tcPr marL="9525" marR="9525" marT="9525" marB="0" anchor="b"/>
+                </a:tc>
+                <a:tc>
+                  <a:txBody>
+                    <a:bodyPr/>
+                    <a:lstStyle/>
+                    <a:p>
+                      <a:pPr algn="r" fontAlgn="b"/>
+                      <a:r>
+                        <a:rPr lang="en-US" sz="1100" u="none" strike="noStrike">
+                          <a:effectLst/>
+                        </a:rPr>
+                        <a:t>1</a:t>
+                      </a:r>
+                      <a:endParaRPr lang="en-US" sz="1100" b="0" i="0" u="none" strike="noStrike">
+                        <a:solidFill>
+                          <a:srgbClr val="000000"/>
+                        </a:solidFill>
+                        <a:effectLst/>
+                        <a:latin typeface="Calibri"/>
+                      </a:endParaRPr>
+                    </a:p>
+                  </a:txBody>
+                  <a:tcPr marL="9525" marR="9525" marT="9525" marB="0" anchor="b"/>
+                </a:tc>
+              </a:tr>
+              <a:tr h="335601">
+                <a:tc>
+                  <a:txBody>
+                    <a:bodyPr/>
+                    <a:lstStyle/>
+                    <a:p>
+                      <a:pPr algn="r" fontAlgn="b"/>
+                      <a:r>
+                        <a:rPr lang="en-US" sz="1100" u="none" strike="noStrike">
+                          <a:effectLst/>
+                        </a:rPr>
+                        <a:t>3</a:t>
+                      </a:r>
+                      <a:endParaRPr lang="en-US" sz="1100" b="0" i="0" u="none" strike="noStrike">
+                        <a:solidFill>
+                          <a:srgbClr val="000000"/>
+                        </a:solidFill>
+                        <a:effectLst/>
+                        <a:latin typeface="Calibri"/>
+                      </a:endParaRPr>
+                    </a:p>
+                  </a:txBody>
+                  <a:tcPr marL="9525" marR="9525" marT="9525" marB="0" anchor="b"/>
+                </a:tc>
+                <a:tc>
+                  <a:txBody>
+                    <a:bodyPr/>
+                    <a:lstStyle/>
+                    <a:p>
+                      <a:pPr algn="l" fontAlgn="b"/>
+                      <a:r>
+                        <a:rPr lang="en-US" sz="1100" u="none" strike="noStrike">
+                          <a:effectLst/>
+                        </a:rPr>
+                        <a:t>Do you make daily builds?</a:t>
+                      </a:r>
+                      <a:endParaRPr lang="en-US" sz="1100" b="0" i="0" u="none" strike="noStrike">
+                        <a:solidFill>
+                          <a:srgbClr val="000000"/>
+                        </a:solidFill>
+                        <a:effectLst/>
+                        <a:latin typeface="Calibri"/>
+                      </a:endParaRPr>
+                    </a:p>
+                  </a:txBody>
+                  <a:tcPr marL="9525" marR="9525" marT="9525" marB="0" anchor="b"/>
+                </a:tc>
+                <a:tc>
+                  <a:txBody>
+                    <a:bodyPr/>
+                    <a:lstStyle/>
+                    <a:p>
+                      <a:pPr algn="r" fontAlgn="b"/>
+                      <a:r>
+                        <a:rPr lang="en-US" sz="1100" u="none" strike="noStrike">
+                          <a:effectLst/>
+                        </a:rPr>
+                        <a:t>1</a:t>
+                      </a:r>
+                      <a:endParaRPr lang="en-US" sz="1100" b="0" i="0" u="none" strike="noStrike">
+                        <a:solidFill>
+                          <a:srgbClr val="000000"/>
+                        </a:solidFill>
+                        <a:effectLst/>
+                        <a:latin typeface="Calibri"/>
+                      </a:endParaRPr>
+                    </a:p>
+                  </a:txBody>
+                  <a:tcPr marL="9525" marR="9525" marT="9525" marB="0" anchor="b"/>
+                </a:tc>
+                <a:tc>
+                  <a:txBody>
+                    <a:bodyPr/>
+                    <a:lstStyle/>
+                    <a:p>
+                      <a:pPr algn="r" fontAlgn="b"/>
+                      <a:r>
+                        <a:rPr lang="en-US" sz="1100" u="none" strike="noStrike">
+                          <a:effectLst/>
+                        </a:rPr>
+                        <a:t>1</a:t>
+                      </a:r>
+                      <a:endParaRPr lang="en-US" sz="1100" b="0" i="0" u="none" strike="noStrike">
+                        <a:solidFill>
+                          <a:srgbClr val="000000"/>
+                        </a:solidFill>
+                        <a:effectLst/>
+                        <a:latin typeface="Calibri"/>
+                      </a:endParaRPr>
+                    </a:p>
+                  </a:txBody>
+                  <a:tcPr marL="9525" marR="9525" marT="9525" marB="0" anchor="b"/>
+                </a:tc>
+                <a:tc>
+                  <a:txBody>
+                    <a:bodyPr/>
+                    <a:lstStyle/>
+                    <a:p>
+                      <a:pPr algn="r" fontAlgn="b"/>
+                      <a:r>
+                        <a:rPr lang="en-US" sz="1100" u="none" strike="noStrike">
+                          <a:effectLst/>
+                        </a:rPr>
+                        <a:t>1</a:t>
+                      </a:r>
+                      <a:endParaRPr lang="en-US" sz="1100" b="0" i="0" u="none" strike="noStrike">
+                        <a:solidFill>
+                          <a:srgbClr val="000000"/>
+                        </a:solidFill>
+                        <a:effectLst/>
+                        <a:latin typeface="Calibri"/>
+                      </a:endParaRPr>
+                    </a:p>
+                  </a:txBody>
+                  <a:tcPr marL="9525" marR="9525" marT="9525" marB="0" anchor="b"/>
+                </a:tc>
+              </a:tr>
+              <a:tr h="335601">
+                <a:tc>
+                  <a:txBody>
+                    <a:bodyPr/>
+                    <a:lstStyle/>
+                    <a:p>
+                      <a:pPr algn="r" fontAlgn="b"/>
+                      <a:r>
+                        <a:rPr lang="en-US" sz="1100" u="none" strike="noStrike">
+                          <a:effectLst/>
+                        </a:rPr>
+                        <a:t>4</a:t>
+                      </a:r>
+                      <a:endParaRPr lang="en-US" sz="1100" b="0" i="0" u="none" strike="noStrike">
+                        <a:solidFill>
+                          <a:srgbClr val="000000"/>
+                        </a:solidFill>
+                        <a:effectLst/>
+                        <a:latin typeface="Calibri"/>
+                      </a:endParaRPr>
+                    </a:p>
+                  </a:txBody>
+                  <a:tcPr marL="9525" marR="9525" marT="9525" marB="0" anchor="b"/>
+                </a:tc>
+                <a:tc>
+                  <a:txBody>
+                    <a:bodyPr/>
+                    <a:lstStyle/>
+                    <a:p>
+                      <a:pPr algn="l" fontAlgn="b"/>
+                      <a:r>
+                        <a:rPr lang="en-US" sz="1100" u="none" strike="noStrike">
+                          <a:effectLst/>
+                        </a:rPr>
+                        <a:t>Do you have a bug database?</a:t>
+                      </a:r>
+                      <a:endParaRPr lang="en-US" sz="1100" b="0" i="0" u="none" strike="noStrike">
+                        <a:solidFill>
+                          <a:srgbClr val="000000"/>
+                        </a:solidFill>
+                        <a:effectLst/>
+                        <a:latin typeface="Calibri"/>
+                      </a:endParaRPr>
+                    </a:p>
+                  </a:txBody>
+                  <a:tcPr marL="9525" marR="9525" marT="9525" marB="0" anchor="b"/>
+                </a:tc>
+                <a:tc>
+                  <a:txBody>
+                    <a:bodyPr/>
+                    <a:lstStyle/>
+                    <a:p>
+                      <a:pPr algn="r" fontAlgn="b"/>
+                      <a:r>
+                        <a:rPr lang="en-US" sz="1100" u="none" strike="noStrike">
+                          <a:effectLst/>
+                        </a:rPr>
+                        <a:t>0</a:t>
+                      </a:r>
+                      <a:endParaRPr lang="en-US" sz="1100" b="0" i="0" u="none" strike="noStrike">
+                        <a:solidFill>
+                          <a:srgbClr val="000000"/>
+                        </a:solidFill>
+                        <a:effectLst/>
+                        <a:latin typeface="Calibri"/>
+                      </a:endParaRPr>
+                    </a:p>
+                  </a:txBody>
+                  <a:tcPr marL="9525" marR="9525" marT="9525" marB="0" anchor="b"/>
+                </a:tc>
+                <a:tc>
+                  <a:txBody>
+                    <a:bodyPr/>
+                    <a:lstStyle/>
+                    <a:p>
+                      <a:pPr algn="r" fontAlgn="b"/>
+                      <a:r>
+                        <a:rPr lang="en-US" sz="1100" u="none" strike="noStrike">
+                          <a:effectLst/>
+                        </a:rPr>
+                        <a:t>1</a:t>
+                      </a:r>
+                      <a:endParaRPr lang="en-US" sz="1100" b="0" i="0" u="none" strike="noStrike">
+                        <a:solidFill>
+                          <a:srgbClr val="000000"/>
+                        </a:solidFill>
+                        <a:effectLst/>
+                        <a:latin typeface="Calibri"/>
+                      </a:endParaRPr>
+                    </a:p>
+                  </a:txBody>
+                  <a:tcPr marL="9525" marR="9525" marT="9525" marB="0" anchor="b"/>
+                </a:tc>
+                <a:tc>
+                  <a:txBody>
+                    <a:bodyPr/>
+                    <a:lstStyle/>
+                    <a:p>
+                      <a:pPr algn="r" fontAlgn="b"/>
+                      <a:r>
+                        <a:rPr lang="en-US" sz="1100" u="none" strike="noStrike">
+                          <a:effectLst/>
+                        </a:rPr>
+                        <a:t>1</a:t>
+                      </a:r>
+                      <a:endParaRPr lang="en-US" sz="1100" b="0" i="0" u="none" strike="noStrike">
+                        <a:solidFill>
+                          <a:srgbClr val="000000"/>
+                        </a:solidFill>
+                        <a:effectLst/>
+                        <a:latin typeface="Calibri"/>
+                      </a:endParaRPr>
+                    </a:p>
+                  </a:txBody>
+                  <a:tcPr marL="9525" marR="9525" marT="9525" marB="0" anchor="b"/>
+                </a:tc>
+              </a:tr>
+              <a:tr h="335601">
+                <a:tc>
+                  <a:txBody>
+                    <a:bodyPr/>
+                    <a:lstStyle/>
+                    <a:p>
+                      <a:pPr algn="r" fontAlgn="b"/>
+                      <a:r>
+                        <a:rPr lang="en-US" sz="1100" u="none" strike="noStrike">
+                          <a:effectLst/>
+                        </a:rPr>
+                        <a:t>5</a:t>
+                      </a:r>
+                      <a:endParaRPr lang="en-US" sz="1100" b="0" i="0" u="none" strike="noStrike">
+                        <a:solidFill>
+                          <a:srgbClr val="000000"/>
+                        </a:solidFill>
+                        <a:effectLst/>
+                        <a:latin typeface="Calibri"/>
+                      </a:endParaRPr>
+                    </a:p>
+                  </a:txBody>
+                  <a:tcPr marL="9525" marR="9525" marT="9525" marB="0" anchor="b"/>
+                </a:tc>
+                <a:tc>
+                  <a:txBody>
+                    <a:bodyPr/>
+                    <a:lstStyle/>
+                    <a:p>
+                      <a:pPr algn="l" fontAlgn="b"/>
+                      <a:r>
+                        <a:rPr lang="en-US" sz="1100" u="none" strike="noStrike">
+                          <a:effectLst/>
+                        </a:rPr>
+                        <a:t>Do you fix bugs before writing new code?</a:t>
+                      </a:r>
+                      <a:endParaRPr lang="en-US" sz="1100" b="0" i="0" u="none" strike="noStrike">
+                        <a:solidFill>
+                          <a:srgbClr val="000000"/>
+                        </a:solidFill>
+                        <a:effectLst/>
+                        <a:latin typeface="Calibri"/>
+                      </a:endParaRPr>
+                    </a:p>
+                  </a:txBody>
+                  <a:tcPr marL="9525" marR="9525" marT="9525" marB="0" anchor="b"/>
+                </a:tc>
+                <a:tc>
+                  <a:txBody>
+                    <a:bodyPr/>
+                    <a:lstStyle/>
+                    <a:p>
+                      <a:pPr algn="r" fontAlgn="b"/>
+                      <a:r>
+                        <a:rPr lang="en-US" sz="1100" u="none" strike="noStrike">
+                          <a:effectLst/>
+                        </a:rPr>
+                        <a:t>1</a:t>
+                      </a:r>
+                      <a:endParaRPr lang="en-US" sz="1100" b="0" i="0" u="none" strike="noStrike">
+                        <a:solidFill>
+                          <a:srgbClr val="000000"/>
+                        </a:solidFill>
+                        <a:effectLst/>
+                        <a:latin typeface="Calibri"/>
+                      </a:endParaRPr>
+                    </a:p>
+                  </a:txBody>
+                  <a:tcPr marL="9525" marR="9525" marT="9525" marB="0" anchor="b"/>
+                </a:tc>
+                <a:tc>
+                  <a:txBody>
+                    <a:bodyPr/>
+                    <a:lstStyle/>
+                    <a:p>
+                      <a:pPr algn="r" fontAlgn="b"/>
+                      <a:r>
+                        <a:rPr lang="en-US" sz="1100" u="none" strike="noStrike">
+                          <a:effectLst/>
+                        </a:rPr>
+                        <a:t>1</a:t>
+                      </a:r>
+                      <a:endParaRPr lang="en-US" sz="1100" b="0" i="0" u="none" strike="noStrike">
+                        <a:solidFill>
+                          <a:srgbClr val="000000"/>
+                        </a:solidFill>
+                        <a:effectLst/>
+                        <a:latin typeface="Calibri"/>
+                      </a:endParaRPr>
+                    </a:p>
+                  </a:txBody>
+                  <a:tcPr marL="9525" marR="9525" marT="9525" marB="0" anchor="b"/>
+                </a:tc>
+                <a:tc>
+                  <a:txBody>
+                    <a:bodyPr/>
+                    <a:lstStyle/>
+                    <a:p>
+                      <a:pPr algn="r" fontAlgn="b"/>
+                      <a:r>
+                        <a:rPr lang="en-US" sz="1100" u="none" strike="noStrike">
+                          <a:effectLst/>
+                        </a:rPr>
+                        <a:t>1</a:t>
+                      </a:r>
+                      <a:endParaRPr lang="en-US" sz="1100" b="0" i="0" u="none" strike="noStrike">
+                        <a:solidFill>
+                          <a:srgbClr val="000000"/>
+                        </a:solidFill>
+                        <a:effectLst/>
+                        <a:latin typeface="Calibri"/>
+                      </a:endParaRPr>
+                    </a:p>
+                  </a:txBody>
+                  <a:tcPr marL="9525" marR="9525" marT="9525" marB="0" anchor="b"/>
+                </a:tc>
+              </a:tr>
+              <a:tr h="335601">
+                <a:tc>
+                  <a:txBody>
+                    <a:bodyPr/>
+                    <a:lstStyle/>
+                    <a:p>
+                      <a:pPr algn="r" fontAlgn="b"/>
+                      <a:r>
+                        <a:rPr lang="en-US" sz="1100" u="none" strike="noStrike">
+                          <a:effectLst/>
+                        </a:rPr>
+                        <a:t>6</a:t>
+                      </a:r>
+                      <a:endParaRPr lang="en-US" sz="1100" b="0" i="0" u="none" strike="noStrike">
+                        <a:solidFill>
+                          <a:srgbClr val="000000"/>
+                        </a:solidFill>
+                        <a:effectLst/>
+                        <a:latin typeface="Calibri"/>
+                      </a:endParaRPr>
+                    </a:p>
+                  </a:txBody>
+                  <a:tcPr marL="9525" marR="9525" marT="9525" marB="0" anchor="b"/>
+                </a:tc>
+                <a:tc>
+                  <a:txBody>
+                    <a:bodyPr/>
+                    <a:lstStyle/>
+                    <a:p>
+                      <a:pPr algn="l" fontAlgn="b"/>
+                      <a:r>
+                        <a:rPr lang="en-US" sz="1100" u="none" strike="noStrike">
+                          <a:effectLst/>
+                        </a:rPr>
+                        <a:t>Do you have an up-to-date schedule?</a:t>
+                      </a:r>
+                      <a:endParaRPr lang="en-US" sz="1100" b="0" i="0" u="none" strike="noStrike">
+                        <a:solidFill>
+                          <a:srgbClr val="000000"/>
+                        </a:solidFill>
+                        <a:effectLst/>
+                        <a:latin typeface="Calibri"/>
+                      </a:endParaRPr>
+                    </a:p>
+                  </a:txBody>
+                  <a:tcPr marL="9525" marR="9525" marT="9525" marB="0" anchor="b"/>
+                </a:tc>
+                <a:tc>
+                  <a:txBody>
+                    <a:bodyPr/>
+                    <a:lstStyle/>
+                    <a:p>
+                      <a:pPr algn="r" fontAlgn="b"/>
+                      <a:r>
+                        <a:rPr lang="en-US" sz="1100" u="none" strike="noStrike">
+                          <a:effectLst/>
+                        </a:rPr>
+                        <a:t>1</a:t>
+                      </a:r>
+                      <a:endParaRPr lang="en-US" sz="1100" b="0" i="0" u="none" strike="noStrike">
+                        <a:solidFill>
+                          <a:srgbClr val="000000"/>
+                        </a:solidFill>
+                        <a:effectLst/>
+                        <a:latin typeface="Calibri"/>
+                      </a:endParaRPr>
+                    </a:p>
+                  </a:txBody>
+                  <a:tcPr marL="9525" marR="9525" marT="9525" marB="0" anchor="b"/>
+                </a:tc>
+                <a:tc>
+                  <a:txBody>
+                    <a:bodyPr/>
+                    <a:lstStyle/>
+                    <a:p>
+                      <a:pPr algn="r" fontAlgn="b"/>
+                      <a:r>
+                        <a:rPr lang="en-US" sz="1100" u="none" strike="noStrike">
+                          <a:effectLst/>
+                        </a:rPr>
+                        <a:t>1</a:t>
+                      </a:r>
+                      <a:endParaRPr lang="en-US" sz="1100" b="0" i="0" u="none" strike="noStrike">
+                        <a:solidFill>
+                          <a:srgbClr val="000000"/>
+                        </a:solidFill>
+                        <a:effectLst/>
+                        <a:latin typeface="Calibri"/>
+                      </a:endParaRPr>
+                    </a:p>
+                  </a:txBody>
+                  <a:tcPr marL="9525" marR="9525" marT="9525" marB="0" anchor="b"/>
+                </a:tc>
+                <a:tc>
+                  <a:txBody>
+                    <a:bodyPr/>
+                    <a:lstStyle/>
+                    <a:p>
+                      <a:pPr algn="r" fontAlgn="b"/>
+                      <a:r>
+                        <a:rPr lang="en-US" sz="1100" u="none" strike="noStrike">
+                          <a:effectLst/>
+                        </a:rPr>
+                        <a:t>1</a:t>
+                      </a:r>
+                      <a:endParaRPr lang="en-US" sz="1100" b="0" i="0" u="none" strike="noStrike">
+                        <a:solidFill>
+                          <a:srgbClr val="000000"/>
+                        </a:solidFill>
+                        <a:effectLst/>
+                        <a:latin typeface="Calibri"/>
+                      </a:endParaRPr>
+                    </a:p>
+                  </a:txBody>
+                  <a:tcPr marL="9525" marR="9525" marT="9525" marB="0" anchor="b"/>
+                </a:tc>
+              </a:tr>
+              <a:tr h="335601">
+                <a:tc>
+                  <a:txBody>
+                    <a:bodyPr/>
+                    <a:lstStyle/>
+                    <a:p>
+                      <a:pPr algn="r" fontAlgn="b"/>
+                      <a:r>
+                        <a:rPr lang="en-US" sz="1100" u="none" strike="noStrike">
+                          <a:effectLst/>
+                        </a:rPr>
+                        <a:t>7</a:t>
+                      </a:r>
+                      <a:endParaRPr lang="en-US" sz="1100" b="0" i="0" u="none" strike="noStrike">
+                        <a:solidFill>
+                          <a:srgbClr val="000000"/>
+                        </a:solidFill>
+                        <a:effectLst/>
+                        <a:latin typeface="Calibri"/>
+                      </a:endParaRPr>
+                    </a:p>
+                  </a:txBody>
+                  <a:tcPr marL="9525" marR="9525" marT="9525" marB="0" anchor="b"/>
+                </a:tc>
+                <a:tc>
+                  <a:txBody>
+                    <a:bodyPr/>
+                    <a:lstStyle/>
+                    <a:p>
+                      <a:pPr algn="l" fontAlgn="b"/>
+                      <a:r>
+                        <a:rPr lang="en-US" sz="1100" u="none" strike="noStrike">
+                          <a:effectLst/>
+                        </a:rPr>
+                        <a:t>Do you have a spec?</a:t>
+                      </a:r>
+                      <a:endParaRPr lang="en-US" sz="1100" b="0" i="0" u="none" strike="noStrike">
+                        <a:solidFill>
+                          <a:srgbClr val="000000"/>
+                        </a:solidFill>
+                        <a:effectLst/>
+                        <a:latin typeface="Calibri"/>
+                      </a:endParaRPr>
+                    </a:p>
+                  </a:txBody>
+                  <a:tcPr marL="9525" marR="9525" marT="9525" marB="0" anchor="b"/>
+                </a:tc>
+                <a:tc>
+                  <a:txBody>
+                    <a:bodyPr/>
+                    <a:lstStyle/>
+                    <a:p>
+                      <a:pPr algn="r" fontAlgn="b"/>
+                      <a:r>
+                        <a:rPr lang="en-US" sz="1100" u="none" strike="noStrike">
+                          <a:effectLst/>
+                        </a:rPr>
+                        <a:t>1</a:t>
+                      </a:r>
+                      <a:endParaRPr lang="en-US" sz="1100" b="0" i="0" u="none" strike="noStrike">
+                        <a:solidFill>
+                          <a:srgbClr val="000000"/>
+                        </a:solidFill>
+                        <a:effectLst/>
+                        <a:latin typeface="Calibri"/>
+                      </a:endParaRPr>
+                    </a:p>
+                  </a:txBody>
+                  <a:tcPr marL="9525" marR="9525" marT="9525" marB="0" anchor="b"/>
+                </a:tc>
+                <a:tc>
+                  <a:txBody>
+                    <a:bodyPr/>
+                    <a:lstStyle/>
+                    <a:p>
+                      <a:pPr algn="r" fontAlgn="b"/>
+                      <a:r>
+                        <a:rPr lang="en-US" sz="1100" u="none" strike="noStrike">
+                          <a:effectLst/>
+                        </a:rPr>
+                        <a:t>1</a:t>
+                      </a:r>
+                      <a:endParaRPr lang="en-US" sz="1100" b="0" i="0" u="none" strike="noStrike">
+                        <a:solidFill>
+                          <a:srgbClr val="000000"/>
+                        </a:solidFill>
+                        <a:effectLst/>
+                        <a:latin typeface="Calibri"/>
+                      </a:endParaRPr>
+                    </a:p>
+                  </a:txBody>
+                  <a:tcPr marL="9525" marR="9525" marT="9525" marB="0" anchor="b"/>
+                </a:tc>
+                <a:tc>
+                  <a:txBody>
+                    <a:bodyPr/>
+                    <a:lstStyle/>
+                    <a:p>
+                      <a:pPr algn="r" fontAlgn="b"/>
+                      <a:r>
+                        <a:rPr lang="en-US" sz="1100" u="none" strike="noStrike">
+                          <a:effectLst/>
+                        </a:rPr>
+                        <a:t>1</a:t>
+                      </a:r>
+                      <a:endParaRPr lang="en-US" sz="1100" b="0" i="0" u="none" strike="noStrike">
+                        <a:solidFill>
+                          <a:srgbClr val="000000"/>
+                        </a:solidFill>
+                        <a:effectLst/>
+                        <a:latin typeface="Calibri"/>
+                      </a:endParaRPr>
+                    </a:p>
+                  </a:txBody>
+                  <a:tcPr marL="9525" marR="9525" marT="9525" marB="0" anchor="b"/>
+                </a:tc>
+              </a:tr>
+              <a:tr h="348374">
+                <a:tc>
+                  <a:txBody>
+                    <a:bodyPr/>
+                    <a:lstStyle/>
+                    <a:p>
+                      <a:pPr algn="r" fontAlgn="b"/>
+                      <a:r>
+                        <a:rPr lang="en-US" sz="1100" u="none" strike="noStrike">
+                          <a:effectLst/>
+                        </a:rPr>
+                        <a:t>8</a:t>
+                      </a:r>
+                      <a:endParaRPr lang="en-US" sz="1100" b="0" i="0" u="none" strike="noStrike">
+                        <a:solidFill>
+                          <a:srgbClr val="000000"/>
+                        </a:solidFill>
+                        <a:effectLst/>
+                        <a:latin typeface="Calibri"/>
+                      </a:endParaRPr>
+                    </a:p>
+                  </a:txBody>
+                  <a:tcPr marL="9525" marR="9525" marT="9525" marB="0" anchor="b"/>
+                </a:tc>
+                <a:tc>
+                  <a:txBody>
+                    <a:bodyPr/>
+                    <a:lstStyle/>
+                    <a:p>
+                      <a:pPr algn="l" fontAlgn="b"/>
+                      <a:r>
+                        <a:rPr lang="en-US" sz="1100" u="none" strike="noStrike">
+                          <a:effectLst/>
+                        </a:rPr>
+                        <a:t>Do programmers have quiet working conditions?</a:t>
+                      </a:r>
+                      <a:endParaRPr lang="en-US" sz="1100" b="0" i="0" u="none" strike="noStrike">
+                        <a:solidFill>
+                          <a:srgbClr val="000000"/>
+                        </a:solidFill>
+                        <a:effectLst/>
+                        <a:latin typeface="Calibri"/>
+                      </a:endParaRPr>
+                    </a:p>
+                  </a:txBody>
+                  <a:tcPr marL="9525" marR="9525" marT="9525" marB="0" anchor="b"/>
+                </a:tc>
+                <a:tc>
+                  <a:txBody>
+                    <a:bodyPr/>
+                    <a:lstStyle/>
+                    <a:p>
+                      <a:pPr algn="r" fontAlgn="b"/>
+                      <a:r>
+                        <a:rPr lang="en-US" sz="1100" u="none" strike="noStrike">
+                          <a:effectLst/>
+                        </a:rPr>
+                        <a:t>1</a:t>
+                      </a:r>
+                      <a:endParaRPr lang="en-US" sz="1100" b="0" i="0" u="none" strike="noStrike">
+                        <a:solidFill>
+                          <a:srgbClr val="000000"/>
+                        </a:solidFill>
+                        <a:effectLst/>
+                        <a:latin typeface="Calibri"/>
+                      </a:endParaRPr>
+                    </a:p>
+                  </a:txBody>
+                  <a:tcPr marL="9525" marR="9525" marT="9525" marB="0" anchor="b"/>
+                </a:tc>
+                <a:tc>
+                  <a:txBody>
+                    <a:bodyPr/>
+                    <a:lstStyle/>
+                    <a:p>
+                      <a:pPr algn="r" fontAlgn="b"/>
+                      <a:r>
+                        <a:rPr lang="en-US" sz="1100" u="none" strike="noStrike">
+                          <a:effectLst/>
+                        </a:rPr>
+                        <a:t>1</a:t>
+                      </a:r>
+                      <a:endParaRPr lang="en-US" sz="1100" b="0" i="0" u="none" strike="noStrike">
+                        <a:solidFill>
+                          <a:srgbClr val="000000"/>
+                        </a:solidFill>
+                        <a:effectLst/>
+                        <a:latin typeface="Calibri"/>
+                      </a:endParaRPr>
+                    </a:p>
+                  </a:txBody>
+                  <a:tcPr marL="9525" marR="9525" marT="9525" marB="0" anchor="b"/>
+                </a:tc>
+                <a:tc>
+                  <a:txBody>
+                    <a:bodyPr/>
+                    <a:lstStyle/>
+                    <a:p>
+                      <a:pPr algn="r" fontAlgn="b"/>
+                      <a:r>
+                        <a:rPr lang="en-US" sz="1100" u="none" strike="noStrike">
+                          <a:effectLst/>
+                        </a:rPr>
+                        <a:t>1</a:t>
+                      </a:r>
+                      <a:endParaRPr lang="en-US" sz="1100" b="0" i="0" u="none" strike="noStrike">
+                        <a:solidFill>
+                          <a:srgbClr val="000000"/>
+                        </a:solidFill>
+                        <a:effectLst/>
+                        <a:latin typeface="Calibri"/>
+                      </a:endParaRPr>
+                    </a:p>
+                  </a:txBody>
+                  <a:tcPr marL="9525" marR="9525" marT="9525" marB="0" anchor="b"/>
+                </a:tc>
+              </a:tr>
+              <a:tr h="348374">
+                <a:tc>
+                  <a:txBody>
+                    <a:bodyPr/>
+                    <a:lstStyle/>
+                    <a:p>
+                      <a:pPr algn="r" fontAlgn="b"/>
+                      <a:r>
+                        <a:rPr lang="en-US" sz="1100" u="none" strike="noStrike">
+                          <a:effectLst/>
+                        </a:rPr>
+                        <a:t>9</a:t>
+                      </a:r>
+                      <a:endParaRPr lang="en-US" sz="1100" b="0" i="0" u="none" strike="noStrike">
+                        <a:solidFill>
+                          <a:srgbClr val="000000"/>
+                        </a:solidFill>
+                        <a:effectLst/>
+                        <a:latin typeface="Calibri"/>
+                      </a:endParaRPr>
+                    </a:p>
+                  </a:txBody>
+                  <a:tcPr marL="9525" marR="9525" marT="9525" marB="0" anchor="b"/>
+                </a:tc>
+                <a:tc>
+                  <a:txBody>
+                    <a:bodyPr/>
+                    <a:lstStyle/>
+                    <a:p>
+                      <a:pPr algn="l" fontAlgn="b"/>
+                      <a:r>
+                        <a:rPr lang="en-US" sz="1100" u="none" strike="noStrike">
+                          <a:effectLst/>
+                        </a:rPr>
+                        <a:t>Do you use the best tools money can buy?</a:t>
+                      </a:r>
+                      <a:endParaRPr lang="en-US" sz="1100" b="0" i="0" u="none" strike="noStrike">
+                        <a:solidFill>
+                          <a:srgbClr val="000000"/>
+                        </a:solidFill>
+                        <a:effectLst/>
+                        <a:latin typeface="Calibri"/>
+                      </a:endParaRPr>
+                    </a:p>
+                  </a:txBody>
+                  <a:tcPr marL="9525" marR="9525" marT="9525" marB="0" anchor="b"/>
+                </a:tc>
+                <a:tc>
+                  <a:txBody>
+                    <a:bodyPr/>
+                    <a:lstStyle/>
+                    <a:p>
+                      <a:pPr algn="r" fontAlgn="b"/>
+                      <a:r>
+                        <a:rPr lang="en-US" sz="1100" u="none" strike="noStrike">
+                          <a:effectLst/>
+                        </a:rPr>
+                        <a:t>0</a:t>
+                      </a:r>
+                      <a:endParaRPr lang="en-US" sz="1100" b="0" i="0" u="none" strike="noStrike">
+                        <a:solidFill>
+                          <a:srgbClr val="000000"/>
+                        </a:solidFill>
+                        <a:effectLst/>
+                        <a:latin typeface="Calibri"/>
+                      </a:endParaRPr>
+                    </a:p>
+                  </a:txBody>
+                  <a:tcPr marL="9525" marR="9525" marT="9525" marB="0" anchor="b"/>
+                </a:tc>
+                <a:tc>
+                  <a:txBody>
+                    <a:bodyPr/>
+                    <a:lstStyle/>
+                    <a:p>
+                      <a:pPr algn="r" fontAlgn="b"/>
+                      <a:r>
+                        <a:rPr lang="en-US" sz="1100" u="none" strike="noStrike">
+                          <a:effectLst/>
+                        </a:rPr>
+                        <a:t>0</a:t>
+                      </a:r>
+                      <a:endParaRPr lang="en-US" sz="1100" b="0" i="0" u="none" strike="noStrike">
+                        <a:solidFill>
+                          <a:srgbClr val="000000"/>
+                        </a:solidFill>
+                        <a:effectLst/>
+                        <a:latin typeface="Calibri"/>
+                      </a:endParaRPr>
+                    </a:p>
+                  </a:txBody>
+                  <a:tcPr marL="9525" marR="9525" marT="9525" marB="0" anchor="b"/>
+                </a:tc>
+                <a:tc>
+                  <a:txBody>
+                    <a:bodyPr/>
+                    <a:lstStyle/>
+                    <a:p>
+                      <a:pPr algn="l" fontAlgn="b"/>
+                      <a:endParaRPr lang="en-US" sz="1100" b="0" i="0" u="none" strike="noStrike">
+                        <a:solidFill>
+                          <a:srgbClr val="000000"/>
+                        </a:solidFill>
+                        <a:effectLst/>
+                        <a:latin typeface="Calibri"/>
+                      </a:endParaRPr>
+                    </a:p>
+                  </a:txBody>
+                  <a:tcPr marL="9525" marR="9525" marT="9525" marB="0" anchor="b"/>
+                </a:tc>
+              </a:tr>
+              <a:tr h="348374">
+                <a:tc>
+                  <a:txBody>
+                    <a:bodyPr/>
+                    <a:lstStyle/>
+                    <a:p>
+                      <a:pPr algn="r" fontAlgn="b"/>
+                      <a:r>
+                        <a:rPr lang="en-US" sz="1100" u="none" strike="noStrike">
+                          <a:effectLst/>
+                        </a:rPr>
+                        <a:t>10</a:t>
+                      </a:r>
+                      <a:endParaRPr lang="en-US" sz="1100" b="0" i="0" u="none" strike="noStrike">
+                        <a:solidFill>
+                          <a:srgbClr val="000000"/>
+                        </a:solidFill>
+                        <a:effectLst/>
+                        <a:latin typeface="Calibri"/>
+                      </a:endParaRPr>
+                    </a:p>
+                  </a:txBody>
+                  <a:tcPr marL="9525" marR="9525" marT="9525" marB="0" anchor="b"/>
+                </a:tc>
+                <a:tc>
+                  <a:txBody>
+                    <a:bodyPr/>
+                    <a:lstStyle/>
+                    <a:p>
+                      <a:pPr algn="l" fontAlgn="b"/>
+                      <a:r>
+                        <a:rPr lang="en-US" sz="1100" u="none" strike="noStrike">
+                          <a:effectLst/>
+                        </a:rPr>
+                        <a:t>Do you have testers?</a:t>
+                      </a:r>
+                      <a:endParaRPr lang="en-US" sz="1100" b="0" i="0" u="none" strike="noStrike">
+                        <a:solidFill>
+                          <a:srgbClr val="000000"/>
+                        </a:solidFill>
+                        <a:effectLst/>
+                        <a:latin typeface="Calibri"/>
+                      </a:endParaRPr>
+                    </a:p>
+                  </a:txBody>
+                  <a:tcPr marL="9525" marR="9525" marT="9525" marB="0" anchor="b"/>
+                </a:tc>
+                <a:tc>
+                  <a:txBody>
+                    <a:bodyPr/>
+                    <a:lstStyle/>
+                    <a:p>
+                      <a:pPr algn="r" fontAlgn="b"/>
+                      <a:r>
+                        <a:rPr lang="en-US" sz="1100" u="none" strike="noStrike">
+                          <a:effectLst/>
+                        </a:rPr>
+                        <a:t>0</a:t>
+                      </a:r>
+                      <a:endParaRPr lang="en-US" sz="1100" b="0" i="0" u="none" strike="noStrike">
+                        <a:solidFill>
+                          <a:srgbClr val="000000"/>
+                        </a:solidFill>
+                        <a:effectLst/>
+                        <a:latin typeface="Calibri"/>
+                      </a:endParaRPr>
+                    </a:p>
+                  </a:txBody>
+                  <a:tcPr marL="9525" marR="9525" marT="9525" marB="0" anchor="b"/>
+                </a:tc>
+                <a:tc>
+                  <a:txBody>
+                    <a:bodyPr/>
+                    <a:lstStyle/>
+                    <a:p>
+                      <a:pPr algn="r" fontAlgn="b"/>
+                      <a:r>
+                        <a:rPr lang="en-US" sz="1100" u="none" strike="noStrike">
+                          <a:effectLst/>
+                        </a:rPr>
+                        <a:t>0</a:t>
+                      </a:r>
+                      <a:endParaRPr lang="en-US" sz="1100" b="0" i="0" u="none" strike="noStrike">
+                        <a:solidFill>
+                          <a:srgbClr val="000000"/>
+                        </a:solidFill>
+                        <a:effectLst/>
+                        <a:latin typeface="Calibri"/>
+                      </a:endParaRPr>
+                    </a:p>
+                  </a:txBody>
+                  <a:tcPr marL="9525" marR="9525" marT="9525" marB="0" anchor="b"/>
+                </a:tc>
+                <a:tc>
+                  <a:txBody>
+                    <a:bodyPr/>
+                    <a:lstStyle/>
+                    <a:p>
+                      <a:pPr algn="l" fontAlgn="b"/>
+                      <a:endParaRPr lang="en-US" sz="1100" b="0" i="0" u="none" strike="noStrike">
+                        <a:solidFill>
+                          <a:srgbClr val="000000"/>
+                        </a:solidFill>
+                        <a:effectLst/>
+                        <a:latin typeface="Calibri"/>
+                      </a:endParaRPr>
+                    </a:p>
+                  </a:txBody>
+                  <a:tcPr marL="9525" marR="9525" marT="9525" marB="0" anchor="b"/>
+                </a:tc>
+              </a:tr>
+              <a:tr h="348374">
+                <a:tc>
+                  <a:txBody>
+                    <a:bodyPr/>
+                    <a:lstStyle/>
+                    <a:p>
+                      <a:pPr algn="r" fontAlgn="b"/>
+                      <a:r>
+                        <a:rPr lang="en-US" sz="1100" u="none" strike="noStrike">
+                          <a:effectLst/>
+                        </a:rPr>
+                        <a:t>11</a:t>
+                      </a:r>
+                      <a:endParaRPr lang="en-US" sz="1100" b="0" i="0" u="none" strike="noStrike">
+                        <a:solidFill>
+                          <a:srgbClr val="000000"/>
+                        </a:solidFill>
+                        <a:effectLst/>
+                        <a:latin typeface="Calibri"/>
+                      </a:endParaRPr>
+                    </a:p>
+                  </a:txBody>
+                  <a:tcPr marL="9525" marR="9525" marT="9525" marB="0" anchor="b"/>
+                </a:tc>
+                <a:tc>
+                  <a:txBody>
+                    <a:bodyPr/>
+                    <a:lstStyle/>
+                    <a:p>
+                      <a:pPr algn="l" fontAlgn="b"/>
+                      <a:r>
+                        <a:rPr lang="en-US" sz="1100" u="none" strike="noStrike">
+                          <a:effectLst/>
+                        </a:rPr>
+                        <a:t>Do new candidates write code during their interview?</a:t>
+                      </a:r>
+                      <a:endParaRPr lang="en-US" sz="1100" b="0" i="0" u="none" strike="noStrike">
+                        <a:solidFill>
+                          <a:srgbClr val="000000"/>
+                        </a:solidFill>
+                        <a:effectLst/>
+                        <a:latin typeface="Calibri"/>
+                      </a:endParaRPr>
+                    </a:p>
+                  </a:txBody>
+                  <a:tcPr marL="9525" marR="9525" marT="9525" marB="0" anchor="b"/>
+                </a:tc>
+                <a:tc>
+                  <a:txBody>
+                    <a:bodyPr/>
+                    <a:lstStyle/>
+                    <a:p>
+                      <a:pPr algn="r" fontAlgn="b"/>
+                      <a:r>
+                        <a:rPr lang="en-US" sz="1100" u="none" strike="noStrike">
+                          <a:effectLst/>
+                        </a:rPr>
+                        <a:t>0</a:t>
+                      </a:r>
+                      <a:endParaRPr lang="en-US" sz="1100" b="0" i="0" u="none" strike="noStrike">
+                        <a:solidFill>
+                          <a:srgbClr val="000000"/>
+                        </a:solidFill>
+                        <a:effectLst/>
+                        <a:latin typeface="Calibri"/>
+                      </a:endParaRPr>
+                    </a:p>
+                  </a:txBody>
+                  <a:tcPr marL="9525" marR="9525" marT="9525" marB="0" anchor="b"/>
+                </a:tc>
+                <a:tc>
+                  <a:txBody>
+                    <a:bodyPr/>
+                    <a:lstStyle/>
+                    <a:p>
+                      <a:pPr algn="r" fontAlgn="b"/>
+                      <a:r>
+                        <a:rPr lang="en-US" sz="1100" u="none" strike="noStrike">
+                          <a:effectLst/>
+                        </a:rPr>
+                        <a:t>0</a:t>
+                      </a:r>
+                      <a:endParaRPr lang="en-US" sz="1100" b="0" i="0" u="none" strike="noStrike">
+                        <a:solidFill>
+                          <a:srgbClr val="000000"/>
+                        </a:solidFill>
+                        <a:effectLst/>
+                        <a:latin typeface="Calibri"/>
+                      </a:endParaRPr>
+                    </a:p>
+                  </a:txBody>
+                  <a:tcPr marL="9525" marR="9525" marT="9525" marB="0" anchor="b"/>
+                </a:tc>
+                <a:tc>
+                  <a:txBody>
+                    <a:bodyPr/>
+                    <a:lstStyle/>
+                    <a:p>
+                      <a:pPr algn="l" fontAlgn="b"/>
+                      <a:endParaRPr lang="en-US" sz="1100" b="0" i="0" u="none" strike="noStrike">
+                        <a:solidFill>
+                          <a:srgbClr val="000000"/>
+                        </a:solidFill>
+                        <a:effectLst/>
+                        <a:latin typeface="Calibri"/>
+                      </a:endParaRPr>
+                    </a:p>
+                  </a:txBody>
+                  <a:tcPr marL="9525" marR="9525" marT="9525" marB="0" anchor="b"/>
+                </a:tc>
+              </a:tr>
+              <a:tr h="348374">
+                <a:tc>
+                  <a:txBody>
+                    <a:bodyPr/>
+                    <a:lstStyle/>
+                    <a:p>
+                      <a:pPr algn="r" fontAlgn="b"/>
+                      <a:r>
+                        <a:rPr lang="en-US" sz="1100" u="none" strike="noStrike">
+                          <a:effectLst/>
+                        </a:rPr>
+                        <a:t>12</a:t>
+                      </a:r>
+                      <a:endParaRPr lang="en-US" sz="1100" b="0" i="0" u="none" strike="noStrike">
+                        <a:solidFill>
+                          <a:srgbClr val="000000"/>
+                        </a:solidFill>
+                        <a:effectLst/>
+                        <a:latin typeface="Calibri"/>
+                      </a:endParaRPr>
+                    </a:p>
+                  </a:txBody>
+                  <a:tcPr marL="9525" marR="9525" marT="9525" marB="0" anchor="b"/>
+                </a:tc>
+                <a:tc>
+                  <a:txBody>
+                    <a:bodyPr/>
+                    <a:lstStyle/>
+                    <a:p>
+                      <a:pPr algn="l" fontAlgn="b"/>
+                      <a:r>
+                        <a:rPr lang="en-US" sz="1100" u="none" strike="noStrike">
+                          <a:effectLst/>
+                        </a:rPr>
+                        <a:t>Do you do hallway usability testing?</a:t>
+                      </a:r>
+                      <a:endParaRPr lang="en-US" sz="1100" b="0" i="0" u="none" strike="noStrike">
+                        <a:solidFill>
+                          <a:srgbClr val="000000"/>
+                        </a:solidFill>
+                        <a:effectLst/>
+                        <a:latin typeface="Calibri"/>
+                      </a:endParaRPr>
+                    </a:p>
+                  </a:txBody>
+                  <a:tcPr marL="9525" marR="9525" marT="9525" marB="0" anchor="b"/>
+                </a:tc>
+                <a:tc>
+                  <a:txBody>
+                    <a:bodyPr/>
+                    <a:lstStyle/>
+                    <a:p>
+                      <a:pPr algn="r" fontAlgn="b"/>
+                      <a:r>
+                        <a:rPr lang="en-US" sz="1100" u="none" strike="noStrike">
+                          <a:effectLst/>
+                        </a:rPr>
+                        <a:t>0</a:t>
+                      </a:r>
+                      <a:endParaRPr lang="en-US" sz="1100" b="0" i="0" u="none" strike="noStrike">
+                        <a:solidFill>
+                          <a:srgbClr val="000000"/>
+                        </a:solidFill>
+                        <a:effectLst/>
+                        <a:latin typeface="Calibri"/>
+                      </a:endParaRPr>
+                    </a:p>
+                  </a:txBody>
+                  <a:tcPr marL="9525" marR="9525" marT="9525" marB="0" anchor="b"/>
+                </a:tc>
+                <a:tc>
+                  <a:txBody>
+                    <a:bodyPr/>
+                    <a:lstStyle/>
+                    <a:p>
+                      <a:pPr algn="r" fontAlgn="b"/>
+                      <a:r>
+                        <a:rPr lang="en-US" sz="1100" u="none" strike="noStrike">
+                          <a:effectLst/>
+                        </a:rPr>
+                        <a:t>1</a:t>
+                      </a:r>
+                      <a:endParaRPr lang="en-US" sz="1100" b="0" i="0" u="none" strike="noStrike">
+                        <a:solidFill>
+                          <a:srgbClr val="000000"/>
+                        </a:solidFill>
+                        <a:effectLst/>
+                        <a:latin typeface="Calibri"/>
+                      </a:endParaRPr>
+                    </a:p>
+                  </a:txBody>
+                  <a:tcPr marL="9525" marR="9525" marT="9525" marB="0" anchor="b"/>
+                </a:tc>
+                <a:tc>
+                  <a:txBody>
+                    <a:bodyPr/>
+                    <a:lstStyle/>
+                    <a:p>
+                      <a:pPr algn="r" fontAlgn="b"/>
+                      <a:r>
+                        <a:rPr lang="en-US" sz="1100" u="none" strike="noStrike">
+                          <a:effectLst/>
+                        </a:rPr>
+                        <a:t>1</a:t>
+                      </a:r>
+                      <a:endParaRPr lang="en-US" sz="1100" b="0" i="0" u="none" strike="noStrike">
+                        <a:solidFill>
+                          <a:srgbClr val="000000"/>
+                        </a:solidFill>
+                        <a:effectLst/>
+                        <a:latin typeface="Calibri"/>
+                      </a:endParaRPr>
+                    </a:p>
+                  </a:txBody>
+                  <a:tcPr marL="9525" marR="9525" marT="9525" marB="0" anchor="b"/>
+                </a:tc>
+              </a:tr>
+              <a:tr h="348374">
+                <a:tc>
+                  <a:txBody>
+                    <a:bodyPr/>
+                    <a:lstStyle/>
+                    <a:p>
+                      <a:pPr algn="l" fontAlgn="b"/>
+                      <a:r>
+                        <a:rPr lang="en-US" sz="1100" u="none" strike="noStrike">
+                          <a:effectLst/>
+                        </a:rPr>
+                        <a:t> </a:t>
+                      </a:r>
+                      <a:endParaRPr lang="en-US" sz="1100" b="0" i="0" u="none" strike="noStrike">
+                        <a:solidFill>
+                          <a:srgbClr val="000000"/>
+                        </a:solidFill>
+                        <a:effectLst/>
+                        <a:latin typeface="Calibri"/>
+                      </a:endParaRPr>
+                    </a:p>
+                  </a:txBody>
+                  <a:tcPr marL="9525" marR="9525" marT="9525" marB="0" anchor="b"/>
+                </a:tc>
+                <a:tc>
+                  <a:txBody>
+                    <a:bodyPr/>
+                    <a:lstStyle/>
+                    <a:p>
+                      <a:pPr algn="l" fontAlgn="b"/>
+                      <a:r>
+                        <a:rPr lang="en-US" sz="1100" u="none" strike="noStrike">
+                          <a:effectLst/>
+                        </a:rPr>
+                        <a:t> </a:t>
+                      </a:r>
+                      <a:endParaRPr lang="en-US" sz="1100" b="0" i="0" u="none" strike="noStrike">
+                        <a:solidFill>
+                          <a:srgbClr val="000000"/>
+                        </a:solidFill>
+                        <a:effectLst/>
+                        <a:latin typeface="Calibri"/>
+                      </a:endParaRPr>
+                    </a:p>
+                  </a:txBody>
+                  <a:tcPr marL="9525" marR="9525" marT="9525" marB="0" anchor="b"/>
+                </a:tc>
+                <a:tc>
+                  <a:txBody>
+                    <a:bodyPr/>
+                    <a:lstStyle/>
+                    <a:p>
+                      <a:pPr algn="r" fontAlgn="b"/>
+                      <a:r>
+                        <a:rPr lang="en-US" sz="1100" u="none" strike="noStrike">
+                          <a:effectLst/>
+                        </a:rPr>
+                        <a:t>7</a:t>
+                      </a:r>
+                      <a:endParaRPr lang="en-US" sz="1100" b="0" i="0" u="none" strike="noStrike">
+                        <a:solidFill>
+                          <a:srgbClr val="000000"/>
+                        </a:solidFill>
+                        <a:effectLst/>
+                        <a:latin typeface="Calibri"/>
+                      </a:endParaRPr>
+                    </a:p>
+                  </a:txBody>
+                  <a:tcPr marL="9525" marR="9525" marT="9525" marB="0" anchor="b"/>
+                </a:tc>
+                <a:tc>
+                  <a:txBody>
+                    <a:bodyPr/>
+                    <a:lstStyle/>
+                    <a:p>
+                      <a:pPr algn="r" fontAlgn="b"/>
+                      <a:r>
+                        <a:rPr lang="en-US" sz="1100" u="none" strike="noStrike">
+                          <a:effectLst/>
+                        </a:rPr>
+                        <a:t>9</a:t>
+                      </a:r>
+                      <a:endParaRPr lang="en-US" sz="1100" b="0" i="0" u="none" strike="noStrike">
+                        <a:solidFill>
+                          <a:srgbClr val="000000"/>
+                        </a:solidFill>
+                        <a:effectLst/>
+                        <a:latin typeface="Calibri"/>
+                      </a:endParaRPr>
+                    </a:p>
+                  </a:txBody>
+                  <a:tcPr marL="9525" marR="9525" marT="9525" marB="0" anchor="b"/>
+                </a:tc>
+                <a:tc>
+                  <a:txBody>
+                    <a:bodyPr/>
+                    <a:lstStyle/>
+                    <a:p>
+                      <a:pPr algn="r" fontAlgn="b"/>
+                      <a:r>
+                        <a:rPr lang="en-US" sz="1100" u="none" strike="noStrike" dirty="0">
+                          <a:effectLst/>
+                        </a:rPr>
+                        <a:t>9</a:t>
+                      </a:r>
+                      <a:endParaRPr lang="en-US" sz="1100" b="0" i="0" u="none" strike="noStrike" dirty="0">
+                        <a:solidFill>
+                          <a:srgbClr val="000000"/>
+                        </a:solidFill>
+                        <a:effectLst/>
+                        <a:latin typeface="Calibri"/>
+                      </a:endParaRPr>
+                    </a:p>
+                  </a:txBody>
+                  <a:tcPr marL="9525" marR="9525" marT="9525" marB="0" anchor="b"/>
+                </a:tc>
+              </a:tr>
+            </a:tbl>
+          </a:graphicData>
+        </a:graphic>
+      </p:graphicFrame>
+    </p:spTree>
+    <p:extLst>
+      <p:ext uri="{BB962C8B-B14F-4D97-AF65-F5344CB8AC3E}">
+        <p14:creationId xmlns:p14="http://schemas.microsoft.com/office/powerpoint/2010/main" val="204214434"/>
+      </p:ext>
+    </p:extLst>
+  </p:cSld>
+  <p:clrMapOvr>
+    <a:masterClrMapping/>
+  </p:clrMapOvr>
+</p:sld>
+</file>
+
+<file path=ppt/slides/slide6.xml><?xml version="1.0" encoding="utf-8"?>
+<p:sld xmlns:a="http://schemas.openxmlformats.org/drawingml/2006/main" xmlns:r="http://schemas.openxmlformats.org/officeDocument/2006/relationships" xmlns:p="http://schemas.openxmlformats.org/presentationml/2006/main">
+  <p:cSld>
+    <p:spTree>
+      <p:nvGrpSpPr>
+        <p:cNvPr id="1" name=""/>
+        <p:cNvGrpSpPr/>
+        <p:nvPr/>
+      </p:nvGrpSpPr>
+      <p:grpSpPr>
+        <a:xfrm>
+          <a:off x="0" y="0"/>
+          <a:ext cx="0" cy="0"/>
+          <a:chOff x="0" y="0"/>
+          <a:chExt cx="0" cy="0"/>
+        </a:xfrm>
+      </p:grpSpPr>
+      <p:sp>
+        <p:nvSpPr>
+          <p:cNvPr id="2" name="Title 1"/>
+          <p:cNvSpPr>
+            <a:spLocks noGrp="1"/>
+          </p:cNvSpPr>
+          <p:nvPr>
+            <p:ph type="title"/>
+          </p:nvPr>
+        </p:nvSpPr>
+        <p:spPr/>
+        <p:txBody>
+          <a:bodyPr/>
+          <a:lstStyle/>
+          <a:p>
+            <a:r>
+              <a:rPr lang="en-US" dirty="0" smtClean="0"/>
+              <a:t>Survival Test</a:t>
+            </a:r>
+            <a:endParaRPr lang="en-US" dirty="0"/>
+          </a:p>
+        </p:txBody>
+      </p:sp>
+      <p:sp>
+        <p:nvSpPr>
+          <p:cNvPr id="4" name="Slide Number Placeholder 3"/>
+          <p:cNvSpPr>
+            <a:spLocks noGrp="1"/>
+          </p:cNvSpPr>
+          <p:nvPr>
+            <p:ph type="sldNum" sz="quarter" idx="12"/>
+          </p:nvPr>
+        </p:nvSpPr>
+        <p:spPr/>
+        <p:txBody>
+          <a:bodyPr/>
+          <a:lstStyle/>
+          <a:p>
+            <a:fld id="{47DBC36D-8629-4A26-B3EA-358F99E6BE49}" type="slidenum">
+              <a:rPr lang="en-US" smtClean="0"/>
+              <a:t>6</a:t>
+            </a:fld>
+            <a:endParaRPr lang="en-US"/>
+          </a:p>
+        </p:txBody>
+      </p:sp>
+      <p:graphicFrame>
+        <p:nvGraphicFramePr>
+          <p:cNvPr id="8" name="Content Placeholder 7"/>
+          <p:cNvGraphicFramePr>
+            <a:graphicFrameLocks noGrp="1"/>
+          </p:cNvGraphicFramePr>
+          <p:nvPr>
+            <p:ph idx="1"/>
+            <p:extLst>
+              <p:ext uri="{D42A27DB-BD31-4B8C-83A1-F6EECF244321}">
+                <p14:modId xmlns:p14="http://schemas.microsoft.com/office/powerpoint/2010/main" val="84021535"/>
+              </p:ext>
+            </p:extLst>
+          </p:nvPr>
+        </p:nvGraphicFramePr>
+        <p:xfrm>
+          <a:off x="381000" y="1371600"/>
+          <a:ext cx="7543799" cy="5181599"/>
+        </p:xfrm>
+        <a:graphic>
+          <a:graphicData uri="http://schemas.openxmlformats.org/drawingml/2006/table">
+            <a:tbl>
+              <a:tblPr>
+                <a:tableStyleId>{5C22544A-7EE6-4342-B048-85BDC9FD1C3A}</a:tableStyleId>
+              </a:tblPr>
+              <a:tblGrid>
+                <a:gridCol w="895739"/>
+                <a:gridCol w="3960843"/>
+                <a:gridCol w="895739"/>
+                <a:gridCol w="895739"/>
+                <a:gridCol w="895739"/>
+              </a:tblGrid>
+              <a:tr h="269983">
+                <a:tc gridSpan="2">
+                  <a:txBody>
+                    <a:bodyPr/>
+                    <a:lstStyle/>
+                    <a:p>
+                      <a:pPr algn="ctr" fontAlgn="b"/>
+                      <a:r>
+                        <a:rPr lang="en-US" sz="800" u="none" strike="noStrike">
+                          <a:effectLst/>
+                        </a:rPr>
+                        <a:t>Survival Test</a:t>
+                      </a:r>
+                      <a:endParaRPr lang="en-US" sz="800" b="0" i="0" u="none" strike="noStrike">
+                        <a:solidFill>
+                          <a:srgbClr val="000000"/>
+                        </a:solidFill>
+                        <a:effectLst/>
+                        <a:latin typeface="Calibri"/>
+                      </a:endParaRPr>
+                    </a:p>
+                  </a:txBody>
+                  <a:tcPr marL="6703" marR="6703" marT="6703" marB="0" anchor="b"/>
+                </a:tc>
+                <a:tc hMerge="1">
+                  <a:txBody>
+                    <a:bodyPr/>
+                    <a:lstStyle/>
+                    <a:p>
+                      <a:endParaRPr lang="en-US"/>
+                    </a:p>
+                  </a:txBody>
+                  <a:tcPr/>
+                </a:tc>
+                <a:tc>
+                  <a:txBody>
+                    <a:bodyPr/>
+                    <a:lstStyle/>
+                    <a:p>
+                      <a:pPr algn="l" fontAlgn="b"/>
+                      <a:r>
+                        <a:rPr lang="en-US" sz="800" u="none" strike="noStrike">
+                          <a:effectLst/>
+                        </a:rPr>
+                        <a:t>Iteration 1</a:t>
+                      </a:r>
+                      <a:endParaRPr lang="en-US" sz="800" b="0" i="0" u="none" strike="noStrike">
+                        <a:solidFill>
+                          <a:srgbClr val="000000"/>
+                        </a:solidFill>
+                        <a:effectLst/>
+                        <a:latin typeface="Calibri"/>
+                      </a:endParaRPr>
+                    </a:p>
+                  </a:txBody>
+                  <a:tcPr marL="6703" marR="6703" marT="6703" marB="0" anchor="b"/>
+                </a:tc>
+                <a:tc>
+                  <a:txBody>
+                    <a:bodyPr/>
+                    <a:lstStyle/>
+                    <a:p>
+                      <a:pPr algn="l" fontAlgn="b"/>
+                      <a:r>
+                        <a:rPr lang="en-US" sz="800" u="none" strike="noStrike">
+                          <a:effectLst/>
+                        </a:rPr>
+                        <a:t>Iteration 2</a:t>
+                      </a:r>
+                      <a:endParaRPr lang="en-US" sz="800" b="0" i="0" u="none" strike="noStrike">
+                        <a:solidFill>
+                          <a:srgbClr val="000000"/>
+                        </a:solidFill>
+                        <a:effectLst/>
+                        <a:latin typeface="Calibri"/>
+                      </a:endParaRPr>
+                    </a:p>
+                  </a:txBody>
+                  <a:tcPr marL="6703" marR="6703" marT="6703" marB="0" anchor="b"/>
+                </a:tc>
+                <a:tc>
+                  <a:txBody>
+                    <a:bodyPr/>
+                    <a:lstStyle/>
+                    <a:p>
+                      <a:pPr algn="l" fontAlgn="b"/>
+                      <a:r>
+                        <a:rPr lang="en-US" sz="800" u="none" strike="noStrike">
+                          <a:effectLst/>
+                        </a:rPr>
+                        <a:t>Iteration 3</a:t>
+                      </a:r>
+                      <a:endParaRPr lang="en-US" sz="800" b="0" i="0" u="none" strike="noStrike">
+                        <a:solidFill>
+                          <a:srgbClr val="000000"/>
+                        </a:solidFill>
+                        <a:effectLst/>
+                        <a:latin typeface="Calibri"/>
+                      </a:endParaRPr>
+                    </a:p>
+                  </a:txBody>
+                  <a:tcPr marL="6703" marR="6703" marT="6703" marB="0" anchor="b"/>
+                </a:tc>
+              </a:tr>
+              <a:tr h="288918">
+                <a:tc>
+                  <a:txBody>
+                    <a:bodyPr/>
+                    <a:lstStyle/>
+                    <a:p>
+                      <a:pPr algn="r" fontAlgn="ctr"/>
+                      <a:r>
+                        <a:rPr lang="en-US" sz="800" u="none" strike="noStrike">
+                          <a:effectLst/>
+                        </a:rPr>
+                        <a:t>1</a:t>
+                      </a:r>
+                      <a:endParaRPr lang="en-US" sz="800" b="0" i="0" u="none" strike="noStrike">
+                        <a:solidFill>
+                          <a:srgbClr val="000000"/>
+                        </a:solidFill>
+                        <a:effectLst/>
+                        <a:latin typeface="Calibri"/>
+                      </a:endParaRPr>
+                    </a:p>
+                  </a:txBody>
+                  <a:tcPr marL="6703" marR="6703" marT="6703" marB="0" anchor="ctr"/>
+                </a:tc>
+                <a:tc>
+                  <a:txBody>
+                    <a:bodyPr/>
+                    <a:lstStyle/>
+                    <a:p>
+                      <a:pPr algn="l" fontAlgn="b"/>
+                      <a:r>
+                        <a:rPr lang="en-US" sz="800" u="none" strike="noStrike">
+                          <a:effectLst/>
+                        </a:rPr>
+                        <a:t>Does the project have a clear, unambiguous vision statement or mission statement?</a:t>
+                      </a:r>
+                      <a:endParaRPr lang="en-US" sz="800" b="0" i="0" u="none" strike="noStrike">
+                        <a:solidFill>
+                          <a:srgbClr val="000000"/>
+                        </a:solidFill>
+                        <a:effectLst/>
+                        <a:latin typeface="Calibri"/>
+                      </a:endParaRPr>
+                    </a:p>
+                  </a:txBody>
+                  <a:tcPr marL="6703" marR="6703" marT="6703" marB="0" anchor="b"/>
+                </a:tc>
+                <a:tc>
+                  <a:txBody>
+                    <a:bodyPr/>
+                    <a:lstStyle/>
+                    <a:p>
+                      <a:pPr algn="r" fontAlgn="b"/>
+                      <a:r>
+                        <a:rPr lang="en-US" sz="800" u="none" strike="noStrike">
+                          <a:effectLst/>
+                        </a:rPr>
+                        <a:t>2</a:t>
+                      </a:r>
+                      <a:endParaRPr lang="en-US" sz="800" b="0" i="0" u="none" strike="noStrike">
+                        <a:solidFill>
+                          <a:srgbClr val="000000"/>
+                        </a:solidFill>
+                        <a:effectLst/>
+                        <a:latin typeface="Calibri"/>
+                      </a:endParaRPr>
+                    </a:p>
+                  </a:txBody>
+                  <a:tcPr marL="6703" marR="6703" marT="6703" marB="0" anchor="b"/>
+                </a:tc>
+                <a:tc>
+                  <a:txBody>
+                    <a:bodyPr/>
+                    <a:lstStyle/>
+                    <a:p>
+                      <a:pPr algn="r" fontAlgn="b"/>
+                      <a:r>
+                        <a:rPr lang="en-US" sz="800" u="none" strike="noStrike">
+                          <a:effectLst/>
+                        </a:rPr>
+                        <a:t>2</a:t>
+                      </a:r>
+                      <a:endParaRPr lang="en-US" sz="800" b="0" i="0" u="none" strike="noStrike">
+                        <a:solidFill>
+                          <a:srgbClr val="000000"/>
+                        </a:solidFill>
+                        <a:effectLst/>
+                        <a:latin typeface="Calibri"/>
+                      </a:endParaRPr>
+                    </a:p>
+                  </a:txBody>
+                  <a:tcPr marL="6703" marR="6703" marT="6703" marB="0" anchor="b"/>
+                </a:tc>
+                <a:tc>
+                  <a:txBody>
+                    <a:bodyPr/>
+                    <a:lstStyle/>
+                    <a:p>
+                      <a:pPr algn="r" fontAlgn="b"/>
+                      <a:r>
+                        <a:rPr lang="en-US" sz="800" u="none" strike="noStrike">
+                          <a:effectLst/>
+                        </a:rPr>
+                        <a:t>2</a:t>
+                      </a:r>
+                      <a:endParaRPr lang="en-US" sz="800" b="0" i="0" u="none" strike="noStrike">
+                        <a:solidFill>
+                          <a:srgbClr val="000000"/>
+                        </a:solidFill>
+                        <a:effectLst/>
+                        <a:latin typeface="Calibri"/>
+                      </a:endParaRPr>
+                    </a:p>
+                  </a:txBody>
+                  <a:tcPr marL="6703" marR="6703" marT="6703" marB="0" anchor="b"/>
+                </a:tc>
+              </a:tr>
+              <a:tr h="288918">
+                <a:tc>
+                  <a:txBody>
+                    <a:bodyPr/>
+                    <a:lstStyle/>
+                    <a:p>
+                      <a:pPr algn="r" fontAlgn="ctr"/>
+                      <a:r>
+                        <a:rPr lang="en-US" sz="800" u="none" strike="noStrike">
+                          <a:effectLst/>
+                        </a:rPr>
+                        <a:t>2</a:t>
+                      </a:r>
+                      <a:endParaRPr lang="en-US" sz="800" b="0" i="0" u="none" strike="noStrike">
+                        <a:solidFill>
+                          <a:srgbClr val="000000"/>
+                        </a:solidFill>
+                        <a:effectLst/>
+                        <a:latin typeface="Calibri"/>
+                      </a:endParaRPr>
+                    </a:p>
+                  </a:txBody>
+                  <a:tcPr marL="6703" marR="6703" marT="6703" marB="0" anchor="ctr"/>
+                </a:tc>
+                <a:tc>
+                  <a:txBody>
+                    <a:bodyPr/>
+                    <a:lstStyle/>
+                    <a:p>
+                      <a:pPr algn="l" fontAlgn="b"/>
+                      <a:r>
+                        <a:rPr lang="en-US" sz="800" u="none" strike="noStrike">
+                          <a:effectLst/>
+                        </a:rPr>
+                        <a:t>Do all team members believe the vision is realistic?</a:t>
+                      </a:r>
+                      <a:endParaRPr lang="en-US" sz="800" b="0" i="0" u="none" strike="noStrike">
+                        <a:solidFill>
+                          <a:srgbClr val="000000"/>
+                        </a:solidFill>
+                        <a:effectLst/>
+                        <a:latin typeface="Calibri"/>
+                      </a:endParaRPr>
+                    </a:p>
+                  </a:txBody>
+                  <a:tcPr marL="6703" marR="6703" marT="6703" marB="0" anchor="b"/>
+                </a:tc>
+                <a:tc>
+                  <a:txBody>
+                    <a:bodyPr/>
+                    <a:lstStyle/>
+                    <a:p>
+                      <a:pPr algn="r" fontAlgn="b"/>
+                      <a:r>
+                        <a:rPr lang="en-US" sz="800" u="none" strike="noStrike">
+                          <a:effectLst/>
+                        </a:rPr>
+                        <a:t>2</a:t>
+                      </a:r>
+                      <a:endParaRPr lang="en-US" sz="800" b="0" i="0" u="none" strike="noStrike">
+                        <a:solidFill>
+                          <a:srgbClr val="000000"/>
+                        </a:solidFill>
+                        <a:effectLst/>
+                        <a:latin typeface="Calibri"/>
+                      </a:endParaRPr>
+                    </a:p>
+                  </a:txBody>
+                  <a:tcPr marL="6703" marR="6703" marT="6703" marB="0" anchor="b"/>
+                </a:tc>
+                <a:tc>
+                  <a:txBody>
+                    <a:bodyPr/>
+                    <a:lstStyle/>
+                    <a:p>
+                      <a:pPr algn="r" fontAlgn="b"/>
+                      <a:r>
+                        <a:rPr lang="en-US" sz="800" u="none" strike="noStrike">
+                          <a:effectLst/>
+                        </a:rPr>
+                        <a:t>2</a:t>
+                      </a:r>
+                      <a:endParaRPr lang="en-US" sz="800" b="0" i="0" u="none" strike="noStrike">
+                        <a:solidFill>
+                          <a:srgbClr val="000000"/>
+                        </a:solidFill>
+                        <a:effectLst/>
+                        <a:latin typeface="Calibri"/>
+                      </a:endParaRPr>
+                    </a:p>
+                  </a:txBody>
+                  <a:tcPr marL="6703" marR="6703" marT="6703" marB="0" anchor="b"/>
+                </a:tc>
+                <a:tc>
+                  <a:txBody>
+                    <a:bodyPr/>
+                    <a:lstStyle/>
+                    <a:p>
+                      <a:pPr algn="r" fontAlgn="b"/>
+                      <a:r>
+                        <a:rPr lang="en-US" sz="800" u="none" strike="noStrike">
+                          <a:effectLst/>
+                        </a:rPr>
+                        <a:t>2</a:t>
+                      </a:r>
+                      <a:endParaRPr lang="en-US" sz="800" b="0" i="0" u="none" strike="noStrike">
+                        <a:solidFill>
+                          <a:srgbClr val="000000"/>
+                        </a:solidFill>
+                        <a:effectLst/>
+                        <a:latin typeface="Calibri"/>
+                      </a:endParaRPr>
+                    </a:p>
+                  </a:txBody>
+                  <a:tcPr marL="6703" marR="6703" marT="6703" marB="0" anchor="b"/>
+                </a:tc>
+              </a:tr>
+              <a:tr h="433378">
+                <a:tc>
+                  <a:txBody>
+                    <a:bodyPr/>
+                    <a:lstStyle/>
+                    <a:p>
+                      <a:pPr algn="r" fontAlgn="ctr"/>
+                      <a:r>
+                        <a:rPr lang="en-US" sz="800" u="none" strike="noStrike">
+                          <a:effectLst/>
+                        </a:rPr>
+                        <a:t>3</a:t>
+                      </a:r>
+                      <a:endParaRPr lang="en-US" sz="800" b="0" i="0" u="none" strike="noStrike">
+                        <a:solidFill>
+                          <a:srgbClr val="000000"/>
+                        </a:solidFill>
+                        <a:effectLst/>
+                        <a:latin typeface="Calibri"/>
+                      </a:endParaRPr>
+                    </a:p>
+                  </a:txBody>
+                  <a:tcPr marL="6703" marR="6703" marT="6703" marB="0" anchor="ctr"/>
+                </a:tc>
+                <a:tc>
+                  <a:txBody>
+                    <a:bodyPr/>
+                    <a:lstStyle/>
+                    <a:p>
+                      <a:pPr algn="l" fontAlgn="b"/>
+                      <a:r>
+                        <a:rPr lang="en-US" sz="800" u="none" strike="noStrike">
+                          <a:effectLst/>
+                        </a:rPr>
+                        <a:t>Does the project have a business case that details the business benefit and how the benefit will be measured?</a:t>
+                      </a:r>
+                      <a:endParaRPr lang="en-US" sz="800" b="0" i="0" u="none" strike="noStrike">
+                        <a:solidFill>
+                          <a:srgbClr val="000000"/>
+                        </a:solidFill>
+                        <a:effectLst/>
+                        <a:latin typeface="Calibri"/>
+                      </a:endParaRPr>
+                    </a:p>
+                  </a:txBody>
+                  <a:tcPr marL="6703" marR="6703" marT="6703" marB="0" anchor="b"/>
+                </a:tc>
+                <a:tc>
+                  <a:txBody>
+                    <a:bodyPr/>
+                    <a:lstStyle/>
+                    <a:p>
+                      <a:pPr algn="r" fontAlgn="b"/>
+                      <a:r>
+                        <a:rPr lang="en-US" sz="800" u="none" strike="noStrike">
+                          <a:effectLst/>
+                        </a:rPr>
+                        <a:t>3</a:t>
+                      </a:r>
+                      <a:endParaRPr lang="en-US" sz="800" b="0" i="0" u="none" strike="noStrike">
+                        <a:solidFill>
+                          <a:srgbClr val="000000"/>
+                        </a:solidFill>
+                        <a:effectLst/>
+                        <a:latin typeface="Calibri"/>
+                      </a:endParaRPr>
+                    </a:p>
+                  </a:txBody>
+                  <a:tcPr marL="6703" marR="6703" marT="6703" marB="0" anchor="b"/>
+                </a:tc>
+                <a:tc>
+                  <a:txBody>
+                    <a:bodyPr/>
+                    <a:lstStyle/>
+                    <a:p>
+                      <a:pPr algn="r" fontAlgn="b"/>
+                      <a:r>
+                        <a:rPr lang="en-US" sz="800" u="none" strike="noStrike">
+                          <a:effectLst/>
+                        </a:rPr>
+                        <a:t>3</a:t>
+                      </a:r>
+                      <a:endParaRPr lang="en-US" sz="800" b="0" i="0" u="none" strike="noStrike">
+                        <a:solidFill>
+                          <a:srgbClr val="000000"/>
+                        </a:solidFill>
+                        <a:effectLst/>
+                        <a:latin typeface="Calibri"/>
+                      </a:endParaRPr>
+                    </a:p>
+                  </a:txBody>
+                  <a:tcPr marL="6703" marR="6703" marT="6703" marB="0" anchor="b"/>
+                </a:tc>
+                <a:tc>
+                  <a:txBody>
+                    <a:bodyPr/>
+                    <a:lstStyle/>
+                    <a:p>
+                      <a:pPr algn="r" fontAlgn="b"/>
+                      <a:r>
+                        <a:rPr lang="en-US" sz="800" u="none" strike="noStrike">
+                          <a:effectLst/>
+                        </a:rPr>
+                        <a:t>3</a:t>
+                      </a:r>
+                      <a:endParaRPr lang="en-US" sz="800" b="0" i="0" u="none" strike="noStrike">
+                        <a:solidFill>
+                          <a:srgbClr val="000000"/>
+                        </a:solidFill>
+                        <a:effectLst/>
+                        <a:latin typeface="Calibri"/>
+                      </a:endParaRPr>
+                    </a:p>
+                  </a:txBody>
+                  <a:tcPr marL="6703" marR="6703" marT="6703" marB="0" anchor="b"/>
+                </a:tc>
+              </a:tr>
+              <a:tr h="577836">
+                <a:tc>
+                  <a:txBody>
+                    <a:bodyPr/>
+                    <a:lstStyle/>
+                    <a:p>
+                      <a:pPr algn="r" fontAlgn="ctr"/>
+                      <a:r>
+                        <a:rPr lang="en-US" sz="800" u="none" strike="noStrike">
+                          <a:effectLst/>
+                        </a:rPr>
+                        <a:t>4</a:t>
+                      </a:r>
+                      <a:endParaRPr lang="en-US" sz="800" b="0" i="0" u="none" strike="noStrike">
+                        <a:solidFill>
+                          <a:srgbClr val="000000"/>
+                        </a:solidFill>
+                        <a:effectLst/>
+                        <a:latin typeface="Calibri"/>
+                      </a:endParaRPr>
+                    </a:p>
+                  </a:txBody>
+                  <a:tcPr marL="6703" marR="6703" marT="6703" marB="0" anchor="ctr"/>
+                </a:tc>
+                <a:tc>
+                  <a:txBody>
+                    <a:bodyPr/>
+                    <a:lstStyle/>
+                    <a:p>
+                      <a:pPr algn="l" fontAlgn="b"/>
+                      <a:r>
+                        <a:rPr lang="en-US" sz="800" u="none" strike="noStrike">
+                          <a:effectLst/>
+                        </a:rPr>
+                        <a:t>Does the project have a user interface prototype that realistically and vividly demonstrates the functionality that the actual system will have?</a:t>
+                      </a:r>
+                      <a:endParaRPr lang="en-US" sz="800" b="0" i="0" u="none" strike="noStrike">
+                        <a:solidFill>
+                          <a:srgbClr val="000000"/>
+                        </a:solidFill>
+                        <a:effectLst/>
+                        <a:latin typeface="Calibri"/>
+                      </a:endParaRPr>
+                    </a:p>
+                  </a:txBody>
+                  <a:tcPr marL="6703" marR="6703" marT="6703" marB="0" anchor="b"/>
+                </a:tc>
+                <a:tc>
+                  <a:txBody>
+                    <a:bodyPr/>
+                    <a:lstStyle/>
+                    <a:p>
+                      <a:pPr algn="r" fontAlgn="b"/>
+                      <a:r>
+                        <a:rPr lang="en-US" sz="800" u="none" strike="noStrike">
+                          <a:effectLst/>
+                        </a:rPr>
+                        <a:t>3</a:t>
+                      </a:r>
+                      <a:endParaRPr lang="en-US" sz="800" b="0" i="0" u="none" strike="noStrike">
+                        <a:solidFill>
+                          <a:srgbClr val="000000"/>
+                        </a:solidFill>
+                        <a:effectLst/>
+                        <a:latin typeface="Calibri"/>
+                      </a:endParaRPr>
+                    </a:p>
+                  </a:txBody>
+                  <a:tcPr marL="6703" marR="6703" marT="6703" marB="0" anchor="b"/>
+                </a:tc>
+                <a:tc>
+                  <a:txBody>
+                    <a:bodyPr/>
+                    <a:lstStyle/>
+                    <a:p>
+                      <a:pPr algn="r" fontAlgn="b"/>
+                      <a:r>
+                        <a:rPr lang="en-US" sz="800" u="none" strike="noStrike">
+                          <a:effectLst/>
+                        </a:rPr>
+                        <a:t>3</a:t>
+                      </a:r>
+                      <a:endParaRPr lang="en-US" sz="800" b="0" i="0" u="none" strike="noStrike">
+                        <a:solidFill>
+                          <a:srgbClr val="000000"/>
+                        </a:solidFill>
+                        <a:effectLst/>
+                        <a:latin typeface="Calibri"/>
+                      </a:endParaRPr>
+                    </a:p>
+                  </a:txBody>
+                  <a:tcPr marL="6703" marR="6703" marT="6703" marB="0" anchor="b"/>
+                </a:tc>
+                <a:tc>
+                  <a:txBody>
+                    <a:bodyPr/>
+                    <a:lstStyle/>
+                    <a:p>
+                      <a:pPr algn="r" fontAlgn="b"/>
+                      <a:r>
+                        <a:rPr lang="en-US" sz="800" u="none" strike="noStrike">
+                          <a:effectLst/>
+                        </a:rPr>
+                        <a:t>3</a:t>
+                      </a:r>
+                      <a:endParaRPr lang="en-US" sz="800" b="0" i="0" u="none" strike="noStrike">
+                        <a:solidFill>
+                          <a:srgbClr val="000000"/>
+                        </a:solidFill>
+                        <a:effectLst/>
+                        <a:latin typeface="Calibri"/>
+                      </a:endParaRPr>
+                    </a:p>
+                  </a:txBody>
+                  <a:tcPr marL="6703" marR="6703" marT="6703" marB="0" anchor="b"/>
+                </a:tc>
+              </a:tr>
+              <a:tr h="433378">
+                <a:tc>
+                  <a:txBody>
+                    <a:bodyPr/>
+                    <a:lstStyle/>
+                    <a:p>
+                      <a:pPr algn="r" fontAlgn="ctr"/>
+                      <a:r>
+                        <a:rPr lang="en-US" sz="800" u="none" strike="noStrike">
+                          <a:effectLst/>
+                        </a:rPr>
+                        <a:t>5</a:t>
+                      </a:r>
+                      <a:endParaRPr lang="en-US" sz="800" b="0" i="0" u="none" strike="noStrike">
+                        <a:solidFill>
+                          <a:srgbClr val="000000"/>
+                        </a:solidFill>
+                        <a:effectLst/>
+                        <a:latin typeface="Calibri"/>
+                      </a:endParaRPr>
+                    </a:p>
+                  </a:txBody>
+                  <a:tcPr marL="6703" marR="6703" marT="6703" marB="0" anchor="ctr"/>
+                </a:tc>
+                <a:tc>
+                  <a:txBody>
+                    <a:bodyPr/>
+                    <a:lstStyle/>
+                    <a:p>
+                      <a:pPr algn="l" fontAlgn="b"/>
+                      <a:r>
+                        <a:rPr lang="en-US" sz="800" u="none" strike="noStrike">
+                          <a:effectLst/>
+                        </a:rPr>
+                        <a:t>Does the project have a detailed, written specification of what the software is supposed to do?</a:t>
+                      </a:r>
+                      <a:endParaRPr lang="en-US" sz="800" b="0" i="0" u="none" strike="noStrike">
+                        <a:solidFill>
+                          <a:srgbClr val="000000"/>
+                        </a:solidFill>
+                        <a:effectLst/>
+                        <a:latin typeface="Calibri"/>
+                      </a:endParaRPr>
+                    </a:p>
+                  </a:txBody>
+                  <a:tcPr marL="6703" marR="6703" marT="6703" marB="0" anchor="b"/>
+                </a:tc>
+                <a:tc>
+                  <a:txBody>
+                    <a:bodyPr/>
+                    <a:lstStyle/>
+                    <a:p>
+                      <a:pPr algn="r" fontAlgn="b"/>
+                      <a:r>
+                        <a:rPr lang="en-US" sz="800" u="none" strike="noStrike">
+                          <a:effectLst/>
+                        </a:rPr>
+                        <a:t>2</a:t>
+                      </a:r>
+                      <a:endParaRPr lang="en-US" sz="800" b="0" i="0" u="none" strike="noStrike">
+                        <a:solidFill>
+                          <a:srgbClr val="000000"/>
+                        </a:solidFill>
+                        <a:effectLst/>
+                        <a:latin typeface="Calibri"/>
+                      </a:endParaRPr>
+                    </a:p>
+                  </a:txBody>
+                  <a:tcPr marL="6703" marR="6703" marT="6703" marB="0" anchor="b"/>
+                </a:tc>
+                <a:tc>
+                  <a:txBody>
+                    <a:bodyPr/>
+                    <a:lstStyle/>
+                    <a:p>
+                      <a:pPr algn="r" fontAlgn="b"/>
+                      <a:r>
+                        <a:rPr lang="en-US" sz="800" u="none" strike="noStrike">
+                          <a:effectLst/>
+                        </a:rPr>
+                        <a:t>2</a:t>
+                      </a:r>
+                      <a:endParaRPr lang="en-US" sz="800" b="0" i="0" u="none" strike="noStrike">
+                        <a:solidFill>
+                          <a:srgbClr val="000000"/>
+                        </a:solidFill>
+                        <a:effectLst/>
+                        <a:latin typeface="Calibri"/>
+                      </a:endParaRPr>
+                    </a:p>
+                  </a:txBody>
+                  <a:tcPr marL="6703" marR="6703" marT="6703" marB="0" anchor="b"/>
+                </a:tc>
+                <a:tc>
+                  <a:txBody>
+                    <a:bodyPr/>
+                    <a:lstStyle/>
+                    <a:p>
+                      <a:pPr algn="r" fontAlgn="b"/>
+                      <a:r>
+                        <a:rPr lang="en-US" sz="800" u="none" strike="noStrike">
+                          <a:effectLst/>
+                        </a:rPr>
+                        <a:t>2</a:t>
+                      </a:r>
+                      <a:endParaRPr lang="en-US" sz="800" b="0" i="0" u="none" strike="noStrike">
+                        <a:solidFill>
+                          <a:srgbClr val="000000"/>
+                        </a:solidFill>
+                        <a:effectLst/>
+                        <a:latin typeface="Calibri"/>
+                      </a:endParaRPr>
+                    </a:p>
+                  </a:txBody>
+                  <a:tcPr marL="6703" marR="6703" marT="6703" marB="0" anchor="b"/>
+                </a:tc>
+              </a:tr>
+              <a:tr h="577836">
+                <a:tc>
+                  <a:txBody>
+                    <a:bodyPr/>
+                    <a:lstStyle/>
+                    <a:p>
+                      <a:pPr algn="r" fontAlgn="ctr"/>
+                      <a:r>
+                        <a:rPr lang="en-US" sz="800" u="none" strike="noStrike">
+                          <a:effectLst/>
+                        </a:rPr>
+                        <a:t>6</a:t>
+                      </a:r>
+                      <a:endParaRPr lang="en-US" sz="800" b="0" i="0" u="none" strike="noStrike">
+                        <a:solidFill>
+                          <a:srgbClr val="000000"/>
+                        </a:solidFill>
+                        <a:effectLst/>
+                        <a:latin typeface="Calibri"/>
+                      </a:endParaRPr>
+                    </a:p>
+                  </a:txBody>
+                  <a:tcPr marL="6703" marR="6703" marT="6703" marB="0" anchor="ctr"/>
+                </a:tc>
+                <a:tc>
+                  <a:txBody>
+                    <a:bodyPr/>
+                    <a:lstStyle/>
+                    <a:p>
+                      <a:pPr algn="l" fontAlgn="b"/>
+                      <a:r>
+                        <a:rPr lang="en-US" sz="800" u="none" strike="noStrike">
+                          <a:effectLst/>
+                        </a:rPr>
+                        <a:t>Did the project team interview people who will actually use the software (end users) early in the project and continue to involve them throughout the project?</a:t>
+                      </a:r>
+                      <a:endParaRPr lang="en-US" sz="800" b="0" i="0" u="none" strike="noStrike">
+                        <a:solidFill>
+                          <a:srgbClr val="000000"/>
+                        </a:solidFill>
+                        <a:effectLst/>
+                        <a:latin typeface="Calibri"/>
+                      </a:endParaRPr>
+                    </a:p>
+                  </a:txBody>
+                  <a:tcPr marL="6703" marR="6703" marT="6703" marB="0" anchor="b"/>
+                </a:tc>
+                <a:tc>
+                  <a:txBody>
+                    <a:bodyPr/>
+                    <a:lstStyle/>
+                    <a:p>
+                      <a:pPr algn="r" fontAlgn="b"/>
+                      <a:r>
+                        <a:rPr lang="en-US" sz="800" u="none" strike="noStrike">
+                          <a:effectLst/>
+                        </a:rPr>
+                        <a:t>0</a:t>
+                      </a:r>
+                      <a:endParaRPr lang="en-US" sz="800" b="0" i="0" u="none" strike="noStrike">
+                        <a:solidFill>
+                          <a:srgbClr val="000000"/>
+                        </a:solidFill>
+                        <a:effectLst/>
+                        <a:latin typeface="Calibri"/>
+                      </a:endParaRPr>
+                    </a:p>
+                  </a:txBody>
+                  <a:tcPr marL="6703" marR="6703" marT="6703" marB="0" anchor="b"/>
+                </a:tc>
+                <a:tc>
+                  <a:txBody>
+                    <a:bodyPr/>
+                    <a:lstStyle/>
+                    <a:p>
+                      <a:pPr algn="r" fontAlgn="b"/>
+                      <a:r>
+                        <a:rPr lang="en-US" sz="800" u="none" strike="noStrike">
+                          <a:effectLst/>
+                        </a:rPr>
+                        <a:t>0</a:t>
+                      </a:r>
+                      <a:endParaRPr lang="en-US" sz="800" b="0" i="0" u="none" strike="noStrike">
+                        <a:solidFill>
+                          <a:srgbClr val="000000"/>
+                        </a:solidFill>
+                        <a:effectLst/>
+                        <a:latin typeface="Calibri"/>
+                      </a:endParaRPr>
+                    </a:p>
+                  </a:txBody>
+                  <a:tcPr marL="6703" marR="6703" marT="6703" marB="0" anchor="b"/>
+                </a:tc>
+                <a:tc>
+                  <a:txBody>
+                    <a:bodyPr/>
+                    <a:lstStyle/>
+                    <a:p>
+                      <a:pPr algn="r" fontAlgn="b"/>
+                      <a:r>
+                        <a:rPr lang="en-US" sz="800" u="none" strike="noStrike">
+                          <a:effectLst/>
+                        </a:rPr>
+                        <a:t>0</a:t>
+                      </a:r>
+                      <a:endParaRPr lang="en-US" sz="800" b="0" i="0" u="none" strike="noStrike">
+                        <a:solidFill>
+                          <a:srgbClr val="000000"/>
+                        </a:solidFill>
+                        <a:effectLst/>
+                        <a:latin typeface="Calibri"/>
+                      </a:endParaRPr>
+                    </a:p>
+                  </a:txBody>
+                  <a:tcPr marL="6703" marR="6703" marT="6703" marB="0" anchor="b"/>
+                </a:tc>
+              </a:tr>
+              <a:tr h="144460">
+                <a:tc>
+                  <a:txBody>
+                    <a:bodyPr/>
+                    <a:lstStyle/>
+                    <a:p>
+                      <a:pPr algn="l" fontAlgn="b"/>
+                      <a:r>
+                        <a:rPr lang="en-US" sz="800" u="none" strike="noStrike">
+                          <a:effectLst/>
+                        </a:rPr>
+                        <a:t> </a:t>
+                      </a:r>
+                      <a:endParaRPr lang="en-US" sz="800" b="0" i="0" u="none" strike="noStrike">
+                        <a:solidFill>
+                          <a:srgbClr val="000000"/>
+                        </a:solidFill>
+                        <a:effectLst/>
+                        <a:latin typeface="Calibri"/>
+                      </a:endParaRPr>
+                    </a:p>
+                  </a:txBody>
+                  <a:tcPr marL="6703" marR="6703" marT="6703" marB="0" anchor="b"/>
+                </a:tc>
+                <a:tc>
+                  <a:txBody>
+                    <a:bodyPr/>
+                    <a:lstStyle/>
+                    <a:p>
+                      <a:pPr algn="ctr" fontAlgn="b"/>
+                      <a:r>
+                        <a:rPr lang="en-US" sz="800" u="none" strike="noStrike">
+                          <a:effectLst/>
+                        </a:rPr>
+                        <a:t>.</a:t>
+                      </a:r>
+                      <a:endParaRPr lang="en-US" sz="800" b="0" i="0" u="none" strike="noStrike">
+                        <a:solidFill>
+                          <a:srgbClr val="000000"/>
+                        </a:solidFill>
+                        <a:effectLst/>
+                        <a:latin typeface="Calibri"/>
+                      </a:endParaRPr>
+                    </a:p>
+                  </a:txBody>
+                  <a:tcPr marL="6703" marR="6703" marT="6703" marB="0" anchor="b"/>
+                </a:tc>
+                <a:tc>
+                  <a:txBody>
+                    <a:bodyPr/>
+                    <a:lstStyle/>
+                    <a:p>
+                      <a:pPr algn="l" fontAlgn="b"/>
+                      <a:r>
+                        <a:rPr lang="en-US" sz="800" u="none" strike="noStrike">
+                          <a:effectLst/>
+                        </a:rPr>
+                        <a:t> </a:t>
+                      </a:r>
+                      <a:endParaRPr lang="en-US" sz="800" b="0" i="0" u="none" strike="noStrike">
+                        <a:solidFill>
+                          <a:srgbClr val="000000"/>
+                        </a:solidFill>
+                        <a:effectLst/>
+                        <a:latin typeface="Calibri"/>
+                      </a:endParaRPr>
+                    </a:p>
+                  </a:txBody>
+                  <a:tcPr marL="6703" marR="6703" marT="6703" marB="0" anchor="b"/>
+                </a:tc>
+                <a:tc>
+                  <a:txBody>
+                    <a:bodyPr/>
+                    <a:lstStyle/>
+                    <a:p>
+                      <a:pPr algn="l" fontAlgn="b"/>
+                      <a:r>
+                        <a:rPr lang="en-US" sz="800" u="none" strike="noStrike">
+                          <a:effectLst/>
+                        </a:rPr>
+                        <a:t> </a:t>
+                      </a:r>
+                      <a:endParaRPr lang="en-US" sz="800" b="0" i="0" u="none" strike="noStrike">
+                        <a:solidFill>
+                          <a:srgbClr val="000000"/>
+                        </a:solidFill>
+                        <a:effectLst/>
+                        <a:latin typeface="Calibri"/>
+                      </a:endParaRPr>
+                    </a:p>
+                  </a:txBody>
+                  <a:tcPr marL="6703" marR="6703" marT="6703" marB="0" anchor="b"/>
+                </a:tc>
+                <a:tc>
+                  <a:txBody>
+                    <a:bodyPr/>
+                    <a:lstStyle/>
+                    <a:p>
+                      <a:pPr algn="l" fontAlgn="b"/>
+                      <a:endParaRPr lang="en-US" sz="800" b="0" i="0" u="none" strike="noStrike">
+                        <a:solidFill>
+                          <a:srgbClr val="000000"/>
+                        </a:solidFill>
+                        <a:effectLst/>
+                        <a:latin typeface="Calibri"/>
+                      </a:endParaRPr>
+                    </a:p>
+                  </a:txBody>
+                  <a:tcPr marL="6703" marR="6703" marT="6703" marB="0" anchor="b"/>
+                </a:tc>
+              </a:tr>
+              <a:tr h="144460">
+                <a:tc>
+                  <a:txBody>
+                    <a:bodyPr/>
+                    <a:lstStyle/>
+                    <a:p>
+                      <a:pPr algn="l" fontAlgn="b"/>
+                      <a:r>
+                        <a:rPr lang="en-US" sz="800" u="none" strike="noStrike">
+                          <a:effectLst/>
+                        </a:rPr>
+                        <a:t> </a:t>
+                      </a:r>
+                      <a:endParaRPr lang="en-US" sz="800" b="0" i="0" u="none" strike="noStrike">
+                        <a:solidFill>
+                          <a:srgbClr val="000000"/>
+                        </a:solidFill>
+                        <a:effectLst/>
+                        <a:latin typeface="Calibri"/>
+                      </a:endParaRPr>
+                    </a:p>
+                  </a:txBody>
+                  <a:tcPr marL="6703" marR="6703" marT="6703" marB="0" anchor="b"/>
+                </a:tc>
+                <a:tc>
+                  <a:txBody>
+                    <a:bodyPr/>
+                    <a:lstStyle/>
+                    <a:p>
+                      <a:pPr algn="ctr" fontAlgn="b"/>
+                      <a:r>
+                        <a:rPr lang="en-US" sz="800" u="none" strike="noStrike">
+                          <a:effectLst/>
+                        </a:rPr>
+                        <a:t>.</a:t>
+                      </a:r>
+                      <a:endParaRPr lang="en-US" sz="800" b="0" i="0" u="none" strike="noStrike">
+                        <a:solidFill>
+                          <a:srgbClr val="000000"/>
+                        </a:solidFill>
+                        <a:effectLst/>
+                        <a:latin typeface="Calibri"/>
+                      </a:endParaRPr>
+                    </a:p>
+                  </a:txBody>
+                  <a:tcPr marL="6703" marR="6703" marT="6703" marB="0" anchor="b"/>
+                </a:tc>
+                <a:tc>
+                  <a:txBody>
+                    <a:bodyPr/>
+                    <a:lstStyle/>
+                    <a:p>
+                      <a:pPr algn="l" fontAlgn="b"/>
+                      <a:r>
+                        <a:rPr lang="en-US" sz="800" u="none" strike="noStrike">
+                          <a:effectLst/>
+                        </a:rPr>
+                        <a:t> </a:t>
+                      </a:r>
+                      <a:endParaRPr lang="en-US" sz="800" b="0" i="0" u="none" strike="noStrike">
+                        <a:solidFill>
+                          <a:srgbClr val="000000"/>
+                        </a:solidFill>
+                        <a:effectLst/>
+                        <a:latin typeface="Calibri"/>
+                      </a:endParaRPr>
+                    </a:p>
+                  </a:txBody>
+                  <a:tcPr marL="6703" marR="6703" marT="6703" marB="0" anchor="b"/>
+                </a:tc>
+                <a:tc>
+                  <a:txBody>
+                    <a:bodyPr/>
+                    <a:lstStyle/>
+                    <a:p>
+                      <a:pPr algn="l" fontAlgn="b"/>
+                      <a:r>
+                        <a:rPr lang="en-US" sz="800" u="none" strike="noStrike">
+                          <a:effectLst/>
+                        </a:rPr>
+                        <a:t> </a:t>
+                      </a:r>
+                      <a:endParaRPr lang="en-US" sz="800" b="0" i="0" u="none" strike="noStrike">
+                        <a:solidFill>
+                          <a:srgbClr val="000000"/>
+                        </a:solidFill>
+                        <a:effectLst/>
+                        <a:latin typeface="Calibri"/>
+                      </a:endParaRPr>
+                    </a:p>
+                  </a:txBody>
+                  <a:tcPr marL="6703" marR="6703" marT="6703" marB="0" anchor="b"/>
+                </a:tc>
+                <a:tc>
+                  <a:txBody>
+                    <a:bodyPr/>
+                    <a:lstStyle/>
+                    <a:p>
+                      <a:pPr algn="l" fontAlgn="b"/>
+                      <a:endParaRPr lang="en-US" sz="800" b="0" i="0" u="none" strike="noStrike">
+                        <a:solidFill>
+                          <a:srgbClr val="000000"/>
+                        </a:solidFill>
+                        <a:effectLst/>
+                        <a:latin typeface="Calibri"/>
+                      </a:endParaRPr>
+                    </a:p>
+                  </a:txBody>
+                  <a:tcPr marL="6703" marR="6703" marT="6703" marB="0" anchor="b"/>
+                </a:tc>
+              </a:tr>
+              <a:tr h="144460">
+                <a:tc>
+                  <a:txBody>
+                    <a:bodyPr/>
+                    <a:lstStyle/>
+                    <a:p>
+                      <a:pPr algn="l" fontAlgn="b"/>
+                      <a:r>
+                        <a:rPr lang="en-US" sz="800" u="none" strike="noStrike">
+                          <a:effectLst/>
+                        </a:rPr>
+                        <a:t> </a:t>
+                      </a:r>
+                      <a:endParaRPr lang="en-US" sz="800" b="0" i="0" u="none" strike="noStrike">
+                        <a:solidFill>
+                          <a:srgbClr val="000000"/>
+                        </a:solidFill>
+                        <a:effectLst/>
+                        <a:latin typeface="Calibri"/>
+                      </a:endParaRPr>
+                    </a:p>
+                  </a:txBody>
+                  <a:tcPr marL="6703" marR="6703" marT="6703" marB="0" anchor="b"/>
+                </a:tc>
+                <a:tc>
+                  <a:txBody>
+                    <a:bodyPr/>
+                    <a:lstStyle/>
+                    <a:p>
+                      <a:pPr algn="ctr" fontAlgn="b"/>
+                      <a:r>
+                        <a:rPr lang="en-US" sz="800" u="none" strike="noStrike">
+                          <a:effectLst/>
+                        </a:rPr>
+                        <a:t>.</a:t>
+                      </a:r>
+                      <a:endParaRPr lang="en-US" sz="800" b="0" i="0" u="none" strike="noStrike">
+                        <a:solidFill>
+                          <a:srgbClr val="000000"/>
+                        </a:solidFill>
+                        <a:effectLst/>
+                        <a:latin typeface="Calibri"/>
+                      </a:endParaRPr>
+                    </a:p>
+                  </a:txBody>
+                  <a:tcPr marL="6703" marR="6703" marT="6703" marB="0" anchor="b"/>
+                </a:tc>
+                <a:tc>
+                  <a:txBody>
+                    <a:bodyPr/>
+                    <a:lstStyle/>
+                    <a:p>
+                      <a:pPr algn="l" fontAlgn="b"/>
+                      <a:r>
+                        <a:rPr lang="en-US" sz="800" u="none" strike="noStrike">
+                          <a:effectLst/>
+                        </a:rPr>
+                        <a:t> </a:t>
+                      </a:r>
+                      <a:endParaRPr lang="en-US" sz="800" b="0" i="0" u="none" strike="noStrike">
+                        <a:solidFill>
+                          <a:srgbClr val="000000"/>
+                        </a:solidFill>
+                        <a:effectLst/>
+                        <a:latin typeface="Calibri"/>
+                      </a:endParaRPr>
+                    </a:p>
+                  </a:txBody>
+                  <a:tcPr marL="6703" marR="6703" marT="6703" marB="0" anchor="b"/>
+                </a:tc>
+                <a:tc>
+                  <a:txBody>
+                    <a:bodyPr/>
+                    <a:lstStyle/>
+                    <a:p>
+                      <a:pPr algn="l" fontAlgn="b"/>
+                      <a:r>
+                        <a:rPr lang="en-US" sz="800" u="none" strike="noStrike">
+                          <a:effectLst/>
+                        </a:rPr>
+                        <a:t> </a:t>
+                      </a:r>
+                      <a:endParaRPr lang="en-US" sz="800" b="0" i="0" u="none" strike="noStrike">
+                        <a:solidFill>
+                          <a:srgbClr val="000000"/>
+                        </a:solidFill>
+                        <a:effectLst/>
+                        <a:latin typeface="Calibri"/>
+                      </a:endParaRPr>
+                    </a:p>
+                  </a:txBody>
+                  <a:tcPr marL="6703" marR="6703" marT="6703" marB="0" anchor="b"/>
+                </a:tc>
+                <a:tc>
+                  <a:txBody>
+                    <a:bodyPr/>
+                    <a:lstStyle/>
+                    <a:p>
+                      <a:pPr algn="l" fontAlgn="b"/>
+                      <a:endParaRPr lang="en-US" sz="800" b="0" i="0" u="none" strike="noStrike">
+                        <a:solidFill>
+                          <a:srgbClr val="000000"/>
+                        </a:solidFill>
+                        <a:effectLst/>
+                        <a:latin typeface="Calibri"/>
+                      </a:endParaRPr>
+                    </a:p>
+                  </a:txBody>
+                  <a:tcPr marL="6703" marR="6703" marT="6703" marB="0" anchor="b"/>
+                </a:tc>
+              </a:tr>
+              <a:tr h="433378">
+                <a:tc>
+                  <a:txBody>
+                    <a:bodyPr/>
+                    <a:lstStyle/>
+                    <a:p>
+                      <a:pPr algn="r" fontAlgn="ctr"/>
+                      <a:r>
+                        <a:rPr lang="en-US" sz="800" u="none" strike="noStrike">
+                          <a:effectLst/>
+                        </a:rPr>
+                        <a:t>28</a:t>
+                      </a:r>
+                      <a:endParaRPr lang="en-US" sz="800" b="0" i="0" u="none" strike="noStrike">
+                        <a:solidFill>
+                          <a:srgbClr val="000000"/>
+                        </a:solidFill>
+                        <a:effectLst/>
+                        <a:latin typeface="Calibri"/>
+                      </a:endParaRPr>
+                    </a:p>
+                  </a:txBody>
+                  <a:tcPr marL="6703" marR="6703" marT="6703" marB="0" anchor="ctr"/>
+                </a:tc>
+                <a:tc>
+                  <a:txBody>
+                    <a:bodyPr/>
+                    <a:lstStyle/>
+                    <a:p>
+                      <a:pPr algn="l" fontAlgn="b"/>
+                      <a:r>
+                        <a:rPr lang="en-US" sz="800" u="none" strike="noStrike">
+                          <a:effectLst/>
+                        </a:rPr>
+                        <a:t>Does the project team have all the technical expertise needed to complete the project?</a:t>
+                      </a:r>
+                      <a:endParaRPr lang="en-US" sz="800" b="0" i="0" u="none" strike="noStrike">
+                        <a:solidFill>
+                          <a:srgbClr val="000000"/>
+                        </a:solidFill>
+                        <a:effectLst/>
+                        <a:latin typeface="Calibri"/>
+                      </a:endParaRPr>
+                    </a:p>
+                  </a:txBody>
+                  <a:tcPr marL="6703" marR="6703" marT="6703" marB="0" anchor="b"/>
+                </a:tc>
+                <a:tc>
+                  <a:txBody>
+                    <a:bodyPr/>
+                    <a:lstStyle/>
+                    <a:p>
+                      <a:pPr algn="r" fontAlgn="b"/>
+                      <a:r>
+                        <a:rPr lang="en-US" sz="800" u="none" strike="noStrike">
+                          <a:effectLst/>
+                        </a:rPr>
+                        <a:t>3</a:t>
+                      </a:r>
+                      <a:endParaRPr lang="en-US" sz="800" b="0" i="0" u="none" strike="noStrike">
+                        <a:solidFill>
+                          <a:srgbClr val="000000"/>
+                        </a:solidFill>
+                        <a:effectLst/>
+                        <a:latin typeface="Calibri"/>
+                      </a:endParaRPr>
+                    </a:p>
+                  </a:txBody>
+                  <a:tcPr marL="6703" marR="6703" marT="6703" marB="0" anchor="b"/>
+                </a:tc>
+                <a:tc>
+                  <a:txBody>
+                    <a:bodyPr/>
+                    <a:lstStyle/>
+                    <a:p>
+                      <a:pPr algn="r" fontAlgn="b"/>
+                      <a:r>
+                        <a:rPr lang="en-US" sz="800" u="none" strike="noStrike">
+                          <a:effectLst/>
+                        </a:rPr>
+                        <a:t>3</a:t>
+                      </a:r>
+                      <a:endParaRPr lang="en-US" sz="800" b="0" i="0" u="none" strike="noStrike">
+                        <a:solidFill>
+                          <a:srgbClr val="000000"/>
+                        </a:solidFill>
+                        <a:effectLst/>
+                        <a:latin typeface="Calibri"/>
+                      </a:endParaRPr>
+                    </a:p>
+                  </a:txBody>
+                  <a:tcPr marL="6703" marR="6703" marT="6703" marB="0" anchor="b"/>
+                </a:tc>
+                <a:tc>
+                  <a:txBody>
+                    <a:bodyPr/>
+                    <a:lstStyle/>
+                    <a:p>
+                      <a:pPr algn="r" fontAlgn="b"/>
+                      <a:r>
+                        <a:rPr lang="en-US" sz="800" u="none" strike="noStrike">
+                          <a:effectLst/>
+                        </a:rPr>
+                        <a:t>3</a:t>
+                      </a:r>
+                      <a:endParaRPr lang="en-US" sz="800" b="0" i="0" u="none" strike="noStrike">
+                        <a:solidFill>
+                          <a:srgbClr val="000000"/>
+                        </a:solidFill>
+                        <a:effectLst/>
+                        <a:latin typeface="Calibri"/>
+                      </a:endParaRPr>
+                    </a:p>
+                  </a:txBody>
+                  <a:tcPr marL="6703" marR="6703" marT="6703" marB="0" anchor="b"/>
+                </a:tc>
+              </a:tr>
+              <a:tr h="433378">
+                <a:tc>
+                  <a:txBody>
+                    <a:bodyPr/>
+                    <a:lstStyle/>
+                    <a:p>
+                      <a:pPr algn="r" fontAlgn="ctr"/>
+                      <a:r>
+                        <a:rPr lang="en-US" sz="800" u="none" strike="noStrike">
+                          <a:effectLst/>
+                        </a:rPr>
+                        <a:t>29</a:t>
+                      </a:r>
+                      <a:endParaRPr lang="en-US" sz="800" b="0" i="0" u="none" strike="noStrike">
+                        <a:solidFill>
+                          <a:srgbClr val="000000"/>
+                        </a:solidFill>
+                        <a:effectLst/>
+                        <a:latin typeface="Calibri"/>
+                      </a:endParaRPr>
+                    </a:p>
+                  </a:txBody>
+                  <a:tcPr marL="6703" marR="6703" marT="6703" marB="0" anchor="ctr"/>
+                </a:tc>
+                <a:tc>
+                  <a:txBody>
+                    <a:bodyPr/>
+                    <a:lstStyle/>
+                    <a:p>
+                      <a:pPr algn="l" fontAlgn="b"/>
+                      <a:r>
+                        <a:rPr lang="en-US" sz="800" u="none" strike="noStrike">
+                          <a:effectLst/>
+                        </a:rPr>
+                        <a:t>Does the project team have expertise with the business environment in which the software will operate?</a:t>
+                      </a:r>
+                      <a:endParaRPr lang="en-US" sz="800" b="0" i="0" u="none" strike="noStrike">
+                        <a:solidFill>
+                          <a:srgbClr val="000000"/>
+                        </a:solidFill>
+                        <a:effectLst/>
+                        <a:latin typeface="Calibri"/>
+                      </a:endParaRPr>
+                    </a:p>
+                  </a:txBody>
+                  <a:tcPr marL="6703" marR="6703" marT="6703" marB="0" anchor="b"/>
+                </a:tc>
+                <a:tc>
+                  <a:txBody>
+                    <a:bodyPr/>
+                    <a:lstStyle/>
+                    <a:p>
+                      <a:pPr algn="r" fontAlgn="b"/>
+                      <a:r>
+                        <a:rPr lang="en-US" sz="800" u="none" strike="noStrike">
+                          <a:effectLst/>
+                        </a:rPr>
+                        <a:t>2</a:t>
+                      </a:r>
+                      <a:endParaRPr lang="en-US" sz="800" b="0" i="0" u="none" strike="noStrike">
+                        <a:solidFill>
+                          <a:srgbClr val="000000"/>
+                        </a:solidFill>
+                        <a:effectLst/>
+                        <a:latin typeface="Calibri"/>
+                      </a:endParaRPr>
+                    </a:p>
+                  </a:txBody>
+                  <a:tcPr marL="6703" marR="6703" marT="6703" marB="0" anchor="b"/>
+                </a:tc>
+                <a:tc>
+                  <a:txBody>
+                    <a:bodyPr/>
+                    <a:lstStyle/>
+                    <a:p>
+                      <a:pPr algn="r" fontAlgn="b"/>
+                      <a:r>
+                        <a:rPr lang="en-US" sz="800" u="none" strike="noStrike">
+                          <a:effectLst/>
+                        </a:rPr>
+                        <a:t>2</a:t>
+                      </a:r>
+                      <a:endParaRPr lang="en-US" sz="800" b="0" i="0" u="none" strike="noStrike">
+                        <a:solidFill>
+                          <a:srgbClr val="000000"/>
+                        </a:solidFill>
+                        <a:effectLst/>
+                        <a:latin typeface="Calibri"/>
+                      </a:endParaRPr>
+                    </a:p>
+                  </a:txBody>
+                  <a:tcPr marL="6703" marR="6703" marT="6703" marB="0" anchor="b"/>
+                </a:tc>
+                <a:tc>
+                  <a:txBody>
+                    <a:bodyPr/>
+                    <a:lstStyle/>
+                    <a:p>
+                      <a:pPr algn="r" fontAlgn="b"/>
+                      <a:r>
+                        <a:rPr lang="en-US" sz="800" u="none" strike="noStrike">
+                          <a:effectLst/>
+                        </a:rPr>
+                        <a:t>2</a:t>
+                      </a:r>
+                      <a:endParaRPr lang="en-US" sz="800" b="0" i="0" u="none" strike="noStrike">
+                        <a:solidFill>
+                          <a:srgbClr val="000000"/>
+                        </a:solidFill>
+                        <a:effectLst/>
+                        <a:latin typeface="Calibri"/>
+                      </a:endParaRPr>
+                    </a:p>
+                  </a:txBody>
+                  <a:tcPr marL="6703" marR="6703" marT="6703" marB="0" anchor="b"/>
+                </a:tc>
+              </a:tr>
+              <a:tr h="288918">
+                <a:tc>
+                  <a:txBody>
+                    <a:bodyPr/>
+                    <a:lstStyle/>
+                    <a:p>
+                      <a:pPr algn="r" fontAlgn="ctr"/>
+                      <a:r>
+                        <a:rPr lang="en-US" sz="800" u="none" strike="noStrike">
+                          <a:effectLst/>
+                        </a:rPr>
+                        <a:t>30</a:t>
+                      </a:r>
+                      <a:endParaRPr lang="en-US" sz="800" b="0" i="0" u="none" strike="noStrike">
+                        <a:solidFill>
+                          <a:srgbClr val="000000"/>
+                        </a:solidFill>
+                        <a:effectLst/>
+                        <a:latin typeface="Calibri"/>
+                      </a:endParaRPr>
+                    </a:p>
+                  </a:txBody>
+                  <a:tcPr marL="6703" marR="6703" marT="6703" marB="0" anchor="ctr"/>
+                </a:tc>
+                <a:tc>
+                  <a:txBody>
+                    <a:bodyPr/>
+                    <a:lstStyle/>
+                    <a:p>
+                      <a:pPr algn="l" fontAlgn="b"/>
+                      <a:r>
+                        <a:rPr lang="en-US" sz="800" u="none" strike="noStrike">
+                          <a:effectLst/>
+                        </a:rPr>
+                        <a:t>Does the project have a technical leader capable of leading the project successfully?</a:t>
+                      </a:r>
+                      <a:endParaRPr lang="en-US" sz="800" b="0" i="0" u="none" strike="noStrike">
+                        <a:solidFill>
+                          <a:srgbClr val="000000"/>
+                        </a:solidFill>
+                        <a:effectLst/>
+                        <a:latin typeface="Calibri"/>
+                      </a:endParaRPr>
+                    </a:p>
+                  </a:txBody>
+                  <a:tcPr marL="6703" marR="6703" marT="6703" marB="0" anchor="b"/>
+                </a:tc>
+                <a:tc>
+                  <a:txBody>
+                    <a:bodyPr/>
+                    <a:lstStyle/>
+                    <a:p>
+                      <a:pPr algn="r" fontAlgn="b"/>
+                      <a:r>
+                        <a:rPr lang="en-US" sz="800" u="none" strike="noStrike">
+                          <a:effectLst/>
+                        </a:rPr>
+                        <a:t>3</a:t>
+                      </a:r>
+                      <a:endParaRPr lang="en-US" sz="800" b="0" i="0" u="none" strike="noStrike">
+                        <a:solidFill>
+                          <a:srgbClr val="000000"/>
+                        </a:solidFill>
+                        <a:effectLst/>
+                        <a:latin typeface="Calibri"/>
+                      </a:endParaRPr>
+                    </a:p>
+                  </a:txBody>
+                  <a:tcPr marL="6703" marR="6703" marT="6703" marB="0" anchor="b"/>
+                </a:tc>
+                <a:tc>
+                  <a:txBody>
+                    <a:bodyPr/>
+                    <a:lstStyle/>
+                    <a:p>
+                      <a:pPr algn="r" fontAlgn="b"/>
+                      <a:r>
+                        <a:rPr lang="en-US" sz="800" u="none" strike="noStrike">
+                          <a:effectLst/>
+                        </a:rPr>
+                        <a:t>3</a:t>
+                      </a:r>
+                      <a:endParaRPr lang="en-US" sz="800" b="0" i="0" u="none" strike="noStrike">
+                        <a:solidFill>
+                          <a:srgbClr val="000000"/>
+                        </a:solidFill>
+                        <a:effectLst/>
+                        <a:latin typeface="Calibri"/>
+                      </a:endParaRPr>
+                    </a:p>
+                  </a:txBody>
+                  <a:tcPr marL="6703" marR="6703" marT="6703" marB="0" anchor="b"/>
+                </a:tc>
+                <a:tc>
+                  <a:txBody>
+                    <a:bodyPr/>
+                    <a:lstStyle/>
+                    <a:p>
+                      <a:pPr algn="r" fontAlgn="b"/>
+                      <a:r>
+                        <a:rPr lang="en-US" sz="800" u="none" strike="noStrike">
+                          <a:effectLst/>
+                        </a:rPr>
+                        <a:t>3</a:t>
+                      </a:r>
+                      <a:endParaRPr lang="en-US" sz="800" b="0" i="0" u="none" strike="noStrike">
+                        <a:solidFill>
+                          <a:srgbClr val="000000"/>
+                        </a:solidFill>
+                        <a:effectLst/>
+                        <a:latin typeface="Calibri"/>
+                      </a:endParaRPr>
+                    </a:p>
+                  </a:txBody>
+                  <a:tcPr marL="6703" marR="6703" marT="6703" marB="0" anchor="b"/>
+                </a:tc>
+              </a:tr>
+              <a:tr h="288918">
+                <a:tc>
+                  <a:txBody>
+                    <a:bodyPr/>
+                    <a:lstStyle/>
+                    <a:p>
+                      <a:pPr algn="r" fontAlgn="ctr"/>
+                      <a:r>
+                        <a:rPr lang="en-US" sz="800" u="none" strike="noStrike">
+                          <a:effectLst/>
+                        </a:rPr>
+                        <a:t>31</a:t>
+                      </a:r>
+                      <a:endParaRPr lang="en-US" sz="800" b="0" i="0" u="none" strike="noStrike">
+                        <a:solidFill>
+                          <a:srgbClr val="000000"/>
+                        </a:solidFill>
+                        <a:effectLst/>
+                        <a:latin typeface="Calibri"/>
+                      </a:endParaRPr>
+                    </a:p>
+                  </a:txBody>
+                  <a:tcPr marL="6703" marR="6703" marT="6703" marB="0" anchor="ctr"/>
+                </a:tc>
+                <a:tc>
+                  <a:txBody>
+                    <a:bodyPr/>
+                    <a:lstStyle/>
+                    <a:p>
+                      <a:pPr algn="l" fontAlgn="b"/>
+                      <a:r>
+                        <a:rPr lang="en-US" sz="800" u="none" strike="noStrike">
+                          <a:effectLst/>
+                        </a:rPr>
+                        <a:t>Are there enough people to do all the work required?</a:t>
+                      </a:r>
+                      <a:endParaRPr lang="en-US" sz="800" b="0" i="0" u="none" strike="noStrike">
+                        <a:solidFill>
+                          <a:srgbClr val="000000"/>
+                        </a:solidFill>
+                        <a:effectLst/>
+                        <a:latin typeface="Calibri"/>
+                      </a:endParaRPr>
+                    </a:p>
+                  </a:txBody>
+                  <a:tcPr marL="6703" marR="6703" marT="6703" marB="0" anchor="b"/>
+                </a:tc>
+                <a:tc>
+                  <a:txBody>
+                    <a:bodyPr/>
+                    <a:lstStyle/>
+                    <a:p>
+                      <a:pPr algn="r" fontAlgn="b"/>
+                      <a:r>
+                        <a:rPr lang="en-US" sz="800" u="none" strike="noStrike">
+                          <a:effectLst/>
+                        </a:rPr>
+                        <a:t>2</a:t>
+                      </a:r>
+                      <a:endParaRPr lang="en-US" sz="800" b="0" i="0" u="none" strike="noStrike">
+                        <a:solidFill>
+                          <a:srgbClr val="000000"/>
+                        </a:solidFill>
+                        <a:effectLst/>
+                        <a:latin typeface="Calibri"/>
+                      </a:endParaRPr>
+                    </a:p>
+                  </a:txBody>
+                  <a:tcPr marL="6703" marR="6703" marT="6703" marB="0" anchor="b"/>
+                </a:tc>
+                <a:tc>
+                  <a:txBody>
+                    <a:bodyPr/>
+                    <a:lstStyle/>
+                    <a:p>
+                      <a:pPr algn="r" fontAlgn="b"/>
+                      <a:r>
+                        <a:rPr lang="en-US" sz="800" u="none" strike="noStrike">
+                          <a:effectLst/>
+                        </a:rPr>
+                        <a:t>2</a:t>
+                      </a:r>
+                      <a:endParaRPr lang="en-US" sz="800" b="0" i="0" u="none" strike="noStrike">
+                        <a:solidFill>
+                          <a:srgbClr val="000000"/>
+                        </a:solidFill>
+                        <a:effectLst/>
+                        <a:latin typeface="Calibri"/>
+                      </a:endParaRPr>
+                    </a:p>
+                  </a:txBody>
+                  <a:tcPr marL="6703" marR="6703" marT="6703" marB="0" anchor="b"/>
+                </a:tc>
+                <a:tc>
+                  <a:txBody>
+                    <a:bodyPr/>
+                    <a:lstStyle/>
+                    <a:p>
+                      <a:pPr algn="r" fontAlgn="b"/>
+                      <a:r>
+                        <a:rPr lang="en-US" sz="800" u="none" strike="noStrike">
+                          <a:effectLst/>
+                        </a:rPr>
+                        <a:t>2</a:t>
+                      </a:r>
+                      <a:endParaRPr lang="en-US" sz="800" b="0" i="0" u="none" strike="noStrike">
+                        <a:solidFill>
+                          <a:srgbClr val="000000"/>
+                        </a:solidFill>
+                        <a:effectLst/>
+                        <a:latin typeface="Calibri"/>
+                      </a:endParaRPr>
+                    </a:p>
+                  </a:txBody>
+                  <a:tcPr marL="6703" marR="6703" marT="6703" marB="0" anchor="b"/>
+                </a:tc>
+              </a:tr>
+              <a:tr h="144460">
+                <a:tc>
+                  <a:txBody>
+                    <a:bodyPr/>
+                    <a:lstStyle/>
+                    <a:p>
+                      <a:pPr algn="r" fontAlgn="ctr"/>
+                      <a:r>
+                        <a:rPr lang="en-US" sz="800" u="none" strike="noStrike">
+                          <a:effectLst/>
+                        </a:rPr>
+                        <a:t>32</a:t>
+                      </a:r>
+                      <a:endParaRPr lang="en-US" sz="800" b="0" i="0" u="none" strike="noStrike">
+                        <a:solidFill>
+                          <a:srgbClr val="000000"/>
+                        </a:solidFill>
+                        <a:effectLst/>
+                        <a:latin typeface="Calibri"/>
+                      </a:endParaRPr>
+                    </a:p>
+                  </a:txBody>
+                  <a:tcPr marL="6703" marR="6703" marT="6703" marB="0" anchor="ctr"/>
+                </a:tc>
+                <a:tc>
+                  <a:txBody>
+                    <a:bodyPr/>
+                    <a:lstStyle/>
+                    <a:p>
+                      <a:pPr algn="l" fontAlgn="b"/>
+                      <a:r>
+                        <a:rPr lang="en-US" sz="800" u="none" strike="noStrike">
+                          <a:effectLst/>
+                        </a:rPr>
+                        <a:t>Does everyone work well together?</a:t>
+                      </a:r>
+                      <a:endParaRPr lang="en-US" sz="800" b="0" i="0" u="none" strike="noStrike">
+                        <a:solidFill>
+                          <a:srgbClr val="000000"/>
+                        </a:solidFill>
+                        <a:effectLst/>
+                        <a:latin typeface="Calibri"/>
+                      </a:endParaRPr>
+                    </a:p>
+                  </a:txBody>
+                  <a:tcPr marL="6703" marR="6703" marT="6703" marB="0" anchor="b"/>
+                </a:tc>
+                <a:tc>
+                  <a:txBody>
+                    <a:bodyPr/>
+                    <a:lstStyle/>
+                    <a:p>
+                      <a:pPr algn="r" fontAlgn="b"/>
+                      <a:r>
+                        <a:rPr lang="en-US" sz="800" u="none" strike="noStrike">
+                          <a:effectLst/>
+                        </a:rPr>
+                        <a:t>2</a:t>
+                      </a:r>
+                      <a:endParaRPr lang="en-US" sz="800" b="0" i="0" u="none" strike="noStrike">
+                        <a:solidFill>
+                          <a:srgbClr val="000000"/>
+                        </a:solidFill>
+                        <a:effectLst/>
+                        <a:latin typeface="Calibri"/>
+                      </a:endParaRPr>
+                    </a:p>
+                  </a:txBody>
+                  <a:tcPr marL="6703" marR="6703" marT="6703" marB="0" anchor="b"/>
+                </a:tc>
+                <a:tc>
+                  <a:txBody>
+                    <a:bodyPr/>
+                    <a:lstStyle/>
+                    <a:p>
+                      <a:pPr algn="r" fontAlgn="b"/>
+                      <a:r>
+                        <a:rPr lang="en-US" sz="800" u="none" strike="noStrike">
+                          <a:effectLst/>
+                        </a:rPr>
+                        <a:t>1</a:t>
+                      </a:r>
+                      <a:endParaRPr lang="en-US" sz="800" b="0" i="0" u="none" strike="noStrike">
+                        <a:solidFill>
+                          <a:srgbClr val="000000"/>
+                        </a:solidFill>
+                        <a:effectLst/>
+                        <a:latin typeface="Calibri"/>
+                      </a:endParaRPr>
+                    </a:p>
+                  </a:txBody>
+                  <a:tcPr marL="6703" marR="6703" marT="6703" marB="0" anchor="b"/>
+                </a:tc>
+                <a:tc>
+                  <a:txBody>
+                    <a:bodyPr/>
+                    <a:lstStyle/>
+                    <a:p>
+                      <a:pPr algn="r" fontAlgn="b"/>
+                      <a:r>
+                        <a:rPr lang="en-US" sz="800" u="none" strike="noStrike">
+                          <a:effectLst/>
+                        </a:rPr>
+                        <a:t>1</a:t>
+                      </a:r>
+                      <a:endParaRPr lang="en-US" sz="800" b="0" i="0" u="none" strike="noStrike">
+                        <a:solidFill>
+                          <a:srgbClr val="000000"/>
+                        </a:solidFill>
+                        <a:effectLst/>
+                        <a:latin typeface="Calibri"/>
+                      </a:endParaRPr>
+                    </a:p>
+                  </a:txBody>
+                  <a:tcPr marL="6703" marR="6703" marT="6703" marB="0" anchor="b"/>
+                </a:tc>
+              </a:tr>
+              <a:tr h="144460">
+                <a:tc>
+                  <a:txBody>
+                    <a:bodyPr/>
+                    <a:lstStyle/>
+                    <a:p>
+                      <a:pPr algn="r" fontAlgn="ctr"/>
+                      <a:r>
+                        <a:rPr lang="en-US" sz="800" u="none" strike="noStrike">
+                          <a:effectLst/>
+                        </a:rPr>
+                        <a:t>33</a:t>
+                      </a:r>
+                      <a:endParaRPr lang="en-US" sz="800" b="0" i="0" u="none" strike="noStrike">
+                        <a:solidFill>
+                          <a:srgbClr val="000000"/>
+                        </a:solidFill>
+                        <a:effectLst/>
+                        <a:latin typeface="Calibri"/>
+                      </a:endParaRPr>
+                    </a:p>
+                  </a:txBody>
+                  <a:tcPr marL="6703" marR="6703" marT="6703" marB="0" anchor="ctr"/>
+                </a:tc>
+                <a:tc>
+                  <a:txBody>
+                    <a:bodyPr/>
+                    <a:lstStyle/>
+                    <a:p>
+                      <a:pPr algn="l" fontAlgn="b"/>
+                      <a:r>
+                        <a:rPr lang="en-US" sz="800" u="none" strike="noStrike">
+                          <a:effectLst/>
+                        </a:rPr>
+                        <a:t>Is each person committed to the project?</a:t>
+                      </a:r>
+                      <a:endParaRPr lang="en-US" sz="800" b="0" i="0" u="none" strike="noStrike">
+                        <a:solidFill>
+                          <a:srgbClr val="000000"/>
+                        </a:solidFill>
+                        <a:effectLst/>
+                        <a:latin typeface="Calibri"/>
+                      </a:endParaRPr>
+                    </a:p>
+                  </a:txBody>
+                  <a:tcPr marL="6703" marR="6703" marT="6703" marB="0" anchor="b"/>
+                </a:tc>
+                <a:tc>
+                  <a:txBody>
+                    <a:bodyPr/>
+                    <a:lstStyle/>
+                    <a:p>
+                      <a:pPr algn="r" fontAlgn="b"/>
+                      <a:r>
+                        <a:rPr lang="en-US" sz="800" u="none" strike="noStrike">
+                          <a:effectLst/>
+                        </a:rPr>
+                        <a:t>1</a:t>
+                      </a:r>
+                      <a:endParaRPr lang="en-US" sz="800" b="0" i="0" u="none" strike="noStrike">
+                        <a:solidFill>
+                          <a:srgbClr val="000000"/>
+                        </a:solidFill>
+                        <a:effectLst/>
+                        <a:latin typeface="Calibri"/>
+                      </a:endParaRPr>
+                    </a:p>
+                  </a:txBody>
+                  <a:tcPr marL="6703" marR="6703" marT="6703" marB="0" anchor="b"/>
+                </a:tc>
+                <a:tc>
+                  <a:txBody>
+                    <a:bodyPr/>
+                    <a:lstStyle/>
+                    <a:p>
+                      <a:pPr algn="r" fontAlgn="b"/>
+                      <a:r>
+                        <a:rPr lang="en-US" sz="800" u="none" strike="noStrike">
+                          <a:effectLst/>
+                        </a:rPr>
+                        <a:t>1</a:t>
+                      </a:r>
+                      <a:endParaRPr lang="en-US" sz="800" b="0" i="0" u="none" strike="noStrike">
+                        <a:solidFill>
+                          <a:srgbClr val="000000"/>
+                        </a:solidFill>
+                        <a:effectLst/>
+                        <a:latin typeface="Calibri"/>
+                      </a:endParaRPr>
+                    </a:p>
+                  </a:txBody>
+                  <a:tcPr marL="6703" marR="6703" marT="6703" marB="0" anchor="b"/>
+                </a:tc>
+                <a:tc>
+                  <a:txBody>
+                    <a:bodyPr/>
+                    <a:lstStyle/>
+                    <a:p>
+                      <a:pPr algn="r" fontAlgn="b"/>
+                      <a:r>
+                        <a:rPr lang="en-US" sz="800" u="none" strike="noStrike">
+                          <a:effectLst/>
+                        </a:rPr>
+                        <a:t>1</a:t>
+                      </a:r>
+                      <a:endParaRPr lang="en-US" sz="800" b="0" i="0" u="none" strike="noStrike">
+                        <a:solidFill>
+                          <a:srgbClr val="000000"/>
+                        </a:solidFill>
+                        <a:effectLst/>
+                        <a:latin typeface="Calibri"/>
+                      </a:endParaRPr>
+                    </a:p>
+                  </a:txBody>
+                  <a:tcPr marL="6703" marR="6703" marT="6703" marB="0" anchor="b"/>
+                </a:tc>
+              </a:tr>
+              <a:tr h="144460">
+                <a:tc>
+                  <a:txBody>
+                    <a:bodyPr/>
+                    <a:lstStyle/>
+                    <a:p>
+                      <a:pPr algn="l" fontAlgn="b"/>
+                      <a:r>
+                        <a:rPr lang="en-US" sz="800" u="none" strike="noStrike">
+                          <a:effectLst/>
+                        </a:rPr>
+                        <a:t> </a:t>
+                      </a:r>
+                      <a:endParaRPr lang="en-US" sz="800" b="0" i="0" u="none" strike="noStrike">
+                        <a:solidFill>
+                          <a:srgbClr val="000000"/>
+                        </a:solidFill>
+                        <a:effectLst/>
+                        <a:latin typeface="Calibri"/>
+                      </a:endParaRPr>
+                    </a:p>
+                  </a:txBody>
+                  <a:tcPr marL="6703" marR="6703" marT="6703" marB="0" anchor="b"/>
+                </a:tc>
+                <a:tc>
+                  <a:txBody>
+                    <a:bodyPr/>
+                    <a:lstStyle/>
+                    <a:p>
+                      <a:pPr algn="r" fontAlgn="b"/>
+                      <a:r>
+                        <a:rPr lang="en-US" sz="800" u="none" strike="noStrike">
+                          <a:effectLst/>
+                        </a:rPr>
+                        <a:t>Totals</a:t>
+                      </a:r>
+                      <a:endParaRPr lang="en-US" sz="800" b="0" i="0" u="none" strike="noStrike">
+                        <a:solidFill>
+                          <a:srgbClr val="000000"/>
+                        </a:solidFill>
+                        <a:effectLst/>
+                        <a:latin typeface="Calibri"/>
+                      </a:endParaRPr>
+                    </a:p>
+                  </a:txBody>
+                  <a:tcPr marL="6703" marR="6703" marT="6703" marB="0" anchor="b"/>
+                </a:tc>
+                <a:tc>
+                  <a:txBody>
+                    <a:bodyPr/>
+                    <a:lstStyle/>
+                    <a:p>
+                      <a:pPr algn="r" fontAlgn="b"/>
+                      <a:r>
+                        <a:rPr lang="en-US" sz="800" u="none" strike="noStrike">
+                          <a:effectLst/>
+                        </a:rPr>
+                        <a:t>103.5</a:t>
+                      </a:r>
+                      <a:endParaRPr lang="en-US" sz="800" b="0" i="0" u="none" strike="noStrike">
+                        <a:solidFill>
+                          <a:srgbClr val="000000"/>
+                        </a:solidFill>
+                        <a:effectLst/>
+                        <a:latin typeface="Calibri"/>
+                      </a:endParaRPr>
+                    </a:p>
+                  </a:txBody>
+                  <a:tcPr marL="6703" marR="6703" marT="6703" marB="0" anchor="b"/>
+                </a:tc>
+                <a:tc>
+                  <a:txBody>
+                    <a:bodyPr/>
+                    <a:lstStyle/>
+                    <a:p>
+                      <a:pPr algn="r" fontAlgn="b"/>
+                      <a:r>
+                        <a:rPr lang="en-US" sz="800" u="none" strike="noStrike">
+                          <a:effectLst/>
+                        </a:rPr>
+                        <a:t>115.5</a:t>
+                      </a:r>
+                      <a:endParaRPr lang="en-US" sz="800" b="0" i="0" u="none" strike="noStrike">
+                        <a:solidFill>
+                          <a:srgbClr val="000000"/>
+                        </a:solidFill>
+                        <a:effectLst/>
+                        <a:latin typeface="Calibri"/>
+                      </a:endParaRPr>
+                    </a:p>
+                  </a:txBody>
+                  <a:tcPr marL="6703" marR="6703" marT="6703" marB="0" anchor="b"/>
+                </a:tc>
+                <a:tc>
+                  <a:txBody>
+                    <a:bodyPr/>
+                    <a:lstStyle/>
+                    <a:p>
+                      <a:pPr algn="r" fontAlgn="b"/>
+                      <a:r>
+                        <a:rPr lang="en-US" sz="800" u="none" strike="noStrike" dirty="0">
+                          <a:effectLst/>
+                        </a:rPr>
+                        <a:t>117.5</a:t>
+                      </a:r>
+                      <a:endParaRPr lang="en-US" sz="800" b="0" i="0" u="none" strike="noStrike" dirty="0">
+                        <a:solidFill>
+                          <a:srgbClr val="000000"/>
+                        </a:solidFill>
+                        <a:effectLst/>
+                        <a:latin typeface="Calibri"/>
+                      </a:endParaRPr>
+                    </a:p>
+                  </a:txBody>
+                  <a:tcPr marL="6703" marR="6703" marT="6703" marB="0" anchor="b"/>
+                </a:tc>
+              </a:tr>
+            </a:tbl>
+          </a:graphicData>
+        </a:graphic>
+      </p:graphicFrame>
+    </p:spTree>
+    <p:extLst>
+      <p:ext uri="{BB962C8B-B14F-4D97-AF65-F5344CB8AC3E}">
+        <p14:creationId xmlns:p14="http://schemas.microsoft.com/office/powerpoint/2010/main" val="2014359448"/>
+      </p:ext>
+    </p:extLst>
+  </p:cSld>
+  <p:clrMapOvr>
+    <a:masterClrMapping/>
+  </p:clrMapOvr>
+</p:sld>
+</file>
+
+<file path=ppt/slides/slide7.xml><?xml version="1.0" encoding="utf-8"?>
+<p:sld xmlns:a="http://schemas.openxmlformats.org/drawingml/2006/main" xmlns:r="http://schemas.openxmlformats.org/officeDocument/2006/relationships" xmlns:p="http://schemas.openxmlformats.org/presentationml/2006/main">
+  <p:cSld>
+    <p:spTree>
+      <p:nvGrpSpPr>
+        <p:cNvPr id="1" name=""/>
+        <p:cNvGrpSpPr/>
+        <p:nvPr/>
+      </p:nvGrpSpPr>
+      <p:grpSpPr>
+        <a:xfrm>
+          <a:off x="0" y="0"/>
+          <a:ext cx="0" cy="0"/>
+          <a:chOff x="0" y="0"/>
+          <a:chExt cx="0" cy="0"/>
+        </a:xfrm>
+      </p:grpSpPr>
+      <p:sp>
+        <p:nvSpPr>
+          <p:cNvPr id="2" name="Title 1"/>
+          <p:cNvSpPr>
+            <a:spLocks noGrp="1"/>
+          </p:cNvSpPr>
+          <p:nvPr>
+            <p:ph type="title"/>
+          </p:nvPr>
+        </p:nvSpPr>
+        <p:spPr/>
+        <p:txBody>
+          <a:bodyPr/>
+          <a:lstStyle/>
+          <a:p>
+            <a:r>
+              <a:rPr lang="en-US" dirty="0" smtClean="0"/>
               <a:t>Bug Tracking</a:t>
             </a:r>
             <a:endParaRPr lang="en-US" dirty="0"/>
@@ -15067,7 +18843,7 @@
           <a:p>
             <a:fld id="{47DBC36D-8629-4A26-B3EA-358F99E6BE49}" type="slidenum">
               <a:rPr lang="en-US" smtClean="0"/>
-              <a:t>5</a:t>
+              <a:t>7</a:t>
             </a:fld>
             <a:endParaRPr lang="en-US"/>
           </a:p>
@@ -16055,7 +19831,7 @@
 </p:sld>
 </file>
 
-<file path=ppt/slides/slide6.xml><?xml version="1.0" encoding="utf-8"?>
+<file path=ppt/slides/slide8.xml><?xml version="1.0" encoding="utf-8"?>
 <p:sld xmlns:a="http://schemas.openxmlformats.org/drawingml/2006/main" xmlns:r="http://schemas.openxmlformats.org/officeDocument/2006/relationships" xmlns:p="http://schemas.openxmlformats.org/presentationml/2006/main">
   <p:cSld>
     <p:spTree>
@@ -16150,7 +19926,7 @@
           <a:p>
             <a:fld id="{47DBC36D-8629-4A26-B3EA-358F99E6BE49}" type="slidenum">
               <a:rPr lang="en-US" smtClean="0"/>
-              <a:t>6</a:t>
+              <a:t>8</a:t>
             </a:fld>
             <a:endParaRPr lang="en-US"/>
           </a:p>
@@ -16176,7 +19952,7 @@
 </p:sld>
 </file>
 
-<file path=ppt/slides/slide7.xml><?xml version="1.0" encoding="utf-8"?>
+<file path=ppt/slides/slide9.xml><?xml version="1.0" encoding="utf-8"?>
 <p:sld xmlns:a="http://schemas.openxmlformats.org/drawingml/2006/main" xmlns:r="http://schemas.openxmlformats.org/officeDocument/2006/relationships" xmlns:p="http://schemas.openxmlformats.org/presentationml/2006/main">
   <p:cSld>
     <p:spTree>
@@ -16252,7 +20028,7 @@
           <a:p>
             <a:fld id="{47DBC36D-8629-4A26-B3EA-358F99E6BE49}" type="slidenum">
               <a:rPr lang="en-US" smtClean="0"/>
-              <a:t>7</a:t>
+              <a:t>9</a:t>
             </a:fld>
             <a:endParaRPr lang="en-US"/>
           </a:p>
@@ -16262,3116 +20038,6 @@
     <p:extLst>
       <p:ext uri="{BB962C8B-B14F-4D97-AF65-F5344CB8AC3E}">
         <p14:creationId xmlns:p14="http://schemas.microsoft.com/office/powerpoint/2010/main" val="2256975972"/>
-      </p:ext>
-    </p:extLst>
-  </p:cSld>
-  <p:clrMapOvr>
-    <a:masterClrMapping/>
-  </p:clrMapOvr>
-</p:sld>
-</file>
-
-<file path=ppt/slides/slide8.xml><?xml version="1.0" encoding="utf-8"?>
-<p:sld xmlns:a="http://schemas.openxmlformats.org/drawingml/2006/main" xmlns:r="http://schemas.openxmlformats.org/officeDocument/2006/relationships" xmlns:p="http://schemas.openxmlformats.org/presentationml/2006/main">
-  <p:cSld>
-    <p:spTree>
-      <p:nvGrpSpPr>
-        <p:cNvPr id="1" name=""/>
-        <p:cNvGrpSpPr/>
-        <p:nvPr/>
-      </p:nvGrpSpPr>
-      <p:grpSpPr>
-        <a:xfrm>
-          <a:off x="0" y="0"/>
-          <a:ext cx="0" cy="0"/>
-          <a:chOff x="0" y="0"/>
-          <a:chExt cx="0" cy="0"/>
-        </a:xfrm>
-      </p:grpSpPr>
-      <p:sp>
-        <p:nvSpPr>
-          <p:cNvPr id="2" name="Title 1"/>
-          <p:cNvSpPr>
-            <a:spLocks noGrp="1"/>
-          </p:cNvSpPr>
-          <p:nvPr>
-            <p:ph type="title"/>
-          </p:nvPr>
-        </p:nvSpPr>
-        <p:spPr/>
-        <p:txBody>
-          <a:bodyPr/>
-          <a:lstStyle/>
-          <a:p>
-            <a:r>
-              <a:rPr lang="en-US" dirty="0" smtClean="0"/>
-              <a:t>Joel Test</a:t>
-            </a:r>
-            <a:endParaRPr lang="en-US" dirty="0"/>
-          </a:p>
-        </p:txBody>
-      </p:sp>
-      <p:graphicFrame>
-        <p:nvGraphicFramePr>
-          <p:cNvPr id="5" name="Content Placeholder 4"/>
-          <p:cNvGraphicFramePr>
-            <a:graphicFrameLocks noGrp="1"/>
-          </p:cNvGraphicFramePr>
-          <p:nvPr>
-            <p:ph idx="1"/>
-            <p:extLst>
-              <p:ext uri="{D42A27DB-BD31-4B8C-83A1-F6EECF244321}">
-                <p14:modId xmlns:p14="http://schemas.microsoft.com/office/powerpoint/2010/main" val="2678626033"/>
-              </p:ext>
-            </p:extLst>
-          </p:nvPr>
-        </p:nvGraphicFramePr>
-        <p:xfrm>
-          <a:off x="381000" y="1524000"/>
-          <a:ext cx="7620001" cy="4343400"/>
-        </p:xfrm>
-        <a:graphic>
-          <a:graphicData uri="http://schemas.openxmlformats.org/drawingml/2006/table">
-            <a:tbl>
-              <a:tblPr>
-                <a:tableStyleId>{5C22544A-7EE6-4342-B048-85BDC9FD1C3A}</a:tableStyleId>
-              </a:tblPr>
-              <a:tblGrid>
-                <a:gridCol w="819171"/>
-                <a:gridCol w="5085690"/>
-                <a:gridCol w="857570"/>
-                <a:gridCol w="857570"/>
-              </a:tblGrid>
-              <a:tr h="320310">
-                <a:tc gridSpan="2">
-                  <a:txBody>
-                    <a:bodyPr/>
-                    <a:lstStyle/>
-                    <a:p>
-                      <a:pPr algn="ctr" fontAlgn="b"/>
-                      <a:r>
-                        <a:rPr lang="en-US" sz="1100" u="none" strike="noStrike">
-                          <a:effectLst/>
-                        </a:rPr>
-                        <a:t>The Joel Test</a:t>
-                      </a:r>
-                      <a:endParaRPr lang="en-US" sz="1100" b="0" i="0" u="none" strike="noStrike">
-                        <a:solidFill>
-                          <a:srgbClr val="000000"/>
-                        </a:solidFill>
-                        <a:effectLst/>
-                        <a:latin typeface="Calibri"/>
-                      </a:endParaRPr>
-                    </a:p>
-                  </a:txBody>
-                  <a:tcPr marL="9525" marR="9525" marT="9525" marB="0" anchor="b"/>
-                </a:tc>
-                <a:tc hMerge="1">
-                  <a:txBody>
-                    <a:bodyPr/>
-                    <a:lstStyle/>
-                    <a:p>
-                      <a:endParaRPr lang="en-US"/>
-                    </a:p>
-                  </a:txBody>
-                  <a:tcPr/>
-                </a:tc>
-                <a:tc>
-                  <a:txBody>
-                    <a:bodyPr/>
-                    <a:lstStyle/>
-                    <a:p>
-                      <a:pPr algn="l" fontAlgn="b"/>
-                      <a:r>
-                        <a:rPr lang="en-US" sz="1100" u="none" strike="noStrike">
-                          <a:effectLst/>
-                        </a:rPr>
-                        <a:t>Iteration 1</a:t>
-                      </a:r>
-                      <a:endParaRPr lang="en-US" sz="1100" b="0" i="0" u="none" strike="noStrike">
-                        <a:solidFill>
-                          <a:srgbClr val="000000"/>
-                        </a:solidFill>
-                        <a:effectLst/>
-                        <a:latin typeface="Calibri"/>
-                      </a:endParaRPr>
-                    </a:p>
-                  </a:txBody>
-                  <a:tcPr marL="9525" marR="9525" marT="9525" marB="0" anchor="b"/>
-                </a:tc>
-                <a:tc>
-                  <a:txBody>
-                    <a:bodyPr/>
-                    <a:lstStyle/>
-                    <a:p>
-                      <a:pPr algn="l" fontAlgn="b"/>
-                      <a:r>
-                        <a:rPr lang="en-US" sz="1100" u="none" strike="noStrike">
-                          <a:effectLst/>
-                        </a:rPr>
-                        <a:t>Iteration 2</a:t>
-                      </a:r>
-                      <a:endParaRPr lang="en-US" sz="1100" b="0" i="0" u="none" strike="noStrike">
-                        <a:solidFill>
-                          <a:srgbClr val="000000"/>
-                        </a:solidFill>
-                        <a:effectLst/>
-                        <a:latin typeface="Calibri"/>
-                      </a:endParaRPr>
-                    </a:p>
-                  </a:txBody>
-                  <a:tcPr marL="9525" marR="9525" marT="9525" marB="0" anchor="b"/>
-                </a:tc>
-              </a:tr>
-              <a:tr h="320310">
-                <a:tc>
-                  <a:txBody>
-                    <a:bodyPr/>
-                    <a:lstStyle/>
-                    <a:p>
-                      <a:pPr algn="r" fontAlgn="b"/>
-                      <a:r>
-                        <a:rPr lang="en-US" sz="1100" u="none" strike="noStrike">
-                          <a:effectLst/>
-                        </a:rPr>
-                        <a:t>1</a:t>
-                      </a:r>
-                      <a:endParaRPr lang="en-US" sz="1100" b="0" i="0" u="none" strike="noStrike">
-                        <a:solidFill>
-                          <a:srgbClr val="000000"/>
-                        </a:solidFill>
-                        <a:effectLst/>
-                        <a:latin typeface="Calibri"/>
-                      </a:endParaRPr>
-                    </a:p>
-                  </a:txBody>
-                  <a:tcPr marL="9525" marR="9525" marT="9525" marB="0" anchor="b"/>
-                </a:tc>
-                <a:tc>
-                  <a:txBody>
-                    <a:bodyPr/>
-                    <a:lstStyle/>
-                    <a:p>
-                      <a:pPr algn="l" fontAlgn="b"/>
-                      <a:r>
-                        <a:rPr lang="en-US" sz="1100" u="none" strike="noStrike">
-                          <a:effectLst/>
-                        </a:rPr>
-                        <a:t>Do you use source control?</a:t>
-                      </a:r>
-                      <a:endParaRPr lang="en-US" sz="1100" b="0" i="0" u="none" strike="noStrike">
-                        <a:solidFill>
-                          <a:srgbClr val="000000"/>
-                        </a:solidFill>
-                        <a:effectLst/>
-                        <a:latin typeface="Calibri"/>
-                      </a:endParaRPr>
-                    </a:p>
-                  </a:txBody>
-                  <a:tcPr marL="9525" marR="9525" marT="9525" marB="0" anchor="b"/>
-                </a:tc>
-                <a:tc>
-                  <a:txBody>
-                    <a:bodyPr/>
-                    <a:lstStyle/>
-                    <a:p>
-                      <a:pPr algn="r" fontAlgn="b"/>
-                      <a:r>
-                        <a:rPr lang="en-US" sz="1100" u="none" strike="noStrike">
-                          <a:effectLst/>
-                        </a:rPr>
-                        <a:t>1</a:t>
-                      </a:r>
-                      <a:endParaRPr lang="en-US" sz="1100" b="0" i="0" u="none" strike="noStrike">
-                        <a:solidFill>
-                          <a:srgbClr val="000000"/>
-                        </a:solidFill>
-                        <a:effectLst/>
-                        <a:latin typeface="Calibri"/>
-                      </a:endParaRPr>
-                    </a:p>
-                  </a:txBody>
-                  <a:tcPr marL="9525" marR="9525" marT="9525" marB="0" anchor="b"/>
-                </a:tc>
-                <a:tc>
-                  <a:txBody>
-                    <a:bodyPr/>
-                    <a:lstStyle/>
-                    <a:p>
-                      <a:pPr algn="r" fontAlgn="b"/>
-                      <a:r>
-                        <a:rPr lang="en-US" sz="1100" u="none" strike="noStrike">
-                          <a:effectLst/>
-                        </a:rPr>
-                        <a:t>1</a:t>
-                      </a:r>
-                      <a:endParaRPr lang="en-US" sz="1100" b="0" i="0" u="none" strike="noStrike">
-                        <a:solidFill>
-                          <a:srgbClr val="000000"/>
-                        </a:solidFill>
-                        <a:effectLst/>
-                        <a:latin typeface="Calibri"/>
-                      </a:endParaRPr>
-                    </a:p>
-                  </a:txBody>
-                  <a:tcPr marL="9525" marR="9525" marT="9525" marB="0" anchor="b"/>
-                </a:tc>
-              </a:tr>
-              <a:tr h="308565">
-                <a:tc>
-                  <a:txBody>
-                    <a:bodyPr/>
-                    <a:lstStyle/>
-                    <a:p>
-                      <a:pPr algn="r" fontAlgn="b"/>
-                      <a:r>
-                        <a:rPr lang="en-US" sz="1100" u="none" strike="noStrike">
-                          <a:effectLst/>
-                        </a:rPr>
-                        <a:t>2</a:t>
-                      </a:r>
-                      <a:endParaRPr lang="en-US" sz="1100" b="0" i="0" u="none" strike="noStrike">
-                        <a:solidFill>
-                          <a:srgbClr val="000000"/>
-                        </a:solidFill>
-                        <a:effectLst/>
-                        <a:latin typeface="Calibri"/>
-                      </a:endParaRPr>
-                    </a:p>
-                  </a:txBody>
-                  <a:tcPr marL="9525" marR="9525" marT="9525" marB="0" anchor="b"/>
-                </a:tc>
-                <a:tc>
-                  <a:txBody>
-                    <a:bodyPr/>
-                    <a:lstStyle/>
-                    <a:p>
-                      <a:pPr algn="l" fontAlgn="b"/>
-                      <a:r>
-                        <a:rPr lang="en-US" sz="1100" u="none" strike="noStrike">
-                          <a:effectLst/>
-                        </a:rPr>
-                        <a:t>Can you make a build in one step?</a:t>
-                      </a:r>
-                      <a:endParaRPr lang="en-US" sz="1100" b="0" i="0" u="none" strike="noStrike">
-                        <a:solidFill>
-                          <a:srgbClr val="000000"/>
-                        </a:solidFill>
-                        <a:effectLst/>
-                        <a:latin typeface="Calibri"/>
-                      </a:endParaRPr>
-                    </a:p>
-                  </a:txBody>
-                  <a:tcPr marL="9525" marR="9525" marT="9525" marB="0" anchor="b"/>
-                </a:tc>
-                <a:tc>
-                  <a:txBody>
-                    <a:bodyPr/>
-                    <a:lstStyle/>
-                    <a:p>
-                      <a:pPr algn="r" fontAlgn="b"/>
-                      <a:r>
-                        <a:rPr lang="en-US" sz="1100" u="none" strike="noStrike">
-                          <a:effectLst/>
-                        </a:rPr>
-                        <a:t>1</a:t>
-                      </a:r>
-                      <a:endParaRPr lang="en-US" sz="1100" b="0" i="0" u="none" strike="noStrike">
-                        <a:solidFill>
-                          <a:srgbClr val="000000"/>
-                        </a:solidFill>
-                        <a:effectLst/>
-                        <a:latin typeface="Calibri"/>
-                      </a:endParaRPr>
-                    </a:p>
-                  </a:txBody>
-                  <a:tcPr marL="9525" marR="9525" marT="9525" marB="0" anchor="b"/>
-                </a:tc>
-                <a:tc>
-                  <a:txBody>
-                    <a:bodyPr/>
-                    <a:lstStyle/>
-                    <a:p>
-                      <a:pPr algn="r" fontAlgn="b"/>
-                      <a:r>
-                        <a:rPr lang="en-US" sz="1100" u="none" strike="noStrike">
-                          <a:effectLst/>
-                        </a:rPr>
-                        <a:t>1</a:t>
-                      </a:r>
-                      <a:endParaRPr lang="en-US" sz="1100" b="0" i="0" u="none" strike="noStrike">
-                        <a:solidFill>
-                          <a:srgbClr val="000000"/>
-                        </a:solidFill>
-                        <a:effectLst/>
-                        <a:latin typeface="Calibri"/>
-                      </a:endParaRPr>
-                    </a:p>
-                  </a:txBody>
-                  <a:tcPr marL="9525" marR="9525" marT="9525" marB="0" anchor="b"/>
-                </a:tc>
-              </a:tr>
-              <a:tr h="308565">
-                <a:tc>
-                  <a:txBody>
-                    <a:bodyPr/>
-                    <a:lstStyle/>
-                    <a:p>
-                      <a:pPr algn="r" fontAlgn="b"/>
-                      <a:r>
-                        <a:rPr lang="en-US" sz="1100" u="none" strike="noStrike">
-                          <a:effectLst/>
-                        </a:rPr>
-                        <a:t>3</a:t>
-                      </a:r>
-                      <a:endParaRPr lang="en-US" sz="1100" b="0" i="0" u="none" strike="noStrike">
-                        <a:solidFill>
-                          <a:srgbClr val="000000"/>
-                        </a:solidFill>
-                        <a:effectLst/>
-                        <a:latin typeface="Calibri"/>
-                      </a:endParaRPr>
-                    </a:p>
-                  </a:txBody>
-                  <a:tcPr marL="9525" marR="9525" marT="9525" marB="0" anchor="b"/>
-                </a:tc>
-                <a:tc>
-                  <a:txBody>
-                    <a:bodyPr/>
-                    <a:lstStyle/>
-                    <a:p>
-                      <a:pPr algn="l" fontAlgn="b"/>
-                      <a:r>
-                        <a:rPr lang="en-US" sz="1100" u="none" strike="noStrike">
-                          <a:effectLst/>
-                        </a:rPr>
-                        <a:t>Do you make daily builds?</a:t>
-                      </a:r>
-                      <a:endParaRPr lang="en-US" sz="1100" b="0" i="0" u="none" strike="noStrike">
-                        <a:solidFill>
-                          <a:srgbClr val="000000"/>
-                        </a:solidFill>
-                        <a:effectLst/>
-                        <a:latin typeface="Calibri"/>
-                      </a:endParaRPr>
-                    </a:p>
-                  </a:txBody>
-                  <a:tcPr marL="9525" marR="9525" marT="9525" marB="0" anchor="b"/>
-                </a:tc>
-                <a:tc>
-                  <a:txBody>
-                    <a:bodyPr/>
-                    <a:lstStyle/>
-                    <a:p>
-                      <a:pPr algn="r" fontAlgn="b"/>
-                      <a:r>
-                        <a:rPr lang="en-US" sz="1100" u="none" strike="noStrike">
-                          <a:effectLst/>
-                        </a:rPr>
-                        <a:t>1</a:t>
-                      </a:r>
-                      <a:endParaRPr lang="en-US" sz="1100" b="0" i="0" u="none" strike="noStrike">
-                        <a:solidFill>
-                          <a:srgbClr val="000000"/>
-                        </a:solidFill>
-                        <a:effectLst/>
-                        <a:latin typeface="Calibri"/>
-                      </a:endParaRPr>
-                    </a:p>
-                  </a:txBody>
-                  <a:tcPr marL="9525" marR="9525" marT="9525" marB="0" anchor="b"/>
-                </a:tc>
-                <a:tc>
-                  <a:txBody>
-                    <a:bodyPr/>
-                    <a:lstStyle/>
-                    <a:p>
-                      <a:pPr algn="r" fontAlgn="b"/>
-                      <a:r>
-                        <a:rPr lang="en-US" sz="1100" u="none" strike="noStrike">
-                          <a:effectLst/>
-                        </a:rPr>
-                        <a:t>1</a:t>
-                      </a:r>
-                      <a:endParaRPr lang="en-US" sz="1100" b="0" i="0" u="none" strike="noStrike">
-                        <a:solidFill>
-                          <a:srgbClr val="000000"/>
-                        </a:solidFill>
-                        <a:effectLst/>
-                        <a:latin typeface="Calibri"/>
-                      </a:endParaRPr>
-                    </a:p>
-                  </a:txBody>
-                  <a:tcPr marL="9525" marR="9525" marT="9525" marB="0" anchor="b"/>
-                </a:tc>
-              </a:tr>
-              <a:tr h="308565">
-                <a:tc>
-                  <a:txBody>
-                    <a:bodyPr/>
-                    <a:lstStyle/>
-                    <a:p>
-                      <a:pPr algn="r" fontAlgn="b"/>
-                      <a:r>
-                        <a:rPr lang="en-US" sz="1100" u="none" strike="noStrike">
-                          <a:effectLst/>
-                        </a:rPr>
-                        <a:t>4</a:t>
-                      </a:r>
-                      <a:endParaRPr lang="en-US" sz="1100" b="0" i="0" u="none" strike="noStrike">
-                        <a:solidFill>
-                          <a:srgbClr val="000000"/>
-                        </a:solidFill>
-                        <a:effectLst/>
-                        <a:latin typeface="Calibri"/>
-                      </a:endParaRPr>
-                    </a:p>
-                  </a:txBody>
-                  <a:tcPr marL="9525" marR="9525" marT="9525" marB="0" anchor="b"/>
-                </a:tc>
-                <a:tc>
-                  <a:txBody>
-                    <a:bodyPr/>
-                    <a:lstStyle/>
-                    <a:p>
-                      <a:pPr algn="l" fontAlgn="b"/>
-                      <a:r>
-                        <a:rPr lang="en-US" sz="1100" u="none" strike="noStrike">
-                          <a:effectLst/>
-                        </a:rPr>
-                        <a:t>Do you have a bug database?</a:t>
-                      </a:r>
-                      <a:endParaRPr lang="en-US" sz="1100" b="0" i="0" u="none" strike="noStrike">
-                        <a:solidFill>
-                          <a:srgbClr val="000000"/>
-                        </a:solidFill>
-                        <a:effectLst/>
-                        <a:latin typeface="Calibri"/>
-                      </a:endParaRPr>
-                    </a:p>
-                  </a:txBody>
-                  <a:tcPr marL="9525" marR="9525" marT="9525" marB="0" anchor="b"/>
-                </a:tc>
-                <a:tc>
-                  <a:txBody>
-                    <a:bodyPr/>
-                    <a:lstStyle/>
-                    <a:p>
-                      <a:pPr algn="r" fontAlgn="b"/>
-                      <a:r>
-                        <a:rPr lang="en-US" sz="1100" u="none" strike="noStrike">
-                          <a:effectLst/>
-                        </a:rPr>
-                        <a:t>0</a:t>
-                      </a:r>
-                      <a:endParaRPr lang="en-US" sz="1100" b="0" i="0" u="none" strike="noStrike">
-                        <a:solidFill>
-                          <a:srgbClr val="000000"/>
-                        </a:solidFill>
-                        <a:effectLst/>
-                        <a:latin typeface="Calibri"/>
-                      </a:endParaRPr>
-                    </a:p>
-                  </a:txBody>
-                  <a:tcPr marL="9525" marR="9525" marT="9525" marB="0" anchor="b"/>
-                </a:tc>
-                <a:tc>
-                  <a:txBody>
-                    <a:bodyPr/>
-                    <a:lstStyle/>
-                    <a:p>
-                      <a:pPr algn="r" fontAlgn="b"/>
-                      <a:r>
-                        <a:rPr lang="en-US" sz="1100" u="none" strike="noStrike">
-                          <a:effectLst/>
-                        </a:rPr>
-                        <a:t>1</a:t>
-                      </a:r>
-                      <a:endParaRPr lang="en-US" sz="1100" b="0" i="0" u="none" strike="noStrike">
-                        <a:solidFill>
-                          <a:srgbClr val="000000"/>
-                        </a:solidFill>
-                        <a:effectLst/>
-                        <a:latin typeface="Calibri"/>
-                      </a:endParaRPr>
-                    </a:p>
-                  </a:txBody>
-                  <a:tcPr marL="9525" marR="9525" marT="9525" marB="0" anchor="b"/>
-                </a:tc>
-              </a:tr>
-              <a:tr h="308565">
-                <a:tc>
-                  <a:txBody>
-                    <a:bodyPr/>
-                    <a:lstStyle/>
-                    <a:p>
-                      <a:pPr algn="r" fontAlgn="b"/>
-                      <a:r>
-                        <a:rPr lang="en-US" sz="1100" u="none" strike="noStrike">
-                          <a:effectLst/>
-                        </a:rPr>
-                        <a:t>5</a:t>
-                      </a:r>
-                      <a:endParaRPr lang="en-US" sz="1100" b="0" i="0" u="none" strike="noStrike">
-                        <a:solidFill>
-                          <a:srgbClr val="000000"/>
-                        </a:solidFill>
-                        <a:effectLst/>
-                        <a:latin typeface="Calibri"/>
-                      </a:endParaRPr>
-                    </a:p>
-                  </a:txBody>
-                  <a:tcPr marL="9525" marR="9525" marT="9525" marB="0" anchor="b"/>
-                </a:tc>
-                <a:tc>
-                  <a:txBody>
-                    <a:bodyPr/>
-                    <a:lstStyle/>
-                    <a:p>
-                      <a:pPr algn="l" fontAlgn="b"/>
-                      <a:r>
-                        <a:rPr lang="en-US" sz="1100" u="none" strike="noStrike">
-                          <a:effectLst/>
-                        </a:rPr>
-                        <a:t>Do you fix bugs before writing new code?</a:t>
-                      </a:r>
-                      <a:endParaRPr lang="en-US" sz="1100" b="0" i="0" u="none" strike="noStrike">
-                        <a:solidFill>
-                          <a:srgbClr val="000000"/>
-                        </a:solidFill>
-                        <a:effectLst/>
-                        <a:latin typeface="Calibri"/>
-                      </a:endParaRPr>
-                    </a:p>
-                  </a:txBody>
-                  <a:tcPr marL="9525" marR="9525" marT="9525" marB="0" anchor="b"/>
-                </a:tc>
-                <a:tc>
-                  <a:txBody>
-                    <a:bodyPr/>
-                    <a:lstStyle/>
-                    <a:p>
-                      <a:pPr algn="r" fontAlgn="b"/>
-                      <a:r>
-                        <a:rPr lang="en-US" sz="1100" u="none" strike="noStrike">
-                          <a:effectLst/>
-                        </a:rPr>
-                        <a:t>1</a:t>
-                      </a:r>
-                      <a:endParaRPr lang="en-US" sz="1100" b="0" i="0" u="none" strike="noStrike">
-                        <a:solidFill>
-                          <a:srgbClr val="000000"/>
-                        </a:solidFill>
-                        <a:effectLst/>
-                        <a:latin typeface="Calibri"/>
-                      </a:endParaRPr>
-                    </a:p>
-                  </a:txBody>
-                  <a:tcPr marL="9525" marR="9525" marT="9525" marB="0" anchor="b"/>
-                </a:tc>
-                <a:tc>
-                  <a:txBody>
-                    <a:bodyPr/>
-                    <a:lstStyle/>
-                    <a:p>
-                      <a:pPr algn="r" fontAlgn="b"/>
-                      <a:r>
-                        <a:rPr lang="en-US" sz="1100" u="none" strike="noStrike">
-                          <a:effectLst/>
-                        </a:rPr>
-                        <a:t>1</a:t>
-                      </a:r>
-                      <a:endParaRPr lang="en-US" sz="1100" b="0" i="0" u="none" strike="noStrike">
-                        <a:solidFill>
-                          <a:srgbClr val="000000"/>
-                        </a:solidFill>
-                        <a:effectLst/>
-                        <a:latin typeface="Calibri"/>
-                      </a:endParaRPr>
-                    </a:p>
-                  </a:txBody>
-                  <a:tcPr marL="9525" marR="9525" marT="9525" marB="0" anchor="b"/>
-                </a:tc>
-              </a:tr>
-              <a:tr h="308565">
-                <a:tc>
-                  <a:txBody>
-                    <a:bodyPr/>
-                    <a:lstStyle/>
-                    <a:p>
-                      <a:pPr algn="r" fontAlgn="b"/>
-                      <a:r>
-                        <a:rPr lang="en-US" sz="1100" u="none" strike="noStrike">
-                          <a:effectLst/>
-                        </a:rPr>
-                        <a:t>6</a:t>
-                      </a:r>
-                      <a:endParaRPr lang="en-US" sz="1100" b="0" i="0" u="none" strike="noStrike">
-                        <a:solidFill>
-                          <a:srgbClr val="000000"/>
-                        </a:solidFill>
-                        <a:effectLst/>
-                        <a:latin typeface="Calibri"/>
-                      </a:endParaRPr>
-                    </a:p>
-                  </a:txBody>
-                  <a:tcPr marL="9525" marR="9525" marT="9525" marB="0" anchor="b"/>
-                </a:tc>
-                <a:tc>
-                  <a:txBody>
-                    <a:bodyPr/>
-                    <a:lstStyle/>
-                    <a:p>
-                      <a:pPr algn="l" fontAlgn="b"/>
-                      <a:r>
-                        <a:rPr lang="en-US" sz="1100" u="none" strike="noStrike">
-                          <a:effectLst/>
-                        </a:rPr>
-                        <a:t>Do you have an up-to-date schedule?</a:t>
-                      </a:r>
-                      <a:endParaRPr lang="en-US" sz="1100" b="0" i="0" u="none" strike="noStrike">
-                        <a:solidFill>
-                          <a:srgbClr val="000000"/>
-                        </a:solidFill>
-                        <a:effectLst/>
-                        <a:latin typeface="Calibri"/>
-                      </a:endParaRPr>
-                    </a:p>
-                  </a:txBody>
-                  <a:tcPr marL="9525" marR="9525" marT="9525" marB="0" anchor="b"/>
-                </a:tc>
-                <a:tc>
-                  <a:txBody>
-                    <a:bodyPr/>
-                    <a:lstStyle/>
-                    <a:p>
-                      <a:pPr algn="r" fontAlgn="b"/>
-                      <a:r>
-                        <a:rPr lang="en-US" sz="1100" u="none" strike="noStrike">
-                          <a:effectLst/>
-                        </a:rPr>
-                        <a:t>1</a:t>
-                      </a:r>
-                      <a:endParaRPr lang="en-US" sz="1100" b="0" i="0" u="none" strike="noStrike">
-                        <a:solidFill>
-                          <a:srgbClr val="000000"/>
-                        </a:solidFill>
-                        <a:effectLst/>
-                        <a:latin typeface="Calibri"/>
-                      </a:endParaRPr>
-                    </a:p>
-                  </a:txBody>
-                  <a:tcPr marL="9525" marR="9525" marT="9525" marB="0" anchor="b"/>
-                </a:tc>
-                <a:tc>
-                  <a:txBody>
-                    <a:bodyPr/>
-                    <a:lstStyle/>
-                    <a:p>
-                      <a:pPr algn="r" fontAlgn="b"/>
-                      <a:r>
-                        <a:rPr lang="en-US" sz="1100" u="none" strike="noStrike">
-                          <a:effectLst/>
-                        </a:rPr>
-                        <a:t>1</a:t>
-                      </a:r>
-                      <a:endParaRPr lang="en-US" sz="1100" b="0" i="0" u="none" strike="noStrike">
-                        <a:solidFill>
-                          <a:srgbClr val="000000"/>
-                        </a:solidFill>
-                        <a:effectLst/>
-                        <a:latin typeface="Calibri"/>
-                      </a:endParaRPr>
-                    </a:p>
-                  </a:txBody>
-                  <a:tcPr marL="9525" marR="9525" marT="9525" marB="0" anchor="b"/>
-                </a:tc>
-              </a:tr>
-              <a:tr h="308565">
-                <a:tc>
-                  <a:txBody>
-                    <a:bodyPr/>
-                    <a:lstStyle/>
-                    <a:p>
-                      <a:pPr algn="r" fontAlgn="b"/>
-                      <a:r>
-                        <a:rPr lang="en-US" sz="1100" u="none" strike="noStrike">
-                          <a:effectLst/>
-                        </a:rPr>
-                        <a:t>7</a:t>
-                      </a:r>
-                      <a:endParaRPr lang="en-US" sz="1100" b="0" i="0" u="none" strike="noStrike">
-                        <a:solidFill>
-                          <a:srgbClr val="000000"/>
-                        </a:solidFill>
-                        <a:effectLst/>
-                        <a:latin typeface="Calibri"/>
-                      </a:endParaRPr>
-                    </a:p>
-                  </a:txBody>
-                  <a:tcPr marL="9525" marR="9525" marT="9525" marB="0" anchor="b"/>
-                </a:tc>
-                <a:tc>
-                  <a:txBody>
-                    <a:bodyPr/>
-                    <a:lstStyle/>
-                    <a:p>
-                      <a:pPr algn="l" fontAlgn="b"/>
-                      <a:r>
-                        <a:rPr lang="en-US" sz="1100" u="none" strike="noStrike">
-                          <a:effectLst/>
-                        </a:rPr>
-                        <a:t>Do you have a spec?</a:t>
-                      </a:r>
-                      <a:endParaRPr lang="en-US" sz="1100" b="0" i="0" u="none" strike="noStrike">
-                        <a:solidFill>
-                          <a:srgbClr val="000000"/>
-                        </a:solidFill>
-                        <a:effectLst/>
-                        <a:latin typeface="Calibri"/>
-                      </a:endParaRPr>
-                    </a:p>
-                  </a:txBody>
-                  <a:tcPr marL="9525" marR="9525" marT="9525" marB="0" anchor="b"/>
-                </a:tc>
-                <a:tc>
-                  <a:txBody>
-                    <a:bodyPr/>
-                    <a:lstStyle/>
-                    <a:p>
-                      <a:pPr algn="r" fontAlgn="b"/>
-                      <a:r>
-                        <a:rPr lang="en-US" sz="1100" u="none" strike="noStrike">
-                          <a:effectLst/>
-                        </a:rPr>
-                        <a:t>1</a:t>
-                      </a:r>
-                      <a:endParaRPr lang="en-US" sz="1100" b="0" i="0" u="none" strike="noStrike">
-                        <a:solidFill>
-                          <a:srgbClr val="000000"/>
-                        </a:solidFill>
-                        <a:effectLst/>
-                        <a:latin typeface="Calibri"/>
-                      </a:endParaRPr>
-                    </a:p>
-                  </a:txBody>
-                  <a:tcPr marL="9525" marR="9525" marT="9525" marB="0" anchor="b"/>
-                </a:tc>
-                <a:tc>
-                  <a:txBody>
-                    <a:bodyPr/>
-                    <a:lstStyle/>
-                    <a:p>
-                      <a:pPr algn="r" fontAlgn="b"/>
-                      <a:r>
-                        <a:rPr lang="en-US" sz="1100" u="none" strike="noStrike">
-                          <a:effectLst/>
-                        </a:rPr>
-                        <a:t>1</a:t>
-                      </a:r>
-                      <a:endParaRPr lang="en-US" sz="1100" b="0" i="0" u="none" strike="noStrike">
-                        <a:solidFill>
-                          <a:srgbClr val="000000"/>
-                        </a:solidFill>
-                        <a:effectLst/>
-                        <a:latin typeface="Calibri"/>
-                      </a:endParaRPr>
-                    </a:p>
-                  </a:txBody>
-                  <a:tcPr marL="9525" marR="9525" marT="9525" marB="0" anchor="b"/>
-                </a:tc>
-              </a:tr>
-              <a:tr h="308565">
-                <a:tc>
-                  <a:txBody>
-                    <a:bodyPr/>
-                    <a:lstStyle/>
-                    <a:p>
-                      <a:pPr algn="r" fontAlgn="b"/>
-                      <a:r>
-                        <a:rPr lang="en-US" sz="1100" u="none" strike="noStrike">
-                          <a:effectLst/>
-                        </a:rPr>
-                        <a:t>8</a:t>
-                      </a:r>
-                      <a:endParaRPr lang="en-US" sz="1100" b="0" i="0" u="none" strike="noStrike">
-                        <a:solidFill>
-                          <a:srgbClr val="000000"/>
-                        </a:solidFill>
-                        <a:effectLst/>
-                        <a:latin typeface="Calibri"/>
-                      </a:endParaRPr>
-                    </a:p>
-                  </a:txBody>
-                  <a:tcPr marL="9525" marR="9525" marT="9525" marB="0" anchor="b"/>
-                </a:tc>
-                <a:tc>
-                  <a:txBody>
-                    <a:bodyPr/>
-                    <a:lstStyle/>
-                    <a:p>
-                      <a:pPr algn="l" fontAlgn="b"/>
-                      <a:r>
-                        <a:rPr lang="en-US" sz="1100" u="none" strike="noStrike">
-                          <a:effectLst/>
-                        </a:rPr>
-                        <a:t>Do programmers have quiet working conditions?</a:t>
-                      </a:r>
-                      <a:endParaRPr lang="en-US" sz="1100" b="0" i="0" u="none" strike="noStrike">
-                        <a:solidFill>
-                          <a:srgbClr val="000000"/>
-                        </a:solidFill>
-                        <a:effectLst/>
-                        <a:latin typeface="Calibri"/>
-                      </a:endParaRPr>
-                    </a:p>
-                  </a:txBody>
-                  <a:tcPr marL="9525" marR="9525" marT="9525" marB="0" anchor="b"/>
-                </a:tc>
-                <a:tc>
-                  <a:txBody>
-                    <a:bodyPr/>
-                    <a:lstStyle/>
-                    <a:p>
-                      <a:pPr algn="r" fontAlgn="b"/>
-                      <a:r>
-                        <a:rPr lang="en-US" sz="1100" u="none" strike="noStrike">
-                          <a:effectLst/>
-                        </a:rPr>
-                        <a:t>1</a:t>
-                      </a:r>
-                      <a:endParaRPr lang="en-US" sz="1100" b="0" i="0" u="none" strike="noStrike">
-                        <a:solidFill>
-                          <a:srgbClr val="000000"/>
-                        </a:solidFill>
-                        <a:effectLst/>
-                        <a:latin typeface="Calibri"/>
-                      </a:endParaRPr>
-                    </a:p>
-                  </a:txBody>
-                  <a:tcPr marL="9525" marR="9525" marT="9525" marB="0" anchor="b"/>
-                </a:tc>
-                <a:tc>
-                  <a:txBody>
-                    <a:bodyPr/>
-                    <a:lstStyle/>
-                    <a:p>
-                      <a:pPr algn="r" fontAlgn="b"/>
-                      <a:r>
-                        <a:rPr lang="en-US" sz="1100" u="none" strike="noStrike">
-                          <a:effectLst/>
-                        </a:rPr>
-                        <a:t>1</a:t>
-                      </a:r>
-                      <a:endParaRPr lang="en-US" sz="1100" b="0" i="0" u="none" strike="noStrike">
-                        <a:solidFill>
-                          <a:srgbClr val="000000"/>
-                        </a:solidFill>
-                        <a:effectLst/>
-                        <a:latin typeface="Calibri"/>
-                      </a:endParaRPr>
-                    </a:p>
-                  </a:txBody>
-                  <a:tcPr marL="9525" marR="9525" marT="9525" marB="0" anchor="b"/>
-                </a:tc>
-              </a:tr>
-              <a:tr h="308565">
-                <a:tc>
-                  <a:txBody>
-                    <a:bodyPr/>
-                    <a:lstStyle/>
-                    <a:p>
-                      <a:pPr algn="r" fontAlgn="b"/>
-                      <a:r>
-                        <a:rPr lang="en-US" sz="1100" u="none" strike="noStrike">
-                          <a:effectLst/>
-                        </a:rPr>
-                        <a:t>9</a:t>
-                      </a:r>
-                      <a:endParaRPr lang="en-US" sz="1100" b="0" i="0" u="none" strike="noStrike">
-                        <a:solidFill>
-                          <a:srgbClr val="000000"/>
-                        </a:solidFill>
-                        <a:effectLst/>
-                        <a:latin typeface="Calibri"/>
-                      </a:endParaRPr>
-                    </a:p>
-                  </a:txBody>
-                  <a:tcPr marL="9525" marR="9525" marT="9525" marB="0" anchor="b"/>
-                </a:tc>
-                <a:tc>
-                  <a:txBody>
-                    <a:bodyPr/>
-                    <a:lstStyle/>
-                    <a:p>
-                      <a:pPr algn="l" fontAlgn="b"/>
-                      <a:r>
-                        <a:rPr lang="en-US" sz="1100" u="none" strike="noStrike">
-                          <a:effectLst/>
-                        </a:rPr>
-                        <a:t>Do you use the best tools money can buy?</a:t>
-                      </a:r>
-                      <a:endParaRPr lang="en-US" sz="1100" b="0" i="0" u="none" strike="noStrike">
-                        <a:solidFill>
-                          <a:srgbClr val="000000"/>
-                        </a:solidFill>
-                        <a:effectLst/>
-                        <a:latin typeface="Calibri"/>
-                      </a:endParaRPr>
-                    </a:p>
-                  </a:txBody>
-                  <a:tcPr marL="9525" marR="9525" marT="9525" marB="0" anchor="b"/>
-                </a:tc>
-                <a:tc>
-                  <a:txBody>
-                    <a:bodyPr/>
-                    <a:lstStyle/>
-                    <a:p>
-                      <a:pPr algn="r" fontAlgn="b"/>
-                      <a:r>
-                        <a:rPr lang="en-US" sz="1100" u="none" strike="noStrike">
-                          <a:effectLst/>
-                        </a:rPr>
-                        <a:t>0</a:t>
-                      </a:r>
-                      <a:endParaRPr lang="en-US" sz="1100" b="0" i="0" u="none" strike="noStrike">
-                        <a:solidFill>
-                          <a:srgbClr val="000000"/>
-                        </a:solidFill>
-                        <a:effectLst/>
-                        <a:latin typeface="Calibri"/>
-                      </a:endParaRPr>
-                    </a:p>
-                  </a:txBody>
-                  <a:tcPr marL="9525" marR="9525" marT="9525" marB="0" anchor="b"/>
-                </a:tc>
-                <a:tc>
-                  <a:txBody>
-                    <a:bodyPr/>
-                    <a:lstStyle/>
-                    <a:p>
-                      <a:pPr algn="r" fontAlgn="b"/>
-                      <a:r>
-                        <a:rPr lang="en-US" sz="1100" u="none" strike="noStrike">
-                          <a:effectLst/>
-                        </a:rPr>
-                        <a:t>0</a:t>
-                      </a:r>
-                      <a:endParaRPr lang="en-US" sz="1100" b="0" i="0" u="none" strike="noStrike">
-                        <a:solidFill>
-                          <a:srgbClr val="000000"/>
-                        </a:solidFill>
-                        <a:effectLst/>
-                        <a:latin typeface="Calibri"/>
-                      </a:endParaRPr>
-                    </a:p>
-                  </a:txBody>
-                  <a:tcPr marL="9525" marR="9525" marT="9525" marB="0" anchor="b"/>
-                </a:tc>
-              </a:tr>
-              <a:tr h="308565">
-                <a:tc>
-                  <a:txBody>
-                    <a:bodyPr/>
-                    <a:lstStyle/>
-                    <a:p>
-                      <a:pPr algn="r" fontAlgn="b"/>
-                      <a:r>
-                        <a:rPr lang="en-US" sz="1100" u="none" strike="noStrike">
-                          <a:effectLst/>
-                        </a:rPr>
-                        <a:t>10</a:t>
-                      </a:r>
-                      <a:endParaRPr lang="en-US" sz="1100" b="0" i="0" u="none" strike="noStrike">
-                        <a:solidFill>
-                          <a:srgbClr val="000000"/>
-                        </a:solidFill>
-                        <a:effectLst/>
-                        <a:latin typeface="Calibri"/>
-                      </a:endParaRPr>
-                    </a:p>
-                  </a:txBody>
-                  <a:tcPr marL="9525" marR="9525" marT="9525" marB="0" anchor="b"/>
-                </a:tc>
-                <a:tc>
-                  <a:txBody>
-                    <a:bodyPr/>
-                    <a:lstStyle/>
-                    <a:p>
-                      <a:pPr algn="l" fontAlgn="b"/>
-                      <a:r>
-                        <a:rPr lang="en-US" sz="1100" u="none" strike="noStrike">
-                          <a:effectLst/>
-                        </a:rPr>
-                        <a:t>Do you have testers?</a:t>
-                      </a:r>
-                      <a:endParaRPr lang="en-US" sz="1100" b="0" i="0" u="none" strike="noStrike">
-                        <a:solidFill>
-                          <a:srgbClr val="000000"/>
-                        </a:solidFill>
-                        <a:effectLst/>
-                        <a:latin typeface="Calibri"/>
-                      </a:endParaRPr>
-                    </a:p>
-                  </a:txBody>
-                  <a:tcPr marL="9525" marR="9525" marT="9525" marB="0" anchor="b"/>
-                </a:tc>
-                <a:tc>
-                  <a:txBody>
-                    <a:bodyPr/>
-                    <a:lstStyle/>
-                    <a:p>
-                      <a:pPr algn="r" fontAlgn="b"/>
-                      <a:r>
-                        <a:rPr lang="en-US" sz="1100" u="none" strike="noStrike">
-                          <a:effectLst/>
-                        </a:rPr>
-                        <a:t>0</a:t>
-                      </a:r>
-                      <a:endParaRPr lang="en-US" sz="1100" b="0" i="0" u="none" strike="noStrike">
-                        <a:solidFill>
-                          <a:srgbClr val="000000"/>
-                        </a:solidFill>
-                        <a:effectLst/>
-                        <a:latin typeface="Calibri"/>
-                      </a:endParaRPr>
-                    </a:p>
-                  </a:txBody>
-                  <a:tcPr marL="9525" marR="9525" marT="9525" marB="0" anchor="b"/>
-                </a:tc>
-                <a:tc>
-                  <a:txBody>
-                    <a:bodyPr/>
-                    <a:lstStyle/>
-                    <a:p>
-                      <a:pPr algn="r" fontAlgn="b"/>
-                      <a:r>
-                        <a:rPr lang="en-US" sz="1100" u="none" strike="noStrike">
-                          <a:effectLst/>
-                        </a:rPr>
-                        <a:t>0</a:t>
-                      </a:r>
-                      <a:endParaRPr lang="en-US" sz="1100" b="0" i="0" u="none" strike="noStrike">
-                        <a:solidFill>
-                          <a:srgbClr val="000000"/>
-                        </a:solidFill>
-                        <a:effectLst/>
-                        <a:latin typeface="Calibri"/>
-                      </a:endParaRPr>
-                    </a:p>
-                  </a:txBody>
-                  <a:tcPr marL="9525" marR="9525" marT="9525" marB="0" anchor="b"/>
-                </a:tc>
-              </a:tr>
-              <a:tr h="308565">
-                <a:tc>
-                  <a:txBody>
-                    <a:bodyPr/>
-                    <a:lstStyle/>
-                    <a:p>
-                      <a:pPr algn="r" fontAlgn="b"/>
-                      <a:r>
-                        <a:rPr lang="en-US" sz="1100" u="none" strike="noStrike">
-                          <a:effectLst/>
-                        </a:rPr>
-                        <a:t>11</a:t>
-                      </a:r>
-                      <a:endParaRPr lang="en-US" sz="1100" b="0" i="0" u="none" strike="noStrike">
-                        <a:solidFill>
-                          <a:srgbClr val="000000"/>
-                        </a:solidFill>
-                        <a:effectLst/>
-                        <a:latin typeface="Calibri"/>
-                      </a:endParaRPr>
-                    </a:p>
-                  </a:txBody>
-                  <a:tcPr marL="9525" marR="9525" marT="9525" marB="0" anchor="b"/>
-                </a:tc>
-                <a:tc>
-                  <a:txBody>
-                    <a:bodyPr/>
-                    <a:lstStyle/>
-                    <a:p>
-                      <a:pPr algn="l" fontAlgn="b"/>
-                      <a:r>
-                        <a:rPr lang="en-US" sz="1100" u="none" strike="noStrike">
-                          <a:effectLst/>
-                        </a:rPr>
-                        <a:t>Do new candidates write code during their interview?</a:t>
-                      </a:r>
-                      <a:endParaRPr lang="en-US" sz="1100" b="0" i="0" u="none" strike="noStrike">
-                        <a:solidFill>
-                          <a:srgbClr val="000000"/>
-                        </a:solidFill>
-                        <a:effectLst/>
-                        <a:latin typeface="Calibri"/>
-                      </a:endParaRPr>
-                    </a:p>
-                  </a:txBody>
-                  <a:tcPr marL="9525" marR="9525" marT="9525" marB="0" anchor="b"/>
-                </a:tc>
-                <a:tc>
-                  <a:txBody>
-                    <a:bodyPr/>
-                    <a:lstStyle/>
-                    <a:p>
-                      <a:pPr algn="r" fontAlgn="b"/>
-                      <a:r>
-                        <a:rPr lang="en-US" sz="1100" u="none" strike="noStrike">
-                          <a:effectLst/>
-                        </a:rPr>
-                        <a:t>0</a:t>
-                      </a:r>
-                      <a:endParaRPr lang="en-US" sz="1100" b="0" i="0" u="none" strike="noStrike">
-                        <a:solidFill>
-                          <a:srgbClr val="000000"/>
-                        </a:solidFill>
-                        <a:effectLst/>
-                        <a:latin typeface="Calibri"/>
-                      </a:endParaRPr>
-                    </a:p>
-                  </a:txBody>
-                  <a:tcPr marL="9525" marR="9525" marT="9525" marB="0" anchor="b"/>
-                </a:tc>
-                <a:tc>
-                  <a:txBody>
-                    <a:bodyPr/>
-                    <a:lstStyle/>
-                    <a:p>
-                      <a:pPr algn="r" fontAlgn="b"/>
-                      <a:r>
-                        <a:rPr lang="en-US" sz="1100" u="none" strike="noStrike">
-                          <a:effectLst/>
-                        </a:rPr>
-                        <a:t>0</a:t>
-                      </a:r>
-                      <a:endParaRPr lang="en-US" sz="1100" b="0" i="0" u="none" strike="noStrike">
-                        <a:solidFill>
-                          <a:srgbClr val="000000"/>
-                        </a:solidFill>
-                        <a:effectLst/>
-                        <a:latin typeface="Calibri"/>
-                      </a:endParaRPr>
-                    </a:p>
-                  </a:txBody>
-                  <a:tcPr marL="9525" marR="9525" marT="9525" marB="0" anchor="b"/>
-                </a:tc>
-              </a:tr>
-              <a:tr h="308565">
-                <a:tc>
-                  <a:txBody>
-                    <a:bodyPr/>
-                    <a:lstStyle/>
-                    <a:p>
-                      <a:pPr algn="r" fontAlgn="b"/>
-                      <a:r>
-                        <a:rPr lang="en-US" sz="1100" u="none" strike="noStrike">
-                          <a:effectLst/>
-                        </a:rPr>
-                        <a:t>12</a:t>
-                      </a:r>
-                      <a:endParaRPr lang="en-US" sz="1100" b="0" i="0" u="none" strike="noStrike">
-                        <a:solidFill>
-                          <a:srgbClr val="000000"/>
-                        </a:solidFill>
-                        <a:effectLst/>
-                        <a:latin typeface="Calibri"/>
-                      </a:endParaRPr>
-                    </a:p>
-                  </a:txBody>
-                  <a:tcPr marL="9525" marR="9525" marT="9525" marB="0" anchor="b"/>
-                </a:tc>
-                <a:tc>
-                  <a:txBody>
-                    <a:bodyPr/>
-                    <a:lstStyle/>
-                    <a:p>
-                      <a:pPr algn="l" fontAlgn="b"/>
-                      <a:r>
-                        <a:rPr lang="en-US" sz="1100" u="none" strike="noStrike">
-                          <a:effectLst/>
-                        </a:rPr>
-                        <a:t>Do you do hallway usability testing?</a:t>
-                      </a:r>
-                      <a:endParaRPr lang="en-US" sz="1100" b="0" i="0" u="none" strike="noStrike">
-                        <a:solidFill>
-                          <a:srgbClr val="000000"/>
-                        </a:solidFill>
-                        <a:effectLst/>
-                        <a:latin typeface="Calibri"/>
-                      </a:endParaRPr>
-                    </a:p>
-                  </a:txBody>
-                  <a:tcPr marL="9525" marR="9525" marT="9525" marB="0" anchor="b"/>
-                </a:tc>
-                <a:tc>
-                  <a:txBody>
-                    <a:bodyPr/>
-                    <a:lstStyle/>
-                    <a:p>
-                      <a:pPr algn="r" fontAlgn="b"/>
-                      <a:r>
-                        <a:rPr lang="en-US" sz="1100" u="none" strike="noStrike">
-                          <a:effectLst/>
-                        </a:rPr>
-                        <a:t>0</a:t>
-                      </a:r>
-                      <a:endParaRPr lang="en-US" sz="1100" b="0" i="0" u="none" strike="noStrike">
-                        <a:solidFill>
-                          <a:srgbClr val="000000"/>
-                        </a:solidFill>
-                        <a:effectLst/>
-                        <a:latin typeface="Calibri"/>
-                      </a:endParaRPr>
-                    </a:p>
-                  </a:txBody>
-                  <a:tcPr marL="9525" marR="9525" marT="9525" marB="0" anchor="b"/>
-                </a:tc>
-                <a:tc>
-                  <a:txBody>
-                    <a:bodyPr/>
-                    <a:lstStyle/>
-                    <a:p>
-                      <a:pPr algn="r" fontAlgn="b"/>
-                      <a:r>
-                        <a:rPr lang="en-US" sz="1100" u="none" strike="noStrike">
-                          <a:effectLst/>
-                        </a:rPr>
-                        <a:t>1</a:t>
-                      </a:r>
-                      <a:endParaRPr lang="en-US" sz="1100" b="0" i="0" u="none" strike="noStrike">
-                        <a:solidFill>
-                          <a:srgbClr val="000000"/>
-                        </a:solidFill>
-                        <a:effectLst/>
-                        <a:latin typeface="Calibri"/>
-                      </a:endParaRPr>
-                    </a:p>
-                  </a:txBody>
-                  <a:tcPr marL="9525" marR="9525" marT="9525" marB="0" anchor="b"/>
-                </a:tc>
-              </a:tr>
-              <a:tr h="308565">
-                <a:tc>
-                  <a:txBody>
-                    <a:bodyPr/>
-                    <a:lstStyle/>
-                    <a:p>
-                      <a:pPr algn="l" fontAlgn="b"/>
-                      <a:r>
-                        <a:rPr lang="en-US" sz="1100" u="none" strike="noStrike">
-                          <a:effectLst/>
-                        </a:rPr>
-                        <a:t> </a:t>
-                      </a:r>
-                      <a:endParaRPr lang="en-US" sz="1100" b="0" i="0" u="none" strike="noStrike">
-                        <a:solidFill>
-                          <a:srgbClr val="000000"/>
-                        </a:solidFill>
-                        <a:effectLst/>
-                        <a:latin typeface="Calibri"/>
-                      </a:endParaRPr>
-                    </a:p>
-                  </a:txBody>
-                  <a:tcPr marL="9525" marR="9525" marT="9525" marB="0" anchor="b"/>
-                </a:tc>
-                <a:tc>
-                  <a:txBody>
-                    <a:bodyPr/>
-                    <a:lstStyle/>
-                    <a:p>
-                      <a:pPr algn="l" fontAlgn="b"/>
-                      <a:r>
-                        <a:rPr lang="en-US" sz="1100" u="none" strike="noStrike">
-                          <a:effectLst/>
-                        </a:rPr>
-                        <a:t> </a:t>
-                      </a:r>
-                      <a:endParaRPr lang="en-US" sz="1100" b="0" i="0" u="none" strike="noStrike">
-                        <a:solidFill>
-                          <a:srgbClr val="000000"/>
-                        </a:solidFill>
-                        <a:effectLst/>
-                        <a:latin typeface="Calibri"/>
-                      </a:endParaRPr>
-                    </a:p>
-                  </a:txBody>
-                  <a:tcPr marL="9525" marR="9525" marT="9525" marB="0" anchor="b"/>
-                </a:tc>
-                <a:tc>
-                  <a:txBody>
-                    <a:bodyPr/>
-                    <a:lstStyle/>
-                    <a:p>
-                      <a:pPr algn="r" fontAlgn="b"/>
-                      <a:r>
-                        <a:rPr lang="en-US" sz="1100" u="none" strike="noStrike">
-                          <a:effectLst/>
-                        </a:rPr>
-                        <a:t>0.583333</a:t>
-                      </a:r>
-                      <a:endParaRPr lang="en-US" sz="1100" b="0" i="0" u="none" strike="noStrike">
-                        <a:solidFill>
-                          <a:srgbClr val="000000"/>
-                        </a:solidFill>
-                        <a:effectLst/>
-                        <a:latin typeface="Calibri"/>
-                      </a:endParaRPr>
-                    </a:p>
-                  </a:txBody>
-                  <a:tcPr marL="9525" marR="9525" marT="9525" marB="0" anchor="b"/>
-                </a:tc>
-                <a:tc>
-                  <a:txBody>
-                    <a:bodyPr/>
-                    <a:lstStyle/>
-                    <a:p>
-                      <a:pPr algn="r" fontAlgn="b"/>
-                      <a:r>
-                        <a:rPr lang="en-US" sz="1100" u="none" strike="noStrike" dirty="0">
-                          <a:effectLst/>
-                        </a:rPr>
-                        <a:t>0.75</a:t>
-                      </a:r>
-                      <a:endParaRPr lang="en-US" sz="1100" b="0" i="0" u="none" strike="noStrike" dirty="0">
-                        <a:solidFill>
-                          <a:srgbClr val="000000"/>
-                        </a:solidFill>
-                        <a:effectLst/>
-                        <a:latin typeface="Calibri"/>
-                      </a:endParaRPr>
-                    </a:p>
-                  </a:txBody>
-                  <a:tcPr marL="9525" marR="9525" marT="9525" marB="0" anchor="b"/>
-                </a:tc>
-              </a:tr>
-            </a:tbl>
-          </a:graphicData>
-        </a:graphic>
-      </p:graphicFrame>
-      <p:sp>
-        <p:nvSpPr>
-          <p:cNvPr id="4" name="Slide Number Placeholder 3"/>
-          <p:cNvSpPr>
-            <a:spLocks noGrp="1"/>
-          </p:cNvSpPr>
-          <p:nvPr>
-            <p:ph type="sldNum" sz="quarter" idx="12"/>
-          </p:nvPr>
-        </p:nvSpPr>
-        <p:spPr/>
-        <p:txBody>
-          <a:bodyPr/>
-          <a:lstStyle/>
-          <a:p>
-            <a:fld id="{47DBC36D-8629-4A26-B3EA-358F99E6BE49}" type="slidenum">
-              <a:rPr lang="en-US" smtClean="0"/>
-              <a:t>8</a:t>
-            </a:fld>
-            <a:endParaRPr lang="en-US"/>
-          </a:p>
-        </p:txBody>
-      </p:sp>
-    </p:spTree>
-    <p:extLst>
-      <p:ext uri="{BB962C8B-B14F-4D97-AF65-F5344CB8AC3E}">
-        <p14:creationId xmlns:p14="http://schemas.microsoft.com/office/powerpoint/2010/main" val="204214434"/>
-      </p:ext>
-    </p:extLst>
-  </p:cSld>
-  <p:clrMapOvr>
-    <a:masterClrMapping/>
-  </p:clrMapOvr>
-</p:sld>
-</file>
-
-<file path=ppt/slides/slide9.xml><?xml version="1.0" encoding="utf-8"?>
-<p:sld xmlns:a="http://schemas.openxmlformats.org/drawingml/2006/main" xmlns:r="http://schemas.openxmlformats.org/officeDocument/2006/relationships" xmlns:p="http://schemas.openxmlformats.org/presentationml/2006/main">
-  <p:cSld>
-    <p:spTree>
-      <p:nvGrpSpPr>
-        <p:cNvPr id="1" name=""/>
-        <p:cNvGrpSpPr/>
-        <p:nvPr/>
-      </p:nvGrpSpPr>
-      <p:grpSpPr>
-        <a:xfrm>
-          <a:off x="0" y="0"/>
-          <a:ext cx="0" cy="0"/>
-          <a:chOff x="0" y="0"/>
-          <a:chExt cx="0" cy="0"/>
-        </a:xfrm>
-      </p:grpSpPr>
-      <p:sp>
-        <p:nvSpPr>
-          <p:cNvPr id="2" name="Title 1"/>
-          <p:cNvSpPr>
-            <a:spLocks noGrp="1"/>
-          </p:cNvSpPr>
-          <p:nvPr>
-            <p:ph type="title"/>
-          </p:nvPr>
-        </p:nvSpPr>
-        <p:spPr/>
-        <p:txBody>
-          <a:bodyPr/>
-          <a:lstStyle/>
-          <a:p>
-            <a:r>
-              <a:rPr lang="en-US" dirty="0" smtClean="0"/>
-              <a:t>Survival Test</a:t>
-            </a:r>
-            <a:endParaRPr lang="en-US" dirty="0"/>
-          </a:p>
-        </p:txBody>
-      </p:sp>
-      <p:graphicFrame>
-        <p:nvGraphicFramePr>
-          <p:cNvPr id="5" name="Content Placeholder 4"/>
-          <p:cNvGraphicFramePr>
-            <a:graphicFrameLocks noGrp="1"/>
-          </p:cNvGraphicFramePr>
-          <p:nvPr>
-            <p:ph idx="1"/>
-            <p:extLst>
-              <p:ext uri="{D42A27DB-BD31-4B8C-83A1-F6EECF244321}">
-                <p14:modId xmlns:p14="http://schemas.microsoft.com/office/powerpoint/2010/main" val="1792570942"/>
-              </p:ext>
-            </p:extLst>
-          </p:nvPr>
-        </p:nvGraphicFramePr>
-        <p:xfrm>
-          <a:off x="533400" y="1219198"/>
-          <a:ext cx="7467600" cy="5410202"/>
-        </p:xfrm>
-        <a:graphic>
-          <a:graphicData uri="http://schemas.openxmlformats.org/drawingml/2006/table">
-            <a:tbl>
-              <a:tblPr>
-                <a:tableStyleId>{5C22544A-7EE6-4342-B048-85BDC9FD1C3A}</a:tableStyleId>
-              </a:tblPr>
-              <a:tblGrid>
-                <a:gridCol w="1006161"/>
-                <a:gridCol w="4449117"/>
-                <a:gridCol w="1006161"/>
-                <a:gridCol w="1006161"/>
-              </a:tblGrid>
-              <a:tr h="281894">
-                <a:tc gridSpan="2">
-                  <a:txBody>
-                    <a:bodyPr/>
-                    <a:lstStyle/>
-                    <a:p>
-                      <a:pPr algn="ctr" fontAlgn="b"/>
-                      <a:r>
-                        <a:rPr lang="en-US" sz="800" u="none" strike="noStrike">
-                          <a:effectLst/>
-                        </a:rPr>
-                        <a:t>Survival Test</a:t>
-                      </a:r>
-                      <a:endParaRPr lang="en-US" sz="800" b="0" i="0" u="none" strike="noStrike">
-                        <a:solidFill>
-                          <a:srgbClr val="000000"/>
-                        </a:solidFill>
-                        <a:effectLst/>
-                        <a:latin typeface="Calibri"/>
-                      </a:endParaRPr>
-                    </a:p>
-                  </a:txBody>
-                  <a:tcPr marL="6703" marR="6703" marT="6703" marB="0" anchor="b"/>
-                </a:tc>
-                <a:tc hMerge="1">
-                  <a:txBody>
-                    <a:bodyPr/>
-                    <a:lstStyle/>
-                    <a:p>
-                      <a:endParaRPr lang="en-US"/>
-                    </a:p>
-                  </a:txBody>
-                  <a:tcPr/>
-                </a:tc>
-                <a:tc>
-                  <a:txBody>
-                    <a:bodyPr/>
-                    <a:lstStyle/>
-                    <a:p>
-                      <a:pPr algn="l" fontAlgn="b"/>
-                      <a:r>
-                        <a:rPr lang="en-US" sz="800" u="none" strike="noStrike">
-                          <a:effectLst/>
-                        </a:rPr>
-                        <a:t>Iteration 1</a:t>
-                      </a:r>
-                      <a:endParaRPr lang="en-US" sz="800" b="0" i="0" u="none" strike="noStrike">
-                        <a:solidFill>
-                          <a:srgbClr val="000000"/>
-                        </a:solidFill>
-                        <a:effectLst/>
-                        <a:latin typeface="Calibri"/>
-                      </a:endParaRPr>
-                    </a:p>
-                  </a:txBody>
-                  <a:tcPr marL="6703" marR="6703" marT="6703" marB="0" anchor="b"/>
-                </a:tc>
-                <a:tc>
-                  <a:txBody>
-                    <a:bodyPr/>
-                    <a:lstStyle/>
-                    <a:p>
-                      <a:pPr algn="l" fontAlgn="b"/>
-                      <a:r>
-                        <a:rPr lang="en-US" sz="800" u="none" strike="noStrike">
-                          <a:effectLst/>
-                        </a:rPr>
-                        <a:t>Iteration 2</a:t>
-                      </a:r>
-                      <a:endParaRPr lang="en-US" sz="800" b="0" i="0" u="none" strike="noStrike">
-                        <a:solidFill>
-                          <a:srgbClr val="000000"/>
-                        </a:solidFill>
-                        <a:effectLst/>
-                        <a:latin typeface="Calibri"/>
-                      </a:endParaRPr>
-                    </a:p>
-                  </a:txBody>
-                  <a:tcPr marL="6703" marR="6703" marT="6703" marB="0" anchor="b"/>
-                </a:tc>
-              </a:tr>
-              <a:tr h="301665">
-                <a:tc>
-                  <a:txBody>
-                    <a:bodyPr/>
-                    <a:lstStyle/>
-                    <a:p>
-                      <a:pPr algn="r" fontAlgn="ctr"/>
-                      <a:r>
-                        <a:rPr lang="en-US" sz="800" u="none" strike="noStrike">
-                          <a:effectLst/>
-                        </a:rPr>
-                        <a:t>1</a:t>
-                      </a:r>
-                      <a:endParaRPr lang="en-US" sz="800" b="0" i="0" u="none" strike="noStrike">
-                        <a:solidFill>
-                          <a:srgbClr val="000000"/>
-                        </a:solidFill>
-                        <a:effectLst/>
-                        <a:latin typeface="Calibri"/>
-                      </a:endParaRPr>
-                    </a:p>
-                  </a:txBody>
-                  <a:tcPr marL="6703" marR="6703" marT="6703" marB="0" anchor="ctr"/>
-                </a:tc>
-                <a:tc>
-                  <a:txBody>
-                    <a:bodyPr/>
-                    <a:lstStyle/>
-                    <a:p>
-                      <a:pPr algn="l" fontAlgn="b"/>
-                      <a:r>
-                        <a:rPr lang="en-US" sz="800" u="none" strike="noStrike">
-                          <a:effectLst/>
-                        </a:rPr>
-                        <a:t>Does the project have a clear, unambiguous vision statement or mission statement?</a:t>
-                      </a:r>
-                      <a:endParaRPr lang="en-US" sz="800" b="0" i="0" u="none" strike="noStrike">
-                        <a:solidFill>
-                          <a:srgbClr val="000000"/>
-                        </a:solidFill>
-                        <a:effectLst/>
-                        <a:latin typeface="Calibri"/>
-                      </a:endParaRPr>
-                    </a:p>
-                  </a:txBody>
-                  <a:tcPr marL="6703" marR="6703" marT="6703" marB="0" anchor="b"/>
-                </a:tc>
-                <a:tc>
-                  <a:txBody>
-                    <a:bodyPr/>
-                    <a:lstStyle/>
-                    <a:p>
-                      <a:pPr algn="r" fontAlgn="b"/>
-                      <a:r>
-                        <a:rPr lang="en-US" sz="800" u="none" strike="noStrike">
-                          <a:effectLst/>
-                        </a:rPr>
-                        <a:t>2</a:t>
-                      </a:r>
-                      <a:endParaRPr lang="en-US" sz="800" b="0" i="0" u="none" strike="noStrike">
-                        <a:solidFill>
-                          <a:srgbClr val="000000"/>
-                        </a:solidFill>
-                        <a:effectLst/>
-                        <a:latin typeface="Calibri"/>
-                      </a:endParaRPr>
-                    </a:p>
-                  </a:txBody>
-                  <a:tcPr marL="6703" marR="6703" marT="6703" marB="0" anchor="b"/>
-                </a:tc>
-                <a:tc>
-                  <a:txBody>
-                    <a:bodyPr/>
-                    <a:lstStyle/>
-                    <a:p>
-                      <a:pPr algn="r" fontAlgn="b"/>
-                      <a:r>
-                        <a:rPr lang="en-US" sz="800" u="none" strike="noStrike">
-                          <a:effectLst/>
-                        </a:rPr>
-                        <a:t>2</a:t>
-                      </a:r>
-                      <a:endParaRPr lang="en-US" sz="800" b="0" i="0" u="none" strike="noStrike">
-                        <a:solidFill>
-                          <a:srgbClr val="000000"/>
-                        </a:solidFill>
-                        <a:effectLst/>
-                        <a:latin typeface="Calibri"/>
-                      </a:endParaRPr>
-                    </a:p>
-                  </a:txBody>
-                  <a:tcPr marL="6703" marR="6703" marT="6703" marB="0" anchor="b"/>
-                </a:tc>
-              </a:tr>
-              <a:tr h="301665">
-                <a:tc>
-                  <a:txBody>
-                    <a:bodyPr/>
-                    <a:lstStyle/>
-                    <a:p>
-                      <a:pPr algn="r" fontAlgn="ctr"/>
-                      <a:r>
-                        <a:rPr lang="en-US" sz="800" u="none" strike="noStrike">
-                          <a:effectLst/>
-                        </a:rPr>
-                        <a:t>2</a:t>
-                      </a:r>
-                      <a:endParaRPr lang="en-US" sz="800" b="0" i="0" u="none" strike="noStrike">
-                        <a:solidFill>
-                          <a:srgbClr val="000000"/>
-                        </a:solidFill>
-                        <a:effectLst/>
-                        <a:latin typeface="Calibri"/>
-                      </a:endParaRPr>
-                    </a:p>
-                  </a:txBody>
-                  <a:tcPr marL="6703" marR="6703" marT="6703" marB="0" anchor="ctr"/>
-                </a:tc>
-                <a:tc>
-                  <a:txBody>
-                    <a:bodyPr/>
-                    <a:lstStyle/>
-                    <a:p>
-                      <a:pPr algn="l" fontAlgn="b"/>
-                      <a:r>
-                        <a:rPr lang="en-US" sz="800" u="none" strike="noStrike">
-                          <a:effectLst/>
-                        </a:rPr>
-                        <a:t>Do all team members believe the vision is realistic?</a:t>
-                      </a:r>
-                      <a:endParaRPr lang="en-US" sz="800" b="0" i="0" u="none" strike="noStrike">
-                        <a:solidFill>
-                          <a:srgbClr val="000000"/>
-                        </a:solidFill>
-                        <a:effectLst/>
-                        <a:latin typeface="Calibri"/>
-                      </a:endParaRPr>
-                    </a:p>
-                  </a:txBody>
-                  <a:tcPr marL="6703" marR="6703" marT="6703" marB="0" anchor="b"/>
-                </a:tc>
-                <a:tc>
-                  <a:txBody>
-                    <a:bodyPr/>
-                    <a:lstStyle/>
-                    <a:p>
-                      <a:pPr algn="r" fontAlgn="b"/>
-                      <a:r>
-                        <a:rPr lang="en-US" sz="800" u="none" strike="noStrike" dirty="0">
-                          <a:effectLst/>
-                        </a:rPr>
-                        <a:t>2</a:t>
-                      </a:r>
-                      <a:endParaRPr lang="en-US" sz="800" b="0" i="0" u="none" strike="noStrike" dirty="0">
-                        <a:solidFill>
-                          <a:srgbClr val="000000"/>
-                        </a:solidFill>
-                        <a:effectLst/>
-                        <a:latin typeface="Calibri"/>
-                      </a:endParaRPr>
-                    </a:p>
-                  </a:txBody>
-                  <a:tcPr marL="6703" marR="6703" marT="6703" marB="0" anchor="b"/>
-                </a:tc>
-                <a:tc>
-                  <a:txBody>
-                    <a:bodyPr/>
-                    <a:lstStyle/>
-                    <a:p>
-                      <a:pPr algn="r" fontAlgn="b"/>
-                      <a:r>
-                        <a:rPr lang="en-US" sz="800" u="none" strike="noStrike">
-                          <a:effectLst/>
-                        </a:rPr>
-                        <a:t>2</a:t>
-                      </a:r>
-                      <a:endParaRPr lang="en-US" sz="800" b="0" i="0" u="none" strike="noStrike">
-                        <a:solidFill>
-                          <a:srgbClr val="000000"/>
-                        </a:solidFill>
-                        <a:effectLst/>
-                        <a:latin typeface="Calibri"/>
-                      </a:endParaRPr>
-                    </a:p>
-                  </a:txBody>
-                  <a:tcPr marL="6703" marR="6703" marT="6703" marB="0" anchor="b"/>
-                </a:tc>
-              </a:tr>
-              <a:tr h="452498">
-                <a:tc>
-                  <a:txBody>
-                    <a:bodyPr/>
-                    <a:lstStyle/>
-                    <a:p>
-                      <a:pPr algn="r" fontAlgn="ctr"/>
-                      <a:r>
-                        <a:rPr lang="en-US" sz="800" u="none" strike="noStrike">
-                          <a:effectLst/>
-                        </a:rPr>
-                        <a:t>3</a:t>
-                      </a:r>
-                      <a:endParaRPr lang="en-US" sz="800" b="0" i="0" u="none" strike="noStrike">
-                        <a:solidFill>
-                          <a:srgbClr val="000000"/>
-                        </a:solidFill>
-                        <a:effectLst/>
-                        <a:latin typeface="Calibri"/>
-                      </a:endParaRPr>
-                    </a:p>
-                  </a:txBody>
-                  <a:tcPr marL="6703" marR="6703" marT="6703" marB="0" anchor="ctr"/>
-                </a:tc>
-                <a:tc>
-                  <a:txBody>
-                    <a:bodyPr/>
-                    <a:lstStyle/>
-                    <a:p>
-                      <a:pPr algn="l" fontAlgn="b"/>
-                      <a:r>
-                        <a:rPr lang="en-US" sz="800" u="none" strike="noStrike">
-                          <a:effectLst/>
-                        </a:rPr>
-                        <a:t>Does the project have a business case that details the business benefit and how the benefit will be measured?</a:t>
-                      </a:r>
-                      <a:endParaRPr lang="en-US" sz="800" b="0" i="0" u="none" strike="noStrike">
-                        <a:solidFill>
-                          <a:srgbClr val="000000"/>
-                        </a:solidFill>
-                        <a:effectLst/>
-                        <a:latin typeface="Calibri"/>
-                      </a:endParaRPr>
-                    </a:p>
-                  </a:txBody>
-                  <a:tcPr marL="6703" marR="6703" marT="6703" marB="0" anchor="b"/>
-                </a:tc>
-                <a:tc>
-                  <a:txBody>
-                    <a:bodyPr/>
-                    <a:lstStyle/>
-                    <a:p>
-                      <a:pPr algn="r" fontAlgn="b"/>
-                      <a:r>
-                        <a:rPr lang="en-US" sz="800" u="none" strike="noStrike">
-                          <a:effectLst/>
-                        </a:rPr>
-                        <a:t>3</a:t>
-                      </a:r>
-                      <a:endParaRPr lang="en-US" sz="800" b="0" i="0" u="none" strike="noStrike">
-                        <a:solidFill>
-                          <a:srgbClr val="000000"/>
-                        </a:solidFill>
-                        <a:effectLst/>
-                        <a:latin typeface="Calibri"/>
-                      </a:endParaRPr>
-                    </a:p>
-                  </a:txBody>
-                  <a:tcPr marL="6703" marR="6703" marT="6703" marB="0" anchor="b"/>
-                </a:tc>
-                <a:tc>
-                  <a:txBody>
-                    <a:bodyPr/>
-                    <a:lstStyle/>
-                    <a:p>
-                      <a:pPr algn="r" fontAlgn="b"/>
-                      <a:r>
-                        <a:rPr lang="en-US" sz="800" u="none" strike="noStrike">
-                          <a:effectLst/>
-                        </a:rPr>
-                        <a:t>3</a:t>
-                      </a:r>
-                      <a:endParaRPr lang="en-US" sz="800" b="0" i="0" u="none" strike="noStrike">
-                        <a:solidFill>
-                          <a:srgbClr val="000000"/>
-                        </a:solidFill>
-                        <a:effectLst/>
-                        <a:latin typeface="Calibri"/>
-                      </a:endParaRPr>
-                    </a:p>
-                  </a:txBody>
-                  <a:tcPr marL="6703" marR="6703" marT="6703" marB="0" anchor="b"/>
-                </a:tc>
-              </a:tr>
-              <a:tr h="603329">
-                <a:tc>
-                  <a:txBody>
-                    <a:bodyPr/>
-                    <a:lstStyle/>
-                    <a:p>
-                      <a:pPr algn="r" fontAlgn="ctr"/>
-                      <a:r>
-                        <a:rPr lang="en-US" sz="800" u="none" strike="noStrike">
-                          <a:effectLst/>
-                        </a:rPr>
-                        <a:t>4</a:t>
-                      </a:r>
-                      <a:endParaRPr lang="en-US" sz="800" b="0" i="0" u="none" strike="noStrike">
-                        <a:solidFill>
-                          <a:srgbClr val="000000"/>
-                        </a:solidFill>
-                        <a:effectLst/>
-                        <a:latin typeface="Calibri"/>
-                      </a:endParaRPr>
-                    </a:p>
-                  </a:txBody>
-                  <a:tcPr marL="6703" marR="6703" marT="6703" marB="0" anchor="ctr"/>
-                </a:tc>
-                <a:tc>
-                  <a:txBody>
-                    <a:bodyPr/>
-                    <a:lstStyle/>
-                    <a:p>
-                      <a:pPr algn="l" fontAlgn="b"/>
-                      <a:r>
-                        <a:rPr lang="en-US" sz="800" u="none" strike="noStrike">
-                          <a:effectLst/>
-                        </a:rPr>
-                        <a:t>Does the project have a user interface prototype that realistically and vividly demonstrates the functionality that the actual system will have?</a:t>
-                      </a:r>
-                      <a:endParaRPr lang="en-US" sz="800" b="0" i="0" u="none" strike="noStrike">
-                        <a:solidFill>
-                          <a:srgbClr val="000000"/>
-                        </a:solidFill>
-                        <a:effectLst/>
-                        <a:latin typeface="Calibri"/>
-                      </a:endParaRPr>
-                    </a:p>
-                  </a:txBody>
-                  <a:tcPr marL="6703" marR="6703" marT="6703" marB="0" anchor="b"/>
-                </a:tc>
-                <a:tc>
-                  <a:txBody>
-                    <a:bodyPr/>
-                    <a:lstStyle/>
-                    <a:p>
-                      <a:pPr algn="r" fontAlgn="b"/>
-                      <a:r>
-                        <a:rPr lang="en-US" sz="800" u="none" strike="noStrike">
-                          <a:effectLst/>
-                        </a:rPr>
-                        <a:t>3</a:t>
-                      </a:r>
-                      <a:endParaRPr lang="en-US" sz="800" b="0" i="0" u="none" strike="noStrike">
-                        <a:solidFill>
-                          <a:srgbClr val="000000"/>
-                        </a:solidFill>
-                        <a:effectLst/>
-                        <a:latin typeface="Calibri"/>
-                      </a:endParaRPr>
-                    </a:p>
-                  </a:txBody>
-                  <a:tcPr marL="6703" marR="6703" marT="6703" marB="0" anchor="b"/>
-                </a:tc>
-                <a:tc>
-                  <a:txBody>
-                    <a:bodyPr/>
-                    <a:lstStyle/>
-                    <a:p>
-                      <a:pPr algn="r" fontAlgn="b"/>
-                      <a:r>
-                        <a:rPr lang="en-US" sz="800" u="none" strike="noStrike">
-                          <a:effectLst/>
-                        </a:rPr>
-                        <a:t>3</a:t>
-                      </a:r>
-                      <a:endParaRPr lang="en-US" sz="800" b="0" i="0" u="none" strike="noStrike">
-                        <a:solidFill>
-                          <a:srgbClr val="000000"/>
-                        </a:solidFill>
-                        <a:effectLst/>
-                        <a:latin typeface="Calibri"/>
-                      </a:endParaRPr>
-                    </a:p>
-                  </a:txBody>
-                  <a:tcPr marL="6703" marR="6703" marT="6703" marB="0" anchor="b"/>
-                </a:tc>
-              </a:tr>
-              <a:tr h="452498">
-                <a:tc>
-                  <a:txBody>
-                    <a:bodyPr/>
-                    <a:lstStyle/>
-                    <a:p>
-                      <a:pPr algn="r" fontAlgn="ctr"/>
-                      <a:r>
-                        <a:rPr lang="en-US" sz="800" u="none" strike="noStrike">
-                          <a:effectLst/>
-                        </a:rPr>
-                        <a:t>5</a:t>
-                      </a:r>
-                      <a:endParaRPr lang="en-US" sz="800" b="0" i="0" u="none" strike="noStrike">
-                        <a:solidFill>
-                          <a:srgbClr val="000000"/>
-                        </a:solidFill>
-                        <a:effectLst/>
-                        <a:latin typeface="Calibri"/>
-                      </a:endParaRPr>
-                    </a:p>
-                  </a:txBody>
-                  <a:tcPr marL="6703" marR="6703" marT="6703" marB="0" anchor="ctr"/>
-                </a:tc>
-                <a:tc>
-                  <a:txBody>
-                    <a:bodyPr/>
-                    <a:lstStyle/>
-                    <a:p>
-                      <a:pPr algn="l" fontAlgn="b"/>
-                      <a:r>
-                        <a:rPr lang="en-US" sz="800" u="none" strike="noStrike">
-                          <a:effectLst/>
-                        </a:rPr>
-                        <a:t>Does the project have a detailed, written specification of what the software is supposed to do?</a:t>
-                      </a:r>
-                      <a:endParaRPr lang="en-US" sz="800" b="0" i="0" u="none" strike="noStrike">
-                        <a:solidFill>
-                          <a:srgbClr val="000000"/>
-                        </a:solidFill>
-                        <a:effectLst/>
-                        <a:latin typeface="Calibri"/>
-                      </a:endParaRPr>
-                    </a:p>
-                  </a:txBody>
-                  <a:tcPr marL="6703" marR="6703" marT="6703" marB="0" anchor="b"/>
-                </a:tc>
-                <a:tc>
-                  <a:txBody>
-                    <a:bodyPr/>
-                    <a:lstStyle/>
-                    <a:p>
-                      <a:pPr algn="r" fontAlgn="b"/>
-                      <a:r>
-                        <a:rPr lang="en-US" sz="800" u="none" strike="noStrike">
-                          <a:effectLst/>
-                        </a:rPr>
-                        <a:t>2</a:t>
-                      </a:r>
-                      <a:endParaRPr lang="en-US" sz="800" b="0" i="0" u="none" strike="noStrike">
-                        <a:solidFill>
-                          <a:srgbClr val="000000"/>
-                        </a:solidFill>
-                        <a:effectLst/>
-                        <a:latin typeface="Calibri"/>
-                      </a:endParaRPr>
-                    </a:p>
-                  </a:txBody>
-                  <a:tcPr marL="6703" marR="6703" marT="6703" marB="0" anchor="b"/>
-                </a:tc>
-                <a:tc>
-                  <a:txBody>
-                    <a:bodyPr/>
-                    <a:lstStyle/>
-                    <a:p>
-                      <a:pPr algn="r" fontAlgn="b"/>
-                      <a:r>
-                        <a:rPr lang="en-US" sz="800" u="none" strike="noStrike">
-                          <a:effectLst/>
-                        </a:rPr>
-                        <a:t>2</a:t>
-                      </a:r>
-                      <a:endParaRPr lang="en-US" sz="800" b="0" i="0" u="none" strike="noStrike">
-                        <a:solidFill>
-                          <a:srgbClr val="000000"/>
-                        </a:solidFill>
-                        <a:effectLst/>
-                        <a:latin typeface="Calibri"/>
-                      </a:endParaRPr>
-                    </a:p>
-                  </a:txBody>
-                  <a:tcPr marL="6703" marR="6703" marT="6703" marB="0" anchor="b"/>
-                </a:tc>
-              </a:tr>
-              <a:tr h="603329">
-                <a:tc>
-                  <a:txBody>
-                    <a:bodyPr/>
-                    <a:lstStyle/>
-                    <a:p>
-                      <a:pPr algn="r" fontAlgn="ctr"/>
-                      <a:r>
-                        <a:rPr lang="en-US" sz="800" u="none" strike="noStrike">
-                          <a:effectLst/>
-                        </a:rPr>
-                        <a:t>6</a:t>
-                      </a:r>
-                      <a:endParaRPr lang="en-US" sz="800" b="0" i="0" u="none" strike="noStrike">
-                        <a:solidFill>
-                          <a:srgbClr val="000000"/>
-                        </a:solidFill>
-                        <a:effectLst/>
-                        <a:latin typeface="Calibri"/>
-                      </a:endParaRPr>
-                    </a:p>
-                  </a:txBody>
-                  <a:tcPr marL="6703" marR="6703" marT="6703" marB="0" anchor="ctr"/>
-                </a:tc>
-                <a:tc>
-                  <a:txBody>
-                    <a:bodyPr/>
-                    <a:lstStyle/>
-                    <a:p>
-                      <a:pPr algn="l" fontAlgn="b"/>
-                      <a:r>
-                        <a:rPr lang="en-US" sz="800" u="none" strike="noStrike">
-                          <a:effectLst/>
-                        </a:rPr>
-                        <a:t>Did the project team interview people who will actually use the software (end users) early in the project and continue to involve them throughout the project?</a:t>
-                      </a:r>
-                      <a:endParaRPr lang="en-US" sz="800" b="0" i="0" u="none" strike="noStrike">
-                        <a:solidFill>
-                          <a:srgbClr val="000000"/>
-                        </a:solidFill>
-                        <a:effectLst/>
-                        <a:latin typeface="Calibri"/>
-                      </a:endParaRPr>
-                    </a:p>
-                  </a:txBody>
-                  <a:tcPr marL="6703" marR="6703" marT="6703" marB="0" anchor="b"/>
-                </a:tc>
-                <a:tc>
-                  <a:txBody>
-                    <a:bodyPr/>
-                    <a:lstStyle/>
-                    <a:p>
-                      <a:pPr algn="r" fontAlgn="b"/>
-                      <a:r>
-                        <a:rPr lang="en-US" sz="800" u="none" strike="noStrike">
-                          <a:effectLst/>
-                        </a:rPr>
-                        <a:t>0</a:t>
-                      </a:r>
-                      <a:endParaRPr lang="en-US" sz="800" b="0" i="0" u="none" strike="noStrike">
-                        <a:solidFill>
-                          <a:srgbClr val="000000"/>
-                        </a:solidFill>
-                        <a:effectLst/>
-                        <a:latin typeface="Calibri"/>
-                      </a:endParaRPr>
-                    </a:p>
-                  </a:txBody>
-                  <a:tcPr marL="6703" marR="6703" marT="6703" marB="0" anchor="b"/>
-                </a:tc>
-                <a:tc>
-                  <a:txBody>
-                    <a:bodyPr/>
-                    <a:lstStyle/>
-                    <a:p>
-                      <a:pPr algn="r" fontAlgn="b"/>
-                      <a:r>
-                        <a:rPr lang="en-US" sz="800" u="none" strike="noStrike">
-                          <a:effectLst/>
-                        </a:rPr>
-                        <a:t>0</a:t>
-                      </a:r>
-                      <a:endParaRPr lang="en-US" sz="800" b="0" i="0" u="none" strike="noStrike">
-                        <a:solidFill>
-                          <a:srgbClr val="000000"/>
-                        </a:solidFill>
-                        <a:effectLst/>
-                        <a:latin typeface="Calibri"/>
-                      </a:endParaRPr>
-                    </a:p>
-                  </a:txBody>
-                  <a:tcPr marL="6703" marR="6703" marT="6703" marB="0" anchor="b"/>
-                </a:tc>
-              </a:tr>
-              <a:tr h="150833">
-                <a:tc>
-                  <a:txBody>
-                    <a:bodyPr/>
-                    <a:lstStyle/>
-                    <a:p>
-                      <a:pPr algn="l" fontAlgn="b"/>
-                      <a:r>
-                        <a:rPr lang="en-US" sz="800" u="none" strike="noStrike">
-                          <a:effectLst/>
-                        </a:rPr>
-                        <a:t> </a:t>
-                      </a:r>
-                      <a:endParaRPr lang="en-US" sz="800" b="0" i="0" u="none" strike="noStrike">
-                        <a:solidFill>
-                          <a:srgbClr val="000000"/>
-                        </a:solidFill>
-                        <a:effectLst/>
-                        <a:latin typeface="Calibri"/>
-                      </a:endParaRPr>
-                    </a:p>
-                  </a:txBody>
-                  <a:tcPr marL="6703" marR="6703" marT="6703" marB="0" anchor="b"/>
-                </a:tc>
-                <a:tc>
-                  <a:txBody>
-                    <a:bodyPr/>
-                    <a:lstStyle/>
-                    <a:p>
-                      <a:pPr algn="ctr" fontAlgn="b"/>
-                      <a:r>
-                        <a:rPr lang="en-US" sz="800" u="none" strike="noStrike">
-                          <a:effectLst/>
-                        </a:rPr>
-                        <a:t>.</a:t>
-                      </a:r>
-                      <a:endParaRPr lang="en-US" sz="800" b="0" i="0" u="none" strike="noStrike">
-                        <a:solidFill>
-                          <a:srgbClr val="000000"/>
-                        </a:solidFill>
-                        <a:effectLst/>
-                        <a:latin typeface="Calibri"/>
-                      </a:endParaRPr>
-                    </a:p>
-                  </a:txBody>
-                  <a:tcPr marL="6703" marR="6703" marT="6703" marB="0" anchor="b"/>
-                </a:tc>
-                <a:tc>
-                  <a:txBody>
-                    <a:bodyPr/>
-                    <a:lstStyle/>
-                    <a:p>
-                      <a:pPr algn="l" fontAlgn="b"/>
-                      <a:r>
-                        <a:rPr lang="en-US" sz="800" u="none" strike="noStrike">
-                          <a:effectLst/>
-                        </a:rPr>
-                        <a:t> </a:t>
-                      </a:r>
-                      <a:endParaRPr lang="en-US" sz="800" b="0" i="0" u="none" strike="noStrike">
-                        <a:solidFill>
-                          <a:srgbClr val="000000"/>
-                        </a:solidFill>
-                        <a:effectLst/>
-                        <a:latin typeface="Calibri"/>
-                      </a:endParaRPr>
-                    </a:p>
-                  </a:txBody>
-                  <a:tcPr marL="6703" marR="6703" marT="6703" marB="0" anchor="b"/>
-                </a:tc>
-                <a:tc>
-                  <a:txBody>
-                    <a:bodyPr/>
-                    <a:lstStyle/>
-                    <a:p>
-                      <a:pPr algn="l" fontAlgn="b"/>
-                      <a:r>
-                        <a:rPr lang="en-US" sz="800" u="none" strike="noStrike">
-                          <a:effectLst/>
-                        </a:rPr>
-                        <a:t> </a:t>
-                      </a:r>
-                      <a:endParaRPr lang="en-US" sz="800" b="0" i="0" u="none" strike="noStrike">
-                        <a:solidFill>
-                          <a:srgbClr val="000000"/>
-                        </a:solidFill>
-                        <a:effectLst/>
-                        <a:latin typeface="Calibri"/>
-                      </a:endParaRPr>
-                    </a:p>
-                  </a:txBody>
-                  <a:tcPr marL="6703" marR="6703" marT="6703" marB="0" anchor="b"/>
-                </a:tc>
-              </a:tr>
-              <a:tr h="150833">
-                <a:tc>
-                  <a:txBody>
-                    <a:bodyPr/>
-                    <a:lstStyle/>
-                    <a:p>
-                      <a:pPr algn="l" fontAlgn="b"/>
-                      <a:r>
-                        <a:rPr lang="en-US" sz="800" u="none" strike="noStrike">
-                          <a:effectLst/>
-                        </a:rPr>
-                        <a:t> </a:t>
-                      </a:r>
-                      <a:endParaRPr lang="en-US" sz="800" b="0" i="0" u="none" strike="noStrike">
-                        <a:solidFill>
-                          <a:srgbClr val="000000"/>
-                        </a:solidFill>
-                        <a:effectLst/>
-                        <a:latin typeface="Calibri"/>
-                      </a:endParaRPr>
-                    </a:p>
-                  </a:txBody>
-                  <a:tcPr marL="6703" marR="6703" marT="6703" marB="0" anchor="b"/>
-                </a:tc>
-                <a:tc>
-                  <a:txBody>
-                    <a:bodyPr/>
-                    <a:lstStyle/>
-                    <a:p>
-                      <a:pPr algn="ctr" fontAlgn="b"/>
-                      <a:r>
-                        <a:rPr lang="en-US" sz="800" u="none" strike="noStrike">
-                          <a:effectLst/>
-                        </a:rPr>
-                        <a:t>.</a:t>
-                      </a:r>
-                      <a:endParaRPr lang="en-US" sz="800" b="0" i="0" u="none" strike="noStrike">
-                        <a:solidFill>
-                          <a:srgbClr val="000000"/>
-                        </a:solidFill>
-                        <a:effectLst/>
-                        <a:latin typeface="Calibri"/>
-                      </a:endParaRPr>
-                    </a:p>
-                  </a:txBody>
-                  <a:tcPr marL="6703" marR="6703" marT="6703" marB="0" anchor="b"/>
-                </a:tc>
-                <a:tc>
-                  <a:txBody>
-                    <a:bodyPr/>
-                    <a:lstStyle/>
-                    <a:p>
-                      <a:pPr algn="l" fontAlgn="b"/>
-                      <a:r>
-                        <a:rPr lang="en-US" sz="800" u="none" strike="noStrike">
-                          <a:effectLst/>
-                        </a:rPr>
-                        <a:t> </a:t>
-                      </a:r>
-                      <a:endParaRPr lang="en-US" sz="800" b="0" i="0" u="none" strike="noStrike">
-                        <a:solidFill>
-                          <a:srgbClr val="000000"/>
-                        </a:solidFill>
-                        <a:effectLst/>
-                        <a:latin typeface="Calibri"/>
-                      </a:endParaRPr>
-                    </a:p>
-                  </a:txBody>
-                  <a:tcPr marL="6703" marR="6703" marT="6703" marB="0" anchor="b"/>
-                </a:tc>
-                <a:tc>
-                  <a:txBody>
-                    <a:bodyPr/>
-                    <a:lstStyle/>
-                    <a:p>
-                      <a:pPr algn="l" fontAlgn="b"/>
-                      <a:r>
-                        <a:rPr lang="en-US" sz="800" u="none" strike="noStrike">
-                          <a:effectLst/>
-                        </a:rPr>
-                        <a:t> </a:t>
-                      </a:r>
-                      <a:endParaRPr lang="en-US" sz="800" b="0" i="0" u="none" strike="noStrike">
-                        <a:solidFill>
-                          <a:srgbClr val="000000"/>
-                        </a:solidFill>
-                        <a:effectLst/>
-                        <a:latin typeface="Calibri"/>
-                      </a:endParaRPr>
-                    </a:p>
-                  </a:txBody>
-                  <a:tcPr marL="6703" marR="6703" marT="6703" marB="0" anchor="b"/>
-                </a:tc>
-              </a:tr>
-              <a:tr h="150833">
-                <a:tc>
-                  <a:txBody>
-                    <a:bodyPr/>
-                    <a:lstStyle/>
-                    <a:p>
-                      <a:pPr algn="l" fontAlgn="b"/>
-                      <a:r>
-                        <a:rPr lang="en-US" sz="800" u="none" strike="noStrike">
-                          <a:effectLst/>
-                        </a:rPr>
-                        <a:t> </a:t>
-                      </a:r>
-                      <a:endParaRPr lang="en-US" sz="800" b="0" i="0" u="none" strike="noStrike">
-                        <a:solidFill>
-                          <a:srgbClr val="000000"/>
-                        </a:solidFill>
-                        <a:effectLst/>
-                        <a:latin typeface="Calibri"/>
-                      </a:endParaRPr>
-                    </a:p>
-                  </a:txBody>
-                  <a:tcPr marL="6703" marR="6703" marT="6703" marB="0" anchor="b"/>
-                </a:tc>
-                <a:tc>
-                  <a:txBody>
-                    <a:bodyPr/>
-                    <a:lstStyle/>
-                    <a:p>
-                      <a:pPr algn="ctr" fontAlgn="b"/>
-                      <a:r>
-                        <a:rPr lang="en-US" sz="800" u="none" strike="noStrike">
-                          <a:effectLst/>
-                        </a:rPr>
-                        <a:t>.</a:t>
-                      </a:r>
-                      <a:endParaRPr lang="en-US" sz="800" b="0" i="0" u="none" strike="noStrike">
-                        <a:solidFill>
-                          <a:srgbClr val="000000"/>
-                        </a:solidFill>
-                        <a:effectLst/>
-                        <a:latin typeface="Calibri"/>
-                      </a:endParaRPr>
-                    </a:p>
-                  </a:txBody>
-                  <a:tcPr marL="6703" marR="6703" marT="6703" marB="0" anchor="b"/>
-                </a:tc>
-                <a:tc>
-                  <a:txBody>
-                    <a:bodyPr/>
-                    <a:lstStyle/>
-                    <a:p>
-                      <a:pPr algn="l" fontAlgn="b"/>
-                      <a:r>
-                        <a:rPr lang="en-US" sz="800" u="none" strike="noStrike">
-                          <a:effectLst/>
-                        </a:rPr>
-                        <a:t> </a:t>
-                      </a:r>
-                      <a:endParaRPr lang="en-US" sz="800" b="0" i="0" u="none" strike="noStrike">
-                        <a:solidFill>
-                          <a:srgbClr val="000000"/>
-                        </a:solidFill>
-                        <a:effectLst/>
-                        <a:latin typeface="Calibri"/>
-                      </a:endParaRPr>
-                    </a:p>
-                  </a:txBody>
-                  <a:tcPr marL="6703" marR="6703" marT="6703" marB="0" anchor="b"/>
-                </a:tc>
-                <a:tc>
-                  <a:txBody>
-                    <a:bodyPr/>
-                    <a:lstStyle/>
-                    <a:p>
-                      <a:pPr algn="l" fontAlgn="b"/>
-                      <a:r>
-                        <a:rPr lang="en-US" sz="800" u="none" strike="noStrike">
-                          <a:effectLst/>
-                        </a:rPr>
-                        <a:t> </a:t>
-                      </a:r>
-                      <a:endParaRPr lang="en-US" sz="800" b="0" i="0" u="none" strike="noStrike">
-                        <a:solidFill>
-                          <a:srgbClr val="000000"/>
-                        </a:solidFill>
-                        <a:effectLst/>
-                        <a:latin typeface="Calibri"/>
-                      </a:endParaRPr>
-                    </a:p>
-                  </a:txBody>
-                  <a:tcPr marL="6703" marR="6703" marT="6703" marB="0" anchor="b"/>
-                </a:tc>
-              </a:tr>
-              <a:tr h="452498">
-                <a:tc>
-                  <a:txBody>
-                    <a:bodyPr/>
-                    <a:lstStyle/>
-                    <a:p>
-                      <a:pPr algn="r" fontAlgn="ctr"/>
-                      <a:r>
-                        <a:rPr lang="en-US" sz="800" u="none" strike="noStrike">
-                          <a:effectLst/>
-                        </a:rPr>
-                        <a:t>28</a:t>
-                      </a:r>
-                      <a:endParaRPr lang="en-US" sz="800" b="0" i="0" u="none" strike="noStrike">
-                        <a:solidFill>
-                          <a:srgbClr val="000000"/>
-                        </a:solidFill>
-                        <a:effectLst/>
-                        <a:latin typeface="Calibri"/>
-                      </a:endParaRPr>
-                    </a:p>
-                  </a:txBody>
-                  <a:tcPr marL="6703" marR="6703" marT="6703" marB="0" anchor="ctr"/>
-                </a:tc>
-                <a:tc>
-                  <a:txBody>
-                    <a:bodyPr/>
-                    <a:lstStyle/>
-                    <a:p>
-                      <a:pPr algn="l" fontAlgn="b"/>
-                      <a:r>
-                        <a:rPr lang="en-US" sz="800" u="none" strike="noStrike">
-                          <a:effectLst/>
-                        </a:rPr>
-                        <a:t>Does the project team have all the technical expertise needed to complete the project?</a:t>
-                      </a:r>
-                      <a:endParaRPr lang="en-US" sz="800" b="0" i="0" u="none" strike="noStrike">
-                        <a:solidFill>
-                          <a:srgbClr val="000000"/>
-                        </a:solidFill>
-                        <a:effectLst/>
-                        <a:latin typeface="Calibri"/>
-                      </a:endParaRPr>
-                    </a:p>
-                  </a:txBody>
-                  <a:tcPr marL="6703" marR="6703" marT="6703" marB="0" anchor="b"/>
-                </a:tc>
-                <a:tc>
-                  <a:txBody>
-                    <a:bodyPr/>
-                    <a:lstStyle/>
-                    <a:p>
-                      <a:pPr algn="r" fontAlgn="b"/>
-                      <a:r>
-                        <a:rPr lang="en-US" sz="800" u="none" strike="noStrike">
-                          <a:effectLst/>
-                        </a:rPr>
-                        <a:t>3</a:t>
-                      </a:r>
-                      <a:endParaRPr lang="en-US" sz="800" b="0" i="0" u="none" strike="noStrike">
-                        <a:solidFill>
-                          <a:srgbClr val="000000"/>
-                        </a:solidFill>
-                        <a:effectLst/>
-                        <a:latin typeface="Calibri"/>
-                      </a:endParaRPr>
-                    </a:p>
-                  </a:txBody>
-                  <a:tcPr marL="6703" marR="6703" marT="6703" marB="0" anchor="b"/>
-                </a:tc>
-                <a:tc>
-                  <a:txBody>
-                    <a:bodyPr/>
-                    <a:lstStyle/>
-                    <a:p>
-                      <a:pPr algn="r" fontAlgn="b"/>
-                      <a:r>
-                        <a:rPr lang="en-US" sz="800" u="none" strike="noStrike">
-                          <a:effectLst/>
-                        </a:rPr>
-                        <a:t>3</a:t>
-                      </a:r>
-                      <a:endParaRPr lang="en-US" sz="800" b="0" i="0" u="none" strike="noStrike">
-                        <a:solidFill>
-                          <a:srgbClr val="000000"/>
-                        </a:solidFill>
-                        <a:effectLst/>
-                        <a:latin typeface="Calibri"/>
-                      </a:endParaRPr>
-                    </a:p>
-                  </a:txBody>
-                  <a:tcPr marL="6703" marR="6703" marT="6703" marB="0" anchor="b"/>
-                </a:tc>
-              </a:tr>
-              <a:tr h="452498">
-                <a:tc>
-                  <a:txBody>
-                    <a:bodyPr/>
-                    <a:lstStyle/>
-                    <a:p>
-                      <a:pPr algn="r" fontAlgn="ctr"/>
-                      <a:r>
-                        <a:rPr lang="en-US" sz="800" u="none" strike="noStrike">
-                          <a:effectLst/>
-                        </a:rPr>
-                        <a:t>29</a:t>
-                      </a:r>
-                      <a:endParaRPr lang="en-US" sz="800" b="0" i="0" u="none" strike="noStrike">
-                        <a:solidFill>
-                          <a:srgbClr val="000000"/>
-                        </a:solidFill>
-                        <a:effectLst/>
-                        <a:latin typeface="Calibri"/>
-                      </a:endParaRPr>
-                    </a:p>
-                  </a:txBody>
-                  <a:tcPr marL="6703" marR="6703" marT="6703" marB="0" anchor="ctr"/>
-                </a:tc>
-                <a:tc>
-                  <a:txBody>
-                    <a:bodyPr/>
-                    <a:lstStyle/>
-                    <a:p>
-                      <a:pPr algn="l" fontAlgn="b"/>
-                      <a:r>
-                        <a:rPr lang="en-US" sz="800" u="none" strike="noStrike">
-                          <a:effectLst/>
-                        </a:rPr>
-                        <a:t>Does the project team have expertise with the business environment in which the software will operate?</a:t>
-                      </a:r>
-                      <a:endParaRPr lang="en-US" sz="800" b="0" i="0" u="none" strike="noStrike">
-                        <a:solidFill>
-                          <a:srgbClr val="000000"/>
-                        </a:solidFill>
-                        <a:effectLst/>
-                        <a:latin typeface="Calibri"/>
-                      </a:endParaRPr>
-                    </a:p>
-                  </a:txBody>
-                  <a:tcPr marL="6703" marR="6703" marT="6703" marB="0" anchor="b"/>
-                </a:tc>
-                <a:tc>
-                  <a:txBody>
-                    <a:bodyPr/>
-                    <a:lstStyle/>
-                    <a:p>
-                      <a:pPr algn="r" fontAlgn="b"/>
-                      <a:r>
-                        <a:rPr lang="en-US" sz="800" u="none" strike="noStrike">
-                          <a:effectLst/>
-                        </a:rPr>
-                        <a:t>2</a:t>
-                      </a:r>
-                      <a:endParaRPr lang="en-US" sz="800" b="0" i="0" u="none" strike="noStrike">
-                        <a:solidFill>
-                          <a:srgbClr val="000000"/>
-                        </a:solidFill>
-                        <a:effectLst/>
-                        <a:latin typeface="Calibri"/>
-                      </a:endParaRPr>
-                    </a:p>
-                  </a:txBody>
-                  <a:tcPr marL="6703" marR="6703" marT="6703" marB="0" anchor="b"/>
-                </a:tc>
-                <a:tc>
-                  <a:txBody>
-                    <a:bodyPr/>
-                    <a:lstStyle/>
-                    <a:p>
-                      <a:pPr algn="r" fontAlgn="b"/>
-                      <a:r>
-                        <a:rPr lang="en-US" sz="800" u="none" strike="noStrike">
-                          <a:effectLst/>
-                        </a:rPr>
-                        <a:t>2</a:t>
-                      </a:r>
-                      <a:endParaRPr lang="en-US" sz="800" b="0" i="0" u="none" strike="noStrike">
-                        <a:solidFill>
-                          <a:srgbClr val="000000"/>
-                        </a:solidFill>
-                        <a:effectLst/>
-                        <a:latin typeface="Calibri"/>
-                      </a:endParaRPr>
-                    </a:p>
-                  </a:txBody>
-                  <a:tcPr marL="6703" marR="6703" marT="6703" marB="0" anchor="b"/>
-                </a:tc>
-              </a:tr>
-              <a:tr h="301665">
-                <a:tc>
-                  <a:txBody>
-                    <a:bodyPr/>
-                    <a:lstStyle/>
-                    <a:p>
-                      <a:pPr algn="r" fontAlgn="ctr"/>
-                      <a:r>
-                        <a:rPr lang="en-US" sz="800" u="none" strike="noStrike">
-                          <a:effectLst/>
-                        </a:rPr>
-                        <a:t>30</a:t>
-                      </a:r>
-                      <a:endParaRPr lang="en-US" sz="800" b="0" i="0" u="none" strike="noStrike">
-                        <a:solidFill>
-                          <a:srgbClr val="000000"/>
-                        </a:solidFill>
-                        <a:effectLst/>
-                        <a:latin typeface="Calibri"/>
-                      </a:endParaRPr>
-                    </a:p>
-                  </a:txBody>
-                  <a:tcPr marL="6703" marR="6703" marT="6703" marB="0" anchor="ctr"/>
-                </a:tc>
-                <a:tc>
-                  <a:txBody>
-                    <a:bodyPr/>
-                    <a:lstStyle/>
-                    <a:p>
-                      <a:pPr algn="l" fontAlgn="b"/>
-                      <a:r>
-                        <a:rPr lang="en-US" sz="800" u="none" strike="noStrike">
-                          <a:effectLst/>
-                        </a:rPr>
-                        <a:t>Does the project have a technical leader capable of leading the project successfully?</a:t>
-                      </a:r>
-                      <a:endParaRPr lang="en-US" sz="800" b="0" i="0" u="none" strike="noStrike">
-                        <a:solidFill>
-                          <a:srgbClr val="000000"/>
-                        </a:solidFill>
-                        <a:effectLst/>
-                        <a:latin typeface="Calibri"/>
-                      </a:endParaRPr>
-                    </a:p>
-                  </a:txBody>
-                  <a:tcPr marL="6703" marR="6703" marT="6703" marB="0" anchor="b"/>
-                </a:tc>
-                <a:tc>
-                  <a:txBody>
-                    <a:bodyPr/>
-                    <a:lstStyle/>
-                    <a:p>
-                      <a:pPr algn="r" fontAlgn="b"/>
-                      <a:r>
-                        <a:rPr lang="en-US" sz="800" u="none" strike="noStrike">
-                          <a:effectLst/>
-                        </a:rPr>
-                        <a:t>3</a:t>
-                      </a:r>
-                      <a:endParaRPr lang="en-US" sz="800" b="0" i="0" u="none" strike="noStrike">
-                        <a:solidFill>
-                          <a:srgbClr val="000000"/>
-                        </a:solidFill>
-                        <a:effectLst/>
-                        <a:latin typeface="Calibri"/>
-                      </a:endParaRPr>
-                    </a:p>
-                  </a:txBody>
-                  <a:tcPr marL="6703" marR="6703" marT="6703" marB="0" anchor="b"/>
-                </a:tc>
-                <a:tc>
-                  <a:txBody>
-                    <a:bodyPr/>
-                    <a:lstStyle/>
-                    <a:p>
-                      <a:pPr algn="r" fontAlgn="b"/>
-                      <a:r>
-                        <a:rPr lang="en-US" sz="800" u="none" strike="noStrike">
-                          <a:effectLst/>
-                        </a:rPr>
-                        <a:t>3</a:t>
-                      </a:r>
-                      <a:endParaRPr lang="en-US" sz="800" b="0" i="0" u="none" strike="noStrike">
-                        <a:solidFill>
-                          <a:srgbClr val="000000"/>
-                        </a:solidFill>
-                        <a:effectLst/>
-                        <a:latin typeface="Calibri"/>
-                      </a:endParaRPr>
-                    </a:p>
-                  </a:txBody>
-                  <a:tcPr marL="6703" marR="6703" marT="6703" marB="0" anchor="b"/>
-                </a:tc>
-              </a:tr>
-              <a:tr h="301665">
-                <a:tc>
-                  <a:txBody>
-                    <a:bodyPr/>
-                    <a:lstStyle/>
-                    <a:p>
-                      <a:pPr algn="r" fontAlgn="ctr"/>
-                      <a:r>
-                        <a:rPr lang="en-US" sz="800" u="none" strike="noStrike">
-                          <a:effectLst/>
-                        </a:rPr>
-                        <a:t>31</a:t>
-                      </a:r>
-                      <a:endParaRPr lang="en-US" sz="800" b="0" i="0" u="none" strike="noStrike">
-                        <a:solidFill>
-                          <a:srgbClr val="000000"/>
-                        </a:solidFill>
-                        <a:effectLst/>
-                        <a:latin typeface="Calibri"/>
-                      </a:endParaRPr>
-                    </a:p>
-                  </a:txBody>
-                  <a:tcPr marL="6703" marR="6703" marT="6703" marB="0" anchor="ctr"/>
-                </a:tc>
-                <a:tc>
-                  <a:txBody>
-                    <a:bodyPr/>
-                    <a:lstStyle/>
-                    <a:p>
-                      <a:pPr algn="l" fontAlgn="b"/>
-                      <a:r>
-                        <a:rPr lang="en-US" sz="800" u="none" strike="noStrike">
-                          <a:effectLst/>
-                        </a:rPr>
-                        <a:t>Are there enough people to do all the work required?</a:t>
-                      </a:r>
-                      <a:endParaRPr lang="en-US" sz="800" b="0" i="0" u="none" strike="noStrike">
-                        <a:solidFill>
-                          <a:srgbClr val="000000"/>
-                        </a:solidFill>
-                        <a:effectLst/>
-                        <a:latin typeface="Calibri"/>
-                      </a:endParaRPr>
-                    </a:p>
-                  </a:txBody>
-                  <a:tcPr marL="6703" marR="6703" marT="6703" marB="0" anchor="b"/>
-                </a:tc>
-                <a:tc>
-                  <a:txBody>
-                    <a:bodyPr/>
-                    <a:lstStyle/>
-                    <a:p>
-                      <a:pPr algn="r" fontAlgn="b"/>
-                      <a:r>
-                        <a:rPr lang="en-US" sz="800" u="none" strike="noStrike">
-                          <a:effectLst/>
-                        </a:rPr>
-                        <a:t>2</a:t>
-                      </a:r>
-                      <a:endParaRPr lang="en-US" sz="800" b="0" i="0" u="none" strike="noStrike">
-                        <a:solidFill>
-                          <a:srgbClr val="000000"/>
-                        </a:solidFill>
-                        <a:effectLst/>
-                        <a:latin typeface="Calibri"/>
-                      </a:endParaRPr>
-                    </a:p>
-                  </a:txBody>
-                  <a:tcPr marL="6703" marR="6703" marT="6703" marB="0" anchor="b"/>
-                </a:tc>
-                <a:tc>
-                  <a:txBody>
-                    <a:bodyPr/>
-                    <a:lstStyle/>
-                    <a:p>
-                      <a:pPr algn="r" fontAlgn="b"/>
-                      <a:r>
-                        <a:rPr lang="en-US" sz="800" u="none" strike="noStrike">
-                          <a:effectLst/>
-                        </a:rPr>
-                        <a:t>2</a:t>
-                      </a:r>
-                      <a:endParaRPr lang="en-US" sz="800" b="0" i="0" u="none" strike="noStrike">
-                        <a:solidFill>
-                          <a:srgbClr val="000000"/>
-                        </a:solidFill>
-                        <a:effectLst/>
-                        <a:latin typeface="Calibri"/>
-                      </a:endParaRPr>
-                    </a:p>
-                  </a:txBody>
-                  <a:tcPr marL="6703" marR="6703" marT="6703" marB="0" anchor="b"/>
-                </a:tc>
-              </a:tr>
-              <a:tr h="150833">
-                <a:tc>
-                  <a:txBody>
-                    <a:bodyPr/>
-                    <a:lstStyle/>
-                    <a:p>
-                      <a:pPr algn="r" fontAlgn="ctr"/>
-                      <a:r>
-                        <a:rPr lang="en-US" sz="800" u="none" strike="noStrike">
-                          <a:effectLst/>
-                        </a:rPr>
-                        <a:t>32</a:t>
-                      </a:r>
-                      <a:endParaRPr lang="en-US" sz="800" b="0" i="0" u="none" strike="noStrike">
-                        <a:solidFill>
-                          <a:srgbClr val="000000"/>
-                        </a:solidFill>
-                        <a:effectLst/>
-                        <a:latin typeface="Calibri"/>
-                      </a:endParaRPr>
-                    </a:p>
-                  </a:txBody>
-                  <a:tcPr marL="6703" marR="6703" marT="6703" marB="0" anchor="ctr"/>
-                </a:tc>
-                <a:tc>
-                  <a:txBody>
-                    <a:bodyPr/>
-                    <a:lstStyle/>
-                    <a:p>
-                      <a:pPr algn="l" fontAlgn="b"/>
-                      <a:r>
-                        <a:rPr lang="en-US" sz="800" u="none" strike="noStrike">
-                          <a:effectLst/>
-                        </a:rPr>
-                        <a:t>Does everyone work well together?</a:t>
-                      </a:r>
-                      <a:endParaRPr lang="en-US" sz="800" b="0" i="0" u="none" strike="noStrike">
-                        <a:solidFill>
-                          <a:srgbClr val="000000"/>
-                        </a:solidFill>
-                        <a:effectLst/>
-                        <a:latin typeface="Calibri"/>
-                      </a:endParaRPr>
-                    </a:p>
-                  </a:txBody>
-                  <a:tcPr marL="6703" marR="6703" marT="6703" marB="0" anchor="b"/>
-                </a:tc>
-                <a:tc>
-                  <a:txBody>
-                    <a:bodyPr/>
-                    <a:lstStyle/>
-                    <a:p>
-                      <a:pPr algn="r" fontAlgn="b"/>
-                      <a:r>
-                        <a:rPr lang="en-US" sz="800" u="none" strike="noStrike">
-                          <a:effectLst/>
-                        </a:rPr>
-                        <a:t>2</a:t>
-                      </a:r>
-                      <a:endParaRPr lang="en-US" sz="800" b="0" i="0" u="none" strike="noStrike">
-                        <a:solidFill>
-                          <a:srgbClr val="000000"/>
-                        </a:solidFill>
-                        <a:effectLst/>
-                        <a:latin typeface="Calibri"/>
-                      </a:endParaRPr>
-                    </a:p>
-                  </a:txBody>
-                  <a:tcPr marL="6703" marR="6703" marT="6703" marB="0" anchor="b"/>
-                </a:tc>
-                <a:tc>
-                  <a:txBody>
-                    <a:bodyPr/>
-                    <a:lstStyle/>
-                    <a:p>
-                      <a:pPr algn="r" fontAlgn="b"/>
-                      <a:r>
-                        <a:rPr lang="en-US" sz="800" u="none" strike="noStrike">
-                          <a:effectLst/>
-                        </a:rPr>
-                        <a:t>1</a:t>
-                      </a:r>
-                      <a:endParaRPr lang="en-US" sz="800" b="0" i="0" u="none" strike="noStrike">
-                        <a:solidFill>
-                          <a:srgbClr val="000000"/>
-                        </a:solidFill>
-                        <a:effectLst/>
-                        <a:latin typeface="Calibri"/>
-                      </a:endParaRPr>
-                    </a:p>
-                  </a:txBody>
-                  <a:tcPr marL="6703" marR="6703" marT="6703" marB="0" anchor="b"/>
-                </a:tc>
-              </a:tr>
-              <a:tr h="150833">
-                <a:tc>
-                  <a:txBody>
-                    <a:bodyPr/>
-                    <a:lstStyle/>
-                    <a:p>
-                      <a:pPr algn="r" fontAlgn="ctr"/>
-                      <a:r>
-                        <a:rPr lang="en-US" sz="800" u="none" strike="noStrike">
-                          <a:effectLst/>
-                        </a:rPr>
-                        <a:t>33</a:t>
-                      </a:r>
-                      <a:endParaRPr lang="en-US" sz="800" b="0" i="0" u="none" strike="noStrike">
-                        <a:solidFill>
-                          <a:srgbClr val="000000"/>
-                        </a:solidFill>
-                        <a:effectLst/>
-                        <a:latin typeface="Calibri"/>
-                      </a:endParaRPr>
-                    </a:p>
-                  </a:txBody>
-                  <a:tcPr marL="6703" marR="6703" marT="6703" marB="0" anchor="ctr"/>
-                </a:tc>
-                <a:tc>
-                  <a:txBody>
-                    <a:bodyPr/>
-                    <a:lstStyle/>
-                    <a:p>
-                      <a:pPr algn="l" fontAlgn="b"/>
-                      <a:r>
-                        <a:rPr lang="en-US" sz="800" u="none" strike="noStrike">
-                          <a:effectLst/>
-                        </a:rPr>
-                        <a:t>Is each person committed to the project?</a:t>
-                      </a:r>
-                      <a:endParaRPr lang="en-US" sz="800" b="0" i="0" u="none" strike="noStrike">
-                        <a:solidFill>
-                          <a:srgbClr val="000000"/>
-                        </a:solidFill>
-                        <a:effectLst/>
-                        <a:latin typeface="Calibri"/>
-                      </a:endParaRPr>
-                    </a:p>
-                  </a:txBody>
-                  <a:tcPr marL="6703" marR="6703" marT="6703" marB="0" anchor="b"/>
-                </a:tc>
-                <a:tc>
-                  <a:txBody>
-                    <a:bodyPr/>
-                    <a:lstStyle/>
-                    <a:p>
-                      <a:pPr algn="r" fontAlgn="b"/>
-                      <a:r>
-                        <a:rPr lang="en-US" sz="800" u="none" strike="noStrike">
-                          <a:effectLst/>
-                        </a:rPr>
-                        <a:t>1</a:t>
-                      </a:r>
-                      <a:endParaRPr lang="en-US" sz="800" b="0" i="0" u="none" strike="noStrike">
-                        <a:solidFill>
-                          <a:srgbClr val="000000"/>
-                        </a:solidFill>
-                        <a:effectLst/>
-                        <a:latin typeface="Calibri"/>
-                      </a:endParaRPr>
-                    </a:p>
-                  </a:txBody>
-                  <a:tcPr marL="6703" marR="6703" marT="6703" marB="0" anchor="b"/>
-                </a:tc>
-                <a:tc>
-                  <a:txBody>
-                    <a:bodyPr/>
-                    <a:lstStyle/>
-                    <a:p>
-                      <a:pPr algn="r" fontAlgn="b"/>
-                      <a:r>
-                        <a:rPr lang="en-US" sz="800" u="none" strike="noStrike">
-                          <a:effectLst/>
-                        </a:rPr>
-                        <a:t>1</a:t>
-                      </a:r>
-                      <a:endParaRPr lang="en-US" sz="800" b="0" i="0" u="none" strike="noStrike">
-                        <a:solidFill>
-                          <a:srgbClr val="000000"/>
-                        </a:solidFill>
-                        <a:effectLst/>
-                        <a:latin typeface="Calibri"/>
-                      </a:endParaRPr>
-                    </a:p>
-                  </a:txBody>
-                  <a:tcPr marL="6703" marR="6703" marT="6703" marB="0" anchor="b"/>
-                </a:tc>
-              </a:tr>
-              <a:tr h="150833">
-                <a:tc>
-                  <a:txBody>
-                    <a:bodyPr/>
-                    <a:lstStyle/>
-                    <a:p>
-                      <a:pPr algn="l" fontAlgn="b"/>
-                      <a:r>
-                        <a:rPr lang="en-US" sz="800" u="none" strike="noStrike">
-                          <a:effectLst/>
-                        </a:rPr>
-                        <a:t> </a:t>
-                      </a:r>
-                      <a:endParaRPr lang="en-US" sz="800" b="0" i="0" u="none" strike="noStrike">
-                        <a:solidFill>
-                          <a:srgbClr val="000000"/>
-                        </a:solidFill>
-                        <a:effectLst/>
-                        <a:latin typeface="Calibri"/>
-                      </a:endParaRPr>
-                    </a:p>
-                  </a:txBody>
-                  <a:tcPr marL="6703" marR="6703" marT="6703" marB="0" anchor="b"/>
-                </a:tc>
-                <a:tc>
-                  <a:txBody>
-                    <a:bodyPr/>
-                    <a:lstStyle/>
-                    <a:p>
-                      <a:pPr algn="r" fontAlgn="b"/>
-                      <a:r>
-                        <a:rPr lang="en-US" sz="800" u="none" strike="noStrike">
-                          <a:effectLst/>
-                        </a:rPr>
-                        <a:t>Totals</a:t>
-                      </a:r>
-                      <a:endParaRPr lang="en-US" sz="800" b="0" i="0" u="none" strike="noStrike">
-                        <a:solidFill>
-                          <a:srgbClr val="000000"/>
-                        </a:solidFill>
-                        <a:effectLst/>
-                        <a:latin typeface="Calibri"/>
-                      </a:endParaRPr>
-                    </a:p>
-                  </a:txBody>
-                  <a:tcPr marL="6703" marR="6703" marT="6703" marB="0" anchor="b"/>
-                </a:tc>
-                <a:tc>
-                  <a:txBody>
-                    <a:bodyPr/>
-                    <a:lstStyle/>
-                    <a:p>
-                      <a:pPr algn="r" fontAlgn="b"/>
-                      <a:r>
-                        <a:rPr lang="en-US" sz="800" u="none" strike="noStrike">
-                          <a:effectLst/>
-                        </a:rPr>
-                        <a:t>103.5</a:t>
-                      </a:r>
-                      <a:endParaRPr lang="en-US" sz="800" b="0" i="0" u="none" strike="noStrike">
-                        <a:solidFill>
-                          <a:srgbClr val="000000"/>
-                        </a:solidFill>
-                        <a:effectLst/>
-                        <a:latin typeface="Calibri"/>
-                      </a:endParaRPr>
-                    </a:p>
-                  </a:txBody>
-                  <a:tcPr marL="6703" marR="6703" marT="6703" marB="0" anchor="b"/>
-                </a:tc>
-                <a:tc>
-                  <a:txBody>
-                    <a:bodyPr/>
-                    <a:lstStyle/>
-                    <a:p>
-                      <a:pPr algn="r" fontAlgn="b"/>
-                      <a:r>
-                        <a:rPr lang="en-US" sz="800" u="none" strike="noStrike" dirty="0">
-                          <a:effectLst/>
-                        </a:rPr>
-                        <a:t>115.5</a:t>
-                      </a:r>
-                      <a:endParaRPr lang="en-US" sz="800" b="0" i="0" u="none" strike="noStrike" dirty="0">
-                        <a:solidFill>
-                          <a:srgbClr val="000000"/>
-                        </a:solidFill>
-                        <a:effectLst/>
-                        <a:latin typeface="Calibri"/>
-                      </a:endParaRPr>
-                    </a:p>
-                  </a:txBody>
-                  <a:tcPr marL="6703" marR="6703" marT="6703" marB="0" anchor="b"/>
-                </a:tc>
-              </a:tr>
-            </a:tbl>
-          </a:graphicData>
-        </a:graphic>
-      </p:graphicFrame>
-      <p:sp>
-        <p:nvSpPr>
-          <p:cNvPr id="4" name="Slide Number Placeholder 3"/>
-          <p:cNvSpPr>
-            <a:spLocks noGrp="1"/>
-          </p:cNvSpPr>
-          <p:nvPr>
-            <p:ph type="sldNum" sz="quarter" idx="12"/>
-          </p:nvPr>
-        </p:nvSpPr>
-        <p:spPr/>
-        <p:txBody>
-          <a:bodyPr/>
-          <a:lstStyle/>
-          <a:p>
-            <a:fld id="{47DBC36D-8629-4A26-B3EA-358F99E6BE49}" type="slidenum">
-              <a:rPr lang="en-US" smtClean="0"/>
-              <a:t>9</a:t>
-            </a:fld>
-            <a:endParaRPr lang="en-US"/>
-          </a:p>
-        </p:txBody>
-      </p:sp>
-    </p:spTree>
-    <p:extLst>
-      <p:ext uri="{BB962C8B-B14F-4D97-AF65-F5344CB8AC3E}">
-        <p14:creationId xmlns:p14="http://schemas.microsoft.com/office/powerpoint/2010/main" val="2014359448"/>
       </p:ext>
     </p:extLst>
   </p:cSld>

--- a/Iteration 3 PowerPoint/Team 3 Iteration 3.pptx
+++ b/Iteration 3 PowerPoint/Team 3 Iteration 3.pptx
@@ -4157,21 +4157,21 @@
       </p:sp>
       <p:graphicFrame>
         <p:nvGraphicFramePr>
-          <p:cNvPr id="3" name="Table 2"/>
+          <p:cNvPr id="5" name="Table 4"/>
           <p:cNvGraphicFramePr>
             <a:graphicFrameLocks noGrp="1"/>
           </p:cNvGraphicFramePr>
           <p:nvPr>
             <p:extLst>
               <p:ext uri="{D42A27DB-BD31-4B8C-83A1-F6EECF244321}">
-                <p14:modId xmlns:p14="http://schemas.microsoft.com/office/powerpoint/2010/main" val="4079684413"/>
+                <p14:modId xmlns:p14="http://schemas.microsoft.com/office/powerpoint/2010/main" val="3989765156"/>
               </p:ext>
             </p:extLst>
           </p:nvPr>
         </p:nvGraphicFramePr>
         <p:xfrm>
-          <a:off x="228600" y="1524000"/>
-          <a:ext cx="8077198" cy="5105399"/>
+          <a:off x="152400" y="1447800"/>
+          <a:ext cx="8077198" cy="5181601"/>
         </p:xfrm>
         <a:graphic>
           <a:graphicData uri="http://schemas.openxmlformats.org/drawingml/2006/table">
@@ -4193,20 +4193,20 @@
                 <a:gridCol w="563525"/>
                 <a:gridCol w="563525"/>
               </a:tblGrid>
-              <a:tr h="115288">
-                <a:tc>
-                  <a:txBody>
-                    <a:bodyPr/>
-                    <a:lstStyle/>
-                    <a:p>
-                      <a:pPr algn="l" fontAlgn="b"/>
-                      <a:r>
-                        <a:rPr lang="en-US" sz="600" u="none" strike="noStrike">
+              <a:tr h="117009">
+                <a:tc>
+                  <a:txBody>
+                    <a:bodyPr/>
+                    <a:lstStyle/>
+                    <a:p>
+                      <a:pPr algn="l" fontAlgn="b"/>
+                      <a:r>
+                        <a:rPr lang="en-US" sz="600" u="none" strike="noStrike" dirty="0">
                           <a:effectLst/>
                         </a:rPr>
                         <a:t>Due</a:t>
                       </a:r>
-                      <a:endParaRPr lang="en-US" sz="600" b="0" i="0" u="none" strike="noStrike">
+                      <a:endParaRPr lang="en-US" sz="600" b="0" i="0" u="none" strike="noStrike" dirty="0">
                         <a:solidFill>
                           <a:srgbClr val="000000"/>
                         </a:solidFill>
@@ -4446,7 +4446,7 @@
                   <a:tcPr marL="5627" marR="5627" marT="5627" marB="0" anchor="b"/>
                 </a:tc>
               </a:tr>
-              <a:tr h="115288">
+              <a:tr h="117009">
                 <a:tc>
                   <a:txBody>
                     <a:bodyPr/>
@@ -4706,7 +4706,7 @@
                   <a:tcPr marL="5627" marR="5627" marT="5627" marB="0" anchor="b"/>
                 </a:tc>
               </a:tr>
-              <a:tr h="115288">
+              <a:tr h="117009">
                 <a:tc>
                   <a:txBody>
                     <a:bodyPr/>
@@ -4966,7 +4966,7 @@
                   <a:tcPr marL="5627" marR="5627" marT="5627" marB="0" anchor="b"/>
                 </a:tc>
               </a:tr>
-              <a:tr h="115288">
+              <a:tr h="117009">
                 <a:tc>
                   <a:txBody>
                     <a:bodyPr/>
@@ -5226,7 +5226,7 @@
                   <a:tcPr marL="5627" marR="5627" marT="5627" marB="0" anchor="b"/>
                 </a:tc>
               </a:tr>
-              <a:tr h="115288">
+              <a:tr h="117009">
                 <a:tc>
                   <a:txBody>
                     <a:bodyPr/>
@@ -5486,7 +5486,7 @@
                   <a:tcPr marL="5627" marR="5627" marT="5627" marB="0" anchor="b"/>
                 </a:tc>
               </a:tr>
-              <a:tr h="115288">
+              <a:tr h="117009">
                 <a:tc>
                   <a:txBody>
                     <a:bodyPr/>
@@ -5746,7 +5746,7 @@
                   <a:tcPr marL="5627" marR="5627" marT="5627" marB="0" anchor="b"/>
                 </a:tc>
               </a:tr>
-              <a:tr h="115288">
+              <a:tr h="117009">
                 <a:tc>
                   <a:txBody>
                     <a:bodyPr/>
@@ -6006,7 +6006,7 @@
                   <a:tcPr marL="5627" marR="5627" marT="5627" marB="0" anchor="b"/>
                 </a:tc>
               </a:tr>
-              <a:tr h="115288">
+              <a:tr h="117009">
                 <a:tc>
                   <a:txBody>
                     <a:bodyPr/>
@@ -6266,7 +6266,7 @@
                   <a:tcPr marL="5627" marR="5627" marT="5627" marB="0" anchor="b"/>
                 </a:tc>
               </a:tr>
-              <a:tr h="115288">
+              <a:tr h="117009">
                 <a:tc>
                   <a:txBody>
                     <a:bodyPr/>
@@ -6526,7 +6526,7 @@
                   <a:tcPr marL="5627" marR="5627" marT="5627" marB="0" anchor="b"/>
                 </a:tc>
               </a:tr>
-              <a:tr h="115288">
+              <a:tr h="117009">
                 <a:tc>
                   <a:txBody>
                     <a:bodyPr/>
@@ -6786,7 +6786,7 @@
                   <a:tcPr marL="5627" marR="5627" marT="5627" marB="0" anchor="b"/>
                 </a:tc>
               </a:tr>
-              <a:tr h="115288">
+              <a:tr h="117009">
                 <a:tc>
                   <a:txBody>
                     <a:bodyPr/>
@@ -7046,7 +7046,7 @@
                   <a:tcPr marL="5627" marR="5627" marT="5627" marB="0" anchor="b"/>
                 </a:tc>
               </a:tr>
-              <a:tr h="115288">
+              <a:tr h="117009">
                 <a:tc>
                   <a:txBody>
                     <a:bodyPr/>
@@ -7306,7 +7306,7 @@
                   <a:tcPr marL="5627" marR="5627" marT="5627" marB="0" anchor="b"/>
                 </a:tc>
               </a:tr>
-              <a:tr h="115288">
+              <a:tr h="117009">
                 <a:tc>
                   <a:txBody>
                     <a:bodyPr/>
@@ -7566,7 +7566,7 @@
                   <a:tcPr marL="5627" marR="5627" marT="5627" marB="0" anchor="b"/>
                 </a:tc>
               </a:tr>
-              <a:tr h="115288">
+              <a:tr h="117009">
                 <a:tc>
                   <a:txBody>
                     <a:bodyPr/>
@@ -7826,7 +7826,7 @@
                   <a:tcPr marL="5627" marR="5627" marT="5627" marB="0" anchor="b"/>
                 </a:tc>
               </a:tr>
-              <a:tr h="115288">
+              <a:tr h="117009">
                 <a:tc>
                   <a:txBody>
                     <a:bodyPr/>
@@ -8086,7 +8086,7 @@
                   <a:tcPr marL="5627" marR="5627" marT="5627" marB="0" anchor="b"/>
                 </a:tc>
               </a:tr>
-              <a:tr h="115288">
+              <a:tr h="117009">
                 <a:tc>
                   <a:txBody>
                     <a:bodyPr/>
@@ -8346,7 +8346,7 @@
                   <a:tcPr marL="5627" marR="5627" marT="5627" marB="0" anchor="b"/>
                 </a:tc>
               </a:tr>
-              <a:tr h="115288">
+              <a:tr h="117009">
                 <a:tc>
                   <a:txBody>
                     <a:bodyPr/>
@@ -8606,7 +8606,7 @@
                   <a:tcPr marL="5627" marR="5627" marT="5627" marB="0" anchor="b"/>
                 </a:tc>
               </a:tr>
-              <a:tr h="119677">
+              <a:tr h="121463">
                 <a:tc>
                   <a:txBody>
                     <a:bodyPr/>
@@ -8866,7 +8866,7 @@
                   <a:tcPr marL="5627" marR="5627" marT="5627" marB="0" anchor="b"/>
                 </a:tc>
               </a:tr>
-              <a:tr h="119677">
+              <a:tr h="121463">
                 <a:tc>
                   <a:txBody>
                     <a:bodyPr/>
@@ -9118,7 +9118,7 @@
                   <a:tcPr/>
                 </a:tc>
               </a:tr>
-              <a:tr h="216614">
+              <a:tr h="219847">
                 <a:tc>
                   <a:txBody>
                     <a:bodyPr/>
@@ -9396,7 +9396,7 @@
                   <a:tcPr marL="5627" marR="5627" marT="5627" marB="0" anchor="b"/>
                 </a:tc>
               </a:tr>
-              <a:tr h="119677">
+              <a:tr h="121463">
                 <a:tc>
                   <a:txBody>
                     <a:bodyPr/>
@@ -9674,7 +9674,7 @@
                   <a:tcPr marL="5627" marR="5627" marT="5627" marB="0" anchor="b"/>
                 </a:tc>
               </a:tr>
-              <a:tr h="119677">
+              <a:tr h="121463">
                 <a:tc>
                   <a:txBody>
                     <a:bodyPr/>
@@ -9934,7 +9934,7 @@
                   <a:tcPr marL="5627" marR="5627" marT="5627" marB="0" anchor="b"/>
                 </a:tc>
               </a:tr>
-              <a:tr h="119677">
+              <a:tr h="121463">
                 <a:tc>
                   <a:txBody>
                     <a:bodyPr/>
@@ -10194,7 +10194,7 @@
                   <a:tcPr marL="5627" marR="5627" marT="5627" marB="0" anchor="b"/>
                 </a:tc>
               </a:tr>
-              <a:tr h="119677">
+              <a:tr h="121463">
                 <a:tc>
                   <a:txBody>
                     <a:bodyPr/>
@@ -10454,7 +10454,7 @@
                   <a:tcPr marL="5627" marR="5627" marT="5627" marB="0" anchor="b"/>
                 </a:tc>
               </a:tr>
-              <a:tr h="115288">
+              <a:tr h="117009">
                 <a:tc>
                   <a:txBody>
                     <a:bodyPr/>
@@ -10714,7 +10714,7 @@
                   <a:tcPr marL="5627" marR="5627" marT="5627" marB="0" anchor="b"/>
                 </a:tc>
               </a:tr>
-              <a:tr h="115288">
+              <a:tr h="117009">
                 <a:tc>
                   <a:txBody>
                     <a:bodyPr/>
@@ -10974,7 +10974,7 @@
                   <a:tcPr marL="5627" marR="5627" marT="5627" marB="0" anchor="b"/>
                 </a:tc>
               </a:tr>
-              <a:tr h="115288">
+              <a:tr h="117009">
                 <a:tc>
                   <a:txBody>
                     <a:bodyPr/>
@@ -11234,7 +11234,7 @@
                   <a:tcPr marL="5627" marR="5627" marT="5627" marB="0" anchor="b"/>
                 </a:tc>
               </a:tr>
-              <a:tr h="115288">
+              <a:tr h="117009">
                 <a:tc>
                   <a:txBody>
                     <a:bodyPr/>
@@ -11494,7 +11494,7 @@
                   <a:tcPr marL="5627" marR="5627" marT="5627" marB="0" anchor="b"/>
                 </a:tc>
               </a:tr>
-              <a:tr h="119677">
+              <a:tr h="121463">
                 <a:tc>
                   <a:txBody>
                     <a:bodyPr/>
@@ -11754,7 +11754,7 @@
                   <a:tcPr marL="5627" marR="5627" marT="5627" marB="0" anchor="b"/>
                 </a:tc>
               </a:tr>
-              <a:tr h="119677">
+              <a:tr h="121463">
                 <a:tc>
                   <a:txBody>
                     <a:bodyPr/>
@@ -12014,7 +12014,7 @@
                   <a:tcPr marL="5627" marR="5627" marT="5627" marB="0" anchor="b"/>
                 </a:tc>
               </a:tr>
-              <a:tr h="119677">
+              <a:tr h="121463">
                 <a:tc>
                   <a:txBody>
                     <a:bodyPr/>
@@ -12266,7 +12266,7 @@
                   <a:tcPr/>
                 </a:tc>
               </a:tr>
-              <a:tr h="216614">
+              <a:tr h="219847">
                 <a:tc>
                   <a:txBody>
                     <a:bodyPr/>
@@ -12295,6 +12295,261 @@
                     <a:bodyPr/>
                     <a:lstStyle/>
                     <a:p>
+                      <a:pPr algn="r" fontAlgn="b"/>
+                      <a:r>
+                        <a:rPr lang="en-US" sz="600" u="none" strike="noStrike">
+                          <a:effectLst/>
+                        </a:rPr>
+                        <a:t>3</a:t>
+                      </a:r>
+                      <a:endParaRPr lang="en-US" sz="600" b="0" i="0" u="none" strike="noStrike">
+                        <a:solidFill>
+                          <a:srgbClr val="9C6500"/>
+                        </a:solidFill>
+                        <a:effectLst/>
+                        <a:latin typeface="Calibri"/>
+                      </a:endParaRPr>
+                    </a:p>
+                  </a:txBody>
+                  <a:tcPr marL="5627" marR="5627" marT="5627" marB="0" anchor="b"/>
+                </a:tc>
+                <a:tc>
+                  <a:txBody>
+                    <a:bodyPr/>
+                    <a:lstStyle/>
+                    <a:p>
+                      <a:pPr algn="l" fontAlgn="b"/>
+                      <a:r>
+                        <a:rPr lang="en-US" sz="600" u="none" strike="noStrike">
+                          <a:effectLst/>
+                        </a:rPr>
+                        <a:t>Work Recording</a:t>
+                      </a:r>
+                      <a:endParaRPr lang="en-US" sz="600" b="0" i="0" u="none" strike="noStrike">
+                        <a:solidFill>
+                          <a:srgbClr val="9C6500"/>
+                        </a:solidFill>
+                        <a:effectLst/>
+                        <a:latin typeface="Calibri"/>
+                      </a:endParaRPr>
+                    </a:p>
+                  </a:txBody>
+                  <a:tcPr marL="5627" marR="5627" marT="5627" marB="0" anchor="b"/>
+                </a:tc>
+                <a:tc>
+                  <a:txBody>
+                    <a:bodyPr/>
+                    <a:lstStyle/>
+                    <a:p>
+                      <a:pPr algn="l" fontAlgn="b"/>
+                      <a:r>
+                        <a:rPr lang="en-US" sz="600" u="none" strike="noStrike">
+                          <a:effectLst/>
+                        </a:rPr>
+                        <a:t>Implementation</a:t>
+                      </a:r>
+                      <a:endParaRPr lang="en-US" sz="600" b="0" i="0" u="none" strike="noStrike">
+                        <a:solidFill>
+                          <a:srgbClr val="9C6500"/>
+                        </a:solidFill>
+                        <a:effectLst/>
+                        <a:latin typeface="Calibri"/>
+                      </a:endParaRPr>
+                    </a:p>
+                  </a:txBody>
+                  <a:tcPr marL="5627" marR="5627" marT="5627" marB="0" anchor="b"/>
+                </a:tc>
+                <a:tc>
+                  <a:txBody>
+                    <a:bodyPr/>
+                    <a:lstStyle/>
+                    <a:p>
+                      <a:pPr algn="l" fontAlgn="b"/>
+                      <a:r>
+                        <a:rPr lang="en-US" sz="600" u="none" strike="noStrike">
+                          <a:effectLst/>
+                        </a:rPr>
+                        <a:t>Jose</a:t>
+                      </a:r>
+                      <a:endParaRPr lang="en-US" sz="600" b="0" i="0" u="none" strike="noStrike">
+                        <a:solidFill>
+                          <a:srgbClr val="9C6500"/>
+                        </a:solidFill>
+                        <a:effectLst/>
+                        <a:latin typeface="Calibri"/>
+                      </a:endParaRPr>
+                    </a:p>
+                  </a:txBody>
+                  <a:tcPr marL="5627" marR="5627" marT="5627" marB="0" anchor="b"/>
+                </a:tc>
+                <a:tc>
+                  <a:txBody>
+                    <a:bodyPr/>
+                    <a:lstStyle/>
+                    <a:p>
+                      <a:pPr algn="r" fontAlgn="b"/>
+                      <a:r>
+                        <a:rPr lang="en-US" sz="600" u="none" strike="noStrike">
+                          <a:effectLst/>
+                        </a:rPr>
+                        <a:t>3</a:t>
+                      </a:r>
+                      <a:endParaRPr lang="en-US" sz="600" b="0" i="0" u="none" strike="noStrike">
+                        <a:solidFill>
+                          <a:srgbClr val="9C6500"/>
+                        </a:solidFill>
+                        <a:effectLst/>
+                        <a:latin typeface="Calibri"/>
+                      </a:endParaRPr>
+                    </a:p>
+                  </a:txBody>
+                  <a:tcPr marL="5627" marR="5627" marT="5627" marB="0" anchor="b"/>
+                </a:tc>
+                <a:tc>
+                  <a:txBody>
+                    <a:bodyPr/>
+                    <a:lstStyle/>
+                    <a:p>
+                      <a:pPr algn="r" fontAlgn="b"/>
+                      <a:r>
+                        <a:rPr lang="en-US" sz="600" u="none" strike="noStrike">
+                          <a:effectLst/>
+                        </a:rPr>
+                        <a:t>3</a:t>
+                      </a:r>
+                      <a:endParaRPr lang="en-US" sz="600" b="0" i="0" u="none" strike="noStrike">
+                        <a:solidFill>
+                          <a:srgbClr val="9C6500"/>
+                        </a:solidFill>
+                        <a:effectLst/>
+                        <a:latin typeface="Calibri"/>
+                      </a:endParaRPr>
+                    </a:p>
+                  </a:txBody>
+                  <a:tcPr marL="5627" marR="5627" marT="5627" marB="0" anchor="b"/>
+                </a:tc>
+                <a:tc>
+                  <a:txBody>
+                    <a:bodyPr/>
+                    <a:lstStyle/>
+                    <a:p>
+                      <a:pPr algn="r" fontAlgn="b"/>
+                      <a:r>
+                        <a:rPr lang="en-US" sz="600" u="none" strike="noStrike">
+                          <a:effectLst/>
+                        </a:rPr>
+                        <a:t>0</a:t>
+                      </a:r>
+                      <a:endParaRPr lang="en-US" sz="600" b="0" i="0" u="none" strike="noStrike">
+                        <a:solidFill>
+                          <a:srgbClr val="9C6500"/>
+                        </a:solidFill>
+                        <a:effectLst/>
+                        <a:latin typeface="Calibri"/>
+                      </a:endParaRPr>
+                    </a:p>
+                  </a:txBody>
+                  <a:tcPr marL="5627" marR="5627" marT="5627" marB="0" anchor="b"/>
+                </a:tc>
+                <a:tc>
+                  <a:txBody>
+                    <a:bodyPr/>
+                    <a:lstStyle/>
+                    <a:p>
+                      <a:pPr algn="l" fontAlgn="b"/>
+                      <a:r>
+                        <a:rPr lang="en-US" sz="600" u="none" strike="noStrike">
+                          <a:effectLst/>
+                        </a:rPr>
+                        <a:t>Done</a:t>
+                      </a:r>
+                      <a:endParaRPr lang="en-US" sz="600" b="0" i="0" u="none" strike="noStrike">
+                        <a:solidFill>
+                          <a:srgbClr val="000000"/>
+                        </a:solidFill>
+                        <a:effectLst/>
+                        <a:latin typeface="Calibri"/>
+                      </a:endParaRPr>
+                    </a:p>
+                  </a:txBody>
+                  <a:tcPr marL="5627" marR="5627" marT="5627" marB="0" anchor="b"/>
+                </a:tc>
+                <a:tc>
+                  <a:txBody>
+                    <a:bodyPr/>
+                    <a:lstStyle/>
+                    <a:p>
+                      <a:pPr algn="l" fontAlgn="b"/>
+                      <a:r>
+                        <a:rPr lang="en-US" sz="600" u="none" strike="noStrike">
+                          <a:effectLst/>
+                        </a:rPr>
+                        <a:t>Planned</a:t>
+                      </a:r>
+                      <a:endParaRPr lang="en-US" sz="600" b="0" i="0" u="none" strike="noStrike">
+                        <a:solidFill>
+                          <a:srgbClr val="000000"/>
+                        </a:solidFill>
+                        <a:effectLst/>
+                        <a:latin typeface="Calibri"/>
+                      </a:endParaRPr>
+                    </a:p>
+                  </a:txBody>
+                  <a:tcPr marL="5627" marR="5627" marT="5627" marB="0" anchor="b"/>
+                </a:tc>
+                <a:tc>
+                  <a:txBody>
+                    <a:bodyPr/>
+                    <a:lstStyle/>
+                    <a:p>
+                      <a:pPr algn="l" fontAlgn="b"/>
+                      <a:r>
+                        <a:rPr lang="en-US" sz="600" u="none" strike="noStrike">
+                          <a:effectLst/>
+                        </a:rPr>
+                        <a:t>Actual</a:t>
+                      </a:r>
+                      <a:endParaRPr lang="en-US" sz="600" b="0" i="0" u="none" strike="noStrike">
+                        <a:solidFill>
+                          <a:srgbClr val="000000"/>
+                        </a:solidFill>
+                        <a:effectLst/>
+                        <a:latin typeface="Calibri"/>
+                      </a:endParaRPr>
+                    </a:p>
+                  </a:txBody>
+                  <a:tcPr marL="5627" marR="5627" marT="5627" marB="0" anchor="b"/>
+                </a:tc>
+                <a:tc>
+                  <a:txBody>
+                    <a:bodyPr/>
+                    <a:lstStyle/>
+                    <a:p>
+                      <a:pPr algn="l" fontAlgn="b"/>
+                      <a:r>
+                        <a:rPr lang="en-US" sz="600" u="none" strike="noStrike">
+                          <a:effectLst/>
+                        </a:rPr>
+                        <a:t>Remaining</a:t>
+                      </a:r>
+                      <a:endParaRPr lang="en-US" sz="600" b="0" i="0" u="none" strike="noStrike">
+                        <a:solidFill>
+                          <a:srgbClr val="000000"/>
+                        </a:solidFill>
+                        <a:effectLst/>
+                        <a:latin typeface="Calibri"/>
+                      </a:endParaRPr>
+                    </a:p>
+                  </a:txBody>
+                  <a:tcPr marL="5627" marR="5627" marT="5627" marB="0" anchor="b"/>
+                </a:tc>
+              </a:tr>
+              <a:tr h="121463">
+                <a:tc>
+                  <a:txBody>
+                    <a:bodyPr/>
+                    <a:lstStyle/>
+                    <a:p>
                       <a:pPr algn="l" fontAlgn="b"/>
                       <a:r>
                         <a:rPr lang="en-US" sz="600" u="none" strike="noStrike">
@@ -12318,12 +12573,12 @@
                     <a:bodyPr/>
                     <a:lstStyle/>
                     <a:p>
-                      <a:pPr algn="l" fontAlgn="b"/>
-                      <a:r>
-                        <a:rPr lang="en-US" sz="600" u="none" strike="noStrike">
-                          <a:effectLst/>
-                        </a:rPr>
-                        <a:t>Work Recording</a:t>
+                      <a:pPr algn="r" fontAlgn="b"/>
+                      <a:r>
+                        <a:rPr lang="en-US" sz="600" u="none" strike="noStrike">
+                          <a:effectLst/>
+                        </a:rPr>
+                        <a:t>3</a:t>
                       </a:r>
                       <a:endParaRPr lang="en-US" sz="600" b="0" i="0" u="none" strike="noStrike">
                         <a:solidFill>
@@ -12346,6 +12601,29 @@
                         <a:rPr lang="en-US" sz="600" u="none" strike="noStrike">
                           <a:effectLst/>
                         </a:rPr>
+                        <a:t>Work Management</a:t>
+                      </a:r>
+                      <a:endParaRPr lang="en-US" sz="600" b="0" i="0" u="none" strike="noStrike">
+                        <a:solidFill>
+                          <a:srgbClr val="9C6500"/>
+                        </a:solidFill>
+                        <a:effectLst/>
+                        <a:latin typeface="Calibri"/>
+                      </a:endParaRPr>
+                    </a:p>
+                  </a:txBody>
+                  <a:tcPr marL="5627" marR="5627" marT="5627" marB="0" anchor="b"/>
+                </a:tc>
+                <a:tc>
+                  <a:txBody>
+                    <a:bodyPr/>
+                    <a:lstStyle/>
+                    <a:p>
+                      <a:pPr algn="l" fontAlgn="b"/>
+                      <a:r>
+                        <a:rPr lang="en-US" sz="600" u="none" strike="noStrike">
+                          <a:effectLst/>
+                        </a:rPr>
                         <a:t>Implementation</a:t>
                       </a:r>
                       <a:endParaRPr lang="en-US" sz="600" b="0" i="0" u="none" strike="noStrike">
@@ -12392,11 +12670,220 @@
                         <a:rPr lang="en-US" sz="600" u="none" strike="noStrike">
                           <a:effectLst/>
                         </a:rPr>
+                        <a:t>2</a:t>
+                      </a:r>
+                      <a:endParaRPr lang="en-US" sz="600" b="0" i="0" u="none" strike="noStrike">
+                        <a:solidFill>
+                          <a:srgbClr val="9C6500"/>
+                        </a:solidFill>
+                        <a:effectLst/>
+                        <a:latin typeface="Calibri"/>
+                      </a:endParaRPr>
+                    </a:p>
+                  </a:txBody>
+                  <a:tcPr marL="5627" marR="5627" marT="5627" marB="0" anchor="b"/>
+                </a:tc>
+                <a:tc>
+                  <a:txBody>
+                    <a:bodyPr/>
+                    <a:lstStyle/>
+                    <a:p>
+                      <a:pPr algn="r" fontAlgn="b"/>
+                      <a:r>
+                        <a:rPr lang="en-US" sz="600" u="none" strike="noStrike">
+                          <a:effectLst/>
+                        </a:rPr>
+                        <a:t>2</a:t>
+                      </a:r>
+                      <a:endParaRPr lang="en-US" sz="600" b="0" i="0" u="none" strike="noStrike">
+                        <a:solidFill>
+                          <a:srgbClr val="9C6500"/>
+                        </a:solidFill>
+                        <a:effectLst/>
+                        <a:latin typeface="Calibri"/>
+                      </a:endParaRPr>
+                    </a:p>
+                  </a:txBody>
+                  <a:tcPr marL="5627" marR="5627" marT="5627" marB="0" anchor="b"/>
+                </a:tc>
+                <a:tc>
+                  <a:txBody>
+                    <a:bodyPr/>
+                    <a:lstStyle/>
+                    <a:p>
+                      <a:pPr algn="r" fontAlgn="b"/>
+                      <a:r>
+                        <a:rPr lang="en-US" sz="600" u="none" strike="noStrike">
+                          <a:effectLst/>
+                        </a:rPr>
+                        <a:t>0</a:t>
+                      </a:r>
+                      <a:endParaRPr lang="en-US" sz="600" b="0" i="0" u="none" strike="noStrike">
+                        <a:solidFill>
+                          <a:srgbClr val="9C6500"/>
+                        </a:solidFill>
+                        <a:effectLst/>
+                        <a:latin typeface="Calibri"/>
+                      </a:endParaRPr>
+                    </a:p>
+                  </a:txBody>
+                  <a:tcPr marL="5627" marR="5627" marT="5627" marB="0" anchor="b"/>
+                </a:tc>
+                <a:tc>
+                  <a:txBody>
+                    <a:bodyPr/>
+                    <a:lstStyle/>
+                    <a:p>
+                      <a:pPr algn="l" fontAlgn="b"/>
+                      <a:r>
+                        <a:rPr lang="en-US" sz="600" u="none" strike="noStrike">
+                          <a:effectLst/>
+                        </a:rPr>
+                        <a:t>Done</a:t>
+                      </a:r>
+                      <a:endParaRPr lang="en-US" sz="600" b="0" i="0" u="none" strike="noStrike">
+                        <a:solidFill>
+                          <a:srgbClr val="000000"/>
+                        </a:solidFill>
+                        <a:effectLst/>
+                        <a:latin typeface="Calibri"/>
+                      </a:endParaRPr>
+                    </a:p>
+                  </a:txBody>
+                  <a:tcPr marL="5627" marR="5627" marT="5627" marB="0" anchor="b"/>
+                </a:tc>
+                <a:tc>
+                  <a:txBody>
+                    <a:bodyPr/>
+                    <a:lstStyle/>
+                    <a:p>
+                      <a:pPr algn="r" fontAlgn="b"/>
+                      <a:r>
+                        <a:rPr lang="en-US" sz="600" u="none" strike="noStrike">
+                          <a:effectLst/>
+                        </a:rPr>
+                        <a:t>25</a:t>
+                      </a:r>
+                      <a:endParaRPr lang="en-US" sz="600" b="0" i="0" u="none" strike="noStrike">
+                        <a:solidFill>
+                          <a:srgbClr val="000000"/>
+                        </a:solidFill>
+                        <a:effectLst/>
+                        <a:latin typeface="Calibri"/>
+                      </a:endParaRPr>
+                    </a:p>
+                  </a:txBody>
+                  <a:tcPr marL="5627" marR="5627" marT="5627" marB="0" anchor="b"/>
+                </a:tc>
+                <a:tc>
+                  <a:txBody>
+                    <a:bodyPr/>
+                    <a:lstStyle/>
+                    <a:p>
+                      <a:pPr algn="r" fontAlgn="b"/>
+                      <a:r>
+                        <a:rPr lang="en-US" sz="600" u="none" strike="noStrike">
+                          <a:effectLst/>
+                        </a:rPr>
+                        <a:t>20</a:t>
+                      </a:r>
+                      <a:endParaRPr lang="en-US" sz="600" b="0" i="0" u="none" strike="noStrike">
+                        <a:solidFill>
+                          <a:srgbClr val="000000"/>
+                        </a:solidFill>
+                        <a:effectLst/>
+                        <a:latin typeface="Calibri"/>
+                      </a:endParaRPr>
+                    </a:p>
+                  </a:txBody>
+                  <a:tcPr marL="5627" marR="5627" marT="5627" marB="0" anchor="b"/>
+                </a:tc>
+                <a:tc>
+                  <a:txBody>
+                    <a:bodyPr/>
+                    <a:lstStyle/>
+                    <a:p>
+                      <a:pPr algn="r" fontAlgn="b"/>
+                      <a:r>
+                        <a:rPr lang="en-US" sz="600" u="none" strike="noStrike">
+                          <a:effectLst/>
+                        </a:rPr>
+                        <a:t>5</a:t>
+                      </a:r>
+                      <a:endParaRPr lang="en-US" sz="600" b="0" i="0" u="none" strike="noStrike">
+                        <a:solidFill>
+                          <a:srgbClr val="000000"/>
+                        </a:solidFill>
+                        <a:effectLst/>
+                        <a:latin typeface="Calibri"/>
+                      </a:endParaRPr>
+                    </a:p>
+                  </a:txBody>
+                  <a:tcPr marL="5627" marR="5627" marT="5627" marB="0" anchor="b"/>
+                </a:tc>
+              </a:tr>
+              <a:tr h="121463">
+                <a:tc>
+                  <a:txBody>
+                    <a:bodyPr/>
+                    <a:lstStyle/>
+                    <a:p>
+                      <a:pPr algn="r" fontAlgn="b"/>
+                      <a:r>
+                        <a:rPr lang="en-US" sz="600" u="none" strike="noStrike">
+                          <a:effectLst/>
+                        </a:rPr>
+                        <a:t>18-Nov</a:t>
+                      </a:r>
+                      <a:endParaRPr lang="en-US" sz="600" b="0" i="0" u="none" strike="noStrike">
+                        <a:solidFill>
+                          <a:srgbClr val="000000"/>
+                        </a:solidFill>
+                        <a:effectLst/>
+                        <a:latin typeface="Calibri"/>
+                      </a:endParaRPr>
+                    </a:p>
+                  </a:txBody>
+                  <a:tcPr marL="5627" marR="5627" marT="5627" marB="0" anchor="b"/>
+                </a:tc>
+                <a:tc>
+                  <a:txBody>
+                    <a:bodyPr/>
+                    <a:lstStyle/>
+                    <a:p>
+                      <a:pPr algn="r" fontAlgn="b"/>
+                      <a:r>
+                        <a:rPr lang="en-US" sz="600" u="none" strike="noStrike">
+                          <a:effectLst/>
+                        </a:rPr>
                         <a:t>3</a:t>
                       </a:r>
                       <a:endParaRPr lang="en-US" sz="600" b="0" i="0" u="none" strike="noStrike">
                         <a:solidFill>
-                          <a:srgbClr val="9C6500"/>
+                          <a:srgbClr val="000000"/>
+                        </a:solidFill>
+                        <a:effectLst/>
+                        <a:latin typeface="Calibri"/>
+                      </a:endParaRPr>
+                    </a:p>
+                  </a:txBody>
+                  <a:tcPr marL="5627" marR="5627" marT="5627" marB="0" anchor="b"/>
+                </a:tc>
+                <a:tc>
+                  <a:txBody>
+                    <a:bodyPr/>
+                    <a:lstStyle/>
+                    <a:p>
+                      <a:pPr algn="l" fontAlgn="b"/>
+                      <a:r>
+                        <a:rPr lang="en-US" sz="600" u="none" strike="noStrike">
+                          <a:effectLst/>
+                        </a:rPr>
+                        <a:t>Review Feedback</a:t>
+                      </a:r>
+                      <a:endParaRPr lang="en-US" sz="600" b="0" i="0" u="none" strike="noStrike">
+                        <a:solidFill>
+                          <a:srgbClr val="000000"/>
                         </a:solidFill>
                         <a:effectLst/>
                         <a:latin typeface="Calibri"/>
@@ -12419,44 +12906,1435 @@
                       </a:r>
                       <a:endParaRPr lang="en-US" sz="600" b="0" i="0" u="none" strike="noStrike">
                         <a:solidFill>
-                          <a:srgbClr val="9C6500"/>
-                        </a:solidFill>
-                        <a:effectLst/>
-                        <a:latin typeface="Calibri"/>
-                      </a:endParaRPr>
-                    </a:p>
-                  </a:txBody>
-                  <a:tcPr marL="5627" marR="5627" marT="5627" marB="0" anchor="b"/>
-                </a:tc>
-                <a:tc>
-                  <a:txBody>
-                    <a:bodyPr/>
-                    <a:lstStyle/>
-                    <a:p>
-                      <a:pPr algn="r" fontAlgn="b"/>
-                      <a:r>
-                        <a:rPr lang="en-US" sz="600" u="none" strike="noStrike">
-                          <a:effectLst/>
-                        </a:rPr>
-                        <a:t>3</a:t>
-                      </a:r>
-                      <a:endParaRPr lang="en-US" sz="600" b="0" i="0" u="none" strike="noStrike">
-                        <a:solidFill>
-                          <a:srgbClr val="9C6500"/>
-                        </a:solidFill>
-                        <a:effectLst/>
-                        <a:latin typeface="Calibri"/>
-                      </a:endParaRPr>
-                    </a:p>
-                  </a:txBody>
-                  <a:tcPr marL="5627" marR="5627" marT="5627" marB="0" anchor="b"/>
-                </a:tc>
-                <a:tc>
-                  <a:txBody>
-                    <a:bodyPr/>
-                    <a:lstStyle/>
-                    <a:p>
-                      <a:pPr algn="l" fontAlgn="b"/>
+                          <a:srgbClr val="000000"/>
+                        </a:solidFill>
+                        <a:effectLst/>
+                        <a:latin typeface="Calibri"/>
+                      </a:endParaRPr>
+                    </a:p>
+                  </a:txBody>
+                  <a:tcPr marL="5627" marR="5627" marT="5627" marB="0" anchor="b"/>
+                </a:tc>
+                <a:tc>
+                  <a:txBody>
+                    <a:bodyPr/>
+                    <a:lstStyle/>
+                    <a:p>
+                      <a:pPr algn="l" fontAlgn="b"/>
+                      <a:r>
+                        <a:rPr lang="en-US" sz="600" u="none" strike="noStrike">
+                          <a:effectLst/>
+                        </a:rPr>
+                        <a:t>Team</a:t>
+                      </a:r>
+                      <a:endParaRPr lang="en-US" sz="600" b="0" i="0" u="none" strike="noStrike">
+                        <a:solidFill>
+                          <a:srgbClr val="000000"/>
+                        </a:solidFill>
+                        <a:effectLst/>
+                        <a:latin typeface="Calibri"/>
+                      </a:endParaRPr>
+                    </a:p>
+                  </a:txBody>
+                  <a:tcPr marL="5627" marR="5627" marT="5627" marB="0" anchor="b"/>
+                </a:tc>
+                <a:tc>
+                  <a:txBody>
+                    <a:bodyPr/>
+                    <a:lstStyle/>
+                    <a:p>
+                      <a:pPr algn="r" fontAlgn="b"/>
+                      <a:r>
+                        <a:rPr lang="en-US" sz="600" u="none" strike="noStrike">
+                          <a:effectLst/>
+                        </a:rPr>
+                        <a:t>2</a:t>
+                      </a:r>
+                      <a:endParaRPr lang="en-US" sz="600" b="0" i="0" u="none" strike="noStrike">
+                        <a:solidFill>
+                          <a:srgbClr val="000000"/>
+                        </a:solidFill>
+                        <a:effectLst/>
+                        <a:latin typeface="Calibri"/>
+                      </a:endParaRPr>
+                    </a:p>
+                  </a:txBody>
+                  <a:tcPr marL="5627" marR="5627" marT="5627" marB="0" anchor="b"/>
+                </a:tc>
+                <a:tc>
+                  <a:txBody>
+                    <a:bodyPr/>
+                    <a:lstStyle/>
+                    <a:p>
+                      <a:pPr algn="r" fontAlgn="b"/>
+                      <a:r>
+                        <a:rPr lang="en-US" sz="600" u="none" strike="noStrike">
+                          <a:effectLst/>
+                        </a:rPr>
+                        <a:t>2</a:t>
+                      </a:r>
+                      <a:endParaRPr lang="en-US" sz="600" b="0" i="0" u="none" strike="noStrike">
+                        <a:solidFill>
+                          <a:srgbClr val="000000"/>
+                        </a:solidFill>
+                        <a:effectLst/>
+                        <a:latin typeface="Calibri"/>
+                      </a:endParaRPr>
+                    </a:p>
+                  </a:txBody>
+                  <a:tcPr marL="5627" marR="5627" marT="5627" marB="0" anchor="b"/>
+                </a:tc>
+                <a:tc>
+                  <a:txBody>
+                    <a:bodyPr/>
+                    <a:lstStyle/>
+                    <a:p>
+                      <a:pPr algn="r" fontAlgn="b"/>
+                      <a:r>
+                        <a:rPr lang="en-US" sz="600" u="none" strike="noStrike">
+                          <a:effectLst/>
+                        </a:rPr>
+                        <a:t>0</a:t>
+                      </a:r>
+                      <a:endParaRPr lang="en-US" sz="600" b="0" i="0" u="none" strike="noStrike">
+                        <a:solidFill>
+                          <a:srgbClr val="000000"/>
+                        </a:solidFill>
+                        <a:effectLst/>
+                        <a:latin typeface="Calibri"/>
+                      </a:endParaRPr>
+                    </a:p>
+                  </a:txBody>
+                  <a:tcPr marL="5627" marR="5627" marT="5627" marB="0" anchor="b"/>
+                </a:tc>
+                <a:tc>
+                  <a:txBody>
+                    <a:bodyPr/>
+                    <a:lstStyle/>
+                    <a:p>
+                      <a:pPr algn="l" fontAlgn="b"/>
+                      <a:r>
+                        <a:rPr lang="en-US" sz="600" u="none" strike="noStrike">
+                          <a:effectLst/>
+                        </a:rPr>
+                        <a:t>Done</a:t>
+                      </a:r>
+                      <a:endParaRPr lang="en-US" sz="600" b="0" i="0" u="none" strike="noStrike">
+                        <a:solidFill>
+                          <a:srgbClr val="000000"/>
+                        </a:solidFill>
+                        <a:effectLst/>
+                        <a:latin typeface="Calibri"/>
+                      </a:endParaRPr>
+                    </a:p>
+                  </a:txBody>
+                  <a:tcPr marL="5627" marR="5627" marT="5627" marB="0" anchor="b"/>
+                </a:tc>
+                <a:tc>
+                  <a:txBody>
+                    <a:bodyPr/>
+                    <a:lstStyle/>
+                    <a:p>
+                      <a:pPr algn="l" fontAlgn="b"/>
+                      <a:endParaRPr lang="en-US" sz="600" b="0" i="0" u="none" strike="noStrike">
+                        <a:solidFill>
+                          <a:srgbClr val="000000"/>
+                        </a:solidFill>
+                        <a:effectLst/>
+                        <a:latin typeface="Calibri"/>
+                      </a:endParaRPr>
+                    </a:p>
+                  </a:txBody>
+                  <a:tcPr marL="5627" marR="5627" marT="5627" marB="0" anchor="b"/>
+                </a:tc>
+                <a:tc>
+                  <a:txBody>
+                    <a:bodyPr/>
+                    <a:lstStyle/>
+                    <a:p>
+                      <a:pPr algn="l" fontAlgn="b"/>
+                      <a:endParaRPr lang="en-US" sz="600" b="0" i="0" u="none" strike="noStrike">
+                        <a:solidFill>
+                          <a:srgbClr val="000000"/>
+                        </a:solidFill>
+                        <a:effectLst/>
+                        <a:latin typeface="Calibri"/>
+                      </a:endParaRPr>
+                    </a:p>
+                  </a:txBody>
+                  <a:tcPr marL="5627" marR="5627" marT="5627" marB="0" anchor="b"/>
+                </a:tc>
+                <a:tc>
+                  <a:txBody>
+                    <a:bodyPr/>
+                    <a:lstStyle/>
+                    <a:p>
+                      <a:pPr algn="l" fontAlgn="b"/>
+                      <a:endParaRPr lang="en-US" sz="600" b="0" i="0" u="none" strike="noStrike">
+                        <a:solidFill>
+                          <a:srgbClr val="000000"/>
+                        </a:solidFill>
+                        <a:effectLst/>
+                        <a:latin typeface="Calibri"/>
+                      </a:endParaRPr>
+                    </a:p>
+                  </a:txBody>
+                  <a:tcPr marL="5627" marR="5627" marT="5627" marB="0" anchor="b"/>
+                </a:tc>
+              </a:tr>
+              <a:tr h="121463">
+                <a:tc>
+                  <a:txBody>
+                    <a:bodyPr/>
+                    <a:lstStyle/>
+                    <a:p>
+                      <a:pPr algn="l" fontAlgn="b"/>
+                      <a:r>
+                        <a:rPr lang="en-US" sz="600" u="none" strike="noStrike">
+                          <a:effectLst/>
+                        </a:rPr>
+                        <a:t> </a:t>
+                      </a:r>
+                      <a:endParaRPr lang="en-US" sz="600" b="0" i="0" u="none" strike="noStrike">
+                        <a:solidFill>
+                          <a:srgbClr val="000000"/>
+                        </a:solidFill>
+                        <a:effectLst/>
+                        <a:latin typeface="Calibri"/>
+                      </a:endParaRPr>
+                    </a:p>
+                  </a:txBody>
+                  <a:tcPr marL="5627" marR="5627" marT="5627" marB="0" anchor="b"/>
+                </a:tc>
+                <a:tc>
+                  <a:txBody>
+                    <a:bodyPr/>
+                    <a:lstStyle/>
+                    <a:p>
+                      <a:pPr algn="l" fontAlgn="b"/>
+                      <a:r>
+                        <a:rPr lang="en-US" sz="600" u="none" strike="noStrike">
+                          <a:effectLst/>
+                        </a:rPr>
+                        <a:t> </a:t>
+                      </a:r>
+                      <a:endParaRPr lang="en-US" sz="600" b="0" i="0" u="none" strike="noStrike">
+                        <a:solidFill>
+                          <a:srgbClr val="000000"/>
+                        </a:solidFill>
+                        <a:effectLst/>
+                        <a:latin typeface="Calibri"/>
+                      </a:endParaRPr>
+                    </a:p>
+                  </a:txBody>
+                  <a:tcPr marL="5627" marR="5627" marT="5627" marB="0" anchor="b"/>
+                </a:tc>
+                <a:tc>
+                  <a:txBody>
+                    <a:bodyPr/>
+                    <a:lstStyle/>
+                    <a:p>
+                      <a:pPr algn="l" fontAlgn="b"/>
+                      <a:r>
+                        <a:rPr lang="en-US" sz="600" u="none" strike="noStrike">
+                          <a:effectLst/>
+                        </a:rPr>
+                        <a:t>Implement Feedback</a:t>
+                      </a:r>
+                      <a:endParaRPr lang="en-US" sz="600" b="0" i="0" u="none" strike="noStrike">
+                        <a:solidFill>
+                          <a:srgbClr val="000000"/>
+                        </a:solidFill>
+                        <a:effectLst/>
+                        <a:latin typeface="Calibri"/>
+                      </a:endParaRPr>
+                    </a:p>
+                  </a:txBody>
+                  <a:tcPr marL="5627" marR="5627" marT="5627" marB="0" anchor="b"/>
+                </a:tc>
+                <a:tc>
+                  <a:txBody>
+                    <a:bodyPr/>
+                    <a:lstStyle/>
+                    <a:p>
+                      <a:pPr algn="l" fontAlgn="b"/>
+                      <a:r>
+                        <a:rPr lang="en-US" sz="600" u="none" strike="noStrike">
+                          <a:effectLst/>
+                        </a:rPr>
+                        <a:t> </a:t>
+                      </a:r>
+                      <a:endParaRPr lang="en-US" sz="600" b="0" i="0" u="none" strike="noStrike">
+                        <a:solidFill>
+                          <a:srgbClr val="000000"/>
+                        </a:solidFill>
+                        <a:effectLst/>
+                        <a:latin typeface="Calibri"/>
+                      </a:endParaRPr>
+                    </a:p>
+                  </a:txBody>
+                  <a:tcPr marL="5627" marR="5627" marT="5627" marB="0" anchor="b"/>
+                </a:tc>
+                <a:tc>
+                  <a:txBody>
+                    <a:bodyPr/>
+                    <a:lstStyle/>
+                    <a:p>
+                      <a:pPr algn="l" fontAlgn="b"/>
+                      <a:r>
+                        <a:rPr lang="en-US" sz="600" u="none" strike="noStrike">
+                          <a:effectLst/>
+                        </a:rPr>
+                        <a:t>Team</a:t>
+                      </a:r>
+                      <a:endParaRPr lang="en-US" sz="600" b="0" i="0" u="none" strike="noStrike">
+                        <a:solidFill>
+                          <a:srgbClr val="000000"/>
+                        </a:solidFill>
+                        <a:effectLst/>
+                        <a:latin typeface="Calibri"/>
+                      </a:endParaRPr>
+                    </a:p>
+                  </a:txBody>
+                  <a:tcPr marL="5627" marR="5627" marT="5627" marB="0" anchor="b"/>
+                </a:tc>
+                <a:tc>
+                  <a:txBody>
+                    <a:bodyPr/>
+                    <a:lstStyle/>
+                    <a:p>
+                      <a:pPr algn="r" fontAlgn="b"/>
+                      <a:r>
+                        <a:rPr lang="en-US" sz="600" u="none" strike="noStrike">
+                          <a:effectLst/>
+                        </a:rPr>
+                        <a:t>2</a:t>
+                      </a:r>
+                      <a:endParaRPr lang="en-US" sz="600" b="0" i="0" u="none" strike="noStrike">
+                        <a:solidFill>
+                          <a:srgbClr val="000000"/>
+                        </a:solidFill>
+                        <a:effectLst/>
+                        <a:latin typeface="Calibri"/>
+                      </a:endParaRPr>
+                    </a:p>
+                  </a:txBody>
+                  <a:tcPr marL="5627" marR="5627" marT="5627" marB="0" anchor="b"/>
+                </a:tc>
+                <a:tc>
+                  <a:txBody>
+                    <a:bodyPr/>
+                    <a:lstStyle/>
+                    <a:p>
+                      <a:pPr algn="r" fontAlgn="b"/>
+                      <a:r>
+                        <a:rPr lang="en-US" sz="600" u="none" strike="noStrike">
+                          <a:effectLst/>
+                        </a:rPr>
+                        <a:t>2</a:t>
+                      </a:r>
+                      <a:endParaRPr lang="en-US" sz="600" b="0" i="0" u="none" strike="noStrike">
+                        <a:solidFill>
+                          <a:srgbClr val="000000"/>
+                        </a:solidFill>
+                        <a:effectLst/>
+                        <a:latin typeface="Calibri"/>
+                      </a:endParaRPr>
+                    </a:p>
+                  </a:txBody>
+                  <a:tcPr marL="5627" marR="5627" marT="5627" marB="0" anchor="b"/>
+                </a:tc>
+                <a:tc>
+                  <a:txBody>
+                    <a:bodyPr/>
+                    <a:lstStyle/>
+                    <a:p>
+                      <a:pPr algn="r" fontAlgn="b"/>
+                      <a:r>
+                        <a:rPr lang="en-US" sz="600" u="none" strike="noStrike">
+                          <a:effectLst/>
+                        </a:rPr>
+                        <a:t>0</a:t>
+                      </a:r>
+                      <a:endParaRPr lang="en-US" sz="600" b="0" i="0" u="none" strike="noStrike">
+                        <a:solidFill>
+                          <a:srgbClr val="000000"/>
+                        </a:solidFill>
+                        <a:effectLst/>
+                        <a:latin typeface="Calibri"/>
+                      </a:endParaRPr>
+                    </a:p>
+                  </a:txBody>
+                  <a:tcPr marL="5627" marR="5627" marT="5627" marB="0" anchor="b"/>
+                </a:tc>
+                <a:tc>
+                  <a:txBody>
+                    <a:bodyPr/>
+                    <a:lstStyle/>
+                    <a:p>
+                      <a:pPr algn="l" fontAlgn="b"/>
+                      <a:r>
+                        <a:rPr lang="en-US" sz="600" u="none" strike="noStrike">
+                          <a:effectLst/>
+                        </a:rPr>
+                        <a:t>Done</a:t>
+                      </a:r>
+                      <a:endParaRPr lang="en-US" sz="600" b="0" i="0" u="none" strike="noStrike">
+                        <a:solidFill>
+                          <a:srgbClr val="000000"/>
+                        </a:solidFill>
+                        <a:effectLst/>
+                        <a:latin typeface="Calibri"/>
+                      </a:endParaRPr>
+                    </a:p>
+                  </a:txBody>
+                  <a:tcPr marL="5627" marR="5627" marT="5627" marB="0" anchor="b"/>
+                </a:tc>
+                <a:tc>
+                  <a:txBody>
+                    <a:bodyPr/>
+                    <a:lstStyle/>
+                    <a:p>
+                      <a:pPr algn="l" fontAlgn="b"/>
+                      <a:endParaRPr lang="en-US" sz="600" b="0" i="0" u="none" strike="noStrike">
+                        <a:solidFill>
+                          <a:srgbClr val="000000"/>
+                        </a:solidFill>
+                        <a:effectLst/>
+                        <a:latin typeface="Calibri"/>
+                      </a:endParaRPr>
+                    </a:p>
+                  </a:txBody>
+                  <a:tcPr marL="5627" marR="5627" marT="5627" marB="0" anchor="b"/>
+                </a:tc>
+                <a:tc>
+                  <a:txBody>
+                    <a:bodyPr/>
+                    <a:lstStyle/>
+                    <a:p>
+                      <a:pPr algn="l" fontAlgn="b"/>
+                      <a:endParaRPr lang="en-US" sz="600" b="0" i="0" u="none" strike="noStrike">
+                        <a:solidFill>
+                          <a:srgbClr val="000000"/>
+                        </a:solidFill>
+                        <a:effectLst/>
+                        <a:latin typeface="Calibri"/>
+                      </a:endParaRPr>
+                    </a:p>
+                  </a:txBody>
+                  <a:tcPr marL="5627" marR="5627" marT="5627" marB="0" anchor="b"/>
+                </a:tc>
+                <a:tc>
+                  <a:txBody>
+                    <a:bodyPr/>
+                    <a:lstStyle/>
+                    <a:p>
+                      <a:pPr algn="l" fontAlgn="b"/>
+                      <a:endParaRPr lang="en-US" sz="600" b="0" i="0" u="none" strike="noStrike">
+                        <a:solidFill>
+                          <a:srgbClr val="000000"/>
+                        </a:solidFill>
+                        <a:effectLst/>
+                        <a:latin typeface="Calibri"/>
+                      </a:endParaRPr>
+                    </a:p>
+                  </a:txBody>
+                  <a:tcPr marL="5627" marR="5627" marT="5627" marB="0" anchor="b"/>
+                </a:tc>
+              </a:tr>
+              <a:tr h="121463">
+                <a:tc>
+                  <a:txBody>
+                    <a:bodyPr/>
+                    <a:lstStyle/>
+                    <a:p>
+                      <a:pPr algn="l" fontAlgn="b"/>
+                      <a:r>
+                        <a:rPr lang="en-US" sz="600" u="none" strike="noStrike">
+                          <a:effectLst/>
+                        </a:rPr>
+                        <a:t> </a:t>
+                      </a:r>
+                      <a:endParaRPr lang="en-US" sz="600" b="0" i="0" u="none" strike="noStrike">
+                        <a:solidFill>
+                          <a:srgbClr val="000000"/>
+                        </a:solidFill>
+                        <a:effectLst/>
+                        <a:latin typeface="Calibri"/>
+                      </a:endParaRPr>
+                    </a:p>
+                  </a:txBody>
+                  <a:tcPr marL="5627" marR="5627" marT="5627" marB="0" anchor="b"/>
+                </a:tc>
+                <a:tc>
+                  <a:txBody>
+                    <a:bodyPr/>
+                    <a:lstStyle/>
+                    <a:p>
+                      <a:pPr algn="l" fontAlgn="b"/>
+                      <a:r>
+                        <a:rPr lang="en-US" sz="600" u="none" strike="noStrike">
+                          <a:effectLst/>
+                        </a:rPr>
+                        <a:t> </a:t>
+                      </a:r>
+                      <a:endParaRPr lang="en-US" sz="600" b="0" i="0" u="none" strike="noStrike">
+                        <a:solidFill>
+                          <a:srgbClr val="000000"/>
+                        </a:solidFill>
+                        <a:effectLst/>
+                        <a:latin typeface="Calibri"/>
+                      </a:endParaRPr>
+                    </a:p>
+                  </a:txBody>
+                  <a:tcPr marL="5627" marR="5627" marT="5627" marB="0" anchor="b"/>
+                </a:tc>
+                <a:tc>
+                  <a:txBody>
+                    <a:bodyPr/>
+                    <a:lstStyle/>
+                    <a:p>
+                      <a:pPr algn="l" fontAlgn="b"/>
+                      <a:r>
+                        <a:rPr lang="en-US" sz="600" u="none" strike="noStrike">
+                          <a:effectLst/>
+                        </a:rPr>
+                        <a:t>Sprint Story Creation</a:t>
+                      </a:r>
+                      <a:endParaRPr lang="en-US" sz="600" b="0" i="0" u="none" strike="noStrike">
+                        <a:solidFill>
+                          <a:srgbClr val="000000"/>
+                        </a:solidFill>
+                        <a:effectLst/>
+                        <a:latin typeface="Calibri"/>
+                      </a:endParaRPr>
+                    </a:p>
+                  </a:txBody>
+                  <a:tcPr marL="5627" marR="5627" marT="5627" marB="0" anchor="b"/>
+                </a:tc>
+                <a:tc>
+                  <a:txBody>
+                    <a:bodyPr/>
+                    <a:lstStyle/>
+                    <a:p>
+                      <a:pPr algn="l" fontAlgn="b"/>
+                      <a:r>
+                        <a:rPr lang="en-US" sz="600" u="none" strike="noStrike">
+                          <a:effectLst/>
+                        </a:rPr>
+                        <a:t>Implementation</a:t>
+                      </a:r>
+                      <a:endParaRPr lang="en-US" sz="600" b="0" i="0" u="none" strike="noStrike">
+                        <a:solidFill>
+                          <a:srgbClr val="000000"/>
+                        </a:solidFill>
+                        <a:effectLst/>
+                        <a:latin typeface="Calibri"/>
+                      </a:endParaRPr>
+                    </a:p>
+                  </a:txBody>
+                  <a:tcPr marL="5627" marR="5627" marT="5627" marB="0" anchor="b"/>
+                </a:tc>
+                <a:tc>
+                  <a:txBody>
+                    <a:bodyPr/>
+                    <a:lstStyle/>
+                    <a:p>
+                      <a:pPr algn="l" fontAlgn="b"/>
+                      <a:r>
+                        <a:rPr lang="en-US" sz="600" u="none" strike="noStrike" dirty="0">
+                          <a:effectLst/>
+                        </a:rPr>
+                        <a:t> </a:t>
+                      </a:r>
+                      <a:r>
+                        <a:rPr lang="en-US" sz="600" u="none" strike="noStrike" dirty="0" smtClean="0">
+                          <a:effectLst/>
+                        </a:rPr>
+                        <a:t>Dan</a:t>
+                      </a:r>
+                      <a:endParaRPr lang="en-US" sz="600" b="0" i="0" u="none" strike="noStrike" dirty="0">
+                        <a:solidFill>
+                          <a:srgbClr val="000000"/>
+                        </a:solidFill>
+                        <a:effectLst/>
+                        <a:latin typeface="Calibri"/>
+                      </a:endParaRPr>
+                    </a:p>
+                  </a:txBody>
+                  <a:tcPr marL="5627" marR="5627" marT="5627" marB="0" anchor="b"/>
+                </a:tc>
+                <a:tc>
+                  <a:txBody>
+                    <a:bodyPr/>
+                    <a:lstStyle/>
+                    <a:p>
+                      <a:pPr algn="r" fontAlgn="b"/>
+                      <a:r>
+                        <a:rPr lang="en-US" sz="600" u="none" strike="noStrike">
+                          <a:effectLst/>
+                        </a:rPr>
+                        <a:t>4</a:t>
+                      </a:r>
+                      <a:endParaRPr lang="en-US" sz="600" b="0" i="0" u="none" strike="noStrike">
+                        <a:solidFill>
+                          <a:srgbClr val="000000"/>
+                        </a:solidFill>
+                        <a:effectLst/>
+                        <a:latin typeface="Calibri"/>
+                      </a:endParaRPr>
+                    </a:p>
+                  </a:txBody>
+                  <a:tcPr marL="5627" marR="5627" marT="5627" marB="0" anchor="b"/>
+                </a:tc>
+                <a:tc>
+                  <a:txBody>
+                    <a:bodyPr/>
+                    <a:lstStyle/>
+                    <a:p>
+                      <a:pPr algn="r" fontAlgn="b"/>
+                      <a:r>
+                        <a:rPr lang="en-US" sz="600" u="none" strike="noStrike">
+                          <a:effectLst/>
+                        </a:rPr>
+                        <a:t>4</a:t>
+                      </a:r>
+                      <a:endParaRPr lang="en-US" sz="600" b="0" i="0" u="none" strike="noStrike">
+                        <a:solidFill>
+                          <a:srgbClr val="000000"/>
+                        </a:solidFill>
+                        <a:effectLst/>
+                        <a:latin typeface="Calibri"/>
+                      </a:endParaRPr>
+                    </a:p>
+                  </a:txBody>
+                  <a:tcPr marL="5627" marR="5627" marT="5627" marB="0" anchor="b"/>
+                </a:tc>
+                <a:tc>
+                  <a:txBody>
+                    <a:bodyPr/>
+                    <a:lstStyle/>
+                    <a:p>
+                      <a:pPr algn="r" fontAlgn="b"/>
+                      <a:r>
+                        <a:rPr lang="en-US" sz="600" u="none" strike="noStrike">
+                          <a:effectLst/>
+                        </a:rPr>
+                        <a:t>0</a:t>
+                      </a:r>
+                      <a:endParaRPr lang="en-US" sz="600" b="0" i="0" u="none" strike="noStrike">
+                        <a:solidFill>
+                          <a:srgbClr val="000000"/>
+                        </a:solidFill>
+                        <a:effectLst/>
+                        <a:latin typeface="Calibri"/>
+                      </a:endParaRPr>
+                    </a:p>
+                  </a:txBody>
+                  <a:tcPr marL="5627" marR="5627" marT="5627" marB="0" anchor="b"/>
+                </a:tc>
+                <a:tc>
+                  <a:txBody>
+                    <a:bodyPr/>
+                    <a:lstStyle/>
+                    <a:p>
+                      <a:pPr algn="l" fontAlgn="b"/>
+                      <a:r>
+                        <a:rPr lang="en-US" sz="600" u="none" strike="noStrike">
+                          <a:effectLst/>
+                        </a:rPr>
+                        <a:t>Done</a:t>
+                      </a:r>
+                      <a:endParaRPr lang="en-US" sz="600" b="0" i="0" u="none" strike="noStrike">
+                        <a:solidFill>
+                          <a:srgbClr val="000000"/>
+                        </a:solidFill>
+                        <a:effectLst/>
+                        <a:latin typeface="Calibri"/>
+                      </a:endParaRPr>
+                    </a:p>
+                  </a:txBody>
+                  <a:tcPr marL="5627" marR="5627" marT="5627" marB="0" anchor="b"/>
+                </a:tc>
+                <a:tc>
+                  <a:txBody>
+                    <a:bodyPr/>
+                    <a:lstStyle/>
+                    <a:p>
+                      <a:pPr algn="l" fontAlgn="b"/>
+                      <a:endParaRPr lang="en-US" sz="600" b="0" i="0" u="none" strike="noStrike">
+                        <a:solidFill>
+                          <a:srgbClr val="000000"/>
+                        </a:solidFill>
+                        <a:effectLst/>
+                        <a:latin typeface="Calibri"/>
+                      </a:endParaRPr>
+                    </a:p>
+                  </a:txBody>
+                  <a:tcPr marL="5627" marR="5627" marT="5627" marB="0" anchor="b"/>
+                </a:tc>
+                <a:tc>
+                  <a:txBody>
+                    <a:bodyPr/>
+                    <a:lstStyle/>
+                    <a:p>
+                      <a:pPr algn="l" fontAlgn="b"/>
+                      <a:endParaRPr lang="en-US" sz="600" b="0" i="0" u="none" strike="noStrike">
+                        <a:solidFill>
+                          <a:srgbClr val="000000"/>
+                        </a:solidFill>
+                        <a:effectLst/>
+                        <a:latin typeface="Calibri"/>
+                      </a:endParaRPr>
+                    </a:p>
+                  </a:txBody>
+                  <a:tcPr marL="5627" marR="5627" marT="5627" marB="0" anchor="b"/>
+                </a:tc>
+                <a:tc>
+                  <a:txBody>
+                    <a:bodyPr/>
+                    <a:lstStyle/>
+                    <a:p>
+                      <a:pPr algn="l" fontAlgn="b"/>
+                      <a:endParaRPr lang="en-US" sz="600" b="0" i="0" u="none" strike="noStrike">
+                        <a:solidFill>
+                          <a:srgbClr val="000000"/>
+                        </a:solidFill>
+                        <a:effectLst/>
+                        <a:latin typeface="Calibri"/>
+                      </a:endParaRPr>
+                    </a:p>
+                  </a:txBody>
+                  <a:tcPr marL="5627" marR="5627" marT="5627" marB="0" anchor="b"/>
+                </a:tc>
+              </a:tr>
+              <a:tr h="121463">
+                <a:tc>
+                  <a:txBody>
+                    <a:bodyPr/>
+                    <a:lstStyle/>
+                    <a:p>
+                      <a:pPr algn="l" fontAlgn="b"/>
+                      <a:r>
+                        <a:rPr lang="en-US" sz="600" u="none" strike="noStrike">
+                          <a:effectLst/>
+                        </a:rPr>
+                        <a:t> </a:t>
+                      </a:r>
+                      <a:endParaRPr lang="en-US" sz="600" b="0" i="0" u="none" strike="noStrike">
+                        <a:solidFill>
+                          <a:srgbClr val="000000"/>
+                        </a:solidFill>
+                        <a:effectLst/>
+                        <a:latin typeface="Calibri"/>
+                      </a:endParaRPr>
+                    </a:p>
+                  </a:txBody>
+                  <a:tcPr marL="5627" marR="5627" marT="5627" marB="0" anchor="b"/>
+                </a:tc>
+                <a:tc>
+                  <a:txBody>
+                    <a:bodyPr/>
+                    <a:lstStyle/>
+                    <a:p>
+                      <a:pPr algn="l" fontAlgn="b"/>
+                      <a:r>
+                        <a:rPr lang="en-US" sz="600" u="none" strike="noStrike">
+                          <a:effectLst/>
+                        </a:rPr>
+                        <a:t> </a:t>
+                      </a:r>
+                      <a:endParaRPr lang="en-US" sz="600" b="0" i="0" u="none" strike="noStrike">
+                        <a:solidFill>
+                          <a:srgbClr val="000000"/>
+                        </a:solidFill>
+                        <a:effectLst/>
+                        <a:latin typeface="Calibri"/>
+                      </a:endParaRPr>
+                    </a:p>
+                  </a:txBody>
+                  <a:tcPr marL="5627" marR="5627" marT="5627" marB="0" anchor="b"/>
+                </a:tc>
+                <a:tc>
+                  <a:txBody>
+                    <a:bodyPr/>
+                    <a:lstStyle/>
+                    <a:p>
+                      <a:pPr algn="l" fontAlgn="b"/>
+                      <a:r>
+                        <a:rPr lang="en-US" sz="600" u="none" strike="noStrike">
+                          <a:effectLst/>
+                        </a:rPr>
+                        <a:t>Sprint Story Management</a:t>
+                      </a:r>
+                      <a:endParaRPr lang="en-US" sz="600" b="0" i="0" u="none" strike="noStrike">
+                        <a:solidFill>
+                          <a:srgbClr val="000000"/>
+                        </a:solidFill>
+                        <a:effectLst/>
+                        <a:latin typeface="Calibri"/>
+                      </a:endParaRPr>
+                    </a:p>
+                  </a:txBody>
+                  <a:tcPr marL="5627" marR="5627" marT="5627" marB="0" anchor="b"/>
+                </a:tc>
+                <a:tc>
+                  <a:txBody>
+                    <a:bodyPr/>
+                    <a:lstStyle/>
+                    <a:p>
+                      <a:pPr algn="l" fontAlgn="b"/>
+                      <a:r>
+                        <a:rPr lang="en-US" sz="600" u="none" strike="noStrike">
+                          <a:effectLst/>
+                        </a:rPr>
+                        <a:t>Implementation</a:t>
+                      </a:r>
+                      <a:endParaRPr lang="en-US" sz="600" b="0" i="0" u="none" strike="noStrike">
+                        <a:solidFill>
+                          <a:srgbClr val="000000"/>
+                        </a:solidFill>
+                        <a:effectLst/>
+                        <a:latin typeface="Calibri"/>
+                      </a:endParaRPr>
+                    </a:p>
+                  </a:txBody>
+                  <a:tcPr marL="5627" marR="5627" marT="5627" marB="0" anchor="b"/>
+                </a:tc>
+                <a:tc>
+                  <a:txBody>
+                    <a:bodyPr/>
+                    <a:lstStyle/>
+                    <a:p>
+                      <a:pPr algn="l" fontAlgn="b"/>
+                      <a:r>
+                        <a:rPr lang="en-US" sz="600" u="none" strike="noStrike" dirty="0">
+                          <a:effectLst/>
+                        </a:rPr>
+                        <a:t> </a:t>
+                      </a:r>
+                      <a:r>
+                        <a:rPr lang="en-US" sz="600" u="none" strike="noStrike" dirty="0" smtClean="0">
+                          <a:effectLst/>
+                        </a:rPr>
+                        <a:t>Dan</a:t>
+                      </a:r>
+                      <a:endParaRPr lang="en-US" sz="600" b="0" i="0" u="none" strike="noStrike" dirty="0">
+                        <a:solidFill>
+                          <a:srgbClr val="000000"/>
+                        </a:solidFill>
+                        <a:effectLst/>
+                        <a:latin typeface="Calibri"/>
+                      </a:endParaRPr>
+                    </a:p>
+                  </a:txBody>
+                  <a:tcPr marL="5627" marR="5627" marT="5627" marB="0" anchor="b"/>
+                </a:tc>
+                <a:tc>
+                  <a:txBody>
+                    <a:bodyPr/>
+                    <a:lstStyle/>
+                    <a:p>
+                      <a:pPr algn="r" fontAlgn="b"/>
+                      <a:r>
+                        <a:rPr lang="en-US" sz="600" u="none" strike="noStrike">
+                          <a:effectLst/>
+                        </a:rPr>
+                        <a:t>4</a:t>
+                      </a:r>
+                      <a:endParaRPr lang="en-US" sz="600" b="0" i="0" u="none" strike="noStrike">
+                        <a:solidFill>
+                          <a:srgbClr val="000000"/>
+                        </a:solidFill>
+                        <a:effectLst/>
+                        <a:latin typeface="Calibri"/>
+                      </a:endParaRPr>
+                    </a:p>
+                  </a:txBody>
+                  <a:tcPr marL="5627" marR="5627" marT="5627" marB="0" anchor="b"/>
+                </a:tc>
+                <a:tc>
+                  <a:txBody>
+                    <a:bodyPr/>
+                    <a:lstStyle/>
+                    <a:p>
+                      <a:pPr algn="r" fontAlgn="b"/>
+                      <a:r>
+                        <a:rPr lang="en-US" sz="600" u="none" strike="noStrike">
+                          <a:effectLst/>
+                        </a:rPr>
+                        <a:t>4</a:t>
+                      </a:r>
+                      <a:endParaRPr lang="en-US" sz="600" b="0" i="0" u="none" strike="noStrike">
+                        <a:solidFill>
+                          <a:srgbClr val="000000"/>
+                        </a:solidFill>
+                        <a:effectLst/>
+                        <a:latin typeface="Calibri"/>
+                      </a:endParaRPr>
+                    </a:p>
+                  </a:txBody>
+                  <a:tcPr marL="5627" marR="5627" marT="5627" marB="0" anchor="b"/>
+                </a:tc>
+                <a:tc>
+                  <a:txBody>
+                    <a:bodyPr/>
+                    <a:lstStyle/>
+                    <a:p>
+                      <a:pPr algn="r" fontAlgn="b"/>
+                      <a:r>
+                        <a:rPr lang="en-US" sz="600" u="none" strike="noStrike">
+                          <a:effectLst/>
+                        </a:rPr>
+                        <a:t>0</a:t>
+                      </a:r>
+                      <a:endParaRPr lang="en-US" sz="600" b="0" i="0" u="none" strike="noStrike">
+                        <a:solidFill>
+                          <a:srgbClr val="000000"/>
+                        </a:solidFill>
+                        <a:effectLst/>
+                        <a:latin typeface="Calibri"/>
+                      </a:endParaRPr>
+                    </a:p>
+                  </a:txBody>
+                  <a:tcPr marL="5627" marR="5627" marT="5627" marB="0" anchor="b"/>
+                </a:tc>
+                <a:tc>
+                  <a:txBody>
+                    <a:bodyPr/>
+                    <a:lstStyle/>
+                    <a:p>
+                      <a:pPr algn="l" fontAlgn="b"/>
+                      <a:r>
+                        <a:rPr lang="en-US" sz="600" u="none" strike="noStrike">
+                          <a:effectLst/>
+                        </a:rPr>
+                        <a:t>Done</a:t>
+                      </a:r>
+                      <a:endParaRPr lang="en-US" sz="600" b="0" i="0" u="none" strike="noStrike">
+                        <a:solidFill>
+                          <a:srgbClr val="000000"/>
+                        </a:solidFill>
+                        <a:effectLst/>
+                        <a:latin typeface="Calibri"/>
+                      </a:endParaRPr>
+                    </a:p>
+                  </a:txBody>
+                  <a:tcPr marL="5627" marR="5627" marT="5627" marB="0" anchor="b"/>
+                </a:tc>
+                <a:tc>
+                  <a:txBody>
+                    <a:bodyPr/>
+                    <a:lstStyle/>
+                    <a:p>
+                      <a:pPr algn="l" fontAlgn="b"/>
+                      <a:endParaRPr lang="en-US" sz="600" b="0" i="0" u="none" strike="noStrike">
+                        <a:solidFill>
+                          <a:srgbClr val="000000"/>
+                        </a:solidFill>
+                        <a:effectLst/>
+                        <a:latin typeface="Calibri"/>
+                      </a:endParaRPr>
+                    </a:p>
+                  </a:txBody>
+                  <a:tcPr marL="5627" marR="5627" marT="5627" marB="0" anchor="b"/>
+                </a:tc>
+                <a:tc>
+                  <a:txBody>
+                    <a:bodyPr/>
+                    <a:lstStyle/>
+                    <a:p>
+                      <a:pPr algn="l" fontAlgn="b"/>
+                      <a:endParaRPr lang="en-US" sz="600" b="0" i="0" u="none" strike="noStrike">
+                        <a:solidFill>
+                          <a:srgbClr val="000000"/>
+                        </a:solidFill>
+                        <a:effectLst/>
+                        <a:latin typeface="Calibri"/>
+                      </a:endParaRPr>
+                    </a:p>
+                  </a:txBody>
+                  <a:tcPr marL="5627" marR="5627" marT="5627" marB="0" anchor="b"/>
+                </a:tc>
+                <a:tc>
+                  <a:txBody>
+                    <a:bodyPr/>
+                    <a:lstStyle/>
+                    <a:p>
+                      <a:pPr algn="l" fontAlgn="b"/>
+                      <a:endParaRPr lang="en-US" sz="600" b="0" i="0" u="none" strike="noStrike">
+                        <a:solidFill>
+                          <a:srgbClr val="000000"/>
+                        </a:solidFill>
+                        <a:effectLst/>
+                        <a:latin typeface="Calibri"/>
+                      </a:endParaRPr>
+                    </a:p>
+                  </a:txBody>
+                  <a:tcPr marL="5627" marR="5627" marT="5627" marB="0" anchor="b"/>
+                </a:tc>
+              </a:tr>
+              <a:tr h="121463">
+                <a:tc>
+                  <a:txBody>
+                    <a:bodyPr/>
+                    <a:lstStyle/>
+                    <a:p>
+                      <a:pPr algn="l" fontAlgn="b"/>
+                      <a:r>
+                        <a:rPr lang="en-US" sz="600" u="none" strike="noStrike">
+                          <a:effectLst/>
+                        </a:rPr>
+                        <a:t> </a:t>
+                      </a:r>
+                      <a:endParaRPr lang="en-US" sz="600" b="0" i="0" u="none" strike="noStrike">
+                        <a:solidFill>
+                          <a:srgbClr val="000000"/>
+                        </a:solidFill>
+                        <a:effectLst/>
+                        <a:latin typeface="Calibri"/>
+                      </a:endParaRPr>
+                    </a:p>
+                  </a:txBody>
+                  <a:tcPr marL="5627" marR="5627" marT="5627" marB="0" anchor="b"/>
+                </a:tc>
+                <a:tc>
+                  <a:txBody>
+                    <a:bodyPr/>
+                    <a:lstStyle/>
+                    <a:p>
+                      <a:pPr algn="l" fontAlgn="b"/>
+                      <a:r>
+                        <a:rPr lang="en-US" sz="600" u="none" strike="noStrike">
+                          <a:effectLst/>
+                        </a:rPr>
+                        <a:t> </a:t>
+                      </a:r>
+                      <a:endParaRPr lang="en-US" sz="600" b="0" i="0" u="none" strike="noStrike">
+                        <a:solidFill>
+                          <a:srgbClr val="000000"/>
+                        </a:solidFill>
+                        <a:effectLst/>
+                        <a:latin typeface="Calibri"/>
+                      </a:endParaRPr>
+                    </a:p>
+                  </a:txBody>
+                  <a:tcPr marL="5627" marR="5627" marT="5627" marB="0" anchor="b"/>
+                </a:tc>
+                <a:tc>
+                  <a:txBody>
+                    <a:bodyPr/>
+                    <a:lstStyle/>
+                    <a:p>
+                      <a:pPr algn="l" fontAlgn="b"/>
+                      <a:r>
+                        <a:rPr lang="en-US" sz="600" u="none" strike="noStrike">
+                          <a:effectLst/>
+                        </a:rPr>
+                        <a:t>Reports</a:t>
+                      </a:r>
+                      <a:endParaRPr lang="en-US" sz="600" b="0" i="0" u="none" strike="noStrike">
+                        <a:solidFill>
+                          <a:srgbClr val="000000"/>
+                        </a:solidFill>
+                        <a:effectLst/>
+                        <a:latin typeface="Calibri"/>
+                      </a:endParaRPr>
+                    </a:p>
+                  </a:txBody>
+                  <a:tcPr marL="5627" marR="5627" marT="5627" marB="0" anchor="b"/>
+                </a:tc>
+                <a:tc>
+                  <a:txBody>
+                    <a:bodyPr/>
+                    <a:lstStyle/>
+                    <a:p>
+                      <a:pPr algn="l" fontAlgn="b"/>
+                      <a:r>
+                        <a:rPr lang="en-US" sz="600" u="none" strike="noStrike">
+                          <a:effectLst/>
+                        </a:rPr>
+                        <a:t>Design layout</a:t>
+                      </a:r>
+                      <a:endParaRPr lang="en-US" sz="600" b="0" i="0" u="none" strike="noStrike">
+                        <a:solidFill>
+                          <a:srgbClr val="000000"/>
+                        </a:solidFill>
+                        <a:effectLst/>
+                        <a:latin typeface="Calibri"/>
+                      </a:endParaRPr>
+                    </a:p>
+                  </a:txBody>
+                  <a:tcPr marL="5627" marR="5627" marT="5627" marB="0" anchor="b"/>
+                </a:tc>
+                <a:tc>
+                  <a:txBody>
+                    <a:bodyPr/>
+                    <a:lstStyle/>
+                    <a:p>
+                      <a:pPr algn="l" fontAlgn="b"/>
+                      <a:r>
+                        <a:rPr lang="en-US" sz="600" u="none" strike="noStrike" dirty="0">
+                          <a:effectLst/>
+                        </a:rPr>
+                        <a:t> </a:t>
+                      </a:r>
+                      <a:r>
+                        <a:rPr lang="en-US" sz="600" u="none" strike="noStrike" dirty="0" smtClean="0">
+                          <a:effectLst/>
+                        </a:rPr>
+                        <a:t>Gary</a:t>
+                      </a:r>
+                      <a:endParaRPr lang="en-US" sz="600" b="0" i="0" u="none" strike="noStrike" dirty="0">
+                        <a:solidFill>
+                          <a:srgbClr val="000000"/>
+                        </a:solidFill>
+                        <a:effectLst/>
+                        <a:latin typeface="Calibri"/>
+                      </a:endParaRPr>
+                    </a:p>
+                  </a:txBody>
+                  <a:tcPr marL="5627" marR="5627" marT="5627" marB="0" anchor="b"/>
+                </a:tc>
+                <a:tc>
+                  <a:txBody>
+                    <a:bodyPr/>
+                    <a:lstStyle/>
+                    <a:p>
+                      <a:pPr algn="r" fontAlgn="b"/>
+                      <a:r>
+                        <a:rPr lang="en-US" sz="600" u="none" strike="noStrike">
+                          <a:effectLst/>
+                        </a:rPr>
+                        <a:t>2</a:t>
+                      </a:r>
+                      <a:endParaRPr lang="en-US" sz="600" b="0" i="0" u="none" strike="noStrike">
+                        <a:solidFill>
+                          <a:srgbClr val="000000"/>
+                        </a:solidFill>
+                        <a:effectLst/>
+                        <a:latin typeface="Calibri"/>
+                      </a:endParaRPr>
+                    </a:p>
+                  </a:txBody>
+                  <a:tcPr marL="5627" marR="5627" marT="5627" marB="0" anchor="b"/>
+                </a:tc>
+                <a:tc>
+                  <a:txBody>
+                    <a:bodyPr/>
+                    <a:lstStyle/>
+                    <a:p>
+                      <a:pPr algn="r" fontAlgn="b"/>
+                      <a:r>
+                        <a:rPr lang="en-US" sz="600" u="none" strike="noStrike">
+                          <a:effectLst/>
+                        </a:rPr>
+                        <a:t>2</a:t>
+                      </a:r>
+                      <a:endParaRPr lang="en-US" sz="600" b="0" i="0" u="none" strike="noStrike">
+                        <a:solidFill>
+                          <a:srgbClr val="000000"/>
+                        </a:solidFill>
+                        <a:effectLst/>
+                        <a:latin typeface="Calibri"/>
+                      </a:endParaRPr>
+                    </a:p>
+                  </a:txBody>
+                  <a:tcPr marL="5627" marR="5627" marT="5627" marB="0" anchor="b"/>
+                </a:tc>
+                <a:tc>
+                  <a:txBody>
+                    <a:bodyPr/>
+                    <a:lstStyle/>
+                    <a:p>
+                      <a:pPr algn="r" fontAlgn="b"/>
+                      <a:r>
+                        <a:rPr lang="en-US" sz="600" u="none" strike="noStrike">
+                          <a:effectLst/>
+                        </a:rPr>
+                        <a:t>0</a:t>
+                      </a:r>
+                      <a:endParaRPr lang="en-US" sz="600" b="0" i="0" u="none" strike="noStrike">
+                        <a:solidFill>
+                          <a:srgbClr val="000000"/>
+                        </a:solidFill>
+                        <a:effectLst/>
+                        <a:latin typeface="Calibri"/>
+                      </a:endParaRPr>
+                    </a:p>
+                  </a:txBody>
+                  <a:tcPr marL="5627" marR="5627" marT="5627" marB="0" anchor="b"/>
+                </a:tc>
+                <a:tc>
+                  <a:txBody>
+                    <a:bodyPr/>
+                    <a:lstStyle/>
+                    <a:p>
+                      <a:pPr algn="l" fontAlgn="b"/>
+                      <a:r>
+                        <a:rPr lang="en-US" sz="600" u="none" strike="noStrike">
+                          <a:effectLst/>
+                        </a:rPr>
+                        <a:t>Done</a:t>
+                      </a:r>
+                      <a:endParaRPr lang="en-US" sz="600" b="0" i="0" u="none" strike="noStrike">
+                        <a:solidFill>
+                          <a:srgbClr val="000000"/>
+                        </a:solidFill>
+                        <a:effectLst/>
+                        <a:latin typeface="Calibri"/>
+                      </a:endParaRPr>
+                    </a:p>
+                  </a:txBody>
+                  <a:tcPr marL="5627" marR="5627" marT="5627" marB="0" anchor="b"/>
+                </a:tc>
+                <a:tc gridSpan="3">
+                  <a:txBody>
+                    <a:bodyPr/>
+                    <a:lstStyle/>
+                    <a:p>
+                      <a:pPr algn="ctr" fontAlgn="b"/>
+                      <a:r>
+                        <a:rPr lang="en-US" sz="600" u="none" strike="noStrike">
+                          <a:effectLst/>
+                        </a:rPr>
+                        <a:t>Iteration 3</a:t>
+                      </a:r>
+                      <a:endParaRPr lang="en-US" sz="600" b="0" i="0" u="none" strike="noStrike">
+                        <a:solidFill>
+                          <a:srgbClr val="000000"/>
+                        </a:solidFill>
+                        <a:effectLst/>
+                        <a:latin typeface="Calibri"/>
+                      </a:endParaRPr>
+                    </a:p>
+                  </a:txBody>
+                  <a:tcPr marL="5627" marR="5627" marT="5627" marB="0" anchor="b"/>
+                </a:tc>
+                <a:tc hMerge="1">
+                  <a:txBody>
+                    <a:bodyPr/>
+                    <a:lstStyle/>
+                    <a:p>
+                      <a:endParaRPr lang="en-US"/>
+                    </a:p>
+                  </a:txBody>
+                  <a:tcPr/>
+                </a:tc>
+                <a:tc hMerge="1">
+                  <a:txBody>
+                    <a:bodyPr/>
+                    <a:lstStyle/>
+                    <a:p>
+                      <a:endParaRPr lang="en-US"/>
+                    </a:p>
+                  </a:txBody>
+                  <a:tcPr/>
+                </a:tc>
+              </a:tr>
+              <a:tr h="219847">
+                <a:tc>
+                  <a:txBody>
+                    <a:bodyPr/>
+                    <a:lstStyle/>
+                    <a:p>
+                      <a:pPr algn="l" fontAlgn="b"/>
+                      <a:r>
+                        <a:rPr lang="en-US" sz="600" u="none" strike="noStrike">
+                          <a:effectLst/>
+                        </a:rPr>
+                        <a:t> </a:t>
+                      </a:r>
+                      <a:endParaRPr lang="en-US" sz="600" b="0" i="0" u="none" strike="noStrike">
+                        <a:solidFill>
+                          <a:srgbClr val="000000"/>
+                        </a:solidFill>
+                        <a:effectLst/>
+                        <a:latin typeface="Calibri"/>
+                      </a:endParaRPr>
+                    </a:p>
+                  </a:txBody>
+                  <a:tcPr marL="5627" marR="5627" marT="5627" marB="0" anchor="b"/>
+                </a:tc>
+                <a:tc>
+                  <a:txBody>
+                    <a:bodyPr/>
+                    <a:lstStyle/>
+                    <a:p>
+                      <a:pPr algn="l" fontAlgn="b"/>
+                      <a:r>
+                        <a:rPr lang="en-US" sz="600" u="none" strike="noStrike">
+                          <a:effectLst/>
+                        </a:rPr>
+                        <a:t> </a:t>
+                      </a:r>
+                      <a:endParaRPr lang="en-US" sz="600" b="0" i="0" u="none" strike="noStrike">
+                        <a:solidFill>
+                          <a:srgbClr val="000000"/>
+                        </a:solidFill>
+                        <a:effectLst/>
+                        <a:latin typeface="Calibri"/>
+                      </a:endParaRPr>
+                    </a:p>
+                  </a:txBody>
+                  <a:tcPr marL="5627" marR="5627" marT="5627" marB="0" anchor="b"/>
+                </a:tc>
+                <a:tc>
+                  <a:txBody>
+                    <a:bodyPr/>
+                    <a:lstStyle/>
+                    <a:p>
+                      <a:pPr algn="l" fontAlgn="b"/>
+                      <a:r>
+                        <a:rPr lang="en-US" sz="600" u="none" strike="noStrike">
+                          <a:effectLst/>
+                        </a:rPr>
+                        <a:t> </a:t>
+                      </a:r>
+                      <a:endParaRPr lang="en-US" sz="600" b="0" i="0" u="none" strike="noStrike">
+                        <a:solidFill>
+                          <a:srgbClr val="000000"/>
+                        </a:solidFill>
+                        <a:effectLst/>
+                        <a:latin typeface="Calibri"/>
+                      </a:endParaRPr>
+                    </a:p>
+                  </a:txBody>
+                  <a:tcPr marL="5627" marR="5627" marT="5627" marB="0" anchor="b"/>
+                </a:tc>
+                <a:tc>
+                  <a:txBody>
+                    <a:bodyPr/>
+                    <a:lstStyle/>
+                    <a:p>
+                      <a:pPr algn="l" fontAlgn="b"/>
+                      <a:r>
+                        <a:rPr lang="en-US" sz="600" u="none" strike="noStrike">
+                          <a:effectLst/>
+                        </a:rPr>
+                        <a:t>Implement SQL</a:t>
+                      </a:r>
+                      <a:endParaRPr lang="en-US" sz="600" b="0" i="0" u="none" strike="noStrike">
+                        <a:solidFill>
+                          <a:srgbClr val="000000"/>
+                        </a:solidFill>
+                        <a:effectLst/>
+                        <a:latin typeface="Calibri"/>
+                      </a:endParaRPr>
+                    </a:p>
+                  </a:txBody>
+                  <a:tcPr marL="5627" marR="5627" marT="5627" marB="0" anchor="b"/>
+                </a:tc>
+                <a:tc>
+                  <a:txBody>
+                    <a:bodyPr/>
+                    <a:lstStyle/>
+                    <a:p>
+                      <a:pPr algn="l" fontAlgn="b"/>
+                      <a:r>
+                        <a:rPr lang="en-US" sz="600" u="none" strike="noStrike" dirty="0">
+                          <a:effectLst/>
+                        </a:rPr>
+                        <a:t> </a:t>
+                      </a:r>
+                      <a:r>
+                        <a:rPr lang="en-US" sz="600" u="none" strike="noStrike" dirty="0" smtClean="0">
+                          <a:effectLst/>
+                        </a:rPr>
+                        <a:t>Dan</a:t>
+                      </a:r>
+                      <a:endParaRPr lang="en-US" sz="600" b="0" i="0" u="none" strike="noStrike" dirty="0">
+                        <a:solidFill>
+                          <a:srgbClr val="000000"/>
+                        </a:solidFill>
+                        <a:effectLst/>
+                        <a:latin typeface="Calibri"/>
+                      </a:endParaRPr>
+                    </a:p>
+                  </a:txBody>
+                  <a:tcPr marL="5627" marR="5627" marT="5627" marB="0" anchor="b"/>
+                </a:tc>
+                <a:tc>
+                  <a:txBody>
+                    <a:bodyPr/>
+                    <a:lstStyle/>
+                    <a:p>
+                      <a:pPr algn="r" fontAlgn="b"/>
+                      <a:r>
+                        <a:rPr lang="en-US" sz="600" u="none" strike="noStrike">
+                          <a:effectLst/>
+                        </a:rPr>
+                        <a:t>15</a:t>
+                      </a:r>
+                      <a:endParaRPr lang="en-US" sz="600" b="0" i="0" u="none" strike="noStrike">
+                        <a:solidFill>
+                          <a:srgbClr val="000000"/>
+                        </a:solidFill>
+                        <a:effectLst/>
+                        <a:latin typeface="Calibri"/>
+                      </a:endParaRPr>
+                    </a:p>
+                  </a:txBody>
+                  <a:tcPr marL="5627" marR="5627" marT="5627" marB="0" anchor="b"/>
+                </a:tc>
+                <a:tc>
+                  <a:txBody>
+                    <a:bodyPr/>
+                    <a:lstStyle/>
+                    <a:p>
+                      <a:pPr algn="r" fontAlgn="b"/>
+                      <a:r>
+                        <a:rPr lang="en-US" sz="600" u="none" strike="noStrike">
+                          <a:effectLst/>
+                        </a:rPr>
+                        <a:t>12</a:t>
+                      </a:r>
+                      <a:endParaRPr lang="en-US" sz="600" b="0" i="0" u="none" strike="noStrike">
+                        <a:solidFill>
+                          <a:srgbClr val="000000"/>
+                        </a:solidFill>
+                        <a:effectLst/>
+                        <a:latin typeface="Calibri"/>
+                      </a:endParaRPr>
+                    </a:p>
+                  </a:txBody>
+                  <a:tcPr marL="5627" marR="5627" marT="5627" marB="0" anchor="b"/>
+                </a:tc>
+                <a:tc>
+                  <a:txBody>
+                    <a:bodyPr/>
+                    <a:lstStyle/>
+                    <a:p>
+                      <a:pPr algn="r" fontAlgn="b"/>
+                      <a:r>
+                        <a:rPr lang="en-US" sz="600" u="none" strike="noStrike">
+                          <a:effectLst/>
+                        </a:rPr>
+                        <a:t>0</a:t>
+                      </a:r>
+                      <a:endParaRPr lang="en-US" sz="600" b="0" i="0" u="none" strike="noStrike">
+                        <a:solidFill>
+                          <a:srgbClr val="000000"/>
+                        </a:solidFill>
+                        <a:effectLst/>
+                        <a:latin typeface="Calibri"/>
+                      </a:endParaRPr>
+                    </a:p>
+                  </a:txBody>
+                  <a:tcPr marL="5627" marR="5627" marT="5627" marB="0" anchor="b"/>
+                </a:tc>
+                <a:tc>
+                  <a:txBody>
+                    <a:bodyPr/>
+                    <a:lstStyle/>
+                    <a:p>
+                      <a:pPr algn="l" fontAlgn="b"/>
+                      <a:r>
+                        <a:rPr lang="en-US" sz="600" u="none" strike="noStrike">
+                          <a:effectLst/>
+                        </a:rPr>
+                        <a:t>Done</a:t>
+                      </a:r>
                       <a:endParaRPr lang="en-US" sz="600" b="0" i="0" u="none" strike="noStrike">
                         <a:solidFill>
                           <a:srgbClr val="000000"/>
@@ -12538,7 +14416,7 @@
                   <a:tcPr marL="5627" marR="5627" marT="5627" marB="0" anchor="b"/>
                 </a:tc>
               </a:tr>
-              <a:tr h="119677">
+              <a:tr h="121463">
                 <a:tc>
                   <a:txBody>
                     <a:bodyPr/>
@@ -12553,7 +14431,7 @@
                       </a:r>
                       <a:endParaRPr lang="en-US" sz="600" b="0" i="0" u="none" strike="noStrike">
                         <a:solidFill>
-                          <a:srgbClr val="9C6500"/>
+                          <a:srgbClr val="000000"/>
                         </a:solidFill>
                         <a:effectLst/>
                         <a:latin typeface="Calibri"/>
@@ -12576,99 +14454,7 @@
                       </a:r>
                       <a:endParaRPr lang="en-US" sz="600" b="0" i="0" u="none" strike="noStrike">
                         <a:solidFill>
-                          <a:srgbClr val="9C6500"/>
-                        </a:solidFill>
-                        <a:effectLst/>
-                        <a:latin typeface="Calibri"/>
-                      </a:endParaRPr>
-                    </a:p>
-                  </a:txBody>
-                  <a:tcPr marL="5627" marR="5627" marT="5627" marB="0" anchor="b"/>
-                </a:tc>
-                <a:tc>
-                  <a:txBody>
-                    <a:bodyPr/>
-                    <a:lstStyle/>
-                    <a:p>
-                      <a:pPr algn="l" fontAlgn="b"/>
-                      <a:r>
-                        <a:rPr lang="en-US" sz="600" u="none" strike="noStrike">
-                          <a:effectLst/>
-                        </a:rPr>
-                        <a:t>Work Management</a:t>
-                      </a:r>
-                      <a:endParaRPr lang="en-US" sz="600" b="0" i="0" u="none" strike="noStrike">
-                        <a:solidFill>
-                          <a:srgbClr val="9C6500"/>
-                        </a:solidFill>
-                        <a:effectLst/>
-                        <a:latin typeface="Calibri"/>
-                      </a:endParaRPr>
-                    </a:p>
-                  </a:txBody>
-                  <a:tcPr marL="5627" marR="5627" marT="5627" marB="0" anchor="b"/>
-                </a:tc>
-                <a:tc>
-                  <a:txBody>
-                    <a:bodyPr/>
-                    <a:lstStyle/>
-                    <a:p>
-                      <a:pPr algn="l" fontAlgn="b"/>
-                      <a:r>
-                        <a:rPr lang="en-US" sz="600" u="none" strike="noStrike">
-                          <a:effectLst/>
-                        </a:rPr>
-                        <a:t>Implementation</a:t>
-                      </a:r>
-                      <a:endParaRPr lang="en-US" sz="600" b="0" i="0" u="none" strike="noStrike">
-                        <a:solidFill>
-                          <a:srgbClr val="9C6500"/>
-                        </a:solidFill>
-                        <a:effectLst/>
-                        <a:latin typeface="Calibri"/>
-                      </a:endParaRPr>
-                    </a:p>
-                  </a:txBody>
-                  <a:tcPr marL="5627" marR="5627" marT="5627" marB="0" anchor="b"/>
-                </a:tc>
-                <a:tc>
-                  <a:txBody>
-                    <a:bodyPr/>
-                    <a:lstStyle/>
-                    <a:p>
-                      <a:pPr algn="l" fontAlgn="b"/>
-                      <a:r>
-                        <a:rPr lang="en-US" sz="600" u="none" strike="noStrike">
-                          <a:effectLst/>
-                        </a:rPr>
-                        <a:t>Jose</a:t>
-                      </a:r>
-                      <a:endParaRPr lang="en-US" sz="600" b="0" i="0" u="none" strike="noStrike">
-                        <a:solidFill>
-                          <a:srgbClr val="9C6500"/>
-                        </a:solidFill>
-                        <a:effectLst/>
-                        <a:latin typeface="Calibri"/>
-                      </a:endParaRPr>
-                    </a:p>
-                  </a:txBody>
-                  <a:tcPr marL="5627" marR="5627" marT="5627" marB="0" anchor="b"/>
-                </a:tc>
-                <a:tc>
-                  <a:txBody>
-                    <a:bodyPr/>
-                    <a:lstStyle/>
-                    <a:p>
-                      <a:pPr algn="r" fontAlgn="b"/>
-                      <a:r>
-                        <a:rPr lang="en-US" sz="600" u="none" strike="noStrike">
-                          <a:effectLst/>
-                        </a:rPr>
-                        <a:t>2</a:t>
-                      </a:r>
-                      <a:endParaRPr lang="en-US" sz="600" b="0" i="0" u="none" strike="noStrike">
-                        <a:solidFill>
-                          <a:srgbClr val="9C6500"/>
+                          <a:srgbClr val="000000"/>
                         </a:solidFill>
                         <a:effectLst/>
                         <a:latin typeface="Calibri"/>
@@ -12691,112 +14477,216 @@
                       </a:r>
                       <a:endParaRPr lang="en-US" sz="600" b="0" i="0" u="none" strike="noStrike">
                         <a:solidFill>
-                          <a:srgbClr val="9C6500"/>
-                        </a:solidFill>
-                        <a:effectLst/>
-                        <a:latin typeface="Calibri"/>
-                      </a:endParaRPr>
-                    </a:p>
-                  </a:txBody>
-                  <a:tcPr marL="5627" marR="5627" marT="5627" marB="0" anchor="b"/>
-                </a:tc>
-                <a:tc>
-                  <a:txBody>
-                    <a:bodyPr/>
-                    <a:lstStyle/>
-                    <a:p>
-                      <a:pPr algn="r" fontAlgn="b"/>
-                      <a:r>
-                        <a:rPr lang="en-US" sz="600" u="none" strike="noStrike">
-                          <a:effectLst/>
-                        </a:rPr>
-                        <a:t>2</a:t>
-                      </a:r>
-                      <a:endParaRPr lang="en-US" sz="600" b="0" i="0" u="none" strike="noStrike">
-                        <a:solidFill>
-                          <a:srgbClr val="9C6500"/>
-                        </a:solidFill>
-                        <a:effectLst/>
-                        <a:latin typeface="Calibri"/>
-                      </a:endParaRPr>
-                    </a:p>
-                  </a:txBody>
-                  <a:tcPr marL="5627" marR="5627" marT="5627" marB="0" anchor="b"/>
-                </a:tc>
-                <a:tc>
-                  <a:txBody>
-                    <a:bodyPr/>
-                    <a:lstStyle/>
-                    <a:p>
-                      <a:pPr algn="l" fontAlgn="b"/>
-                      <a:endParaRPr lang="en-US" sz="600" b="0" i="0" u="none" strike="noStrike">
-                        <a:solidFill>
-                          <a:srgbClr val="000000"/>
-                        </a:solidFill>
-                        <a:effectLst/>
-                        <a:latin typeface="Calibri"/>
-                      </a:endParaRPr>
-                    </a:p>
-                  </a:txBody>
-                  <a:tcPr marL="5627" marR="5627" marT="5627" marB="0" anchor="b"/>
-                </a:tc>
-                <a:tc>
-                  <a:txBody>
-                    <a:bodyPr/>
-                    <a:lstStyle/>
-                    <a:p>
-                      <a:pPr algn="r" fontAlgn="b"/>
-                      <a:r>
-                        <a:rPr lang="en-US" sz="600" u="none" strike="noStrike">
-                          <a:effectLst/>
-                        </a:rPr>
-                        <a:t>22</a:t>
-                      </a:r>
-                      <a:endParaRPr lang="en-US" sz="600" b="0" i="0" u="none" strike="noStrike">
-                        <a:solidFill>
-                          <a:srgbClr val="000000"/>
-                        </a:solidFill>
-                        <a:effectLst/>
-                        <a:latin typeface="Calibri"/>
-                      </a:endParaRPr>
-                    </a:p>
-                  </a:txBody>
-                  <a:tcPr marL="5627" marR="5627" marT="5627" marB="0" anchor="b"/>
-                </a:tc>
-                <a:tc>
-                  <a:txBody>
-                    <a:bodyPr/>
-                    <a:lstStyle/>
-                    <a:p>
-                      <a:pPr algn="r" fontAlgn="b"/>
-                      <a:r>
-                        <a:rPr lang="en-US" sz="600" u="none" strike="noStrike">
-                          <a:effectLst/>
-                        </a:rPr>
-                        <a:t>20</a:t>
-                      </a:r>
-                      <a:endParaRPr lang="en-US" sz="600" b="0" i="0" u="none" strike="noStrike">
-                        <a:solidFill>
-                          <a:srgbClr val="000000"/>
-                        </a:solidFill>
-                        <a:effectLst/>
-                        <a:latin typeface="Calibri"/>
-                      </a:endParaRPr>
-                    </a:p>
-                  </a:txBody>
-                  <a:tcPr marL="5627" marR="5627" marT="5627" marB="0" anchor="b"/>
-                </a:tc>
-                <a:tc>
-                  <a:txBody>
-                    <a:bodyPr/>
-                    <a:lstStyle/>
-                    <a:p>
-                      <a:pPr algn="r" fontAlgn="b"/>
-                      <a:r>
-                        <a:rPr lang="en-US" sz="600" u="none" strike="noStrike">
-                          <a:effectLst/>
-                        </a:rPr>
-                        <a:t>5</a:t>
+                          <a:srgbClr val="000000"/>
+                        </a:solidFill>
+                        <a:effectLst/>
+                        <a:latin typeface="Calibri"/>
+                      </a:endParaRPr>
+                    </a:p>
+                  </a:txBody>
+                  <a:tcPr marL="5627" marR="5627" marT="5627" marB="0" anchor="b"/>
+                </a:tc>
+                <a:tc>
+                  <a:txBody>
+                    <a:bodyPr/>
+                    <a:lstStyle/>
+                    <a:p>
+                      <a:pPr algn="l" fontAlgn="b"/>
+                      <a:r>
+                        <a:rPr lang="en-US" sz="600" u="none" strike="noStrike">
+                          <a:effectLst/>
+                        </a:rPr>
+                        <a:t>Build Visualization</a:t>
+                      </a:r>
+                      <a:endParaRPr lang="en-US" sz="600" b="0" i="0" u="none" strike="noStrike">
+                        <a:solidFill>
+                          <a:srgbClr val="000000"/>
+                        </a:solidFill>
+                        <a:effectLst/>
+                        <a:latin typeface="Calibri"/>
+                      </a:endParaRPr>
+                    </a:p>
+                  </a:txBody>
+                  <a:tcPr marL="5627" marR="5627" marT="5627" marB="0" anchor="b"/>
+                </a:tc>
+                <a:tc>
+                  <a:txBody>
+                    <a:bodyPr/>
+                    <a:lstStyle/>
+                    <a:p>
+                      <a:pPr algn="l" fontAlgn="b"/>
+                      <a:r>
+                        <a:rPr lang="en-US" sz="600" u="none" strike="noStrike" dirty="0">
+                          <a:effectLst/>
+                        </a:rPr>
+                        <a:t> </a:t>
+                      </a:r>
+                      <a:r>
+                        <a:rPr lang="en-US" sz="600" u="none" strike="noStrike" dirty="0" smtClean="0">
+                          <a:effectLst/>
+                        </a:rPr>
+                        <a:t>Dan</a:t>
+                      </a:r>
+                      <a:endParaRPr lang="en-US" sz="600" b="0" i="0" u="none" strike="noStrike" dirty="0">
+                        <a:solidFill>
+                          <a:srgbClr val="000000"/>
+                        </a:solidFill>
+                        <a:effectLst/>
+                        <a:latin typeface="Calibri"/>
+                      </a:endParaRPr>
+                    </a:p>
+                  </a:txBody>
+                  <a:tcPr marL="5627" marR="5627" marT="5627" marB="0" anchor="b"/>
+                </a:tc>
+                <a:tc>
+                  <a:txBody>
+                    <a:bodyPr/>
+                    <a:lstStyle/>
+                    <a:p>
+                      <a:pPr algn="r" fontAlgn="b"/>
+                      <a:r>
+                        <a:rPr lang="en-US" sz="600" u="none" strike="noStrike">
+                          <a:effectLst/>
+                        </a:rPr>
+                        <a:t>15</a:t>
+                      </a:r>
+                      <a:endParaRPr lang="en-US" sz="600" b="0" i="0" u="none" strike="noStrike">
+                        <a:solidFill>
+                          <a:srgbClr val="000000"/>
+                        </a:solidFill>
+                        <a:effectLst/>
+                        <a:latin typeface="Calibri"/>
+                      </a:endParaRPr>
+                    </a:p>
+                  </a:txBody>
+                  <a:tcPr marL="5627" marR="5627" marT="5627" marB="0" anchor="b"/>
+                </a:tc>
+                <a:tc>
+                  <a:txBody>
+                    <a:bodyPr/>
+                    <a:lstStyle/>
+                    <a:p>
+                      <a:pPr algn="r" fontAlgn="b"/>
+                      <a:r>
+                        <a:rPr lang="en-US" sz="600" u="none" strike="noStrike">
+                          <a:effectLst/>
+                        </a:rPr>
+                        <a:t>12</a:t>
+                      </a:r>
+                      <a:endParaRPr lang="en-US" sz="600" b="0" i="0" u="none" strike="noStrike">
+                        <a:solidFill>
+                          <a:srgbClr val="000000"/>
+                        </a:solidFill>
+                        <a:effectLst/>
+                        <a:latin typeface="Calibri"/>
+                      </a:endParaRPr>
+                    </a:p>
+                  </a:txBody>
+                  <a:tcPr marL="5627" marR="5627" marT="5627" marB="0" anchor="b"/>
+                </a:tc>
+                <a:tc>
+                  <a:txBody>
+                    <a:bodyPr/>
+                    <a:lstStyle/>
+                    <a:p>
+                      <a:pPr algn="r" fontAlgn="b"/>
+                      <a:r>
+                        <a:rPr lang="en-US" sz="600" u="none" strike="noStrike">
+                          <a:effectLst/>
+                        </a:rPr>
+                        <a:t>0</a:t>
+                      </a:r>
+                      <a:endParaRPr lang="en-US" sz="600" b="0" i="0" u="none" strike="noStrike">
+                        <a:solidFill>
+                          <a:srgbClr val="000000"/>
+                        </a:solidFill>
+                        <a:effectLst/>
+                        <a:latin typeface="Calibri"/>
+                      </a:endParaRPr>
+                    </a:p>
+                  </a:txBody>
+                  <a:tcPr marL="5627" marR="5627" marT="5627" marB="0" anchor="b"/>
+                </a:tc>
+                <a:tc>
+                  <a:txBody>
+                    <a:bodyPr/>
+                    <a:lstStyle/>
+                    <a:p>
+                      <a:pPr algn="l" fontAlgn="b"/>
+                      <a:r>
+                        <a:rPr lang="en-US" sz="600" u="none" strike="noStrike">
+                          <a:effectLst/>
+                        </a:rPr>
+                        <a:t>Done</a:t>
+                      </a:r>
+                      <a:endParaRPr lang="en-US" sz="600" b="0" i="0" u="none" strike="noStrike">
+                        <a:solidFill>
+                          <a:srgbClr val="000000"/>
+                        </a:solidFill>
+                        <a:effectLst/>
+                        <a:latin typeface="Calibri"/>
+                      </a:endParaRPr>
+                    </a:p>
+                  </a:txBody>
+                  <a:tcPr marL="5627" marR="5627" marT="5627" marB="0" anchor="b"/>
+                </a:tc>
+                <a:tc>
+                  <a:txBody>
+                    <a:bodyPr/>
+                    <a:lstStyle/>
+                    <a:p>
+                      <a:pPr algn="r" fontAlgn="b"/>
+                      <a:r>
+                        <a:rPr lang="en-US" sz="600" u="none" strike="noStrike">
+                          <a:effectLst/>
+                        </a:rPr>
+                        <a:t>49</a:t>
+                      </a:r>
+                      <a:endParaRPr lang="en-US" sz="600" b="0" i="0" u="none" strike="noStrike">
+                        <a:solidFill>
+                          <a:srgbClr val="000000"/>
+                        </a:solidFill>
+                        <a:effectLst/>
+                        <a:latin typeface="Calibri"/>
+                      </a:endParaRPr>
+                    </a:p>
+                  </a:txBody>
+                  <a:tcPr marL="5627" marR="5627" marT="5627" marB="0" anchor="b"/>
+                </a:tc>
+                <a:tc>
+                  <a:txBody>
+                    <a:bodyPr/>
+                    <a:lstStyle/>
+                    <a:p>
+                      <a:pPr algn="r" fontAlgn="b"/>
+                      <a:r>
+                        <a:rPr lang="en-US" sz="600" u="none" strike="noStrike">
+                          <a:effectLst/>
+                        </a:rPr>
+                        <a:t>43</a:t>
+                      </a:r>
+                      <a:endParaRPr lang="en-US" sz="600" b="0" i="0" u="none" strike="noStrike">
+                        <a:solidFill>
+                          <a:srgbClr val="000000"/>
+                        </a:solidFill>
+                        <a:effectLst/>
+                        <a:latin typeface="Calibri"/>
+                      </a:endParaRPr>
+                    </a:p>
+                  </a:txBody>
+                  <a:tcPr marL="5627" marR="5627" marT="5627" marB="0" anchor="b"/>
+                </a:tc>
+                <a:tc>
+                  <a:txBody>
+                    <a:bodyPr/>
+                    <a:lstStyle/>
+                    <a:p>
+                      <a:pPr algn="r" fontAlgn="b"/>
+                      <a:r>
+                        <a:rPr lang="en-US" sz="600" u="none" strike="noStrike">
+                          <a:effectLst/>
+                        </a:rPr>
+                        <a:t>0</a:t>
                       </a:r>
                       <a:endParaRPr lang="en-US" sz="600" b="0" i="0" u="none" strike="noStrike">
                         <a:solidFill>
@@ -12810,1753 +14700,132 @@
                   <a:tcPr marL="5627" marR="5627" marT="5627" marB="0" anchor="b"/>
                 </a:tc>
               </a:tr>
-              <a:tr h="119677">
-                <a:tc>
-                  <a:txBody>
-                    <a:bodyPr/>
-                    <a:lstStyle/>
-                    <a:p>
-                      <a:pPr algn="r" fontAlgn="b"/>
-                      <a:r>
-                        <a:rPr lang="en-US" sz="600" u="none" strike="noStrike">
-                          <a:effectLst/>
-                        </a:rPr>
-                        <a:t>18-Nov</a:t>
-                      </a:r>
-                      <a:endParaRPr lang="en-US" sz="600" b="0" i="0" u="none" strike="noStrike">
-                        <a:solidFill>
-                          <a:srgbClr val="000000"/>
-                        </a:solidFill>
-                        <a:effectLst/>
-                        <a:latin typeface="Calibri"/>
-                      </a:endParaRPr>
-                    </a:p>
-                  </a:txBody>
-                  <a:tcPr marL="5627" marR="5627" marT="5627" marB="0" anchor="b"/>
-                </a:tc>
-                <a:tc>
-                  <a:txBody>
-                    <a:bodyPr/>
-                    <a:lstStyle/>
-                    <a:p>
-                      <a:pPr algn="r" fontAlgn="b"/>
-                      <a:r>
-                        <a:rPr lang="en-US" sz="600" u="none" strike="noStrike">
-                          <a:effectLst/>
-                        </a:rPr>
-                        <a:t>3</a:t>
-                      </a:r>
-                      <a:endParaRPr lang="en-US" sz="600" b="0" i="0" u="none" strike="noStrike">
-                        <a:solidFill>
-                          <a:srgbClr val="000000"/>
-                        </a:solidFill>
-                        <a:effectLst/>
-                        <a:latin typeface="Calibri"/>
-                      </a:endParaRPr>
-                    </a:p>
-                  </a:txBody>
-                  <a:tcPr marL="5627" marR="5627" marT="5627" marB="0" anchor="b"/>
-                </a:tc>
-                <a:tc>
-                  <a:txBody>
-                    <a:bodyPr/>
-                    <a:lstStyle/>
-                    <a:p>
-                      <a:pPr algn="l" fontAlgn="b"/>
-                      <a:r>
-                        <a:rPr lang="en-US" sz="600" u="none" strike="noStrike">
-                          <a:effectLst/>
-                        </a:rPr>
-                        <a:t>Review Feedback</a:t>
-                      </a:r>
-                      <a:endParaRPr lang="en-US" sz="600" b="0" i="0" u="none" strike="noStrike">
-                        <a:solidFill>
-                          <a:srgbClr val="000000"/>
-                        </a:solidFill>
-                        <a:effectLst/>
-                        <a:latin typeface="Calibri"/>
-                      </a:endParaRPr>
-                    </a:p>
-                  </a:txBody>
-                  <a:tcPr marL="5627" marR="5627" marT="5627" marB="0" anchor="b"/>
-                </a:tc>
-                <a:tc>
-                  <a:txBody>
-                    <a:bodyPr/>
-                    <a:lstStyle/>
-                    <a:p>
-                      <a:pPr algn="l" fontAlgn="b"/>
-                      <a:r>
-                        <a:rPr lang="en-US" sz="600" u="none" strike="noStrike">
-                          <a:effectLst/>
-                        </a:rPr>
-                        <a:t> </a:t>
-                      </a:r>
-                      <a:endParaRPr lang="en-US" sz="600" b="0" i="0" u="none" strike="noStrike">
-                        <a:solidFill>
-                          <a:srgbClr val="000000"/>
-                        </a:solidFill>
-                        <a:effectLst/>
-                        <a:latin typeface="Calibri"/>
-                      </a:endParaRPr>
-                    </a:p>
-                  </a:txBody>
-                  <a:tcPr marL="5627" marR="5627" marT="5627" marB="0" anchor="b"/>
-                </a:tc>
-                <a:tc>
-                  <a:txBody>
-                    <a:bodyPr/>
-                    <a:lstStyle/>
-                    <a:p>
-                      <a:pPr algn="l" fontAlgn="b"/>
-                      <a:r>
-                        <a:rPr lang="en-US" sz="600" u="none" strike="noStrike">
-                          <a:effectLst/>
-                        </a:rPr>
-                        <a:t>Team</a:t>
-                      </a:r>
-                      <a:endParaRPr lang="en-US" sz="600" b="0" i="0" u="none" strike="noStrike">
-                        <a:solidFill>
-                          <a:srgbClr val="000000"/>
-                        </a:solidFill>
-                        <a:effectLst/>
-                        <a:latin typeface="Calibri"/>
-                      </a:endParaRPr>
-                    </a:p>
-                  </a:txBody>
-                  <a:tcPr marL="5627" marR="5627" marT="5627" marB="0" anchor="b"/>
-                </a:tc>
-                <a:tc>
-                  <a:txBody>
-                    <a:bodyPr/>
-                    <a:lstStyle/>
-                    <a:p>
-                      <a:pPr algn="r" fontAlgn="b"/>
-                      <a:r>
-                        <a:rPr lang="en-US" sz="600" u="none" strike="noStrike">
-                          <a:effectLst/>
-                        </a:rPr>
-                        <a:t>2</a:t>
-                      </a:r>
-                      <a:endParaRPr lang="en-US" sz="600" b="0" i="0" u="none" strike="noStrike">
-                        <a:solidFill>
-                          <a:srgbClr val="000000"/>
-                        </a:solidFill>
-                        <a:effectLst/>
-                        <a:latin typeface="Calibri"/>
-                      </a:endParaRPr>
-                    </a:p>
-                  </a:txBody>
-                  <a:tcPr marL="5627" marR="5627" marT="5627" marB="0" anchor="b"/>
-                </a:tc>
-                <a:tc>
-                  <a:txBody>
-                    <a:bodyPr/>
-                    <a:lstStyle/>
-                    <a:p>
-                      <a:pPr algn="l" fontAlgn="b"/>
-                      <a:r>
-                        <a:rPr lang="en-US" sz="600" u="none" strike="noStrike">
-                          <a:effectLst/>
-                        </a:rPr>
-                        <a:t> </a:t>
-                      </a:r>
-                      <a:endParaRPr lang="en-US" sz="600" b="0" i="0" u="none" strike="noStrike">
-                        <a:solidFill>
-                          <a:srgbClr val="000000"/>
-                        </a:solidFill>
-                        <a:effectLst/>
-                        <a:latin typeface="Calibri"/>
-                      </a:endParaRPr>
-                    </a:p>
-                  </a:txBody>
-                  <a:tcPr marL="5627" marR="5627" marT="5627" marB="0" anchor="b"/>
-                </a:tc>
-                <a:tc>
-                  <a:txBody>
-                    <a:bodyPr/>
-                    <a:lstStyle/>
-                    <a:p>
-                      <a:pPr algn="r" fontAlgn="b"/>
-                      <a:r>
-                        <a:rPr lang="en-US" sz="600" u="none" strike="noStrike">
-                          <a:effectLst/>
-                        </a:rPr>
-                        <a:t>2</a:t>
-                      </a:r>
-                      <a:endParaRPr lang="en-US" sz="600" b="0" i="0" u="none" strike="noStrike">
-                        <a:solidFill>
-                          <a:srgbClr val="000000"/>
-                        </a:solidFill>
-                        <a:effectLst/>
-                        <a:latin typeface="Calibri"/>
-                      </a:endParaRPr>
-                    </a:p>
-                  </a:txBody>
-                  <a:tcPr marL="5627" marR="5627" marT="5627" marB="0" anchor="b"/>
-                </a:tc>
-                <a:tc>
-                  <a:txBody>
-                    <a:bodyPr/>
-                    <a:lstStyle/>
-                    <a:p>
-                      <a:pPr algn="l" fontAlgn="b"/>
-                      <a:endParaRPr lang="en-US" sz="600" b="0" i="0" u="none" strike="noStrike">
-                        <a:solidFill>
-                          <a:srgbClr val="000000"/>
-                        </a:solidFill>
-                        <a:effectLst/>
-                        <a:latin typeface="Calibri"/>
-                      </a:endParaRPr>
-                    </a:p>
-                  </a:txBody>
-                  <a:tcPr marL="5627" marR="5627" marT="5627" marB="0" anchor="b"/>
-                </a:tc>
-                <a:tc>
-                  <a:txBody>
-                    <a:bodyPr/>
-                    <a:lstStyle/>
-                    <a:p>
-                      <a:pPr algn="l" fontAlgn="b"/>
-                      <a:endParaRPr lang="en-US" sz="600" b="0" i="0" u="none" strike="noStrike">
-                        <a:solidFill>
-                          <a:srgbClr val="000000"/>
-                        </a:solidFill>
-                        <a:effectLst/>
-                        <a:latin typeface="Calibri"/>
-                      </a:endParaRPr>
-                    </a:p>
-                  </a:txBody>
-                  <a:tcPr marL="5627" marR="5627" marT="5627" marB="0" anchor="b"/>
-                </a:tc>
-                <a:tc>
-                  <a:txBody>
-                    <a:bodyPr/>
-                    <a:lstStyle/>
-                    <a:p>
-                      <a:pPr algn="l" fontAlgn="b"/>
-                      <a:endParaRPr lang="en-US" sz="600" b="0" i="0" u="none" strike="noStrike">
-                        <a:solidFill>
-                          <a:srgbClr val="000000"/>
-                        </a:solidFill>
-                        <a:effectLst/>
-                        <a:latin typeface="Calibri"/>
-                      </a:endParaRPr>
-                    </a:p>
-                  </a:txBody>
-                  <a:tcPr marL="5627" marR="5627" marT="5627" marB="0" anchor="b"/>
-                </a:tc>
-                <a:tc>
-                  <a:txBody>
-                    <a:bodyPr/>
-                    <a:lstStyle/>
-                    <a:p>
-                      <a:pPr algn="l" fontAlgn="b"/>
-                      <a:endParaRPr lang="en-US" sz="600" b="0" i="0" u="none" strike="noStrike">
-                        <a:solidFill>
-                          <a:srgbClr val="000000"/>
-                        </a:solidFill>
-                        <a:effectLst/>
-                        <a:latin typeface="Calibri"/>
-                      </a:endParaRPr>
-                    </a:p>
-                  </a:txBody>
-                  <a:tcPr marL="5627" marR="5627" marT="5627" marB="0" anchor="b"/>
-                </a:tc>
-              </a:tr>
-              <a:tr h="119677">
-                <a:tc>
-                  <a:txBody>
-                    <a:bodyPr/>
-                    <a:lstStyle/>
-                    <a:p>
-                      <a:pPr algn="l" fontAlgn="b"/>
-                      <a:r>
-                        <a:rPr lang="en-US" sz="600" u="none" strike="noStrike">
-                          <a:effectLst/>
-                        </a:rPr>
-                        <a:t> </a:t>
-                      </a:r>
-                      <a:endParaRPr lang="en-US" sz="600" b="0" i="0" u="none" strike="noStrike">
-                        <a:solidFill>
-                          <a:srgbClr val="000000"/>
-                        </a:solidFill>
-                        <a:effectLst/>
-                        <a:latin typeface="Calibri"/>
-                      </a:endParaRPr>
-                    </a:p>
-                  </a:txBody>
-                  <a:tcPr marL="5627" marR="5627" marT="5627" marB="0" anchor="b"/>
-                </a:tc>
-                <a:tc>
-                  <a:txBody>
-                    <a:bodyPr/>
-                    <a:lstStyle/>
-                    <a:p>
-                      <a:pPr algn="l" fontAlgn="b"/>
-                      <a:r>
-                        <a:rPr lang="en-US" sz="600" u="none" strike="noStrike">
-                          <a:effectLst/>
-                        </a:rPr>
-                        <a:t> </a:t>
-                      </a:r>
-                      <a:endParaRPr lang="en-US" sz="600" b="0" i="0" u="none" strike="noStrike">
-                        <a:solidFill>
-                          <a:srgbClr val="000000"/>
-                        </a:solidFill>
-                        <a:effectLst/>
-                        <a:latin typeface="Calibri"/>
-                      </a:endParaRPr>
-                    </a:p>
-                  </a:txBody>
-                  <a:tcPr marL="5627" marR="5627" marT="5627" marB="0" anchor="b"/>
-                </a:tc>
-                <a:tc>
-                  <a:txBody>
-                    <a:bodyPr/>
-                    <a:lstStyle/>
-                    <a:p>
-                      <a:pPr algn="l" fontAlgn="b"/>
-                      <a:r>
-                        <a:rPr lang="en-US" sz="600" u="none" strike="noStrike">
-                          <a:effectLst/>
-                        </a:rPr>
-                        <a:t>Implement Feedback</a:t>
-                      </a:r>
-                      <a:endParaRPr lang="en-US" sz="600" b="0" i="0" u="none" strike="noStrike">
-                        <a:solidFill>
-                          <a:srgbClr val="000000"/>
-                        </a:solidFill>
-                        <a:effectLst/>
-                        <a:latin typeface="Calibri"/>
-                      </a:endParaRPr>
-                    </a:p>
-                  </a:txBody>
-                  <a:tcPr marL="5627" marR="5627" marT="5627" marB="0" anchor="b"/>
-                </a:tc>
-                <a:tc>
-                  <a:txBody>
-                    <a:bodyPr/>
-                    <a:lstStyle/>
-                    <a:p>
-                      <a:pPr algn="l" fontAlgn="b"/>
-                      <a:r>
-                        <a:rPr lang="en-US" sz="600" u="none" strike="noStrike">
-                          <a:effectLst/>
-                        </a:rPr>
-                        <a:t> </a:t>
-                      </a:r>
-                      <a:endParaRPr lang="en-US" sz="600" b="0" i="0" u="none" strike="noStrike">
-                        <a:solidFill>
-                          <a:srgbClr val="000000"/>
-                        </a:solidFill>
-                        <a:effectLst/>
-                        <a:latin typeface="Calibri"/>
-                      </a:endParaRPr>
-                    </a:p>
-                  </a:txBody>
-                  <a:tcPr marL="5627" marR="5627" marT="5627" marB="0" anchor="b"/>
-                </a:tc>
-                <a:tc>
-                  <a:txBody>
-                    <a:bodyPr/>
-                    <a:lstStyle/>
-                    <a:p>
-                      <a:pPr algn="l" fontAlgn="b"/>
-                      <a:r>
-                        <a:rPr lang="en-US" sz="600" u="none" strike="noStrike">
-                          <a:effectLst/>
-                        </a:rPr>
-                        <a:t>Team</a:t>
-                      </a:r>
-                      <a:endParaRPr lang="en-US" sz="600" b="0" i="0" u="none" strike="noStrike">
-                        <a:solidFill>
-                          <a:srgbClr val="000000"/>
-                        </a:solidFill>
-                        <a:effectLst/>
-                        <a:latin typeface="Calibri"/>
-                      </a:endParaRPr>
-                    </a:p>
-                  </a:txBody>
-                  <a:tcPr marL="5627" marR="5627" marT="5627" marB="0" anchor="b"/>
-                </a:tc>
-                <a:tc>
-                  <a:txBody>
-                    <a:bodyPr/>
-                    <a:lstStyle/>
-                    <a:p>
-                      <a:pPr algn="r" fontAlgn="b"/>
-                      <a:r>
-                        <a:rPr lang="en-US" sz="600" u="none" strike="noStrike">
-                          <a:effectLst/>
-                        </a:rPr>
-                        <a:t>2</a:t>
-                      </a:r>
-                      <a:endParaRPr lang="en-US" sz="600" b="0" i="0" u="none" strike="noStrike">
-                        <a:solidFill>
-                          <a:srgbClr val="000000"/>
-                        </a:solidFill>
-                        <a:effectLst/>
-                        <a:latin typeface="Calibri"/>
-                      </a:endParaRPr>
-                    </a:p>
-                  </a:txBody>
-                  <a:tcPr marL="5627" marR="5627" marT="5627" marB="0" anchor="b"/>
-                </a:tc>
-                <a:tc>
-                  <a:txBody>
-                    <a:bodyPr/>
-                    <a:lstStyle/>
-                    <a:p>
-                      <a:pPr algn="l" fontAlgn="b"/>
-                      <a:r>
-                        <a:rPr lang="en-US" sz="600" u="none" strike="noStrike">
-                          <a:effectLst/>
-                        </a:rPr>
-                        <a:t> </a:t>
-                      </a:r>
-                      <a:endParaRPr lang="en-US" sz="600" b="0" i="0" u="none" strike="noStrike">
-                        <a:solidFill>
-                          <a:srgbClr val="000000"/>
-                        </a:solidFill>
-                        <a:effectLst/>
-                        <a:latin typeface="Calibri"/>
-                      </a:endParaRPr>
-                    </a:p>
-                  </a:txBody>
-                  <a:tcPr marL="5627" marR="5627" marT="5627" marB="0" anchor="b"/>
-                </a:tc>
-                <a:tc>
-                  <a:txBody>
-                    <a:bodyPr/>
-                    <a:lstStyle/>
-                    <a:p>
-                      <a:pPr algn="r" fontAlgn="b"/>
-                      <a:r>
-                        <a:rPr lang="en-US" sz="600" u="none" strike="noStrike">
-                          <a:effectLst/>
-                        </a:rPr>
-                        <a:t>1</a:t>
-                      </a:r>
-                      <a:endParaRPr lang="en-US" sz="600" b="0" i="0" u="none" strike="noStrike">
-                        <a:solidFill>
-                          <a:srgbClr val="000000"/>
-                        </a:solidFill>
-                        <a:effectLst/>
-                        <a:latin typeface="Calibri"/>
-                      </a:endParaRPr>
-                    </a:p>
-                  </a:txBody>
-                  <a:tcPr marL="5627" marR="5627" marT="5627" marB="0" anchor="b"/>
-                </a:tc>
-                <a:tc>
-                  <a:txBody>
-                    <a:bodyPr/>
-                    <a:lstStyle/>
-                    <a:p>
-                      <a:pPr algn="l" fontAlgn="b"/>
-                      <a:endParaRPr lang="en-US" sz="600" b="0" i="0" u="none" strike="noStrike">
-                        <a:solidFill>
-                          <a:srgbClr val="000000"/>
-                        </a:solidFill>
-                        <a:effectLst/>
-                        <a:latin typeface="Calibri"/>
-                      </a:endParaRPr>
-                    </a:p>
-                  </a:txBody>
-                  <a:tcPr marL="5627" marR="5627" marT="5627" marB="0" anchor="b"/>
-                </a:tc>
-                <a:tc>
-                  <a:txBody>
-                    <a:bodyPr/>
-                    <a:lstStyle/>
-                    <a:p>
-                      <a:pPr algn="l" fontAlgn="b"/>
-                      <a:endParaRPr lang="en-US" sz="600" b="0" i="0" u="none" strike="noStrike">
-                        <a:solidFill>
-                          <a:srgbClr val="000000"/>
-                        </a:solidFill>
-                        <a:effectLst/>
-                        <a:latin typeface="Calibri"/>
-                      </a:endParaRPr>
-                    </a:p>
-                  </a:txBody>
-                  <a:tcPr marL="5627" marR="5627" marT="5627" marB="0" anchor="b"/>
-                </a:tc>
-                <a:tc>
-                  <a:txBody>
-                    <a:bodyPr/>
-                    <a:lstStyle/>
-                    <a:p>
-                      <a:pPr algn="l" fontAlgn="b"/>
-                      <a:endParaRPr lang="en-US" sz="600" b="0" i="0" u="none" strike="noStrike">
-                        <a:solidFill>
-                          <a:srgbClr val="000000"/>
-                        </a:solidFill>
-                        <a:effectLst/>
-                        <a:latin typeface="Calibri"/>
-                      </a:endParaRPr>
-                    </a:p>
-                  </a:txBody>
-                  <a:tcPr marL="5627" marR="5627" marT="5627" marB="0" anchor="b"/>
-                </a:tc>
-                <a:tc>
-                  <a:txBody>
-                    <a:bodyPr/>
-                    <a:lstStyle/>
-                    <a:p>
-                      <a:pPr algn="l" fontAlgn="b"/>
-                      <a:endParaRPr lang="en-US" sz="600" b="0" i="0" u="none" strike="noStrike">
-                        <a:solidFill>
-                          <a:srgbClr val="000000"/>
-                        </a:solidFill>
-                        <a:effectLst/>
-                        <a:latin typeface="Calibri"/>
-                      </a:endParaRPr>
-                    </a:p>
-                  </a:txBody>
-                  <a:tcPr marL="5627" marR="5627" marT="5627" marB="0" anchor="b"/>
-                </a:tc>
-              </a:tr>
-              <a:tr h="119677">
-                <a:tc>
-                  <a:txBody>
-                    <a:bodyPr/>
-                    <a:lstStyle/>
-                    <a:p>
-                      <a:pPr algn="l" fontAlgn="b"/>
-                      <a:r>
-                        <a:rPr lang="en-US" sz="600" u="none" strike="noStrike">
-                          <a:effectLst/>
-                        </a:rPr>
-                        <a:t> </a:t>
-                      </a:r>
-                      <a:endParaRPr lang="en-US" sz="600" b="0" i="0" u="none" strike="noStrike">
-                        <a:solidFill>
-                          <a:srgbClr val="000000"/>
-                        </a:solidFill>
-                        <a:effectLst/>
-                        <a:latin typeface="Calibri"/>
-                      </a:endParaRPr>
-                    </a:p>
-                  </a:txBody>
-                  <a:tcPr marL="5627" marR="5627" marT="5627" marB="0" anchor="b"/>
-                </a:tc>
-                <a:tc>
-                  <a:txBody>
-                    <a:bodyPr/>
-                    <a:lstStyle/>
-                    <a:p>
-                      <a:pPr algn="l" fontAlgn="b"/>
-                      <a:r>
-                        <a:rPr lang="en-US" sz="600" u="none" strike="noStrike">
-                          <a:effectLst/>
-                        </a:rPr>
-                        <a:t> </a:t>
-                      </a:r>
-                      <a:endParaRPr lang="en-US" sz="600" b="0" i="0" u="none" strike="noStrike">
-                        <a:solidFill>
-                          <a:srgbClr val="000000"/>
-                        </a:solidFill>
-                        <a:effectLst/>
-                        <a:latin typeface="Calibri"/>
-                      </a:endParaRPr>
-                    </a:p>
-                  </a:txBody>
-                  <a:tcPr marL="5627" marR="5627" marT="5627" marB="0" anchor="b"/>
-                </a:tc>
-                <a:tc>
-                  <a:txBody>
-                    <a:bodyPr/>
-                    <a:lstStyle/>
-                    <a:p>
-                      <a:pPr algn="l" fontAlgn="b"/>
-                      <a:r>
-                        <a:rPr lang="en-US" sz="600" u="none" strike="noStrike">
-                          <a:effectLst/>
-                        </a:rPr>
-                        <a:t>Sprint Story Creation</a:t>
-                      </a:r>
-                      <a:endParaRPr lang="en-US" sz="600" b="0" i="0" u="none" strike="noStrike">
-                        <a:solidFill>
-                          <a:srgbClr val="000000"/>
-                        </a:solidFill>
-                        <a:effectLst/>
-                        <a:latin typeface="Calibri"/>
-                      </a:endParaRPr>
-                    </a:p>
-                  </a:txBody>
-                  <a:tcPr marL="5627" marR="5627" marT="5627" marB="0" anchor="b"/>
-                </a:tc>
-                <a:tc>
-                  <a:txBody>
-                    <a:bodyPr/>
-                    <a:lstStyle/>
-                    <a:p>
-                      <a:pPr algn="l" fontAlgn="b"/>
-                      <a:r>
-                        <a:rPr lang="en-US" sz="600" u="none" strike="noStrike">
-                          <a:effectLst/>
-                        </a:rPr>
-                        <a:t>Implementation</a:t>
-                      </a:r>
-                      <a:endParaRPr lang="en-US" sz="600" b="0" i="0" u="none" strike="noStrike">
-                        <a:solidFill>
-                          <a:srgbClr val="000000"/>
-                        </a:solidFill>
-                        <a:effectLst/>
-                        <a:latin typeface="Calibri"/>
-                      </a:endParaRPr>
-                    </a:p>
-                  </a:txBody>
-                  <a:tcPr marL="5627" marR="5627" marT="5627" marB="0" anchor="b"/>
-                </a:tc>
-                <a:tc>
-                  <a:txBody>
-                    <a:bodyPr/>
-                    <a:lstStyle/>
-                    <a:p>
-                      <a:pPr algn="l" fontAlgn="b"/>
-                      <a:r>
-                        <a:rPr lang="en-US" sz="600" u="none" strike="noStrike">
-                          <a:effectLst/>
-                        </a:rPr>
-                        <a:t> </a:t>
-                      </a:r>
-                      <a:endParaRPr lang="en-US" sz="600" b="0" i="0" u="none" strike="noStrike">
-                        <a:solidFill>
-                          <a:srgbClr val="000000"/>
-                        </a:solidFill>
-                        <a:effectLst/>
-                        <a:latin typeface="Calibri"/>
-                      </a:endParaRPr>
-                    </a:p>
-                  </a:txBody>
-                  <a:tcPr marL="5627" marR="5627" marT="5627" marB="0" anchor="b"/>
-                </a:tc>
-                <a:tc>
-                  <a:txBody>
-                    <a:bodyPr/>
-                    <a:lstStyle/>
-                    <a:p>
-                      <a:pPr algn="r" fontAlgn="b"/>
-                      <a:r>
-                        <a:rPr lang="en-US" sz="600" u="none" strike="noStrike">
-                          <a:effectLst/>
-                        </a:rPr>
-                        <a:t>4</a:t>
-                      </a:r>
-                      <a:endParaRPr lang="en-US" sz="600" b="0" i="0" u="none" strike="noStrike">
-                        <a:solidFill>
-                          <a:srgbClr val="000000"/>
-                        </a:solidFill>
-                        <a:effectLst/>
-                        <a:latin typeface="Calibri"/>
-                      </a:endParaRPr>
-                    </a:p>
-                  </a:txBody>
-                  <a:tcPr marL="5627" marR="5627" marT="5627" marB="0" anchor="b"/>
-                </a:tc>
-                <a:tc>
-                  <a:txBody>
-                    <a:bodyPr/>
-                    <a:lstStyle/>
-                    <a:p>
-                      <a:pPr algn="l" fontAlgn="b"/>
-                      <a:r>
-                        <a:rPr lang="en-US" sz="600" u="none" strike="noStrike">
-                          <a:effectLst/>
-                        </a:rPr>
-                        <a:t> </a:t>
-                      </a:r>
-                      <a:endParaRPr lang="en-US" sz="600" b="0" i="0" u="none" strike="noStrike">
-                        <a:solidFill>
-                          <a:srgbClr val="000000"/>
-                        </a:solidFill>
-                        <a:effectLst/>
-                        <a:latin typeface="Calibri"/>
-                      </a:endParaRPr>
-                    </a:p>
-                  </a:txBody>
-                  <a:tcPr marL="5627" marR="5627" marT="5627" marB="0" anchor="b"/>
-                </a:tc>
-                <a:tc>
-                  <a:txBody>
-                    <a:bodyPr/>
-                    <a:lstStyle/>
-                    <a:p>
-                      <a:pPr algn="r" fontAlgn="b"/>
-                      <a:r>
-                        <a:rPr lang="en-US" sz="600" u="none" strike="noStrike">
-                          <a:effectLst/>
-                        </a:rPr>
-                        <a:t>4</a:t>
-                      </a:r>
-                      <a:endParaRPr lang="en-US" sz="600" b="0" i="0" u="none" strike="noStrike">
-                        <a:solidFill>
-                          <a:srgbClr val="000000"/>
-                        </a:solidFill>
-                        <a:effectLst/>
-                        <a:latin typeface="Calibri"/>
-                      </a:endParaRPr>
-                    </a:p>
-                  </a:txBody>
-                  <a:tcPr marL="5627" marR="5627" marT="5627" marB="0" anchor="b"/>
-                </a:tc>
-                <a:tc>
-                  <a:txBody>
-                    <a:bodyPr/>
-                    <a:lstStyle/>
-                    <a:p>
-                      <a:pPr algn="l" fontAlgn="b"/>
-                      <a:endParaRPr lang="en-US" sz="600" b="0" i="0" u="none" strike="noStrike">
-                        <a:solidFill>
-                          <a:srgbClr val="000000"/>
-                        </a:solidFill>
-                        <a:effectLst/>
-                        <a:latin typeface="Calibri"/>
-                      </a:endParaRPr>
-                    </a:p>
-                  </a:txBody>
-                  <a:tcPr marL="5627" marR="5627" marT="5627" marB="0" anchor="b"/>
-                </a:tc>
-                <a:tc>
-                  <a:txBody>
-                    <a:bodyPr/>
-                    <a:lstStyle/>
-                    <a:p>
-                      <a:pPr algn="l" fontAlgn="b"/>
-                      <a:endParaRPr lang="en-US" sz="600" b="0" i="0" u="none" strike="noStrike">
-                        <a:solidFill>
-                          <a:srgbClr val="000000"/>
-                        </a:solidFill>
-                        <a:effectLst/>
-                        <a:latin typeface="Calibri"/>
-                      </a:endParaRPr>
-                    </a:p>
-                  </a:txBody>
-                  <a:tcPr marL="5627" marR="5627" marT="5627" marB="0" anchor="b"/>
-                </a:tc>
-                <a:tc>
-                  <a:txBody>
-                    <a:bodyPr/>
-                    <a:lstStyle/>
-                    <a:p>
-                      <a:pPr algn="l" fontAlgn="b"/>
-                      <a:endParaRPr lang="en-US" sz="600" b="0" i="0" u="none" strike="noStrike">
-                        <a:solidFill>
-                          <a:srgbClr val="000000"/>
-                        </a:solidFill>
-                        <a:effectLst/>
-                        <a:latin typeface="Calibri"/>
-                      </a:endParaRPr>
-                    </a:p>
-                  </a:txBody>
-                  <a:tcPr marL="5627" marR="5627" marT="5627" marB="0" anchor="b"/>
-                </a:tc>
-                <a:tc>
-                  <a:txBody>
-                    <a:bodyPr/>
-                    <a:lstStyle/>
-                    <a:p>
-                      <a:pPr algn="l" fontAlgn="b"/>
-                      <a:endParaRPr lang="en-US" sz="600" b="0" i="0" u="none" strike="noStrike">
-                        <a:solidFill>
-                          <a:srgbClr val="000000"/>
-                        </a:solidFill>
-                        <a:effectLst/>
-                        <a:latin typeface="Calibri"/>
-                      </a:endParaRPr>
-                    </a:p>
-                  </a:txBody>
-                  <a:tcPr marL="5627" marR="5627" marT="5627" marB="0" anchor="b"/>
-                </a:tc>
-              </a:tr>
-              <a:tr h="119677">
-                <a:tc>
-                  <a:txBody>
-                    <a:bodyPr/>
-                    <a:lstStyle/>
-                    <a:p>
-                      <a:pPr algn="l" fontAlgn="b"/>
-                      <a:r>
-                        <a:rPr lang="en-US" sz="600" u="none" strike="noStrike">
-                          <a:effectLst/>
-                        </a:rPr>
-                        <a:t> </a:t>
-                      </a:r>
-                      <a:endParaRPr lang="en-US" sz="600" b="0" i="0" u="none" strike="noStrike">
-                        <a:solidFill>
-                          <a:srgbClr val="000000"/>
-                        </a:solidFill>
-                        <a:effectLst/>
-                        <a:latin typeface="Calibri"/>
-                      </a:endParaRPr>
-                    </a:p>
-                  </a:txBody>
-                  <a:tcPr marL="5627" marR="5627" marT="5627" marB="0" anchor="b"/>
-                </a:tc>
-                <a:tc>
-                  <a:txBody>
-                    <a:bodyPr/>
-                    <a:lstStyle/>
-                    <a:p>
-                      <a:pPr algn="l" fontAlgn="b"/>
-                      <a:r>
-                        <a:rPr lang="en-US" sz="600" u="none" strike="noStrike">
-                          <a:effectLst/>
-                        </a:rPr>
-                        <a:t> </a:t>
-                      </a:r>
-                      <a:endParaRPr lang="en-US" sz="600" b="0" i="0" u="none" strike="noStrike">
-                        <a:solidFill>
-                          <a:srgbClr val="000000"/>
-                        </a:solidFill>
-                        <a:effectLst/>
-                        <a:latin typeface="Calibri"/>
-                      </a:endParaRPr>
-                    </a:p>
-                  </a:txBody>
-                  <a:tcPr marL="5627" marR="5627" marT="5627" marB="0" anchor="b"/>
-                </a:tc>
-                <a:tc>
-                  <a:txBody>
-                    <a:bodyPr/>
-                    <a:lstStyle/>
-                    <a:p>
-                      <a:pPr algn="l" fontAlgn="b"/>
-                      <a:r>
-                        <a:rPr lang="en-US" sz="600" u="none" strike="noStrike">
-                          <a:effectLst/>
-                        </a:rPr>
-                        <a:t>Sprint Story Management</a:t>
-                      </a:r>
-                      <a:endParaRPr lang="en-US" sz="600" b="0" i="0" u="none" strike="noStrike">
-                        <a:solidFill>
-                          <a:srgbClr val="000000"/>
-                        </a:solidFill>
-                        <a:effectLst/>
-                        <a:latin typeface="Calibri"/>
-                      </a:endParaRPr>
-                    </a:p>
-                  </a:txBody>
-                  <a:tcPr marL="5627" marR="5627" marT="5627" marB="0" anchor="b"/>
-                </a:tc>
-                <a:tc>
-                  <a:txBody>
-                    <a:bodyPr/>
-                    <a:lstStyle/>
-                    <a:p>
-                      <a:pPr algn="l" fontAlgn="b"/>
-                      <a:r>
-                        <a:rPr lang="en-US" sz="600" u="none" strike="noStrike">
-                          <a:effectLst/>
-                        </a:rPr>
-                        <a:t>Implementation</a:t>
-                      </a:r>
-                      <a:endParaRPr lang="en-US" sz="600" b="0" i="0" u="none" strike="noStrike">
-                        <a:solidFill>
-                          <a:srgbClr val="000000"/>
-                        </a:solidFill>
-                        <a:effectLst/>
-                        <a:latin typeface="Calibri"/>
-                      </a:endParaRPr>
-                    </a:p>
-                  </a:txBody>
-                  <a:tcPr marL="5627" marR="5627" marT="5627" marB="0" anchor="b"/>
-                </a:tc>
-                <a:tc>
-                  <a:txBody>
-                    <a:bodyPr/>
-                    <a:lstStyle/>
-                    <a:p>
-                      <a:pPr algn="l" fontAlgn="b"/>
-                      <a:r>
-                        <a:rPr lang="en-US" sz="600" u="none" strike="noStrike">
-                          <a:effectLst/>
-                        </a:rPr>
-                        <a:t> </a:t>
-                      </a:r>
-                      <a:endParaRPr lang="en-US" sz="600" b="0" i="0" u="none" strike="noStrike">
-                        <a:solidFill>
-                          <a:srgbClr val="000000"/>
-                        </a:solidFill>
-                        <a:effectLst/>
-                        <a:latin typeface="Calibri"/>
-                      </a:endParaRPr>
-                    </a:p>
-                  </a:txBody>
-                  <a:tcPr marL="5627" marR="5627" marT="5627" marB="0" anchor="b"/>
-                </a:tc>
-                <a:tc>
-                  <a:txBody>
-                    <a:bodyPr/>
-                    <a:lstStyle/>
-                    <a:p>
-                      <a:pPr algn="r" fontAlgn="b"/>
-                      <a:r>
-                        <a:rPr lang="en-US" sz="600" u="none" strike="noStrike">
-                          <a:effectLst/>
-                        </a:rPr>
-                        <a:t>4</a:t>
-                      </a:r>
-                      <a:endParaRPr lang="en-US" sz="600" b="0" i="0" u="none" strike="noStrike">
-                        <a:solidFill>
-                          <a:srgbClr val="000000"/>
-                        </a:solidFill>
-                        <a:effectLst/>
-                        <a:latin typeface="Calibri"/>
-                      </a:endParaRPr>
-                    </a:p>
-                  </a:txBody>
-                  <a:tcPr marL="5627" marR="5627" marT="5627" marB="0" anchor="b"/>
-                </a:tc>
-                <a:tc>
-                  <a:txBody>
-                    <a:bodyPr/>
-                    <a:lstStyle/>
-                    <a:p>
-                      <a:pPr algn="l" fontAlgn="b"/>
-                      <a:r>
-                        <a:rPr lang="en-US" sz="600" u="none" strike="noStrike">
-                          <a:effectLst/>
-                        </a:rPr>
-                        <a:t> </a:t>
-                      </a:r>
-                      <a:endParaRPr lang="en-US" sz="600" b="0" i="0" u="none" strike="noStrike">
-                        <a:solidFill>
-                          <a:srgbClr val="000000"/>
-                        </a:solidFill>
-                        <a:effectLst/>
-                        <a:latin typeface="Calibri"/>
-                      </a:endParaRPr>
-                    </a:p>
-                  </a:txBody>
-                  <a:tcPr marL="5627" marR="5627" marT="5627" marB="0" anchor="b"/>
-                </a:tc>
-                <a:tc>
-                  <a:txBody>
-                    <a:bodyPr/>
-                    <a:lstStyle/>
-                    <a:p>
-                      <a:pPr algn="r" fontAlgn="b"/>
-                      <a:r>
-                        <a:rPr lang="en-US" sz="600" u="none" strike="noStrike">
-                          <a:effectLst/>
-                        </a:rPr>
-                        <a:t>4</a:t>
-                      </a:r>
-                      <a:endParaRPr lang="en-US" sz="600" b="0" i="0" u="none" strike="noStrike">
-                        <a:solidFill>
-                          <a:srgbClr val="000000"/>
-                        </a:solidFill>
-                        <a:effectLst/>
-                        <a:latin typeface="Calibri"/>
-                      </a:endParaRPr>
-                    </a:p>
-                  </a:txBody>
-                  <a:tcPr marL="5627" marR="5627" marT="5627" marB="0" anchor="b"/>
-                </a:tc>
-                <a:tc>
-                  <a:txBody>
-                    <a:bodyPr/>
-                    <a:lstStyle/>
-                    <a:p>
-                      <a:pPr algn="l" fontAlgn="b"/>
-                      <a:endParaRPr lang="en-US" sz="600" b="0" i="0" u="none" strike="noStrike">
-                        <a:solidFill>
-                          <a:srgbClr val="000000"/>
-                        </a:solidFill>
-                        <a:effectLst/>
-                        <a:latin typeface="Calibri"/>
-                      </a:endParaRPr>
-                    </a:p>
-                  </a:txBody>
-                  <a:tcPr marL="5627" marR="5627" marT="5627" marB="0" anchor="b"/>
-                </a:tc>
-                <a:tc>
-                  <a:txBody>
-                    <a:bodyPr/>
-                    <a:lstStyle/>
-                    <a:p>
-                      <a:pPr algn="l" fontAlgn="b"/>
-                      <a:endParaRPr lang="en-US" sz="600" b="0" i="0" u="none" strike="noStrike">
-                        <a:solidFill>
-                          <a:srgbClr val="000000"/>
-                        </a:solidFill>
-                        <a:effectLst/>
-                        <a:latin typeface="Calibri"/>
-                      </a:endParaRPr>
-                    </a:p>
-                  </a:txBody>
-                  <a:tcPr marL="5627" marR="5627" marT="5627" marB="0" anchor="b"/>
-                </a:tc>
-                <a:tc>
-                  <a:txBody>
-                    <a:bodyPr/>
-                    <a:lstStyle/>
-                    <a:p>
-                      <a:pPr algn="l" fontAlgn="b"/>
-                      <a:endParaRPr lang="en-US" sz="600" b="0" i="0" u="none" strike="noStrike">
-                        <a:solidFill>
-                          <a:srgbClr val="000000"/>
-                        </a:solidFill>
-                        <a:effectLst/>
-                        <a:latin typeface="Calibri"/>
-                      </a:endParaRPr>
-                    </a:p>
-                  </a:txBody>
-                  <a:tcPr marL="5627" marR="5627" marT="5627" marB="0" anchor="b"/>
-                </a:tc>
-                <a:tc>
-                  <a:txBody>
-                    <a:bodyPr/>
-                    <a:lstStyle/>
-                    <a:p>
-                      <a:pPr algn="l" fontAlgn="b"/>
-                      <a:endParaRPr lang="en-US" sz="600" b="0" i="0" u="none" strike="noStrike">
-                        <a:solidFill>
-                          <a:srgbClr val="000000"/>
-                        </a:solidFill>
-                        <a:effectLst/>
-                        <a:latin typeface="Calibri"/>
-                      </a:endParaRPr>
-                    </a:p>
-                  </a:txBody>
-                  <a:tcPr marL="5627" marR="5627" marT="5627" marB="0" anchor="b"/>
-                </a:tc>
-              </a:tr>
-              <a:tr h="119677">
-                <a:tc>
-                  <a:txBody>
-                    <a:bodyPr/>
-                    <a:lstStyle/>
-                    <a:p>
-                      <a:pPr algn="l" fontAlgn="b"/>
-                      <a:r>
-                        <a:rPr lang="en-US" sz="600" u="none" strike="noStrike">
-                          <a:effectLst/>
-                        </a:rPr>
-                        <a:t> </a:t>
-                      </a:r>
-                      <a:endParaRPr lang="en-US" sz="600" b="0" i="0" u="none" strike="noStrike">
-                        <a:solidFill>
-                          <a:srgbClr val="000000"/>
-                        </a:solidFill>
-                        <a:effectLst/>
-                        <a:latin typeface="Calibri"/>
-                      </a:endParaRPr>
-                    </a:p>
-                  </a:txBody>
-                  <a:tcPr marL="5627" marR="5627" marT="5627" marB="0" anchor="b"/>
-                </a:tc>
-                <a:tc>
-                  <a:txBody>
-                    <a:bodyPr/>
-                    <a:lstStyle/>
-                    <a:p>
-                      <a:pPr algn="l" fontAlgn="b"/>
-                      <a:r>
-                        <a:rPr lang="en-US" sz="600" u="none" strike="noStrike">
-                          <a:effectLst/>
-                        </a:rPr>
-                        <a:t> </a:t>
-                      </a:r>
-                      <a:endParaRPr lang="en-US" sz="600" b="0" i="0" u="none" strike="noStrike">
-                        <a:solidFill>
-                          <a:srgbClr val="000000"/>
-                        </a:solidFill>
-                        <a:effectLst/>
-                        <a:latin typeface="Calibri"/>
-                      </a:endParaRPr>
-                    </a:p>
-                  </a:txBody>
-                  <a:tcPr marL="5627" marR="5627" marT="5627" marB="0" anchor="b"/>
-                </a:tc>
-                <a:tc>
-                  <a:txBody>
-                    <a:bodyPr/>
-                    <a:lstStyle/>
-                    <a:p>
-                      <a:pPr algn="l" fontAlgn="b"/>
-                      <a:r>
-                        <a:rPr lang="en-US" sz="600" u="none" strike="noStrike">
-                          <a:effectLst/>
-                        </a:rPr>
-                        <a:t>Reports</a:t>
-                      </a:r>
-                      <a:endParaRPr lang="en-US" sz="600" b="0" i="0" u="none" strike="noStrike">
-                        <a:solidFill>
-                          <a:srgbClr val="000000"/>
-                        </a:solidFill>
-                        <a:effectLst/>
-                        <a:latin typeface="Calibri"/>
-                      </a:endParaRPr>
-                    </a:p>
-                  </a:txBody>
-                  <a:tcPr marL="5627" marR="5627" marT="5627" marB="0" anchor="b"/>
-                </a:tc>
-                <a:tc>
-                  <a:txBody>
-                    <a:bodyPr/>
-                    <a:lstStyle/>
-                    <a:p>
-                      <a:pPr algn="l" fontAlgn="b"/>
-                      <a:r>
-                        <a:rPr lang="en-US" sz="600" u="none" strike="noStrike">
-                          <a:effectLst/>
-                        </a:rPr>
-                        <a:t>Design layout</a:t>
-                      </a:r>
-                      <a:endParaRPr lang="en-US" sz="600" b="0" i="0" u="none" strike="noStrike">
-                        <a:solidFill>
-                          <a:srgbClr val="000000"/>
-                        </a:solidFill>
-                        <a:effectLst/>
-                        <a:latin typeface="Calibri"/>
-                      </a:endParaRPr>
-                    </a:p>
-                  </a:txBody>
-                  <a:tcPr marL="5627" marR="5627" marT="5627" marB="0" anchor="b"/>
-                </a:tc>
-                <a:tc>
-                  <a:txBody>
-                    <a:bodyPr/>
-                    <a:lstStyle/>
-                    <a:p>
-                      <a:pPr algn="l" fontAlgn="b"/>
-                      <a:r>
-                        <a:rPr lang="en-US" sz="600" u="none" strike="noStrike">
-                          <a:effectLst/>
-                        </a:rPr>
-                        <a:t> </a:t>
-                      </a:r>
-                      <a:endParaRPr lang="en-US" sz="600" b="0" i="0" u="none" strike="noStrike">
-                        <a:solidFill>
-                          <a:srgbClr val="000000"/>
-                        </a:solidFill>
-                        <a:effectLst/>
-                        <a:latin typeface="Calibri"/>
-                      </a:endParaRPr>
-                    </a:p>
-                  </a:txBody>
-                  <a:tcPr marL="5627" marR="5627" marT="5627" marB="0" anchor="b"/>
-                </a:tc>
-                <a:tc>
-                  <a:txBody>
-                    <a:bodyPr/>
-                    <a:lstStyle/>
-                    <a:p>
-                      <a:pPr algn="r" fontAlgn="b"/>
-                      <a:r>
-                        <a:rPr lang="en-US" sz="600" u="none" strike="noStrike">
-                          <a:effectLst/>
-                        </a:rPr>
-                        <a:t>2</a:t>
-                      </a:r>
-                      <a:endParaRPr lang="en-US" sz="600" b="0" i="0" u="none" strike="noStrike">
-                        <a:solidFill>
-                          <a:srgbClr val="000000"/>
-                        </a:solidFill>
-                        <a:effectLst/>
-                        <a:latin typeface="Calibri"/>
-                      </a:endParaRPr>
-                    </a:p>
-                  </a:txBody>
-                  <a:tcPr marL="5627" marR="5627" marT="5627" marB="0" anchor="b"/>
-                </a:tc>
-                <a:tc>
-                  <a:txBody>
-                    <a:bodyPr/>
-                    <a:lstStyle/>
-                    <a:p>
-                      <a:pPr algn="l" fontAlgn="b"/>
-                      <a:r>
-                        <a:rPr lang="en-US" sz="600" u="none" strike="noStrike">
-                          <a:effectLst/>
-                        </a:rPr>
-                        <a:t> </a:t>
-                      </a:r>
-                      <a:endParaRPr lang="en-US" sz="600" b="0" i="0" u="none" strike="noStrike">
-                        <a:solidFill>
-                          <a:srgbClr val="000000"/>
-                        </a:solidFill>
-                        <a:effectLst/>
-                        <a:latin typeface="Calibri"/>
-                      </a:endParaRPr>
-                    </a:p>
-                  </a:txBody>
-                  <a:tcPr marL="5627" marR="5627" marT="5627" marB="0" anchor="b"/>
-                </a:tc>
-                <a:tc>
-                  <a:txBody>
-                    <a:bodyPr/>
-                    <a:lstStyle/>
-                    <a:p>
-                      <a:pPr algn="r" fontAlgn="b"/>
-                      <a:r>
-                        <a:rPr lang="en-US" sz="600" u="none" strike="noStrike">
-                          <a:effectLst/>
-                        </a:rPr>
-                        <a:t>2</a:t>
-                      </a:r>
-                      <a:endParaRPr lang="en-US" sz="600" b="0" i="0" u="none" strike="noStrike">
-                        <a:solidFill>
-                          <a:srgbClr val="000000"/>
-                        </a:solidFill>
-                        <a:effectLst/>
-                        <a:latin typeface="Calibri"/>
-                      </a:endParaRPr>
-                    </a:p>
-                  </a:txBody>
-                  <a:tcPr marL="5627" marR="5627" marT="5627" marB="0" anchor="b"/>
-                </a:tc>
-                <a:tc>
-                  <a:txBody>
-                    <a:bodyPr/>
-                    <a:lstStyle/>
-                    <a:p>
-                      <a:pPr algn="l" fontAlgn="b"/>
-                      <a:endParaRPr lang="en-US" sz="600" b="0" i="0" u="none" strike="noStrike">
-                        <a:solidFill>
-                          <a:srgbClr val="000000"/>
-                        </a:solidFill>
-                        <a:effectLst/>
-                        <a:latin typeface="Calibri"/>
-                      </a:endParaRPr>
-                    </a:p>
-                  </a:txBody>
-                  <a:tcPr marL="5627" marR="5627" marT="5627" marB="0" anchor="b"/>
-                </a:tc>
-                <a:tc gridSpan="3">
-                  <a:txBody>
-                    <a:bodyPr/>
-                    <a:lstStyle/>
-                    <a:p>
-                      <a:pPr algn="ctr" fontAlgn="b"/>
-                      <a:r>
-                        <a:rPr lang="en-US" sz="600" u="none" strike="noStrike">
-                          <a:effectLst/>
-                        </a:rPr>
-                        <a:t>Iteration 3</a:t>
-                      </a:r>
-                      <a:endParaRPr lang="en-US" sz="600" b="0" i="0" u="none" strike="noStrike">
-                        <a:solidFill>
-                          <a:srgbClr val="000000"/>
-                        </a:solidFill>
-                        <a:effectLst/>
-                        <a:latin typeface="Calibri"/>
-                      </a:endParaRPr>
-                    </a:p>
-                  </a:txBody>
-                  <a:tcPr marL="5627" marR="5627" marT="5627" marB="0" anchor="b"/>
-                </a:tc>
-                <a:tc hMerge="1">
-                  <a:txBody>
-                    <a:bodyPr/>
-                    <a:lstStyle/>
-                    <a:p>
-                      <a:endParaRPr lang="en-US"/>
-                    </a:p>
-                  </a:txBody>
-                  <a:tcPr/>
-                </a:tc>
-                <a:tc hMerge="1">
-                  <a:txBody>
-                    <a:bodyPr/>
-                    <a:lstStyle/>
-                    <a:p>
-                      <a:endParaRPr lang="en-US"/>
-                    </a:p>
-                  </a:txBody>
-                  <a:tcPr/>
-                </a:tc>
-              </a:tr>
-              <a:tr h="216614">
-                <a:tc>
-                  <a:txBody>
-                    <a:bodyPr/>
-                    <a:lstStyle/>
-                    <a:p>
-                      <a:pPr algn="l" fontAlgn="b"/>
-                      <a:r>
-                        <a:rPr lang="en-US" sz="600" u="none" strike="noStrike">
-                          <a:effectLst/>
-                        </a:rPr>
-                        <a:t> </a:t>
-                      </a:r>
-                      <a:endParaRPr lang="en-US" sz="600" b="0" i="0" u="none" strike="noStrike">
-                        <a:solidFill>
-                          <a:srgbClr val="000000"/>
-                        </a:solidFill>
-                        <a:effectLst/>
-                        <a:latin typeface="Calibri"/>
-                      </a:endParaRPr>
-                    </a:p>
-                  </a:txBody>
-                  <a:tcPr marL="5627" marR="5627" marT="5627" marB="0" anchor="b"/>
-                </a:tc>
-                <a:tc>
-                  <a:txBody>
-                    <a:bodyPr/>
-                    <a:lstStyle/>
-                    <a:p>
-                      <a:pPr algn="l" fontAlgn="b"/>
-                      <a:r>
-                        <a:rPr lang="en-US" sz="600" u="none" strike="noStrike">
-                          <a:effectLst/>
-                        </a:rPr>
-                        <a:t> </a:t>
-                      </a:r>
-                      <a:endParaRPr lang="en-US" sz="600" b="0" i="0" u="none" strike="noStrike">
-                        <a:solidFill>
-                          <a:srgbClr val="000000"/>
-                        </a:solidFill>
-                        <a:effectLst/>
-                        <a:latin typeface="Calibri"/>
-                      </a:endParaRPr>
-                    </a:p>
-                  </a:txBody>
-                  <a:tcPr marL="5627" marR="5627" marT="5627" marB="0" anchor="b"/>
-                </a:tc>
-                <a:tc>
-                  <a:txBody>
-                    <a:bodyPr/>
-                    <a:lstStyle/>
-                    <a:p>
-                      <a:pPr algn="l" fontAlgn="b"/>
-                      <a:r>
-                        <a:rPr lang="en-US" sz="600" u="none" strike="noStrike">
-                          <a:effectLst/>
-                        </a:rPr>
-                        <a:t> </a:t>
-                      </a:r>
-                      <a:endParaRPr lang="en-US" sz="600" b="0" i="0" u="none" strike="noStrike">
-                        <a:solidFill>
-                          <a:srgbClr val="000000"/>
-                        </a:solidFill>
-                        <a:effectLst/>
-                        <a:latin typeface="Calibri"/>
-                      </a:endParaRPr>
-                    </a:p>
-                  </a:txBody>
-                  <a:tcPr marL="5627" marR="5627" marT="5627" marB="0" anchor="b"/>
-                </a:tc>
-                <a:tc>
-                  <a:txBody>
-                    <a:bodyPr/>
-                    <a:lstStyle/>
-                    <a:p>
-                      <a:pPr algn="l" fontAlgn="b"/>
-                      <a:r>
-                        <a:rPr lang="en-US" sz="600" u="none" strike="noStrike">
-                          <a:effectLst/>
-                        </a:rPr>
-                        <a:t>Implement SQL</a:t>
-                      </a:r>
-                      <a:endParaRPr lang="en-US" sz="600" b="0" i="0" u="none" strike="noStrike">
-                        <a:solidFill>
-                          <a:srgbClr val="000000"/>
-                        </a:solidFill>
-                        <a:effectLst/>
-                        <a:latin typeface="Calibri"/>
-                      </a:endParaRPr>
-                    </a:p>
-                  </a:txBody>
-                  <a:tcPr marL="5627" marR="5627" marT="5627" marB="0" anchor="b"/>
-                </a:tc>
-                <a:tc>
-                  <a:txBody>
-                    <a:bodyPr/>
-                    <a:lstStyle/>
-                    <a:p>
-                      <a:pPr algn="l" fontAlgn="b"/>
-                      <a:r>
-                        <a:rPr lang="en-US" sz="600" u="none" strike="noStrike">
-                          <a:effectLst/>
-                        </a:rPr>
-                        <a:t> </a:t>
-                      </a:r>
-                      <a:endParaRPr lang="en-US" sz="600" b="0" i="0" u="none" strike="noStrike">
-                        <a:solidFill>
-                          <a:srgbClr val="000000"/>
-                        </a:solidFill>
-                        <a:effectLst/>
-                        <a:latin typeface="Calibri"/>
-                      </a:endParaRPr>
-                    </a:p>
-                  </a:txBody>
-                  <a:tcPr marL="5627" marR="5627" marT="5627" marB="0" anchor="b"/>
-                </a:tc>
-                <a:tc>
-                  <a:txBody>
-                    <a:bodyPr/>
-                    <a:lstStyle/>
-                    <a:p>
-                      <a:pPr algn="r" fontAlgn="b"/>
-                      <a:r>
-                        <a:rPr lang="en-US" sz="600" u="none" strike="noStrike">
-                          <a:effectLst/>
-                        </a:rPr>
-                        <a:t>15</a:t>
-                      </a:r>
-                      <a:endParaRPr lang="en-US" sz="600" b="0" i="0" u="none" strike="noStrike">
-                        <a:solidFill>
-                          <a:srgbClr val="000000"/>
-                        </a:solidFill>
-                        <a:effectLst/>
-                        <a:latin typeface="Calibri"/>
-                      </a:endParaRPr>
-                    </a:p>
-                  </a:txBody>
-                  <a:tcPr marL="5627" marR="5627" marT="5627" marB="0" anchor="b"/>
-                </a:tc>
-                <a:tc>
-                  <a:txBody>
-                    <a:bodyPr/>
-                    <a:lstStyle/>
-                    <a:p>
-                      <a:pPr algn="l" fontAlgn="b"/>
-                      <a:r>
-                        <a:rPr lang="en-US" sz="600" u="none" strike="noStrike">
-                          <a:effectLst/>
-                        </a:rPr>
-                        <a:t> </a:t>
-                      </a:r>
-                      <a:endParaRPr lang="en-US" sz="600" b="0" i="0" u="none" strike="noStrike">
-                        <a:solidFill>
-                          <a:srgbClr val="000000"/>
-                        </a:solidFill>
-                        <a:effectLst/>
-                        <a:latin typeface="Calibri"/>
-                      </a:endParaRPr>
-                    </a:p>
-                  </a:txBody>
-                  <a:tcPr marL="5627" marR="5627" marT="5627" marB="0" anchor="b"/>
-                </a:tc>
-                <a:tc>
-                  <a:txBody>
-                    <a:bodyPr/>
-                    <a:lstStyle/>
-                    <a:p>
-                      <a:pPr algn="r" fontAlgn="b"/>
-                      <a:r>
-                        <a:rPr lang="en-US" sz="600" u="none" strike="noStrike">
-                          <a:effectLst/>
-                        </a:rPr>
-                        <a:t>15</a:t>
-                      </a:r>
-                      <a:endParaRPr lang="en-US" sz="600" b="0" i="0" u="none" strike="noStrike">
-                        <a:solidFill>
-                          <a:srgbClr val="000000"/>
-                        </a:solidFill>
-                        <a:effectLst/>
-                        <a:latin typeface="Calibri"/>
-                      </a:endParaRPr>
-                    </a:p>
-                  </a:txBody>
-                  <a:tcPr marL="5627" marR="5627" marT="5627" marB="0" anchor="b"/>
-                </a:tc>
-                <a:tc>
-                  <a:txBody>
-                    <a:bodyPr/>
-                    <a:lstStyle/>
-                    <a:p>
-                      <a:pPr algn="l" fontAlgn="b"/>
-                      <a:endParaRPr lang="en-US" sz="600" b="0" i="0" u="none" strike="noStrike">
-                        <a:solidFill>
-                          <a:srgbClr val="000000"/>
-                        </a:solidFill>
-                        <a:effectLst/>
-                        <a:latin typeface="Calibri"/>
-                      </a:endParaRPr>
-                    </a:p>
-                  </a:txBody>
-                  <a:tcPr marL="5627" marR="5627" marT="5627" marB="0" anchor="b"/>
-                </a:tc>
-                <a:tc>
-                  <a:txBody>
-                    <a:bodyPr/>
-                    <a:lstStyle/>
-                    <a:p>
-                      <a:pPr algn="l" fontAlgn="b"/>
-                      <a:r>
-                        <a:rPr lang="en-US" sz="600" u="none" strike="noStrike">
-                          <a:effectLst/>
-                        </a:rPr>
-                        <a:t>Planned</a:t>
-                      </a:r>
-                      <a:endParaRPr lang="en-US" sz="600" b="0" i="0" u="none" strike="noStrike">
-                        <a:solidFill>
-                          <a:srgbClr val="000000"/>
-                        </a:solidFill>
-                        <a:effectLst/>
-                        <a:latin typeface="Calibri"/>
-                      </a:endParaRPr>
-                    </a:p>
-                  </a:txBody>
-                  <a:tcPr marL="5627" marR="5627" marT="5627" marB="0" anchor="b"/>
-                </a:tc>
-                <a:tc>
-                  <a:txBody>
-                    <a:bodyPr/>
-                    <a:lstStyle/>
-                    <a:p>
-                      <a:pPr algn="l" fontAlgn="b"/>
-                      <a:r>
-                        <a:rPr lang="en-US" sz="600" u="none" strike="noStrike">
-                          <a:effectLst/>
-                        </a:rPr>
-                        <a:t>Actual</a:t>
-                      </a:r>
-                      <a:endParaRPr lang="en-US" sz="600" b="0" i="0" u="none" strike="noStrike">
-                        <a:solidFill>
-                          <a:srgbClr val="000000"/>
-                        </a:solidFill>
-                        <a:effectLst/>
-                        <a:latin typeface="Calibri"/>
-                      </a:endParaRPr>
-                    </a:p>
-                  </a:txBody>
-                  <a:tcPr marL="5627" marR="5627" marT="5627" marB="0" anchor="b"/>
-                </a:tc>
-                <a:tc>
-                  <a:txBody>
-                    <a:bodyPr/>
-                    <a:lstStyle/>
-                    <a:p>
-                      <a:pPr algn="l" fontAlgn="b"/>
-                      <a:r>
-                        <a:rPr lang="en-US" sz="600" u="none" strike="noStrike">
-                          <a:effectLst/>
-                        </a:rPr>
-                        <a:t>Remaining</a:t>
-                      </a:r>
-                      <a:endParaRPr lang="en-US" sz="600" b="0" i="0" u="none" strike="noStrike">
-                        <a:solidFill>
-                          <a:srgbClr val="000000"/>
-                        </a:solidFill>
-                        <a:effectLst/>
-                        <a:latin typeface="Calibri"/>
-                      </a:endParaRPr>
-                    </a:p>
-                  </a:txBody>
-                  <a:tcPr marL="5627" marR="5627" marT="5627" marB="0" anchor="b"/>
-                </a:tc>
-              </a:tr>
-              <a:tr h="119677">
-                <a:tc>
-                  <a:txBody>
-                    <a:bodyPr/>
-                    <a:lstStyle/>
-                    <a:p>
-                      <a:pPr algn="l" fontAlgn="b"/>
-                      <a:r>
-                        <a:rPr lang="en-US" sz="600" u="none" strike="noStrike">
-                          <a:effectLst/>
-                        </a:rPr>
-                        <a:t> </a:t>
-                      </a:r>
-                      <a:endParaRPr lang="en-US" sz="600" b="0" i="0" u="none" strike="noStrike">
-                        <a:solidFill>
-                          <a:srgbClr val="000000"/>
-                        </a:solidFill>
-                        <a:effectLst/>
-                        <a:latin typeface="Calibri"/>
-                      </a:endParaRPr>
-                    </a:p>
-                  </a:txBody>
-                  <a:tcPr marL="5627" marR="5627" marT="5627" marB="0" anchor="b"/>
-                </a:tc>
-                <a:tc>
-                  <a:txBody>
-                    <a:bodyPr/>
-                    <a:lstStyle/>
-                    <a:p>
-                      <a:pPr algn="l" fontAlgn="b"/>
-                      <a:r>
-                        <a:rPr lang="en-US" sz="600" u="none" strike="noStrike">
-                          <a:effectLst/>
-                        </a:rPr>
-                        <a:t> </a:t>
-                      </a:r>
-                      <a:endParaRPr lang="en-US" sz="600" b="0" i="0" u="none" strike="noStrike">
-                        <a:solidFill>
-                          <a:srgbClr val="000000"/>
-                        </a:solidFill>
-                        <a:effectLst/>
-                        <a:latin typeface="Calibri"/>
-                      </a:endParaRPr>
-                    </a:p>
-                  </a:txBody>
-                  <a:tcPr marL="5627" marR="5627" marT="5627" marB="0" anchor="b"/>
-                </a:tc>
-                <a:tc>
-                  <a:txBody>
-                    <a:bodyPr/>
-                    <a:lstStyle/>
-                    <a:p>
-                      <a:pPr algn="l" fontAlgn="b"/>
-                      <a:r>
-                        <a:rPr lang="en-US" sz="600" u="none" strike="noStrike">
-                          <a:effectLst/>
-                        </a:rPr>
-                        <a:t> </a:t>
-                      </a:r>
-                      <a:endParaRPr lang="en-US" sz="600" b="0" i="0" u="none" strike="noStrike">
-                        <a:solidFill>
-                          <a:srgbClr val="000000"/>
-                        </a:solidFill>
-                        <a:effectLst/>
-                        <a:latin typeface="Calibri"/>
-                      </a:endParaRPr>
-                    </a:p>
-                  </a:txBody>
-                  <a:tcPr marL="5627" marR="5627" marT="5627" marB="0" anchor="b"/>
-                </a:tc>
-                <a:tc>
-                  <a:txBody>
-                    <a:bodyPr/>
-                    <a:lstStyle/>
-                    <a:p>
-                      <a:pPr algn="l" fontAlgn="b"/>
-                      <a:r>
-                        <a:rPr lang="en-US" sz="600" u="none" strike="noStrike">
-                          <a:effectLst/>
-                        </a:rPr>
-                        <a:t>Build Visualization</a:t>
-                      </a:r>
-                      <a:endParaRPr lang="en-US" sz="600" b="0" i="0" u="none" strike="noStrike">
-                        <a:solidFill>
-                          <a:srgbClr val="000000"/>
-                        </a:solidFill>
-                        <a:effectLst/>
-                        <a:latin typeface="Calibri"/>
-                      </a:endParaRPr>
-                    </a:p>
-                  </a:txBody>
-                  <a:tcPr marL="5627" marR="5627" marT="5627" marB="0" anchor="b"/>
-                </a:tc>
-                <a:tc>
-                  <a:txBody>
-                    <a:bodyPr/>
-                    <a:lstStyle/>
-                    <a:p>
-                      <a:pPr algn="l" fontAlgn="b"/>
-                      <a:r>
-                        <a:rPr lang="en-US" sz="600" u="none" strike="noStrike">
-                          <a:effectLst/>
-                        </a:rPr>
-                        <a:t> </a:t>
-                      </a:r>
-                      <a:endParaRPr lang="en-US" sz="600" b="0" i="0" u="none" strike="noStrike">
-                        <a:solidFill>
-                          <a:srgbClr val="000000"/>
-                        </a:solidFill>
-                        <a:effectLst/>
-                        <a:latin typeface="Calibri"/>
-                      </a:endParaRPr>
-                    </a:p>
-                  </a:txBody>
-                  <a:tcPr marL="5627" marR="5627" marT="5627" marB="0" anchor="b"/>
-                </a:tc>
-                <a:tc>
-                  <a:txBody>
-                    <a:bodyPr/>
-                    <a:lstStyle/>
-                    <a:p>
-                      <a:pPr algn="r" fontAlgn="b"/>
-                      <a:r>
-                        <a:rPr lang="en-US" sz="600" u="none" strike="noStrike">
-                          <a:effectLst/>
-                        </a:rPr>
-                        <a:t>15</a:t>
-                      </a:r>
-                      <a:endParaRPr lang="en-US" sz="600" b="0" i="0" u="none" strike="noStrike">
-                        <a:solidFill>
-                          <a:srgbClr val="000000"/>
-                        </a:solidFill>
-                        <a:effectLst/>
-                        <a:latin typeface="Calibri"/>
-                      </a:endParaRPr>
-                    </a:p>
-                  </a:txBody>
-                  <a:tcPr marL="5627" marR="5627" marT="5627" marB="0" anchor="b"/>
-                </a:tc>
-                <a:tc>
-                  <a:txBody>
-                    <a:bodyPr/>
-                    <a:lstStyle/>
-                    <a:p>
-                      <a:pPr algn="l" fontAlgn="b"/>
-                      <a:r>
-                        <a:rPr lang="en-US" sz="600" u="none" strike="noStrike">
-                          <a:effectLst/>
-                        </a:rPr>
-                        <a:t> </a:t>
-                      </a:r>
-                      <a:endParaRPr lang="en-US" sz="600" b="0" i="0" u="none" strike="noStrike">
-                        <a:solidFill>
-                          <a:srgbClr val="000000"/>
-                        </a:solidFill>
-                        <a:effectLst/>
-                        <a:latin typeface="Calibri"/>
-                      </a:endParaRPr>
-                    </a:p>
-                  </a:txBody>
-                  <a:tcPr marL="5627" marR="5627" marT="5627" marB="0" anchor="b"/>
-                </a:tc>
-                <a:tc>
-                  <a:txBody>
-                    <a:bodyPr/>
-                    <a:lstStyle/>
-                    <a:p>
-                      <a:pPr algn="r" fontAlgn="b"/>
-                      <a:r>
-                        <a:rPr lang="en-US" sz="600" u="none" strike="noStrike">
-                          <a:effectLst/>
-                        </a:rPr>
-                        <a:t>15</a:t>
-                      </a:r>
-                      <a:endParaRPr lang="en-US" sz="600" b="0" i="0" u="none" strike="noStrike">
-                        <a:solidFill>
-                          <a:srgbClr val="000000"/>
-                        </a:solidFill>
-                        <a:effectLst/>
-                        <a:latin typeface="Calibri"/>
-                      </a:endParaRPr>
-                    </a:p>
-                  </a:txBody>
-                  <a:tcPr marL="5627" marR="5627" marT="5627" marB="0" anchor="b"/>
-                </a:tc>
-                <a:tc>
-                  <a:txBody>
-                    <a:bodyPr/>
-                    <a:lstStyle/>
-                    <a:p>
-                      <a:pPr algn="l" fontAlgn="b"/>
-                      <a:endParaRPr lang="en-US" sz="600" b="0" i="0" u="none" strike="noStrike">
-                        <a:solidFill>
-                          <a:srgbClr val="000000"/>
-                        </a:solidFill>
-                        <a:effectLst/>
-                        <a:latin typeface="Calibri"/>
-                      </a:endParaRPr>
-                    </a:p>
-                  </a:txBody>
-                  <a:tcPr marL="5627" marR="5627" marT="5627" marB="0" anchor="b"/>
-                </a:tc>
-                <a:tc>
-                  <a:txBody>
-                    <a:bodyPr/>
-                    <a:lstStyle/>
-                    <a:p>
-                      <a:pPr algn="r" fontAlgn="b"/>
-                      <a:r>
-                        <a:rPr lang="en-US" sz="600" u="none" strike="noStrike">
-                          <a:effectLst/>
-                        </a:rPr>
-                        <a:t>44</a:t>
+              <a:tr h="121463">
+                <a:tc>
+                  <a:txBody>
+                    <a:bodyPr/>
+                    <a:lstStyle/>
+                    <a:p>
+                      <a:pPr algn="l" fontAlgn="b"/>
+                      <a:endParaRPr lang="en-US" sz="600" b="0" i="0" u="none" strike="noStrike">
+                        <a:solidFill>
+                          <a:srgbClr val="000000"/>
+                        </a:solidFill>
+                        <a:effectLst/>
+                        <a:latin typeface="Calibri"/>
+                      </a:endParaRPr>
+                    </a:p>
+                  </a:txBody>
+                  <a:tcPr marL="5627" marR="5627" marT="5627" marB="0" anchor="b"/>
+                </a:tc>
+                <a:tc>
+                  <a:txBody>
+                    <a:bodyPr/>
+                    <a:lstStyle/>
+                    <a:p>
+                      <a:pPr algn="l" fontAlgn="b"/>
+                      <a:endParaRPr lang="en-US" sz="600" b="0" i="0" u="none" strike="noStrike">
+                        <a:solidFill>
+                          <a:srgbClr val="000000"/>
+                        </a:solidFill>
+                        <a:effectLst/>
+                        <a:latin typeface="Calibri"/>
+                      </a:endParaRPr>
+                    </a:p>
+                  </a:txBody>
+                  <a:tcPr marL="5627" marR="5627" marT="5627" marB="0" anchor="b"/>
+                </a:tc>
+                <a:tc>
+                  <a:txBody>
+                    <a:bodyPr/>
+                    <a:lstStyle/>
+                    <a:p>
+                      <a:pPr algn="l" fontAlgn="b"/>
+                      <a:r>
+                        <a:rPr lang="en-US" sz="600" u="none" strike="noStrike">
+                          <a:effectLst/>
+                        </a:rPr>
+                        <a:t>Total Work</a:t>
+                      </a:r>
+                      <a:endParaRPr lang="en-US" sz="600" b="0" i="0" u="none" strike="noStrike">
+                        <a:solidFill>
+                          <a:srgbClr val="000000"/>
+                        </a:solidFill>
+                        <a:effectLst/>
+                        <a:latin typeface="Calibri"/>
+                      </a:endParaRPr>
+                    </a:p>
+                  </a:txBody>
+                  <a:tcPr marL="5627" marR="5627" marT="5627" marB="0" anchor="b"/>
+                </a:tc>
+                <a:tc>
+                  <a:txBody>
+                    <a:bodyPr/>
+                    <a:lstStyle/>
+                    <a:p>
+                      <a:pPr algn="l" fontAlgn="b"/>
+                      <a:endParaRPr lang="en-US" sz="600" b="0" i="0" u="none" strike="noStrike">
+                        <a:solidFill>
+                          <a:srgbClr val="000000"/>
+                        </a:solidFill>
+                        <a:effectLst/>
+                        <a:latin typeface="Calibri"/>
+                      </a:endParaRPr>
+                    </a:p>
+                  </a:txBody>
+                  <a:tcPr marL="5627" marR="5627" marT="5627" marB="0" anchor="b"/>
+                </a:tc>
+                <a:tc>
+                  <a:txBody>
+                    <a:bodyPr/>
+                    <a:lstStyle/>
+                    <a:p>
+                      <a:pPr algn="l" fontAlgn="b"/>
+                      <a:endParaRPr lang="en-US" sz="600" b="0" i="0" u="none" strike="noStrike">
+                        <a:solidFill>
+                          <a:srgbClr val="000000"/>
+                        </a:solidFill>
+                        <a:effectLst/>
+                        <a:latin typeface="Calibri"/>
+                      </a:endParaRPr>
+                    </a:p>
+                  </a:txBody>
+                  <a:tcPr marL="5627" marR="5627" marT="5627" marB="0" anchor="b"/>
+                </a:tc>
+                <a:tc>
+                  <a:txBody>
+                    <a:bodyPr/>
+                    <a:lstStyle/>
+                    <a:p>
+                      <a:pPr algn="r" fontAlgn="b"/>
+                      <a:r>
+                        <a:rPr lang="en-US" sz="600" u="none" strike="noStrike">
+                          <a:effectLst/>
+                        </a:rPr>
+                        <a:t>104</a:t>
+                      </a:r>
+                      <a:endParaRPr lang="en-US" sz="600" b="0" i="0" u="none" strike="noStrike">
+                        <a:solidFill>
+                          <a:srgbClr val="000000"/>
+                        </a:solidFill>
+                        <a:effectLst/>
+                        <a:latin typeface="Calibri"/>
+                      </a:endParaRPr>
+                    </a:p>
+                  </a:txBody>
+                  <a:tcPr marL="5627" marR="5627" marT="5627" marB="0" anchor="b"/>
+                </a:tc>
+                <a:tc>
+                  <a:txBody>
+                    <a:bodyPr/>
+                    <a:lstStyle/>
+                    <a:p>
+                      <a:pPr algn="r" fontAlgn="b"/>
+                      <a:r>
+                        <a:rPr lang="en-US" sz="600" u="none" strike="noStrike">
+                          <a:effectLst/>
+                        </a:rPr>
+                        <a:t>101</a:t>
                       </a:r>
                       <a:endParaRPr lang="en-US" sz="600" b="0" i="0" u="none" strike="noStrike">
                         <a:solidFill>
@@ -14597,186 +14866,13 @@
                     <a:bodyPr/>
                     <a:lstStyle/>
                     <a:p>
-                      <a:pPr algn="r" fontAlgn="b"/>
-                      <a:r>
-                        <a:rPr lang="en-US" sz="600" u="none" strike="noStrike">
-                          <a:effectLst/>
-                        </a:rPr>
-                        <a:t>43</a:t>
-                      </a:r>
-                      <a:endParaRPr lang="en-US" sz="600" b="0" i="0" u="none" strike="noStrike">
-                        <a:solidFill>
-                          <a:srgbClr val="000000"/>
-                        </a:solidFill>
-                        <a:effectLst/>
-                        <a:latin typeface="Calibri"/>
-                      </a:endParaRPr>
-                    </a:p>
-                  </a:txBody>
-                  <a:tcPr marL="5627" marR="5627" marT="5627" marB="0" anchor="b"/>
-                </a:tc>
-              </a:tr>
-              <a:tr h="119677">
-                <a:tc>
-                  <a:txBody>
-                    <a:bodyPr/>
-                    <a:lstStyle/>
-                    <a:p>
-                      <a:pPr algn="l" fontAlgn="b"/>
-                      <a:endParaRPr lang="en-US" sz="600" b="0" i="0" u="none" strike="noStrike">
-                        <a:solidFill>
-                          <a:srgbClr val="000000"/>
-                        </a:solidFill>
-                        <a:effectLst/>
-                        <a:latin typeface="Calibri"/>
-                      </a:endParaRPr>
-                    </a:p>
-                  </a:txBody>
-                  <a:tcPr marL="5627" marR="5627" marT="5627" marB="0" anchor="b"/>
-                </a:tc>
-                <a:tc>
-                  <a:txBody>
-                    <a:bodyPr/>
-                    <a:lstStyle/>
-                    <a:p>
-                      <a:pPr algn="l" fontAlgn="b"/>
-                      <a:endParaRPr lang="en-US" sz="600" b="0" i="0" u="none" strike="noStrike">
-                        <a:solidFill>
-                          <a:srgbClr val="000000"/>
-                        </a:solidFill>
-                        <a:effectLst/>
-                        <a:latin typeface="Calibri"/>
-                      </a:endParaRPr>
-                    </a:p>
-                  </a:txBody>
-                  <a:tcPr marL="5627" marR="5627" marT="5627" marB="0" anchor="b"/>
-                </a:tc>
-                <a:tc>
-                  <a:txBody>
-                    <a:bodyPr/>
-                    <a:lstStyle/>
-                    <a:p>
-                      <a:pPr algn="l" fontAlgn="b"/>
-                      <a:r>
-                        <a:rPr lang="en-US" sz="600" u="none" strike="noStrike">
-                          <a:effectLst/>
-                        </a:rPr>
-                        <a:t>Total Work</a:t>
-                      </a:r>
-                      <a:endParaRPr lang="en-US" sz="600" b="0" i="0" u="none" strike="noStrike">
-                        <a:solidFill>
-                          <a:srgbClr val="000000"/>
-                        </a:solidFill>
-                        <a:effectLst/>
-                        <a:latin typeface="Calibri"/>
-                      </a:endParaRPr>
-                    </a:p>
-                  </a:txBody>
-                  <a:tcPr marL="5627" marR="5627" marT="5627" marB="0" anchor="b"/>
-                </a:tc>
-                <a:tc>
-                  <a:txBody>
-                    <a:bodyPr/>
-                    <a:lstStyle/>
-                    <a:p>
-                      <a:pPr algn="l" fontAlgn="b"/>
-                      <a:endParaRPr lang="en-US" sz="600" b="0" i="0" u="none" strike="noStrike">
-                        <a:solidFill>
-                          <a:srgbClr val="000000"/>
-                        </a:solidFill>
-                        <a:effectLst/>
-                        <a:latin typeface="Calibri"/>
-                      </a:endParaRPr>
-                    </a:p>
-                  </a:txBody>
-                  <a:tcPr marL="5627" marR="5627" marT="5627" marB="0" anchor="b"/>
-                </a:tc>
-                <a:tc>
-                  <a:txBody>
-                    <a:bodyPr/>
-                    <a:lstStyle/>
-                    <a:p>
-                      <a:pPr algn="l" fontAlgn="b"/>
-                      <a:endParaRPr lang="en-US" sz="600" b="0" i="0" u="none" strike="noStrike">
-                        <a:solidFill>
-                          <a:srgbClr val="000000"/>
-                        </a:solidFill>
-                        <a:effectLst/>
-                        <a:latin typeface="Calibri"/>
-                      </a:endParaRPr>
-                    </a:p>
-                  </a:txBody>
-                  <a:tcPr marL="5627" marR="5627" marT="5627" marB="0" anchor="b"/>
-                </a:tc>
-                <a:tc>
-                  <a:txBody>
-                    <a:bodyPr/>
-                    <a:lstStyle/>
-                    <a:p>
-                      <a:pPr algn="r" fontAlgn="b"/>
-                      <a:r>
-                        <a:rPr lang="en-US" sz="600" u="none" strike="noStrike">
-                          <a:effectLst/>
-                        </a:rPr>
-                        <a:t>104</a:t>
-                      </a:r>
-                      <a:endParaRPr lang="en-US" sz="600" b="0" i="0" u="none" strike="noStrike">
-                        <a:solidFill>
-                          <a:srgbClr val="000000"/>
-                        </a:solidFill>
-                        <a:effectLst/>
-                        <a:latin typeface="Calibri"/>
-                      </a:endParaRPr>
-                    </a:p>
-                  </a:txBody>
-                  <a:tcPr marL="5627" marR="5627" marT="5627" marB="0" anchor="b"/>
-                </a:tc>
-                <a:tc>
-                  <a:txBody>
-                    <a:bodyPr/>
-                    <a:lstStyle/>
-                    <a:p>
-                      <a:pPr algn="l" fontAlgn="b"/>
-                      <a:endParaRPr lang="en-US" sz="600" b="0" i="0" u="none" strike="noStrike">
-                        <a:solidFill>
-                          <a:srgbClr val="000000"/>
-                        </a:solidFill>
-                        <a:effectLst/>
-                        <a:latin typeface="Calibri"/>
-                      </a:endParaRPr>
-                    </a:p>
-                  </a:txBody>
-                  <a:tcPr marL="5627" marR="5627" marT="5627" marB="0" anchor="b"/>
-                </a:tc>
-                <a:tc>
-                  <a:txBody>
-                    <a:bodyPr/>
-                    <a:lstStyle/>
-                    <a:p>
-                      <a:pPr algn="r" fontAlgn="b"/>
-                      <a:r>
-                        <a:rPr lang="en-US" sz="600" u="none" strike="noStrike">
-                          <a:effectLst/>
-                        </a:rPr>
-                        <a:t>48</a:t>
-                      </a:r>
-                      <a:endParaRPr lang="en-US" sz="600" b="0" i="0" u="none" strike="noStrike">
-                        <a:solidFill>
-                          <a:srgbClr val="000000"/>
-                        </a:solidFill>
-                        <a:effectLst/>
-                        <a:latin typeface="Calibri"/>
-                      </a:endParaRPr>
-                    </a:p>
-                  </a:txBody>
-                  <a:tcPr marL="5627" marR="5627" marT="5627" marB="0" anchor="b"/>
-                </a:tc>
-                <a:tc>
-                  <a:txBody>
-                    <a:bodyPr/>
-                    <a:lstStyle/>
-                    <a:p>
-                      <a:pPr algn="l" fontAlgn="b"/>
+                      <a:pPr algn="l" fontAlgn="b"/>
+                      <a:r>
+                        <a:rPr lang="en-US" sz="600" u="none" strike="noStrike">
+                          <a:effectLst/>
+                        </a:rPr>
+                        <a:t>Done</a:t>
+                      </a:r>
                       <a:endParaRPr lang="en-US" sz="600" b="0" i="0" u="none" strike="noStrike">
                         <a:solidFill>
                           <a:srgbClr val="000000"/>

--- a/Iteration 3 PowerPoint/Team 3 Iteration 3.pptx
+++ b/Iteration 3 PowerPoint/Team 3 Iteration 3.pptx
@@ -3877,8 +3877,15 @@
           <a:p>
             <a:r>
               <a:rPr lang="en-US" dirty="0" smtClean="0"/>
-              <a:t>?</a:t>
+              <a:t>Testing</a:t>
             </a:r>
+          </a:p>
+          <a:p>
+            <a:r>
+              <a:rPr lang="en-US" smtClean="0"/>
+              <a:t>Bug fixes</a:t>
+            </a:r>
+            <a:endParaRPr lang="en-US" dirty="0" smtClean="0"/>
           </a:p>
         </p:txBody>
       </p:sp>
@@ -4002,6 +4009,18 @@
           <a:p>
             <a:r>
               <a:rPr lang="en-US" dirty="0"/>
+              <a:t>Joel Test</a:t>
+            </a:r>
+          </a:p>
+          <a:p>
+            <a:r>
+              <a:rPr lang="en-US" dirty="0"/>
+              <a:t>Survival Test</a:t>
+            </a:r>
+          </a:p>
+          <a:p>
+            <a:r>
+              <a:rPr lang="en-US" dirty="0" smtClean="0"/>
               <a:t>Bug </a:t>
             </a:r>
             <a:r>
@@ -4022,26 +4041,22 @@
           </a:p>
           <a:p>
             <a:r>
+              <a:rPr lang="en-US" dirty="0" smtClean="0"/>
+              <a:t>Code </a:t>
+            </a:r>
+            <a:r>
               <a:rPr lang="en-US" dirty="0"/>
-              <a:t>Code Walk Through</a:t>
+              <a:t>Walk Through</a:t>
             </a:r>
           </a:p>
           <a:p>
             <a:r>
               <a:rPr lang="en-US" dirty="0" smtClean="0"/>
-              <a:t>Joel Test</a:t>
+              <a:t>Final </a:t>
             </a:r>
-          </a:p>
-          <a:p>
             <a:r>
               <a:rPr lang="en-US" dirty="0" smtClean="0"/>
-              <a:t>Survival Test</a:t>
-            </a:r>
-          </a:p>
-          <a:p>
-            <a:r>
-              <a:rPr lang="en-US" dirty="0" smtClean="0"/>
-              <a:t>Final Presentation</a:t>
+              <a:t>Presentation</a:t>
             </a:r>
           </a:p>
           <a:p>
@@ -15166,7 +15181,7 @@
             <p:ph idx="1"/>
             <p:extLst>
               <p:ext uri="{D42A27DB-BD31-4B8C-83A1-F6EECF244321}">
-                <p14:modId xmlns:p14="http://schemas.microsoft.com/office/powerpoint/2010/main" val="2868765135"/>
+                <p14:modId xmlns:p14="http://schemas.microsoft.com/office/powerpoint/2010/main" val="935379517"/>
               </p:ext>
             </p:extLst>
           </p:nvPr>
@@ -15196,12 +15211,12 @@
                     <a:p>
                       <a:pPr algn="ctr" fontAlgn="b"/>
                       <a:r>
-                        <a:rPr lang="en-US" sz="1100" u="none" strike="noStrike">
+                        <a:rPr lang="en-US" sz="1100" u="none" strike="noStrike" dirty="0">
                           <a:effectLst/>
                         </a:rPr>
                         <a:t>The Joel Test</a:t>
                       </a:r>
-                      <a:endParaRPr lang="en-US" sz="1100" b="0" i="0" u="none" strike="noStrike">
+                      <a:endParaRPr lang="en-US" sz="1100" b="0" i="0" u="none" strike="noStrike" dirty="0">
                         <a:solidFill>
                           <a:srgbClr val="000000"/>
                         </a:solidFill>
@@ -16326,8 +16341,18 @@
                     <a:bodyPr/>
                     <a:lstStyle/>
                     <a:p>
-                      <a:pPr algn="l" fontAlgn="b"/>
-                      <a:endParaRPr lang="en-US" sz="1100" b="0" i="0" u="none" strike="noStrike">
+                      <a:pPr algn="r" fontAlgn="b"/>
+                      <a:r>
+                        <a:rPr lang="en-US" sz="1100" b="0" i="0" u="none" strike="noStrike" dirty="0" smtClean="0">
+                          <a:solidFill>
+                            <a:srgbClr val="000000"/>
+                          </a:solidFill>
+                          <a:effectLst/>
+                          <a:latin typeface="Calibri"/>
+                        </a:rPr>
+                        <a:t>0</a:t>
+                      </a:r>
+                      <a:endParaRPr lang="en-US" sz="1100" b="0" i="0" u="none" strike="noStrike" dirty="0">
                         <a:solidFill>
                           <a:srgbClr val="000000"/>
                         </a:solidFill>
@@ -16347,10 +16372,33 @@
                     <a:p>
                       <a:pPr algn="r" fontAlgn="b"/>
                       <a:r>
+                        <a:rPr lang="en-US" sz="1100" u="none" strike="noStrike" dirty="0" smtClean="0">
+                          <a:effectLst/>
+                        </a:rPr>
+                        <a:t>10</a:t>
+                      </a:r>
+                      <a:endParaRPr lang="en-US" sz="1100" b="0" i="0" u="none" strike="noStrike" dirty="0">
+                        <a:solidFill>
+                          <a:srgbClr val="000000"/>
+                        </a:solidFill>
+                        <a:effectLst/>
+                        <a:latin typeface="Calibri"/>
+                      </a:endParaRPr>
+                    </a:p>
+                  </a:txBody>
+                  <a:tcPr marL="9525" marR="9525" marT="9525" marB="0" anchor="b"/>
+                </a:tc>
+                <a:tc>
+                  <a:txBody>
+                    <a:bodyPr/>
+                    <a:lstStyle/>
+                    <a:p>
+                      <a:pPr algn="l" fontAlgn="b"/>
+                      <a:r>
                         <a:rPr lang="en-US" sz="1100" u="none" strike="noStrike">
                           <a:effectLst/>
                         </a:rPr>
-                        <a:t>10</a:t>
+                        <a:t>Do you have testers?</a:t>
                       </a:r>
                       <a:endParaRPr lang="en-US" sz="1100" b="0" i="0" u="none" strike="noStrike">
                         <a:solidFill>
@@ -16368,12 +16416,12 @@
                     <a:bodyPr/>
                     <a:lstStyle/>
                     <a:p>
-                      <a:pPr algn="l" fontAlgn="b"/>
+                      <a:pPr algn="r" fontAlgn="b"/>
                       <a:r>
                         <a:rPr lang="en-US" sz="1100" u="none" strike="noStrike">
                           <a:effectLst/>
                         </a:rPr>
-                        <a:t>Do you have testers?</a:t>
+                        <a:t>0</a:t>
                       </a:r>
                       <a:endParaRPr lang="en-US" sz="1100" b="0" i="0" u="none" strike="noStrike">
                         <a:solidFill>
@@ -16416,29 +16464,16 @@
                     <a:p>
                       <a:pPr algn="r" fontAlgn="b"/>
                       <a:r>
-                        <a:rPr lang="en-US" sz="1100" u="none" strike="noStrike">
-                          <a:effectLst/>
+                        <a:rPr lang="en-US" sz="1100" b="0" i="0" u="none" strike="noStrike" dirty="0" smtClean="0">
+                          <a:solidFill>
+                            <a:srgbClr val="000000"/>
+                          </a:solidFill>
+                          <a:effectLst/>
+                          <a:latin typeface="Calibri"/>
                         </a:rPr>
                         <a:t>0</a:t>
                       </a:r>
-                      <a:endParaRPr lang="en-US" sz="1100" b="0" i="0" u="none" strike="noStrike">
-                        <a:solidFill>
-                          <a:srgbClr val="000000"/>
-                        </a:solidFill>
-                        <a:effectLst/>
-                        <a:latin typeface="Calibri"/>
-                      </a:endParaRPr>
-                    </a:p>
-                  </a:txBody>
-                  <a:tcPr marL="9525" marR="9525" marT="9525" marB="0" anchor="b"/>
-                </a:tc>
-                <a:tc>
-                  <a:txBody>
-                    <a:bodyPr/>
-                    <a:lstStyle/>
-                    <a:p>
-                      <a:pPr algn="l" fontAlgn="b"/>
-                      <a:endParaRPr lang="en-US" sz="1100" b="0" i="0" u="none" strike="noStrike">
+                      <a:endParaRPr lang="en-US" sz="1100" b="0" i="0" u="none" strike="noStrike" dirty="0">
                         <a:solidFill>
                           <a:srgbClr val="000000"/>
                         </a:solidFill>
@@ -16548,8 +16583,18 @@
                     <a:bodyPr/>
                     <a:lstStyle/>
                     <a:p>
-                      <a:pPr algn="l" fontAlgn="b"/>
-                      <a:endParaRPr lang="en-US" sz="1100" b="0" i="0" u="none" strike="noStrike">
+                      <a:pPr algn="r" fontAlgn="b"/>
+                      <a:r>
+                        <a:rPr lang="en-US" sz="1100" b="0" i="0" u="none" strike="noStrike" dirty="0" smtClean="0">
+                          <a:solidFill>
+                            <a:srgbClr val="000000"/>
+                          </a:solidFill>
+                          <a:effectLst/>
+                          <a:latin typeface="Calibri"/>
+                        </a:rPr>
+                        <a:t>0</a:t>
+                      </a:r>
+                      <a:endParaRPr lang="en-US" sz="1100" b="0" i="0" u="none" strike="noStrike" dirty="0">
                         <a:solidFill>
                           <a:srgbClr val="000000"/>
                         </a:solidFill>
@@ -16638,12 +16683,12 @@
                     <a:p>
                       <a:pPr algn="r" fontAlgn="b"/>
                       <a:r>
-                        <a:rPr lang="en-US" sz="1100" u="none" strike="noStrike">
+                        <a:rPr lang="en-US" sz="1100" u="none" strike="noStrike" dirty="0">
                           <a:effectLst/>
                         </a:rPr>
                         <a:t>1</a:t>
                       </a:r>
-                      <a:endParaRPr lang="en-US" sz="1100" b="0" i="0" u="none" strike="noStrike">
+                      <a:endParaRPr lang="en-US" sz="1100" b="0" i="0" u="none" strike="noStrike" dirty="0">
                         <a:solidFill>
                           <a:srgbClr val="000000"/>
                         </a:solidFill>
@@ -16661,12 +16706,12 @@
                     <a:p>
                       <a:pPr algn="r" fontAlgn="b"/>
                       <a:r>
-                        <a:rPr lang="en-US" sz="1100" u="none" strike="noStrike">
+                        <a:rPr lang="en-US" sz="1100" u="none" strike="noStrike" dirty="0">
                           <a:effectLst/>
                         </a:rPr>
                         <a:t>1</a:t>
                       </a:r>
-                      <a:endParaRPr lang="en-US" sz="1100" b="0" i="0" u="none" strike="noStrike">
+                      <a:endParaRPr lang="en-US" sz="1100" b="0" i="0" u="none" strike="noStrike" dirty="0">
                         <a:solidFill>
                           <a:srgbClr val="000000"/>
                         </a:solidFill>
@@ -19960,12 +20005,12 @@
           <a:lstStyle/>
           <a:p>
             <a:r>
-              <a:rPr lang="en-US" dirty="0"/>
-              <a:t>Rough </a:t>
+              <a:rPr lang="en-US" smtClean="0"/>
+              <a:t>Interface </a:t>
             </a:r>
             <a:r>
               <a:rPr lang="en-US" dirty="0" smtClean="0"/>
-              <a:t>Interface -  Demo</a:t>
+              <a:t>-  Demo</a:t>
             </a:r>
             <a:endParaRPr lang="en-US" dirty="0"/>
           </a:p>

--- a/Iteration 3 PowerPoint/Team 3 Iteration 3.pptx
+++ b/Iteration 3 PowerPoint/Team 3 Iteration 3.pptx
@@ -18,9 +18,9 @@
     <p:sldId id="275" r:id="rId6"/>
     <p:sldId id="276" r:id="rId7"/>
     <p:sldId id="277" r:id="rId8"/>
-    <p:sldId id="273" r:id="rId9"/>
-    <p:sldId id="278" r:id="rId10"/>
-    <p:sldId id="257" r:id="rId11"/>
+    <p:sldId id="278" r:id="rId9"/>
+    <p:sldId id="257" r:id="rId10"/>
+    <p:sldId id="273" r:id="rId11"/>
   </p:sldIdLst>
   <p:sldSz cx="9144000" cy="6858000" type="screen4x3"/>
   <p:notesSz cx="6858000" cy="9144000"/>
@@ -204,7 +204,7 @@
           <a:p>
             <a:fld id="{B8A304AA-2D58-F447-8E23-649D73DC13B5}" type="datetimeFigureOut">
               <a:rPr lang="en-US" smtClean="0"/>
-              <a:t>11/17/2013</a:t>
+              <a:t>11/18/2013</a:t>
             </a:fld>
             <a:endParaRPr lang="en-US"/>
           </a:p>
@@ -370,7 +370,7 @@
           <a:p>
             <a:fld id="{FAD43DC9-2C55-C344-8A96-C6C167460FA1}" type="datetimeFigureOut">
               <a:rPr lang="en-US" smtClean="0"/>
-              <a:t>11/17/2013</a:t>
+              <a:t>11/18/2013</a:t>
             </a:fld>
             <a:endParaRPr lang="en-US"/>
           </a:p>
@@ -833,7 +833,7 @@
           <a:p>
             <a:fld id="{A81A36A7-36E7-0646-A127-2918D2CDE0B9}" type="datetime1">
               <a:rPr lang="en-US" smtClean="0"/>
-              <a:t>11/17/2013</a:t>
+              <a:t>11/18/2013</a:t>
             </a:fld>
             <a:endParaRPr lang="en-US"/>
           </a:p>
@@ -998,7 +998,7 @@
           <a:p>
             <a:fld id="{82605E26-E05F-2C42-A3E8-4D777783327E}" type="datetime1">
               <a:rPr lang="en-US" smtClean="0"/>
-              <a:t>11/17/2013</a:t>
+              <a:t>11/18/2013</a:t>
             </a:fld>
             <a:endParaRPr lang="en-US"/>
           </a:p>
@@ -1173,7 +1173,7 @@
           <a:p>
             <a:fld id="{1D104BC7-F9E8-DB4C-81F3-9D611099FDC1}" type="datetime1">
               <a:rPr lang="en-US" smtClean="0"/>
-              <a:t>11/17/2013</a:t>
+              <a:t>11/18/2013</a:t>
             </a:fld>
             <a:endParaRPr lang="en-US"/>
           </a:p>
@@ -1338,7 +1338,7 @@
           <a:p>
             <a:fld id="{3CA39466-905A-9442-AC9C-B59CCA223ECD}" type="datetime1">
               <a:rPr lang="en-US" smtClean="0"/>
-              <a:t>11/17/2013</a:t>
+              <a:t>11/18/2013</a:t>
             </a:fld>
             <a:endParaRPr lang="en-US"/>
           </a:p>
@@ -1579,7 +1579,7 @@
           <a:p>
             <a:fld id="{4593E49D-A072-9C40-9FEA-506624AFE44E}" type="datetime1">
               <a:rPr lang="en-US" smtClean="0"/>
-              <a:t>11/17/2013</a:t>
+              <a:t>11/18/2013</a:t>
             </a:fld>
             <a:endParaRPr lang="en-US"/>
           </a:p>
@@ -1862,7 +1862,7 @@
           <a:p>
             <a:fld id="{A5DF426D-DD9D-4245-9C41-5592303977E9}" type="datetime1">
               <a:rPr lang="en-US" smtClean="0"/>
-              <a:t>11/17/2013</a:t>
+              <a:t>11/18/2013</a:t>
             </a:fld>
             <a:endParaRPr lang="en-US"/>
           </a:p>
@@ -2291,7 +2291,7 @@
           <a:p>
             <a:fld id="{99EA5504-74F4-0D43-87A8-72D4D5553C7C}" type="datetime1">
               <a:rPr lang="en-US" smtClean="0"/>
-              <a:t>11/17/2013</a:t>
+              <a:t>11/18/2013</a:t>
             </a:fld>
             <a:endParaRPr lang="en-US"/>
           </a:p>
@@ -2404,7 +2404,7 @@
           <a:p>
             <a:fld id="{0266B2C2-8497-4948-B22D-4774622250E2}" type="datetime1">
               <a:rPr lang="en-US" smtClean="0"/>
-              <a:t>11/17/2013</a:t>
+              <a:t>11/18/2013</a:t>
             </a:fld>
             <a:endParaRPr lang="en-US"/>
           </a:p>
@@ -2494,7 +2494,7 @@
           <a:p>
             <a:fld id="{300877AA-40C4-354E-9F32-8FBB0F97559F}" type="datetime1">
               <a:rPr lang="en-US" smtClean="0"/>
-              <a:t>11/17/2013</a:t>
+              <a:t>11/18/2013</a:t>
             </a:fld>
             <a:endParaRPr lang="en-US"/>
           </a:p>
@@ -2683,7 +2683,7 @@
           <a:p>
             <a:fld id="{9C8930EF-17A6-C94B-A1D5-CA65A8B66ED0}" type="datetime1">
               <a:rPr lang="en-US" smtClean="0"/>
-              <a:t>11/17/2013</a:t>
+              <a:t>11/18/2013</a:t>
             </a:fld>
             <a:endParaRPr lang="en-US"/>
           </a:p>
@@ -3001,7 +3001,7 @@
           <a:p>
             <a:fld id="{17D5EC16-DF76-DD4A-A244-FD601146A7DC}" type="datetime1">
               <a:rPr lang="en-US" smtClean="0"/>
-              <a:t>11/17/2013</a:t>
+              <a:t>11/18/2013</a:t>
             </a:fld>
             <a:endParaRPr lang="en-US"/>
           </a:p>
@@ -3380,7 +3380,7 @@
           <a:p>
             <a:fld id="{C4343423-2601-CD4D-AF7E-7A2A726B4B4C}" type="datetime1">
               <a:rPr lang="en-US" smtClean="0"/>
-              <a:t>11/17/2013</a:t>
+              <a:t>11/18/2013</a:t>
             </a:fld>
             <a:endParaRPr lang="en-US"/>
           </a:p>
@@ -3848,7 +3848,11 @@
           <a:p>
             <a:r>
               <a:rPr lang="en-US" dirty="0" smtClean="0"/>
-              <a:t>Final Presentation</a:t>
+              <a:t>Prototype-  </a:t>
+            </a:r>
+            <a:r>
+              <a:rPr lang="en-US" dirty="0" smtClean="0"/>
+              <a:t>Demo</a:t>
             </a:r>
             <a:endParaRPr lang="en-US" dirty="0"/>
           </a:p>
@@ -3875,17 +3879,16 @@
             <a:endParaRPr lang="en-US" dirty="0" smtClean="0"/>
           </a:p>
           <a:p>
-            <a:r>
-              <a:rPr lang="en-US" dirty="0" smtClean="0"/>
-              <a:t>Testing</a:t>
-            </a:r>
+            <a:pPr marL="114300" indent="0">
+              <a:buNone/>
+            </a:pPr>
+            <a:endParaRPr lang="en-US" dirty="0" smtClean="0"/>
           </a:p>
           <a:p>
-            <a:r>
-              <a:rPr lang="en-US" smtClean="0"/>
-              <a:t>Bug fixes</a:t>
-            </a:r>
-            <a:endParaRPr lang="en-US" dirty="0" smtClean="0"/>
+            <a:pPr marL="114300" indent="0">
+              <a:buNone/>
+            </a:pPr>
+            <a:endParaRPr lang="en-US" dirty="0"/>
           </a:p>
         </p:txBody>
       </p:sp>
@@ -3915,7 +3918,7 @@
     </p:spTree>
     <p:extLst>
       <p:ext uri="{BB962C8B-B14F-4D97-AF65-F5344CB8AC3E}">
-        <p14:creationId xmlns:p14="http://schemas.microsoft.com/office/powerpoint/2010/main" val="2464282712"/>
+        <p14:creationId xmlns:p14="http://schemas.microsoft.com/office/powerpoint/2010/main" val="1273751047"/>
       </p:ext>
     </p:extLst>
   </p:cSld>
@@ -4021,23 +4024,9 @@
           <a:p>
             <a:r>
               <a:rPr lang="en-US" dirty="0" smtClean="0"/>
-              <a:t>Bug </a:t>
-            </a:r>
-            <a:r>
-              <a:rPr lang="en-US" dirty="0" smtClean="0"/>
-              <a:t>Tracking</a:t>
+              <a:t>Bug Tracking</a:t>
             </a:r>
             <a:endParaRPr lang="en-US" dirty="0"/>
-          </a:p>
-          <a:p>
-            <a:r>
-              <a:rPr lang="en-US" dirty="0"/>
-              <a:t>Prototype </a:t>
-            </a:r>
-            <a:r>
-              <a:rPr lang="en-US" dirty="0" smtClean="0"/>
-              <a:t>Demo</a:t>
-            </a:r>
           </a:p>
           <a:p>
             <a:r>
@@ -4052,11 +4041,13 @@
           <a:p>
             <a:r>
               <a:rPr lang="en-US" dirty="0" smtClean="0"/>
-              <a:t>Final </a:t>
+              <a:t>Final Presentation</a:t>
             </a:r>
+          </a:p>
+          <a:p>
             <a:r>
-              <a:rPr lang="en-US" dirty="0" smtClean="0"/>
-              <a:t>Presentation</a:t>
+              <a:rPr lang="en-US" dirty="0"/>
+              <a:t>Prototype Demo</a:t>
             </a:r>
           </a:p>
           <a:p>
@@ -15009,7 +15000,11 @@
           <a:p>
             <a:r>
               <a:rPr lang="en-US" dirty="0" smtClean="0"/>
-              <a:t>Increment 3Deliverables</a:t>
+              <a:t>Increment </a:t>
+            </a:r>
+            <a:r>
+              <a:rPr lang="en-US" dirty="0" smtClean="0"/>
+              <a:t>3 Deliverables</a:t>
             </a:r>
             <a:endParaRPr lang="en-US" dirty="0"/>
           </a:p>
@@ -20005,127 +20000,6 @@
           <a:lstStyle/>
           <a:p>
             <a:r>
-              <a:rPr lang="en-US" smtClean="0"/>
-              <a:t>Interface </a:t>
-            </a:r>
-            <a:r>
-              <a:rPr lang="en-US" dirty="0" smtClean="0"/>
-              <a:t>-  Demo</a:t>
-            </a:r>
-            <a:endParaRPr lang="en-US" dirty="0"/>
-          </a:p>
-        </p:txBody>
-      </p:sp>
-      <p:sp>
-        <p:nvSpPr>
-          <p:cNvPr id="3" name="Content Placeholder 2"/>
-          <p:cNvSpPr>
-            <a:spLocks noGrp="1"/>
-          </p:cNvSpPr>
-          <p:nvPr>
-            <p:ph idx="1"/>
-          </p:nvPr>
-        </p:nvSpPr>
-        <p:spPr/>
-        <p:txBody>
-          <a:bodyPr/>
-          <a:lstStyle/>
-          <a:p>
-            <a:pPr marL="114300" indent="0">
-              <a:buNone/>
-            </a:pPr>
-            <a:endParaRPr lang="en-US" dirty="0" smtClean="0"/>
-          </a:p>
-          <a:p>
-            <a:pPr marL="114300" indent="0">
-              <a:buNone/>
-            </a:pPr>
-            <a:endParaRPr lang="en-US" dirty="0" smtClean="0"/>
-          </a:p>
-          <a:p>
-            <a:pPr marL="114300" indent="0">
-              <a:buNone/>
-            </a:pPr>
-            <a:endParaRPr lang="en-US" dirty="0"/>
-          </a:p>
-        </p:txBody>
-      </p:sp>
-      <p:sp>
-        <p:nvSpPr>
-          <p:cNvPr id="4" name="Slide Number Placeholder 3"/>
-          <p:cNvSpPr>
-            <a:spLocks noGrp="1"/>
-          </p:cNvSpPr>
-          <p:nvPr>
-            <p:ph type="sldNum" sz="quarter" idx="12"/>
-          </p:nvPr>
-        </p:nvSpPr>
-        <p:spPr/>
-        <p:txBody>
-          <a:bodyPr/>
-          <a:lstStyle/>
-          <a:p>
-            <a:fld id="{47DBC36D-8629-4A26-B3EA-358F99E6BE49}" type="slidenum">
-              <a:rPr lang="en-US" smtClean="0"/>
-              <a:t>8</a:t>
-            </a:fld>
-            <a:endParaRPr lang="en-US"/>
-          </a:p>
-        </p:txBody>
-      </p:sp>
-    </p:spTree>
-    <p:extLst>
-      <p:ext uri="{BB962C8B-B14F-4D97-AF65-F5344CB8AC3E}">
-        <p14:creationId xmlns:p14="http://schemas.microsoft.com/office/powerpoint/2010/main" val="1273751047"/>
-      </p:ext>
-    </p:extLst>
-  </p:cSld>
-  <p:clrMapOvr>
-    <a:masterClrMapping/>
-  </p:clrMapOvr>
-  <p:timing>
-    <p:tnLst>
-      <p:par>
-        <p:cTn id="1" dur="indefinite" restart="never" nodeType="tmRoot"/>
-      </p:par>
-    </p:tnLst>
-  </p:timing>
-</p:sld>
-</file>
-
-<file path=ppt/slides/slide9.xml><?xml version="1.0" encoding="utf-8"?>
-<p:sld xmlns:a="http://schemas.openxmlformats.org/drawingml/2006/main" xmlns:r="http://schemas.openxmlformats.org/officeDocument/2006/relationships" xmlns:p="http://schemas.openxmlformats.org/presentationml/2006/main">
-  <p:cSld>
-    <p:spTree>
-      <p:nvGrpSpPr>
-        <p:cNvPr id="1" name=""/>
-        <p:cNvGrpSpPr/>
-        <p:nvPr/>
-      </p:nvGrpSpPr>
-      <p:grpSpPr>
-        <a:xfrm>
-          <a:off x="0" y="0"/>
-          <a:ext cx="0" cy="0"/>
-          <a:chOff x="0" y="0"/>
-          <a:chExt cx="0" cy="0"/>
-        </a:xfrm>
-      </p:grpSpPr>
-      <p:sp>
-        <p:nvSpPr>
-          <p:cNvPr id="2" name="Title 1"/>
-          <p:cNvSpPr>
-            <a:spLocks noGrp="1"/>
-          </p:cNvSpPr>
-          <p:nvPr>
-            <p:ph type="title"/>
-          </p:nvPr>
-        </p:nvSpPr>
-        <p:spPr/>
-        <p:txBody>
-          <a:bodyPr/>
-          <a:lstStyle/>
-          <a:p>
-            <a:r>
               <a:rPr lang="en-US" dirty="0" smtClean="0"/>
               <a:t>Code Walk Through</a:t>
             </a:r>
@@ -20169,7 +20043,7 @@
           <a:p>
             <a:fld id="{47DBC36D-8629-4A26-B3EA-358F99E6BE49}" type="slidenum">
               <a:rPr lang="en-US" smtClean="0"/>
-              <a:t>9</a:t>
+              <a:t>8</a:t>
             </a:fld>
             <a:endParaRPr lang="en-US"/>
           </a:p>
@@ -20185,6 +20059,124 @@
   <p:clrMapOvr>
     <a:masterClrMapping/>
   </p:clrMapOvr>
+</p:sld>
+</file>
+
+<file path=ppt/slides/slide9.xml><?xml version="1.0" encoding="utf-8"?>
+<p:sld xmlns:a="http://schemas.openxmlformats.org/drawingml/2006/main" xmlns:r="http://schemas.openxmlformats.org/officeDocument/2006/relationships" xmlns:p="http://schemas.openxmlformats.org/presentationml/2006/main">
+  <p:cSld>
+    <p:spTree>
+      <p:nvGrpSpPr>
+        <p:cNvPr id="1" name=""/>
+        <p:cNvGrpSpPr/>
+        <p:nvPr/>
+      </p:nvGrpSpPr>
+      <p:grpSpPr>
+        <a:xfrm>
+          <a:off x="0" y="0"/>
+          <a:ext cx="0" cy="0"/>
+          <a:chOff x="0" y="0"/>
+          <a:chExt cx="0" cy="0"/>
+        </a:xfrm>
+      </p:grpSpPr>
+      <p:sp>
+        <p:nvSpPr>
+          <p:cNvPr id="2" name="Title 1"/>
+          <p:cNvSpPr>
+            <a:spLocks noGrp="1"/>
+          </p:cNvSpPr>
+          <p:nvPr>
+            <p:ph type="title"/>
+          </p:nvPr>
+        </p:nvSpPr>
+        <p:spPr/>
+        <p:txBody>
+          <a:bodyPr/>
+          <a:lstStyle/>
+          <a:p>
+            <a:r>
+              <a:rPr lang="en-US" dirty="0" smtClean="0"/>
+              <a:t>Final Presentation</a:t>
+            </a:r>
+            <a:endParaRPr lang="en-US" dirty="0"/>
+          </a:p>
+        </p:txBody>
+      </p:sp>
+      <p:sp>
+        <p:nvSpPr>
+          <p:cNvPr id="3" name="Content Placeholder 2"/>
+          <p:cNvSpPr>
+            <a:spLocks noGrp="1"/>
+          </p:cNvSpPr>
+          <p:nvPr>
+            <p:ph idx="1"/>
+          </p:nvPr>
+        </p:nvSpPr>
+        <p:spPr/>
+        <p:txBody>
+          <a:bodyPr/>
+          <a:lstStyle/>
+          <a:p>
+            <a:pPr marL="114300" indent="0">
+              <a:buNone/>
+            </a:pPr>
+            <a:endParaRPr lang="en-US" dirty="0" smtClean="0"/>
+          </a:p>
+          <a:p>
+            <a:r>
+              <a:rPr lang="en-US" dirty="0" smtClean="0"/>
+              <a:t>Testing</a:t>
+            </a:r>
+          </a:p>
+          <a:p>
+            <a:r>
+              <a:rPr lang="en-US" smtClean="0"/>
+              <a:t>Bug fixes</a:t>
+            </a:r>
+            <a:endParaRPr lang="en-US" dirty="0" smtClean="0"/>
+          </a:p>
+        </p:txBody>
+      </p:sp>
+      <p:sp>
+        <p:nvSpPr>
+          <p:cNvPr id="4" name="Slide Number Placeholder 3"/>
+          <p:cNvSpPr>
+            <a:spLocks noGrp="1"/>
+          </p:cNvSpPr>
+          <p:nvPr>
+            <p:ph type="sldNum" sz="quarter" idx="12"/>
+          </p:nvPr>
+        </p:nvSpPr>
+        <p:spPr/>
+        <p:txBody>
+          <a:bodyPr/>
+          <a:lstStyle/>
+          <a:p>
+            <a:fld id="{47DBC36D-8629-4A26-B3EA-358F99E6BE49}" type="slidenum">
+              <a:rPr lang="en-US" smtClean="0"/>
+              <a:t>9</a:t>
+            </a:fld>
+            <a:endParaRPr lang="en-US"/>
+          </a:p>
+        </p:txBody>
+      </p:sp>
+    </p:spTree>
+    <p:extLst>
+      <p:ext uri="{BB962C8B-B14F-4D97-AF65-F5344CB8AC3E}">
+        <p14:creationId xmlns:p14="http://schemas.microsoft.com/office/powerpoint/2010/main" val="2464282712"/>
+      </p:ext>
+    </p:extLst>
+  </p:cSld>
+  <p:clrMapOvr>
+    <a:masterClrMapping/>
+  </p:clrMapOvr>
+  <p:timing>
+    <p:tnLst>
+      <p:par>
+        <p:cTn id="1" dur="indefinite" restart="never" nodeType="tmRoot"/>
+      </p:par>
+    </p:tnLst>
+  </p:timing>
 </p:sld>
 </file>
 
